--- a/docs/powerpoint/Technical - WI Data Lake.pptx
+++ b/docs/powerpoint/Technical - WI Data Lake.pptx
@@ -5,18 +5,22 @@
     <p:sldMasterId id="2147483648" r:id="rId4"/>
   </p:sldMasterIdLst>
   <p:notesMasterIdLst>
-    <p:notesMasterId r:id="rId11"/>
+    <p:notesMasterId r:id="rId15"/>
   </p:notesMasterIdLst>
   <p:handoutMasterIdLst>
-    <p:handoutMasterId r:id="rId12"/>
+    <p:handoutMasterId r:id="rId16"/>
   </p:handoutMasterIdLst>
   <p:sldIdLst>
     <p:sldId id="342" r:id="rId5"/>
     <p:sldId id="359" r:id="rId6"/>
-    <p:sldId id="382" r:id="rId7"/>
-    <p:sldId id="385" r:id="rId8"/>
-    <p:sldId id="384" r:id="rId9"/>
-    <p:sldId id="386" r:id="rId10"/>
+    <p:sldId id="387" r:id="rId7"/>
+    <p:sldId id="388" r:id="rId8"/>
+    <p:sldId id="393" r:id="rId9"/>
+    <p:sldId id="389" r:id="rId10"/>
+    <p:sldId id="390" r:id="rId11"/>
+    <p:sldId id="391" r:id="rId12"/>
+    <p:sldId id="392" r:id="rId13"/>
+    <p:sldId id="386" r:id="rId14"/>
   </p:sldIdLst>
   <p:sldSz cx="12192000" cy="6858000"/>
   <p:notesSz cx="6858000" cy="9144000"/>
@@ -237,7 +241,7 @@
           <a:p>
             <a:fld id="{258BFD57-AB0A-470B-A7AF-56DFE7B5174A}" type="datetimeFigureOut">
               <a:rPr lang="en-US" smtClean="0"/>
-              <a:t>11/23/2024</a:t>
+              <a:t>12/1/2024</a:t>
             </a:fld>
             <a:endParaRPr lang="en-US" dirty="0"/>
           </a:p>
@@ -414,7 +418,7 @@
           <a:p>
             <a:fld id="{D4B3339F-6CEA-4641-BE08-40DAFD6FCF25}" type="datetimeFigureOut">
               <a:rPr lang="en-US" smtClean="0"/>
-              <a:t>11/23/2024</a:t>
+              <a:t>12/1/2024</a:t>
             </a:fld>
             <a:endParaRPr lang="en-US" dirty="0"/>
           </a:p>
@@ -953,102 +957,6 @@
           <a:bodyPr/>
           <a:lstStyle/>
           <a:p>
-            <a:r>
-              <a:rPr lang="en-US" dirty="0"/>
-              <a:t>https://careers.rtx.com/global/en/job/01736702/Data-Infrastructure-Lead#:~:text=Infrastructure%20Development:%20Oversee%20the%20full,retrieval%20speed%2C%20and%20system%20resilience.</a:t>
-            </a:r>
-          </a:p>
-          <a:p>
-            <a:endParaRPr lang="en-US" dirty="0"/>
-          </a:p>
-          <a:p>
-            <a:r>
-              <a:rPr lang="en-US" dirty="0"/>
-              <a:t>https://www.prattwhitney.com/en/blogs/airtime/2017/05/29/a-fully-connected-data-driven-engine-delivers-precision-and-performance#:~:text=Empowerment%20Through%20Data:%20the%20Future%20is%20Now&amp;text=While%20you%20are%20piloting%20a,by%20dispatching%20a%20needed%20part.&amp;text=You%20are%20an%20operator%20on,the%20Connected%20Engine%20video%20below.</a:t>
-            </a:r>
-          </a:p>
-        </p:txBody>
-      </p:sp>
-      <p:sp>
-        <p:nvSpPr>
-          <p:cNvPr id="4" name="Slide Number Placeholder 3"/>
-          <p:cNvSpPr>
-            <a:spLocks noGrp="1"/>
-          </p:cNvSpPr>
-          <p:nvPr>
-            <p:ph type="sldNum" sz="quarter" idx="5"/>
-          </p:nvPr>
-        </p:nvSpPr>
-        <p:spPr/>
-        <p:txBody>
-          <a:bodyPr/>
-          <a:lstStyle/>
-          <a:p>
-            <a:fld id="{DEF75CB5-5666-5049-9AE0-38EFD385C21E}" type="slidenum">
-              <a:rPr lang="en-US" smtClean="0"/>
-              <a:t>4</a:t>
-            </a:fld>
-            <a:endParaRPr lang="en-US" dirty="0"/>
-          </a:p>
-        </p:txBody>
-      </p:sp>
-    </p:spTree>
-    <p:extLst>
-      <p:ext uri="{BB962C8B-B14F-4D97-AF65-F5344CB8AC3E}">
-        <p14:creationId xmlns:p14="http://schemas.microsoft.com/office/powerpoint/2010/main" val="3572974613"/>
-      </p:ext>
-    </p:extLst>
-  </p:cSld>
-  <p:clrMapOvr>
-    <a:masterClrMapping/>
-  </p:clrMapOvr>
-</p:notes>
-</file>
-
-<file path=ppt/notesSlides/notesSlide4.xml><?xml version="1.0" encoding="utf-8"?>
-<p:notes xmlns:a="http://schemas.openxmlformats.org/drawingml/2006/main" xmlns:r="http://schemas.openxmlformats.org/officeDocument/2006/relationships" xmlns:p="http://schemas.openxmlformats.org/presentationml/2006/main">
-  <p:cSld>
-    <p:spTree>
-      <p:nvGrpSpPr>
-        <p:cNvPr id="1" name=""/>
-        <p:cNvGrpSpPr/>
-        <p:nvPr/>
-      </p:nvGrpSpPr>
-      <p:grpSpPr>
-        <a:xfrm>
-          <a:off x="0" y="0"/>
-          <a:ext cx="0" cy="0"/>
-          <a:chOff x="0" y="0"/>
-          <a:chExt cx="0" cy="0"/>
-        </a:xfrm>
-      </p:grpSpPr>
-      <p:sp>
-        <p:nvSpPr>
-          <p:cNvPr id="2" name="Slide Image Placeholder 1"/>
-          <p:cNvSpPr>
-            <a:spLocks noGrp="1" noRot="1" noChangeAspect="1"/>
-          </p:cNvSpPr>
-          <p:nvPr>
-            <p:ph type="sldImg"/>
-          </p:nvPr>
-        </p:nvSpPr>
-        <p:spPr/>
-      </p:sp>
-      <p:sp>
-        <p:nvSpPr>
-          <p:cNvPr id="3" name="Notes Placeholder 2"/>
-          <p:cNvSpPr>
-            <a:spLocks noGrp="1"/>
-          </p:cNvSpPr>
-          <p:nvPr>
-            <p:ph type="body" idx="1"/>
-          </p:nvPr>
-        </p:nvSpPr>
-        <p:spPr/>
-        <p:txBody>
-          <a:bodyPr/>
-          <a:lstStyle/>
-          <a:p>
             <a:endParaRPr lang="en-US" dirty="0"/>
           </a:p>
         </p:txBody>
@@ -1070,7 +978,7 @@
           <a:p>
             <a:fld id="{DEF75CB5-5666-5049-9AE0-38EFD385C21E}" type="slidenum">
               <a:rPr lang="en-US" smtClean="0"/>
-              <a:t>6</a:t>
+              <a:t>10</a:t>
             </a:fld>
             <a:endParaRPr lang="en-US" dirty="0"/>
           </a:p>
@@ -9834,6 +9742,108 @@
 </p:sld>
 </file>
 
+<file path=ppt/slides/slide10.xml><?xml version="1.0" encoding="utf-8"?>
+<p:sld xmlns:a="http://schemas.openxmlformats.org/drawingml/2006/main" xmlns:r="http://schemas.openxmlformats.org/officeDocument/2006/relationships" xmlns:p="http://schemas.openxmlformats.org/presentationml/2006/main">
+  <p:cSld>
+    <p:spTree>
+      <p:nvGrpSpPr>
+        <p:cNvPr id="1" name=""/>
+        <p:cNvGrpSpPr/>
+        <p:nvPr/>
+      </p:nvGrpSpPr>
+      <p:grpSpPr>
+        <a:xfrm>
+          <a:off x="0" y="0"/>
+          <a:ext cx="0" cy="0"/>
+          <a:chOff x="0" y="0"/>
+          <a:chExt cx="0" cy="0"/>
+        </a:xfrm>
+      </p:grpSpPr>
+      <p:sp>
+        <p:nvSpPr>
+          <p:cNvPr id="24" name="Title 1">
+            <a:extLst>
+              <a:ext uri="{FF2B5EF4-FFF2-40B4-BE49-F238E27FC236}">
+                <a16:creationId xmlns:a16="http://schemas.microsoft.com/office/drawing/2014/main" id="{CE1ABEC8-43FD-4F21-A7D2-70200D86263C}"/>
+              </a:ext>
+            </a:extLst>
+          </p:cNvPr>
+          <p:cNvSpPr>
+            <a:spLocks noGrp="1"/>
+          </p:cNvSpPr>
+          <p:nvPr>
+            <p:ph type="title"/>
+          </p:nvPr>
+        </p:nvSpPr>
+        <p:spPr>
+          <a:xfrm>
+            <a:off x="835831" y="173735"/>
+            <a:ext cx="4409514" cy="2203704"/>
+          </a:xfrm>
+        </p:spPr>
+        <p:txBody>
+          <a:bodyPr/>
+          <a:lstStyle/>
+          <a:p>
+            <a:r>
+              <a:rPr lang="en-US" dirty="0"/>
+              <a:t>THANK YOU</a:t>
+            </a:r>
+          </a:p>
+        </p:txBody>
+      </p:sp>
+      <p:sp>
+        <p:nvSpPr>
+          <p:cNvPr id="14" name="Text Placeholder 2">
+            <a:extLst>
+              <a:ext uri="{FF2B5EF4-FFF2-40B4-BE49-F238E27FC236}">
+                <a16:creationId xmlns:a16="http://schemas.microsoft.com/office/drawing/2014/main" id="{AE5F2E56-9F77-E1C2-EC04-EA959822CA61}"/>
+              </a:ext>
+            </a:extLst>
+          </p:cNvPr>
+          <p:cNvSpPr>
+            <a:spLocks noGrp="1"/>
+          </p:cNvSpPr>
+          <p:nvPr>
+            <p:ph sz="quarter" idx="14"/>
+          </p:nvPr>
+        </p:nvSpPr>
+        <p:spPr>
+          <a:xfrm>
+            <a:off x="831850" y="3079119"/>
+            <a:ext cx="4413250" cy="2752725"/>
+          </a:xfrm>
+        </p:spPr>
+        <p:txBody>
+          <a:bodyPr/>
+          <a:lstStyle/>
+          <a:p>
+            <a:r>
+              <a:rPr lang="en-US" dirty="0"/>
+              <a:t>Simon Lidwell​</a:t>
+            </a:r>
+          </a:p>
+          <a:p>
+            <a:r>
+              <a:rPr lang="en-US" dirty="0"/>
+              <a:t>slidwell@oakland.edu</a:t>
+            </a:r>
+          </a:p>
+        </p:txBody>
+      </p:sp>
+    </p:spTree>
+    <p:extLst>
+      <p:ext uri="{BB962C8B-B14F-4D97-AF65-F5344CB8AC3E}">
+        <p14:creationId xmlns:p14="http://schemas.microsoft.com/office/powerpoint/2010/main" val="3408736111"/>
+      </p:ext>
+    </p:extLst>
+  </p:cSld>
+  <p:clrMapOvr>
+    <a:masterClrMapping/>
+  </p:clrMapOvr>
+</p:sld>
+</file>
+
 <file path=ppt/slides/slide2.xml><?xml version="1.0" encoding="utf-8"?>
 <p:sld xmlns:a="http://schemas.openxmlformats.org/drawingml/2006/main" xmlns:r="http://schemas.openxmlformats.org/officeDocument/2006/relationships" xmlns:p="http://schemas.openxmlformats.org/presentationml/2006/main">
   <p:cSld>
@@ -9940,37 +9950,37 @@
           <a:p>
             <a:r>
               <a:rPr lang="en-US" dirty="0"/>
-              <a:t>Organization/Industry Description</a:t>
+              <a:t>Data Lakes</a:t>
             </a:r>
           </a:p>
           <a:p>
             <a:r>
               <a:rPr lang="en-US" dirty="0"/>
-              <a:t>Problem Description</a:t>
+              <a:t>Data Movement</a:t>
             </a:r>
           </a:p>
           <a:p>
             <a:r>
               <a:rPr lang="en-US" dirty="0"/>
-              <a:t>Problem Solution</a:t>
+              <a:t>API</a:t>
             </a:r>
           </a:p>
           <a:p>
             <a:r>
               <a:rPr lang="en-US" dirty="0"/>
-              <a:t>Evaluation of Potential Solutions</a:t>
+              <a:t>SQL Server</a:t>
             </a:r>
           </a:p>
           <a:p>
             <a:r>
               <a:rPr lang="en-US" dirty="0"/>
-              <a:t>Business Benefits</a:t>
+              <a:t>Kafka</a:t>
             </a:r>
           </a:p>
           <a:p>
             <a:r>
               <a:rPr lang="en-US" dirty="0"/>
-              <a:t>Conclusion</a:t>
+              <a:t>RavenDB</a:t>
             </a:r>
           </a:p>
         </p:txBody>
@@ -10010,7 +10020,7 @@
           <p:cNvPr id="2" name="Title 1">
             <a:extLst>
               <a:ext uri="{FF2B5EF4-FFF2-40B4-BE49-F238E27FC236}">
-                <a16:creationId xmlns:a16="http://schemas.microsoft.com/office/drawing/2014/main" id="{DF81D4A1-A0DF-EA45-1FCD-01C540830EF0}"/>
+                <a16:creationId xmlns:a16="http://schemas.microsoft.com/office/drawing/2014/main" id="{ACFB289A-8ABC-A908-7EA6-70DBE2A44F0B}"/>
               </a:ext>
             </a:extLst>
           </p:cNvPr>
@@ -10028,79 +10038,8 @@
           <a:p>
             <a:r>
               <a:rPr lang="en-US" dirty="0"/>
-              <a:t>Williams international</a:t>
+              <a:t>Data Lakes</a:t>
             </a:r>
-          </a:p>
-        </p:txBody>
-      </p:sp>
-      <p:sp>
-        <p:nvSpPr>
-          <p:cNvPr id="3" name="Content Placeholder 2">
-            <a:extLst>
-              <a:ext uri="{FF2B5EF4-FFF2-40B4-BE49-F238E27FC236}">
-                <a16:creationId xmlns:a16="http://schemas.microsoft.com/office/drawing/2014/main" id="{7F4C1BA2-0B73-424E-11C3-4D74F1503449}"/>
-              </a:ext>
-            </a:extLst>
-          </p:cNvPr>
-          <p:cNvSpPr>
-            <a:spLocks noGrp="1"/>
-          </p:cNvSpPr>
-          <p:nvPr>
-            <p:ph sz="quarter" idx="35"/>
-          </p:nvPr>
-        </p:nvSpPr>
-        <p:spPr/>
-        <p:txBody>
-          <a:bodyPr/>
-          <a:lstStyle/>
-          <a:p>
-            <a:r>
-              <a:rPr lang="en-US" dirty="0"/>
-              <a:t>Aerospace</a:t>
-            </a:r>
-          </a:p>
-          <a:p>
-            <a:r>
-              <a:rPr lang="en-US" dirty="0"/>
-              <a:t>Manufacturing</a:t>
-            </a:r>
-          </a:p>
-          <a:p>
-            <a:r>
-              <a:rPr lang="en-US" dirty="0"/>
-              <a:t>Commercial</a:t>
-            </a:r>
-          </a:p>
-          <a:p>
-            <a:r>
-              <a:rPr lang="en-US" dirty="0"/>
-              <a:t>Defense</a:t>
-            </a:r>
-          </a:p>
-        </p:txBody>
-      </p:sp>
-      <p:sp>
-        <p:nvSpPr>
-          <p:cNvPr id="4" name="Content Placeholder 3">
-            <a:extLst>
-              <a:ext uri="{FF2B5EF4-FFF2-40B4-BE49-F238E27FC236}">
-                <a16:creationId xmlns:a16="http://schemas.microsoft.com/office/drawing/2014/main" id="{61EAA157-A285-8B75-D1F3-6C710C793C74}"/>
-              </a:ext>
-            </a:extLst>
-          </p:cNvPr>
-          <p:cNvSpPr>
-            <a:spLocks noGrp="1"/>
-          </p:cNvSpPr>
-          <p:nvPr>
-            <p:ph sz="quarter" idx="36"/>
-          </p:nvPr>
-        </p:nvSpPr>
-        <p:spPr/>
-        <p:txBody>
-          <a:bodyPr/>
-          <a:lstStyle/>
-          <a:p>
-            <a:endParaRPr lang="en-US" dirty="0"/>
           </a:p>
         </p:txBody>
       </p:sp>
@@ -10109,7 +10048,7 @@
           <p:cNvPr id="5" name="Slide Number Placeholder 4">
             <a:extLst>
               <a:ext uri="{FF2B5EF4-FFF2-40B4-BE49-F238E27FC236}">
-                <a16:creationId xmlns:a16="http://schemas.microsoft.com/office/drawing/2014/main" id="{E28B51AC-D17F-DC2A-5C37-34783186C263}"/>
+                <a16:creationId xmlns:a16="http://schemas.microsoft.com/office/drawing/2014/main" id="{9808E743-EE68-FF32-CD27-34639F8276E8}"/>
               </a:ext>
             </a:extLst>
           </p:cNvPr>
@@ -10134,10 +10073,5342 @@
           </a:p>
         </p:txBody>
       </p:sp>
+      <p:graphicFrame>
+        <p:nvGraphicFramePr>
+          <p:cNvPr id="6" name="Table 5">
+            <a:extLst>
+              <a:ext uri="{FF2B5EF4-FFF2-40B4-BE49-F238E27FC236}">
+                <a16:creationId xmlns:a16="http://schemas.microsoft.com/office/drawing/2014/main" id="{2C230A3C-D579-ACDA-1B5F-2454EF7AC905}"/>
+              </a:ext>
+            </a:extLst>
+          </p:cNvPr>
+          <p:cNvGraphicFramePr>
+            <a:graphicFrameLocks noGrp="1"/>
+          </p:cNvGraphicFramePr>
+          <p:nvPr>
+            <p:extLst>
+              <p:ext uri="{D42A27DB-BD31-4B8C-83A1-F6EECF244321}">
+                <p14:modId xmlns:p14="http://schemas.microsoft.com/office/powerpoint/2010/main" val="1607490694"/>
+              </p:ext>
+            </p:extLst>
+          </p:nvPr>
+        </p:nvGraphicFramePr>
+        <p:xfrm>
+          <a:off x="925452" y="1906256"/>
+          <a:ext cx="10133444" cy="4521262"/>
+        </p:xfrm>
+        <a:graphic>
+          <a:graphicData uri="http://schemas.openxmlformats.org/drawingml/2006/table">
+            <a:tbl>
+              <a:tblPr>
+                <a:tableStyleId>{10A1B5D5-9B99-4C35-A422-299274C87663}</a:tableStyleId>
+              </a:tblPr>
+              <a:tblGrid>
+                <a:gridCol w="1229787">
+                  <a:extLst>
+                    <a:ext uri="{9D8B030D-6E8A-4147-A177-3AD203B41FA5}">
+                      <a16:colId xmlns:a16="http://schemas.microsoft.com/office/drawing/2014/main" val="3200132128"/>
+                    </a:ext>
+                  </a:extLst>
+                </a:gridCol>
+                <a:gridCol w="1271951">
+                  <a:extLst>
+                    <a:ext uri="{9D8B030D-6E8A-4147-A177-3AD203B41FA5}">
+                      <a16:colId xmlns:a16="http://schemas.microsoft.com/office/drawing/2014/main" val="2846061533"/>
+                    </a:ext>
+                  </a:extLst>
+                </a:gridCol>
+                <a:gridCol w="1271951">
+                  <a:extLst>
+                    <a:ext uri="{9D8B030D-6E8A-4147-A177-3AD203B41FA5}">
+                      <a16:colId xmlns:a16="http://schemas.microsoft.com/office/drawing/2014/main" val="4214708827"/>
+                    </a:ext>
+                  </a:extLst>
+                </a:gridCol>
+                <a:gridCol w="1271951">
+                  <a:extLst>
+                    <a:ext uri="{9D8B030D-6E8A-4147-A177-3AD203B41FA5}">
+                      <a16:colId xmlns:a16="http://schemas.microsoft.com/office/drawing/2014/main" val="987095366"/>
+                    </a:ext>
+                  </a:extLst>
+                </a:gridCol>
+                <a:gridCol w="1271951">
+                  <a:extLst>
+                    <a:ext uri="{9D8B030D-6E8A-4147-A177-3AD203B41FA5}">
+                      <a16:colId xmlns:a16="http://schemas.microsoft.com/office/drawing/2014/main" val="892187299"/>
+                    </a:ext>
+                  </a:extLst>
+                </a:gridCol>
+                <a:gridCol w="1271951">
+                  <a:extLst>
+                    <a:ext uri="{9D8B030D-6E8A-4147-A177-3AD203B41FA5}">
+                      <a16:colId xmlns:a16="http://schemas.microsoft.com/office/drawing/2014/main" val="2979466028"/>
+                    </a:ext>
+                  </a:extLst>
+                </a:gridCol>
+                <a:gridCol w="1271951">
+                  <a:extLst>
+                    <a:ext uri="{9D8B030D-6E8A-4147-A177-3AD203B41FA5}">
+                      <a16:colId xmlns:a16="http://schemas.microsoft.com/office/drawing/2014/main" val="505724300"/>
+                    </a:ext>
+                  </a:extLst>
+                </a:gridCol>
+                <a:gridCol w="1271951">
+                  <a:extLst>
+                    <a:ext uri="{9D8B030D-6E8A-4147-A177-3AD203B41FA5}">
+                      <a16:colId xmlns:a16="http://schemas.microsoft.com/office/drawing/2014/main" val="4054771157"/>
+                    </a:ext>
+                  </a:extLst>
+                </a:gridCol>
+              </a:tblGrid>
+              <a:tr h="101194">
+                <a:tc>
+                  <a:txBody>
+                    <a:bodyPr/>
+                    <a:lstStyle/>
+                    <a:p>
+                      <a:pPr algn="l" fontAlgn="ctr"/>
+                      <a:endParaRPr lang="en-US" sz="600" b="0" i="0" u="none" strike="noStrike">
+                        <a:solidFill>
+                          <a:srgbClr val="000000"/>
+                        </a:solidFill>
+                        <a:effectLst/>
+                        <a:latin typeface="Calibri" panose="020F0502020204030204" pitchFamily="34" charset="0"/>
+                      </a:endParaRPr>
+                    </a:p>
+                  </a:txBody>
+                  <a:tcPr marL="4216" marR="4216" marT="4216" marB="0" anchor="ctr"/>
+                </a:tc>
+                <a:tc>
+                  <a:txBody>
+                    <a:bodyPr/>
+                    <a:lstStyle/>
+                    <a:p>
+                      <a:pPr algn="ctr" fontAlgn="t"/>
+                      <a:endParaRPr lang="en-US" sz="600" b="0" i="0" u="none" strike="noStrike">
+                        <a:solidFill>
+                          <a:srgbClr val="000000"/>
+                        </a:solidFill>
+                        <a:effectLst/>
+                        <a:latin typeface="Calibri" panose="020F0502020204030204" pitchFamily="34" charset="0"/>
+                      </a:endParaRPr>
+                    </a:p>
+                  </a:txBody>
+                  <a:tcPr marL="4216" marR="4216" marT="4216" marB="0"/>
+                </a:tc>
+                <a:tc>
+                  <a:txBody>
+                    <a:bodyPr/>
+                    <a:lstStyle/>
+                    <a:p>
+                      <a:pPr algn="ctr" fontAlgn="t"/>
+                      <a:r>
+                        <a:rPr lang="en-US" sz="600" u="none" strike="noStrike">
+                          <a:effectLst/>
+                        </a:rPr>
+                        <a:t>Elastic - Enterprise</a:t>
+                      </a:r>
+                      <a:endParaRPr lang="en-US" sz="600" b="0" i="0" u="none" strike="noStrike">
+                        <a:solidFill>
+                          <a:srgbClr val="000000"/>
+                        </a:solidFill>
+                        <a:effectLst/>
+                        <a:latin typeface="Calibri" panose="020F0502020204030204" pitchFamily="34" charset="0"/>
+                      </a:endParaRPr>
+                    </a:p>
+                  </a:txBody>
+                  <a:tcPr marL="4216" marR="4216" marT="4216" marB="0"/>
+                </a:tc>
+                <a:tc>
+                  <a:txBody>
+                    <a:bodyPr/>
+                    <a:lstStyle/>
+                    <a:p>
+                      <a:pPr algn="ctr" fontAlgn="t"/>
+                      <a:r>
+                        <a:rPr lang="en-US" sz="600" u="none" strike="noStrike">
+                          <a:effectLst/>
+                        </a:rPr>
+                        <a:t>Mongo</a:t>
+                      </a:r>
+                      <a:endParaRPr lang="en-US" sz="600" b="0" i="0" u="none" strike="noStrike">
+                        <a:solidFill>
+                          <a:srgbClr val="000000"/>
+                        </a:solidFill>
+                        <a:effectLst/>
+                        <a:latin typeface="Calibri" panose="020F0502020204030204" pitchFamily="34" charset="0"/>
+                      </a:endParaRPr>
+                    </a:p>
+                  </a:txBody>
+                  <a:tcPr marL="4216" marR="4216" marT="4216" marB="0"/>
+                </a:tc>
+                <a:tc>
+                  <a:txBody>
+                    <a:bodyPr/>
+                    <a:lstStyle/>
+                    <a:p>
+                      <a:pPr algn="ctr" fontAlgn="t"/>
+                      <a:r>
+                        <a:rPr lang="en-US" sz="600" u="none" strike="noStrike">
+                          <a:effectLst/>
+                        </a:rPr>
+                        <a:t>Couchbase Server - Enterprise</a:t>
+                      </a:r>
+                      <a:endParaRPr lang="en-US" sz="600" b="0" i="0" u="none" strike="noStrike">
+                        <a:solidFill>
+                          <a:srgbClr val="000000"/>
+                        </a:solidFill>
+                        <a:effectLst/>
+                        <a:latin typeface="Calibri" panose="020F0502020204030204" pitchFamily="34" charset="0"/>
+                      </a:endParaRPr>
+                    </a:p>
+                  </a:txBody>
+                  <a:tcPr marL="4216" marR="4216" marT="4216" marB="0"/>
+                </a:tc>
+                <a:tc>
+                  <a:txBody>
+                    <a:bodyPr/>
+                    <a:lstStyle/>
+                    <a:p>
+                      <a:pPr algn="ctr" fontAlgn="t"/>
+                      <a:r>
+                        <a:rPr lang="en-US" sz="600" u="none" strike="noStrike">
+                          <a:effectLst/>
+                        </a:rPr>
+                        <a:t>OrientDB</a:t>
+                      </a:r>
+                      <a:endParaRPr lang="en-US" sz="600" b="0" i="0" u="none" strike="noStrike">
+                        <a:solidFill>
+                          <a:srgbClr val="000000"/>
+                        </a:solidFill>
+                        <a:effectLst/>
+                        <a:latin typeface="Calibri" panose="020F0502020204030204" pitchFamily="34" charset="0"/>
+                      </a:endParaRPr>
+                    </a:p>
+                  </a:txBody>
+                  <a:tcPr marL="4216" marR="4216" marT="4216" marB="0"/>
+                </a:tc>
+                <a:tc>
+                  <a:txBody>
+                    <a:bodyPr/>
+                    <a:lstStyle/>
+                    <a:p>
+                      <a:pPr algn="ctr" fontAlgn="t"/>
+                      <a:r>
+                        <a:rPr lang="en-US" sz="600" u="none" strike="noStrike">
+                          <a:effectLst/>
+                        </a:rPr>
+                        <a:t>RavenDB - Professional</a:t>
+                      </a:r>
+                      <a:endParaRPr lang="en-US" sz="600" b="0" i="0" u="none" strike="noStrike">
+                        <a:solidFill>
+                          <a:srgbClr val="000000"/>
+                        </a:solidFill>
+                        <a:effectLst/>
+                        <a:latin typeface="Calibri" panose="020F0502020204030204" pitchFamily="34" charset="0"/>
+                      </a:endParaRPr>
+                    </a:p>
+                  </a:txBody>
+                  <a:tcPr marL="4216" marR="4216" marT="4216" marB="0"/>
+                </a:tc>
+                <a:tc>
+                  <a:txBody>
+                    <a:bodyPr/>
+                    <a:lstStyle/>
+                    <a:p>
+                      <a:pPr algn="ctr" fontAlgn="t"/>
+                      <a:r>
+                        <a:rPr lang="en-US" sz="600" u="none" strike="noStrike">
+                          <a:effectLst/>
+                        </a:rPr>
+                        <a:t>RavenDB - Enterprise</a:t>
+                      </a:r>
+                      <a:endParaRPr lang="en-US" sz="600" b="0" i="0" u="none" strike="noStrike">
+                        <a:solidFill>
+                          <a:srgbClr val="000000"/>
+                        </a:solidFill>
+                        <a:effectLst/>
+                        <a:latin typeface="Calibri" panose="020F0502020204030204" pitchFamily="34" charset="0"/>
+                      </a:endParaRPr>
+                    </a:p>
+                  </a:txBody>
+                  <a:tcPr marL="4216" marR="4216" marT="4216" marB="0"/>
+                </a:tc>
+                <a:extLst>
+                  <a:ext uri="{0D108BD9-81ED-4DB2-BD59-A6C34878D82A}">
+                    <a16:rowId xmlns:a16="http://schemas.microsoft.com/office/drawing/2014/main" val="1857749195"/>
+                  </a:ext>
+                </a:extLst>
+              </a:tr>
+              <a:tr h="101194">
+                <a:tc>
+                  <a:txBody>
+                    <a:bodyPr/>
+                    <a:lstStyle/>
+                    <a:p>
+                      <a:pPr algn="l" fontAlgn="ctr"/>
+                      <a:r>
+                        <a:rPr lang="en-US" sz="600" u="none" strike="noStrike">
+                          <a:effectLst/>
+                        </a:rPr>
+                        <a:t>Strikes</a:t>
+                      </a:r>
+                      <a:endParaRPr lang="en-US" sz="600" b="0" i="0" u="none" strike="noStrike">
+                        <a:solidFill>
+                          <a:srgbClr val="000000"/>
+                        </a:solidFill>
+                        <a:effectLst/>
+                        <a:latin typeface="Calibri" panose="020F0502020204030204" pitchFamily="34" charset="0"/>
+                      </a:endParaRPr>
+                    </a:p>
+                  </a:txBody>
+                  <a:tcPr marL="4216" marR="4216" marT="4216" marB="0" anchor="ctr"/>
+                </a:tc>
+                <a:tc>
+                  <a:txBody>
+                    <a:bodyPr/>
+                    <a:lstStyle/>
+                    <a:p>
+                      <a:pPr algn="ctr" fontAlgn="t"/>
+                      <a:endParaRPr lang="en-US" sz="600" b="0" i="0" u="none" strike="noStrike">
+                        <a:solidFill>
+                          <a:srgbClr val="000000"/>
+                        </a:solidFill>
+                        <a:effectLst/>
+                        <a:latin typeface="Calibri" panose="020F0502020204030204" pitchFamily="34" charset="0"/>
+                      </a:endParaRPr>
+                    </a:p>
+                  </a:txBody>
+                  <a:tcPr marL="4216" marR="4216" marT="4216" marB="0"/>
+                </a:tc>
+                <a:tc>
+                  <a:txBody>
+                    <a:bodyPr/>
+                    <a:lstStyle/>
+                    <a:p>
+                      <a:pPr algn="ctr" fontAlgn="t"/>
+                      <a:endParaRPr lang="en-US" sz="600" b="0" i="0" u="none" strike="noStrike">
+                        <a:solidFill>
+                          <a:srgbClr val="000000"/>
+                        </a:solidFill>
+                        <a:effectLst/>
+                        <a:latin typeface="Calibri" panose="020F0502020204030204" pitchFamily="34" charset="0"/>
+                      </a:endParaRPr>
+                    </a:p>
+                  </a:txBody>
+                  <a:tcPr marL="4216" marR="4216" marT="4216" marB="0"/>
+                </a:tc>
+                <a:tc>
+                  <a:txBody>
+                    <a:bodyPr/>
+                    <a:lstStyle/>
+                    <a:p>
+                      <a:pPr algn="ctr" fontAlgn="t"/>
+                      <a:endParaRPr lang="en-US" sz="600" b="0" i="0" u="none" strike="noStrike">
+                        <a:solidFill>
+                          <a:srgbClr val="000000"/>
+                        </a:solidFill>
+                        <a:effectLst/>
+                        <a:latin typeface="Calibri" panose="020F0502020204030204" pitchFamily="34" charset="0"/>
+                      </a:endParaRPr>
+                    </a:p>
+                  </a:txBody>
+                  <a:tcPr marL="4216" marR="4216" marT="4216" marB="0"/>
+                </a:tc>
+                <a:tc>
+                  <a:txBody>
+                    <a:bodyPr/>
+                    <a:lstStyle/>
+                    <a:p>
+                      <a:pPr algn="ctr" fontAlgn="t"/>
+                      <a:endParaRPr lang="en-US" sz="600" b="0" i="0" u="none" strike="noStrike">
+                        <a:solidFill>
+                          <a:srgbClr val="000000"/>
+                        </a:solidFill>
+                        <a:effectLst/>
+                        <a:latin typeface="Calibri" panose="020F0502020204030204" pitchFamily="34" charset="0"/>
+                      </a:endParaRPr>
+                    </a:p>
+                  </a:txBody>
+                  <a:tcPr marL="4216" marR="4216" marT="4216" marB="0"/>
+                </a:tc>
+                <a:tc>
+                  <a:txBody>
+                    <a:bodyPr/>
+                    <a:lstStyle/>
+                    <a:p>
+                      <a:pPr algn="ctr" fontAlgn="t"/>
+                      <a:endParaRPr lang="en-US" sz="600" b="0" i="0" u="none" strike="noStrike">
+                        <a:solidFill>
+                          <a:srgbClr val="000000"/>
+                        </a:solidFill>
+                        <a:effectLst/>
+                        <a:latin typeface="Calibri" panose="020F0502020204030204" pitchFamily="34" charset="0"/>
+                      </a:endParaRPr>
+                    </a:p>
+                  </a:txBody>
+                  <a:tcPr marL="4216" marR="4216" marT="4216" marB="0"/>
+                </a:tc>
+                <a:tc>
+                  <a:txBody>
+                    <a:bodyPr/>
+                    <a:lstStyle/>
+                    <a:p>
+                      <a:pPr algn="ctr" fontAlgn="t"/>
+                      <a:endParaRPr lang="en-US" sz="600" b="0" i="0" u="none" strike="noStrike">
+                        <a:solidFill>
+                          <a:srgbClr val="000000"/>
+                        </a:solidFill>
+                        <a:effectLst/>
+                        <a:latin typeface="Calibri" panose="020F0502020204030204" pitchFamily="34" charset="0"/>
+                      </a:endParaRPr>
+                    </a:p>
+                  </a:txBody>
+                  <a:tcPr marL="4216" marR="4216" marT="4216" marB="0"/>
+                </a:tc>
+                <a:tc>
+                  <a:txBody>
+                    <a:bodyPr/>
+                    <a:lstStyle/>
+                    <a:p>
+                      <a:pPr algn="ctr" fontAlgn="t"/>
+                      <a:endParaRPr lang="en-US" sz="600" b="0" i="0" u="none" strike="noStrike">
+                        <a:solidFill>
+                          <a:srgbClr val="000000"/>
+                        </a:solidFill>
+                        <a:effectLst/>
+                        <a:latin typeface="Calibri" panose="020F0502020204030204" pitchFamily="34" charset="0"/>
+                      </a:endParaRPr>
+                    </a:p>
+                  </a:txBody>
+                  <a:tcPr marL="4216" marR="4216" marT="4216" marB="0"/>
+                </a:tc>
+                <a:extLst>
+                  <a:ext uri="{0D108BD9-81ED-4DB2-BD59-A6C34878D82A}">
+                    <a16:rowId xmlns:a16="http://schemas.microsoft.com/office/drawing/2014/main" val="2365154742"/>
+                  </a:ext>
+                </a:extLst>
+              </a:tr>
+              <a:tr h="607163">
+                <a:tc>
+                  <a:txBody>
+                    <a:bodyPr/>
+                    <a:lstStyle/>
+                    <a:p>
+                      <a:pPr algn="l" fontAlgn="ctr"/>
+                      <a:r>
+                        <a:rPr lang="en-US" sz="600" u="none" strike="noStrike">
+                          <a:effectLst/>
+                        </a:rPr>
+                        <a:t>Summary</a:t>
+                      </a:r>
+                      <a:endParaRPr lang="en-US" sz="600" b="0" i="0" u="none" strike="noStrike">
+                        <a:solidFill>
+                          <a:srgbClr val="000000"/>
+                        </a:solidFill>
+                        <a:effectLst/>
+                        <a:latin typeface="Calibri" panose="020F0502020204030204" pitchFamily="34" charset="0"/>
+                      </a:endParaRPr>
+                    </a:p>
+                  </a:txBody>
+                  <a:tcPr marL="4216" marR="4216" marT="4216" marB="0" anchor="ctr"/>
+                </a:tc>
+                <a:tc>
+                  <a:txBody>
+                    <a:bodyPr/>
+                    <a:lstStyle/>
+                    <a:p>
+                      <a:pPr algn="ctr" fontAlgn="t"/>
+                      <a:endParaRPr lang="en-US" sz="600" b="0" i="0" u="none" strike="noStrike">
+                        <a:solidFill>
+                          <a:srgbClr val="000000"/>
+                        </a:solidFill>
+                        <a:effectLst/>
+                        <a:latin typeface="Calibri" panose="020F0502020204030204" pitchFamily="34" charset="0"/>
+                      </a:endParaRPr>
+                    </a:p>
+                  </a:txBody>
+                  <a:tcPr marL="4216" marR="4216" marT="4216" marB="0"/>
+                </a:tc>
+                <a:tc>
+                  <a:txBody>
+                    <a:bodyPr/>
+                    <a:lstStyle/>
+                    <a:p>
+                      <a:pPr algn="ctr" fontAlgn="t"/>
+                      <a:r>
+                        <a:rPr lang="en-US" sz="600" u="none" strike="noStrike">
+                          <a:effectLst/>
+                        </a:rPr>
+                        <a:t>ELK Stack is all in or all out</a:t>
+                      </a:r>
+                      <a:br>
+                        <a:rPr lang="en-US" sz="600" u="none" strike="noStrike">
+                          <a:effectLst/>
+                        </a:rPr>
+                      </a:br>
+                      <a:br>
+                        <a:rPr lang="en-US" sz="600" u="none" strike="noStrike">
+                          <a:effectLst/>
+                        </a:rPr>
+                      </a:br>
+                      <a:r>
+                        <a:rPr lang="en-US" sz="600" u="none" strike="noStrike">
+                          <a:effectLst/>
+                        </a:rPr>
+                        <a:t>Expected $200k+ for minimum stack</a:t>
+                      </a:r>
+                      <a:endParaRPr lang="en-US" sz="600" b="0" i="0" u="none" strike="noStrike">
+                        <a:solidFill>
+                          <a:srgbClr val="000000"/>
+                        </a:solidFill>
+                        <a:effectLst/>
+                        <a:latin typeface="Calibri" panose="020F0502020204030204" pitchFamily="34" charset="0"/>
+                      </a:endParaRPr>
+                    </a:p>
+                  </a:txBody>
+                  <a:tcPr marL="4216" marR="4216" marT="4216" marB="0"/>
+                </a:tc>
+                <a:tc>
+                  <a:txBody>
+                    <a:bodyPr/>
+                    <a:lstStyle/>
+                    <a:p>
+                      <a:pPr algn="ctr" fontAlgn="t"/>
+                      <a:r>
+                        <a:rPr lang="en-US" sz="600" u="none" strike="noStrike">
+                          <a:effectLst/>
+                        </a:rPr>
+                        <a:t>It does what we need</a:t>
+                      </a:r>
+                      <a:br>
+                        <a:rPr lang="en-US" sz="600" u="none" strike="noStrike">
+                          <a:effectLst/>
+                        </a:rPr>
+                      </a:br>
+                      <a:br>
+                        <a:rPr lang="en-US" sz="600" u="none" strike="noStrike">
+                          <a:effectLst/>
+                        </a:rPr>
+                      </a:br>
+                      <a:r>
+                        <a:rPr lang="en-US" sz="600" u="none" strike="noStrike">
+                          <a:effectLst/>
+                        </a:rPr>
+                        <a:t>There are some memory leak concerns with clients</a:t>
+                      </a:r>
+                      <a:br>
+                        <a:rPr lang="en-US" sz="600" u="none" strike="noStrike">
+                          <a:effectLst/>
+                        </a:rPr>
+                      </a:br>
+                      <a:br>
+                        <a:rPr lang="en-US" sz="600" u="none" strike="noStrike">
+                          <a:effectLst/>
+                        </a:rPr>
+                      </a:br>
+                      <a:r>
+                        <a:rPr lang="en-US" sz="600" u="none" strike="noStrike">
+                          <a:effectLst/>
+                        </a:rPr>
+                        <a:t>JVM tool so java expertise is necessary</a:t>
+                      </a:r>
+                      <a:endParaRPr lang="en-US" sz="600" b="0" i="0" u="none" strike="noStrike">
+                        <a:solidFill>
+                          <a:srgbClr val="000000"/>
+                        </a:solidFill>
+                        <a:effectLst/>
+                        <a:latin typeface="Calibri" panose="020F0502020204030204" pitchFamily="34" charset="0"/>
+                      </a:endParaRPr>
+                    </a:p>
+                  </a:txBody>
+                  <a:tcPr marL="4216" marR="4216" marT="4216" marB="0"/>
+                </a:tc>
+                <a:tc>
+                  <a:txBody>
+                    <a:bodyPr/>
+                    <a:lstStyle/>
+                    <a:p>
+                      <a:pPr algn="ctr" fontAlgn="t"/>
+                      <a:r>
+                        <a:rPr lang="en-US" sz="600" u="none" strike="noStrike">
+                          <a:effectLst/>
+                        </a:rPr>
+                        <a:t>Not a good fit</a:t>
+                      </a:r>
+                      <a:endParaRPr lang="en-US" sz="600" b="0" i="0" u="none" strike="noStrike">
+                        <a:solidFill>
+                          <a:srgbClr val="000000"/>
+                        </a:solidFill>
+                        <a:effectLst/>
+                        <a:latin typeface="Calibri" panose="020F0502020204030204" pitchFamily="34" charset="0"/>
+                      </a:endParaRPr>
+                    </a:p>
+                  </a:txBody>
+                  <a:tcPr marL="4216" marR="4216" marT="4216" marB="0"/>
+                </a:tc>
+                <a:tc>
+                  <a:txBody>
+                    <a:bodyPr/>
+                    <a:lstStyle/>
+                    <a:p>
+                      <a:pPr algn="ctr" fontAlgn="t"/>
+                      <a:r>
+                        <a:rPr lang="en-US" sz="600" u="none" strike="noStrike">
+                          <a:effectLst/>
+                        </a:rPr>
+                        <a:t>Company seems to be moving commercial offerings to FlexVertex</a:t>
+                      </a:r>
+                      <a:br>
+                        <a:rPr lang="en-US" sz="600" u="none" strike="noStrike">
+                          <a:effectLst/>
+                        </a:rPr>
+                      </a:br>
+                      <a:br>
+                        <a:rPr lang="en-US" sz="600" u="none" strike="noStrike">
+                          <a:effectLst/>
+                        </a:rPr>
+                      </a:br>
+                      <a:r>
+                        <a:rPr lang="en-US" sz="600" u="none" strike="noStrike">
+                          <a:effectLst/>
+                        </a:rPr>
+                        <a:t>Need to understand FlexVertex better</a:t>
+                      </a:r>
+                      <a:endParaRPr lang="en-US" sz="600" b="0" i="0" u="none" strike="noStrike">
+                        <a:solidFill>
+                          <a:srgbClr val="000000"/>
+                        </a:solidFill>
+                        <a:effectLst/>
+                        <a:latin typeface="Calibri" panose="020F0502020204030204" pitchFamily="34" charset="0"/>
+                      </a:endParaRPr>
+                    </a:p>
+                  </a:txBody>
+                  <a:tcPr marL="4216" marR="4216" marT="4216" marB="0"/>
+                </a:tc>
+                <a:tc>
+                  <a:txBody>
+                    <a:bodyPr/>
+                    <a:lstStyle/>
+                    <a:p>
+                      <a:pPr algn="ctr" fontAlgn="t"/>
+                      <a:r>
+                        <a:rPr lang="en-US" sz="600" u="none" strike="noStrike">
+                          <a:effectLst/>
+                        </a:rPr>
+                        <a:t>Professional is close but still not powerful enough</a:t>
+                      </a:r>
+                      <a:endParaRPr lang="en-US" sz="600" b="0" i="0" u="none" strike="noStrike">
+                        <a:solidFill>
+                          <a:srgbClr val="000000"/>
+                        </a:solidFill>
+                        <a:effectLst/>
+                        <a:latin typeface="Calibri" panose="020F0502020204030204" pitchFamily="34" charset="0"/>
+                      </a:endParaRPr>
+                    </a:p>
+                  </a:txBody>
+                  <a:tcPr marL="4216" marR="4216" marT="4216" marB="0"/>
+                </a:tc>
+                <a:tc>
+                  <a:txBody>
+                    <a:bodyPr/>
+                    <a:lstStyle/>
+                    <a:p>
+                      <a:pPr algn="ctr" fontAlgn="t"/>
+                      <a:r>
+                        <a:rPr lang="en-US" sz="600" u="none" strike="noStrike">
+                          <a:effectLst/>
+                        </a:rPr>
+                        <a:t>Enterprise satsifies almost all features</a:t>
+                      </a:r>
+                      <a:br>
+                        <a:rPr lang="en-US" sz="600" u="none" strike="noStrike">
+                          <a:effectLst/>
+                        </a:rPr>
+                      </a:br>
+                      <a:br>
+                        <a:rPr lang="en-US" sz="600" u="none" strike="noStrike">
+                          <a:effectLst/>
+                        </a:rPr>
+                      </a:br>
+                      <a:r>
+                        <a:rPr lang="en-US" sz="600" u="none" strike="noStrike">
+                          <a:effectLst/>
+                        </a:rPr>
+                        <a:t>Scalability cost is reasonable</a:t>
+                      </a:r>
+                      <a:br>
+                        <a:rPr lang="en-US" sz="600" u="none" strike="noStrike">
+                          <a:effectLst/>
+                        </a:rPr>
+                      </a:br>
+                      <a:br>
+                        <a:rPr lang="en-US" sz="600" u="none" strike="noStrike">
+                          <a:effectLst/>
+                        </a:rPr>
+                      </a:br>
+                      <a:r>
+                        <a:rPr lang="en-US" sz="600" u="none" strike="noStrike">
+                          <a:effectLst/>
+                        </a:rPr>
+                        <a:t>C# and javascript</a:t>
+                      </a:r>
+                      <a:endParaRPr lang="en-US" sz="600" b="0" i="0" u="none" strike="noStrike">
+                        <a:solidFill>
+                          <a:srgbClr val="000000"/>
+                        </a:solidFill>
+                        <a:effectLst/>
+                        <a:latin typeface="Calibri" panose="020F0502020204030204" pitchFamily="34" charset="0"/>
+                      </a:endParaRPr>
+                    </a:p>
+                  </a:txBody>
+                  <a:tcPr marL="4216" marR="4216" marT="4216" marB="0"/>
+                </a:tc>
+                <a:extLst>
+                  <a:ext uri="{0D108BD9-81ED-4DB2-BD59-A6C34878D82A}">
+                    <a16:rowId xmlns:a16="http://schemas.microsoft.com/office/drawing/2014/main" val="3950639449"/>
+                  </a:ext>
+                </a:extLst>
+              </a:tr>
+              <a:tr h="101194">
+                <a:tc>
+                  <a:txBody>
+                    <a:bodyPr/>
+                    <a:lstStyle/>
+                    <a:p>
+                      <a:pPr algn="l" fontAlgn="ctr"/>
+                      <a:r>
+                        <a:rPr lang="en-US" sz="600" u="none" strike="noStrike">
+                          <a:effectLst/>
+                        </a:rPr>
+                        <a:t>Management</a:t>
+                      </a:r>
+                      <a:endParaRPr lang="en-US" sz="600" b="1" i="0" u="none" strike="noStrike">
+                        <a:solidFill>
+                          <a:srgbClr val="000000"/>
+                        </a:solidFill>
+                        <a:effectLst/>
+                        <a:latin typeface="Calibri" panose="020F0502020204030204" pitchFamily="34" charset="0"/>
+                      </a:endParaRPr>
+                    </a:p>
+                  </a:txBody>
+                  <a:tcPr marL="4216" marR="4216" marT="4216" marB="0" anchor="ctr"/>
+                </a:tc>
+                <a:tc>
+                  <a:txBody>
+                    <a:bodyPr/>
+                    <a:lstStyle/>
+                    <a:p>
+                      <a:pPr algn="ctr" fontAlgn="t"/>
+                      <a:r>
+                        <a:rPr lang="en-US" sz="600" u="none" strike="noStrike">
+                          <a:effectLst/>
+                        </a:rPr>
+                        <a:t>Description</a:t>
+                      </a:r>
+                      <a:endParaRPr lang="en-US" sz="600" b="1" i="0" u="none" strike="noStrike">
+                        <a:solidFill>
+                          <a:srgbClr val="000000"/>
+                        </a:solidFill>
+                        <a:effectLst/>
+                        <a:latin typeface="Calibri" panose="020F0502020204030204" pitchFamily="34" charset="0"/>
+                      </a:endParaRPr>
+                    </a:p>
+                  </a:txBody>
+                  <a:tcPr marL="4216" marR="4216" marT="4216" marB="0"/>
+                </a:tc>
+                <a:tc>
+                  <a:txBody>
+                    <a:bodyPr/>
+                    <a:lstStyle/>
+                    <a:p>
+                      <a:pPr algn="ctr" fontAlgn="t"/>
+                      <a:r>
+                        <a:rPr lang="en-US" sz="600" u="none" strike="noStrike">
+                          <a:effectLst/>
+                        </a:rPr>
+                        <a:t> </a:t>
+                      </a:r>
+                      <a:endParaRPr lang="en-US" sz="600" b="0" i="0" u="none" strike="noStrike">
+                        <a:solidFill>
+                          <a:srgbClr val="000000"/>
+                        </a:solidFill>
+                        <a:effectLst/>
+                        <a:latin typeface="Calibri" panose="020F0502020204030204" pitchFamily="34" charset="0"/>
+                      </a:endParaRPr>
+                    </a:p>
+                  </a:txBody>
+                  <a:tcPr marL="4216" marR="4216" marT="4216" marB="0"/>
+                </a:tc>
+                <a:tc>
+                  <a:txBody>
+                    <a:bodyPr/>
+                    <a:lstStyle/>
+                    <a:p>
+                      <a:pPr algn="ctr" fontAlgn="t"/>
+                      <a:r>
+                        <a:rPr lang="en-US" sz="600" u="none" strike="noStrike">
+                          <a:effectLst/>
+                        </a:rPr>
+                        <a:t> </a:t>
+                      </a:r>
+                      <a:endParaRPr lang="en-US" sz="600" b="0" i="0" u="none" strike="noStrike">
+                        <a:solidFill>
+                          <a:srgbClr val="000000"/>
+                        </a:solidFill>
+                        <a:effectLst/>
+                        <a:latin typeface="Calibri" panose="020F0502020204030204" pitchFamily="34" charset="0"/>
+                      </a:endParaRPr>
+                    </a:p>
+                  </a:txBody>
+                  <a:tcPr marL="4216" marR="4216" marT="4216" marB="0"/>
+                </a:tc>
+                <a:tc>
+                  <a:txBody>
+                    <a:bodyPr/>
+                    <a:lstStyle/>
+                    <a:p>
+                      <a:pPr algn="ctr" fontAlgn="t"/>
+                      <a:r>
+                        <a:rPr lang="en-US" sz="600" u="none" strike="noStrike">
+                          <a:effectLst/>
+                        </a:rPr>
+                        <a:t> </a:t>
+                      </a:r>
+                      <a:endParaRPr lang="en-US" sz="600" b="0" i="0" u="none" strike="noStrike">
+                        <a:solidFill>
+                          <a:srgbClr val="000000"/>
+                        </a:solidFill>
+                        <a:effectLst/>
+                        <a:latin typeface="Calibri" panose="020F0502020204030204" pitchFamily="34" charset="0"/>
+                      </a:endParaRPr>
+                    </a:p>
+                  </a:txBody>
+                  <a:tcPr marL="4216" marR="4216" marT="4216" marB="0"/>
+                </a:tc>
+                <a:tc>
+                  <a:txBody>
+                    <a:bodyPr/>
+                    <a:lstStyle/>
+                    <a:p>
+                      <a:pPr algn="ctr" fontAlgn="t"/>
+                      <a:r>
+                        <a:rPr lang="en-US" sz="600" u="none" strike="noStrike">
+                          <a:effectLst/>
+                        </a:rPr>
+                        <a:t> </a:t>
+                      </a:r>
+                      <a:endParaRPr lang="en-US" sz="600" b="0" i="0" u="none" strike="noStrike">
+                        <a:solidFill>
+                          <a:srgbClr val="000000"/>
+                        </a:solidFill>
+                        <a:effectLst/>
+                        <a:latin typeface="Calibri" panose="020F0502020204030204" pitchFamily="34" charset="0"/>
+                      </a:endParaRPr>
+                    </a:p>
+                  </a:txBody>
+                  <a:tcPr marL="4216" marR="4216" marT="4216" marB="0"/>
+                </a:tc>
+                <a:tc>
+                  <a:txBody>
+                    <a:bodyPr/>
+                    <a:lstStyle/>
+                    <a:p>
+                      <a:pPr algn="ctr" fontAlgn="t"/>
+                      <a:r>
+                        <a:rPr lang="en-US" sz="600" u="none" strike="noStrike">
+                          <a:effectLst/>
+                        </a:rPr>
+                        <a:t> </a:t>
+                      </a:r>
+                      <a:endParaRPr lang="en-US" sz="600" b="0" i="0" u="none" strike="noStrike">
+                        <a:solidFill>
+                          <a:srgbClr val="000000"/>
+                        </a:solidFill>
+                        <a:effectLst/>
+                        <a:latin typeface="Calibri" panose="020F0502020204030204" pitchFamily="34" charset="0"/>
+                      </a:endParaRPr>
+                    </a:p>
+                  </a:txBody>
+                  <a:tcPr marL="4216" marR="4216" marT="4216" marB="0"/>
+                </a:tc>
+                <a:tc>
+                  <a:txBody>
+                    <a:bodyPr/>
+                    <a:lstStyle/>
+                    <a:p>
+                      <a:pPr algn="ctr" fontAlgn="t"/>
+                      <a:r>
+                        <a:rPr lang="en-US" sz="600" u="none" strike="noStrike">
+                          <a:effectLst/>
+                        </a:rPr>
+                        <a:t> </a:t>
+                      </a:r>
+                      <a:endParaRPr lang="en-US" sz="600" b="0" i="0" u="none" strike="noStrike">
+                        <a:solidFill>
+                          <a:srgbClr val="000000"/>
+                        </a:solidFill>
+                        <a:effectLst/>
+                        <a:latin typeface="Calibri" panose="020F0502020204030204" pitchFamily="34" charset="0"/>
+                      </a:endParaRPr>
+                    </a:p>
+                  </a:txBody>
+                  <a:tcPr marL="4216" marR="4216" marT="4216" marB="0"/>
+                </a:tc>
+                <a:extLst>
+                  <a:ext uri="{0D108BD9-81ED-4DB2-BD59-A6C34878D82A}">
+                    <a16:rowId xmlns:a16="http://schemas.microsoft.com/office/drawing/2014/main" val="2775223932"/>
+                  </a:ext>
+                </a:extLst>
+              </a:tr>
+              <a:tr h="101194">
+                <a:tc>
+                  <a:txBody>
+                    <a:bodyPr/>
+                    <a:lstStyle/>
+                    <a:p>
+                      <a:pPr algn="l" fontAlgn="ctr"/>
+                      <a:r>
+                        <a:rPr lang="en-US" sz="600" u="none" strike="noStrike">
+                          <a:effectLst/>
+                        </a:rPr>
+                        <a:t>License Limit</a:t>
+                      </a:r>
+                      <a:endParaRPr lang="en-US" sz="600" b="0" i="0" u="none" strike="noStrike">
+                        <a:solidFill>
+                          <a:srgbClr val="000000"/>
+                        </a:solidFill>
+                        <a:effectLst/>
+                        <a:latin typeface="Calibri" panose="020F0502020204030204" pitchFamily="34" charset="0"/>
+                      </a:endParaRPr>
+                    </a:p>
+                  </a:txBody>
+                  <a:tcPr marL="4216" marR="4216" marT="4216" marB="0" anchor="ctr"/>
+                </a:tc>
+                <a:tc>
+                  <a:txBody>
+                    <a:bodyPr/>
+                    <a:lstStyle/>
+                    <a:p>
+                      <a:pPr algn="ctr" fontAlgn="t"/>
+                      <a:endParaRPr lang="en-US" sz="600" b="0" i="0" u="none" strike="noStrike">
+                        <a:solidFill>
+                          <a:srgbClr val="000000"/>
+                        </a:solidFill>
+                        <a:effectLst/>
+                        <a:latin typeface="Calibri" panose="020F0502020204030204" pitchFamily="34" charset="0"/>
+                      </a:endParaRPr>
+                    </a:p>
+                  </a:txBody>
+                  <a:tcPr marL="4216" marR="4216" marT="4216" marB="0"/>
+                </a:tc>
+                <a:tc>
+                  <a:txBody>
+                    <a:bodyPr/>
+                    <a:lstStyle/>
+                    <a:p>
+                      <a:pPr algn="ctr" fontAlgn="t"/>
+                      <a:r>
+                        <a:rPr lang="en-US" sz="600" u="none" strike="noStrike">
+                          <a:effectLst/>
+                        </a:rPr>
+                        <a:t>infinite</a:t>
+                      </a:r>
+                      <a:endParaRPr lang="en-US" sz="600" b="0" i="0" u="none" strike="noStrike">
+                        <a:solidFill>
+                          <a:srgbClr val="000000"/>
+                        </a:solidFill>
+                        <a:effectLst/>
+                        <a:latin typeface="Calibri" panose="020F0502020204030204" pitchFamily="34" charset="0"/>
+                      </a:endParaRPr>
+                    </a:p>
+                  </a:txBody>
+                  <a:tcPr marL="4216" marR="4216" marT="4216" marB="0"/>
+                </a:tc>
+                <a:tc>
+                  <a:txBody>
+                    <a:bodyPr/>
+                    <a:lstStyle/>
+                    <a:p>
+                      <a:pPr algn="ctr" fontAlgn="t"/>
+                      <a:r>
+                        <a:rPr lang="en-US" sz="600" u="none" strike="noStrike">
+                          <a:effectLst/>
+                        </a:rPr>
+                        <a:t>infinite</a:t>
+                      </a:r>
+                      <a:endParaRPr lang="en-US" sz="600" b="0" i="0" u="none" strike="noStrike">
+                        <a:solidFill>
+                          <a:srgbClr val="000000"/>
+                        </a:solidFill>
+                        <a:effectLst/>
+                        <a:latin typeface="Calibri" panose="020F0502020204030204" pitchFamily="34" charset="0"/>
+                      </a:endParaRPr>
+                    </a:p>
+                  </a:txBody>
+                  <a:tcPr marL="4216" marR="4216" marT="4216" marB="0"/>
+                </a:tc>
+                <a:tc>
+                  <a:txBody>
+                    <a:bodyPr/>
+                    <a:lstStyle/>
+                    <a:p>
+                      <a:pPr algn="ctr" fontAlgn="t"/>
+                      <a:r>
+                        <a:rPr lang="en-US" sz="600" u="none" strike="noStrike">
+                          <a:effectLst/>
+                        </a:rPr>
+                        <a:t>60 cores</a:t>
+                      </a:r>
+                      <a:endParaRPr lang="en-US" sz="600" b="0" i="0" u="none" strike="noStrike">
+                        <a:solidFill>
+                          <a:srgbClr val="000000"/>
+                        </a:solidFill>
+                        <a:effectLst/>
+                        <a:latin typeface="Calibri" panose="020F0502020204030204" pitchFamily="34" charset="0"/>
+                      </a:endParaRPr>
+                    </a:p>
+                  </a:txBody>
+                  <a:tcPr marL="4216" marR="4216" marT="4216" marB="0"/>
+                </a:tc>
+                <a:tc>
+                  <a:txBody>
+                    <a:bodyPr/>
+                    <a:lstStyle/>
+                    <a:p>
+                      <a:pPr algn="ctr" fontAlgn="t"/>
+                      <a:r>
+                        <a:rPr lang="en-US" sz="600" u="none" strike="noStrike">
+                          <a:effectLst/>
+                        </a:rPr>
+                        <a:t>infinite</a:t>
+                      </a:r>
+                      <a:endParaRPr lang="en-US" sz="600" b="0" i="0" u="none" strike="noStrike">
+                        <a:solidFill>
+                          <a:srgbClr val="000000"/>
+                        </a:solidFill>
+                        <a:effectLst/>
+                        <a:latin typeface="Calibri" panose="020F0502020204030204" pitchFamily="34" charset="0"/>
+                      </a:endParaRPr>
+                    </a:p>
+                  </a:txBody>
+                  <a:tcPr marL="4216" marR="4216" marT="4216" marB="0"/>
+                </a:tc>
+                <a:tc>
+                  <a:txBody>
+                    <a:bodyPr/>
+                    <a:lstStyle/>
+                    <a:p>
+                      <a:pPr algn="ctr" fontAlgn="t"/>
+                      <a:r>
+                        <a:rPr lang="en-US" sz="600" u="none" strike="noStrike">
+                          <a:effectLst/>
+                        </a:rPr>
+                        <a:t>infinite</a:t>
+                      </a:r>
+                      <a:endParaRPr lang="en-US" sz="600" b="0" i="0" u="none" strike="noStrike">
+                        <a:solidFill>
+                          <a:srgbClr val="000000"/>
+                        </a:solidFill>
+                        <a:effectLst/>
+                        <a:latin typeface="Calibri" panose="020F0502020204030204" pitchFamily="34" charset="0"/>
+                      </a:endParaRPr>
+                    </a:p>
+                  </a:txBody>
+                  <a:tcPr marL="4216" marR="4216" marT="4216" marB="0"/>
+                </a:tc>
+                <a:tc>
+                  <a:txBody>
+                    <a:bodyPr/>
+                    <a:lstStyle/>
+                    <a:p>
+                      <a:pPr algn="ctr" fontAlgn="t"/>
+                      <a:r>
+                        <a:rPr lang="en-US" sz="600" u="none" strike="noStrike">
+                          <a:effectLst/>
+                        </a:rPr>
+                        <a:t>infinite</a:t>
+                      </a:r>
+                      <a:endParaRPr lang="en-US" sz="600" b="0" i="0" u="none" strike="noStrike">
+                        <a:solidFill>
+                          <a:srgbClr val="000000"/>
+                        </a:solidFill>
+                        <a:effectLst/>
+                        <a:latin typeface="Calibri" panose="020F0502020204030204" pitchFamily="34" charset="0"/>
+                      </a:endParaRPr>
+                    </a:p>
+                  </a:txBody>
+                  <a:tcPr marL="4216" marR="4216" marT="4216" marB="0"/>
+                </a:tc>
+                <a:extLst>
+                  <a:ext uri="{0D108BD9-81ED-4DB2-BD59-A6C34878D82A}">
+                    <a16:rowId xmlns:a16="http://schemas.microsoft.com/office/drawing/2014/main" val="2349847711"/>
+                  </a:ext>
+                </a:extLst>
+              </a:tr>
+              <a:tr h="101194">
+                <a:tc>
+                  <a:txBody>
+                    <a:bodyPr/>
+                    <a:lstStyle/>
+                    <a:p>
+                      <a:pPr algn="l" fontAlgn="ctr"/>
+                      <a:r>
+                        <a:rPr lang="en-US" sz="600" u="none" strike="noStrike">
+                          <a:effectLst/>
+                        </a:rPr>
+                        <a:t>Eligible for Commecial Use</a:t>
+                      </a:r>
+                      <a:endParaRPr lang="en-US" sz="600" b="0" i="0" u="none" strike="noStrike">
+                        <a:solidFill>
+                          <a:srgbClr val="000000"/>
+                        </a:solidFill>
+                        <a:effectLst/>
+                        <a:latin typeface="Calibri" panose="020F0502020204030204" pitchFamily="34" charset="0"/>
+                      </a:endParaRPr>
+                    </a:p>
+                  </a:txBody>
+                  <a:tcPr marL="4216" marR="4216" marT="4216" marB="0" anchor="ctr"/>
+                </a:tc>
+                <a:tc>
+                  <a:txBody>
+                    <a:bodyPr/>
+                    <a:lstStyle/>
+                    <a:p>
+                      <a:pPr algn="ctr" fontAlgn="t"/>
+                      <a:endParaRPr lang="en-US" sz="600" b="0" i="0" u="none" strike="noStrike">
+                        <a:solidFill>
+                          <a:srgbClr val="000000"/>
+                        </a:solidFill>
+                        <a:effectLst/>
+                        <a:latin typeface="Calibri" panose="020F0502020204030204" pitchFamily="34" charset="0"/>
+                      </a:endParaRPr>
+                    </a:p>
+                  </a:txBody>
+                  <a:tcPr marL="4216" marR="4216" marT="4216" marB="0"/>
+                </a:tc>
+                <a:tc>
+                  <a:txBody>
+                    <a:bodyPr/>
+                    <a:lstStyle/>
+                    <a:p>
+                      <a:pPr algn="ctr" fontAlgn="t"/>
+                      <a:r>
+                        <a:rPr lang="en-US" sz="600" u="none" strike="noStrike">
+                          <a:effectLst/>
+                        </a:rPr>
+                        <a:t>Yes</a:t>
+                      </a:r>
+                      <a:endParaRPr lang="en-US" sz="600" b="0" i="0" u="none" strike="noStrike">
+                        <a:solidFill>
+                          <a:srgbClr val="000000"/>
+                        </a:solidFill>
+                        <a:effectLst/>
+                        <a:latin typeface="Calibri" panose="020F0502020204030204" pitchFamily="34" charset="0"/>
+                      </a:endParaRPr>
+                    </a:p>
+                  </a:txBody>
+                  <a:tcPr marL="4216" marR="4216" marT="4216" marB="0"/>
+                </a:tc>
+                <a:tc>
+                  <a:txBody>
+                    <a:bodyPr/>
+                    <a:lstStyle/>
+                    <a:p>
+                      <a:pPr algn="ctr" fontAlgn="t"/>
+                      <a:r>
+                        <a:rPr lang="en-US" sz="600" u="none" strike="noStrike">
+                          <a:effectLst/>
+                        </a:rPr>
+                        <a:t>Yes</a:t>
+                      </a:r>
+                      <a:endParaRPr lang="en-US" sz="600" b="0" i="0" u="none" strike="noStrike">
+                        <a:solidFill>
+                          <a:srgbClr val="000000"/>
+                        </a:solidFill>
+                        <a:effectLst/>
+                        <a:latin typeface="Calibri" panose="020F0502020204030204" pitchFamily="34" charset="0"/>
+                      </a:endParaRPr>
+                    </a:p>
+                  </a:txBody>
+                  <a:tcPr marL="4216" marR="4216" marT="4216" marB="0"/>
+                </a:tc>
+                <a:tc>
+                  <a:txBody>
+                    <a:bodyPr/>
+                    <a:lstStyle/>
+                    <a:p>
+                      <a:pPr algn="ctr" fontAlgn="t"/>
+                      <a:r>
+                        <a:rPr lang="en-US" sz="600" u="none" strike="noStrike">
+                          <a:effectLst/>
+                        </a:rPr>
+                        <a:t>Yes</a:t>
+                      </a:r>
+                      <a:endParaRPr lang="en-US" sz="600" b="0" i="0" u="none" strike="noStrike">
+                        <a:solidFill>
+                          <a:srgbClr val="000000"/>
+                        </a:solidFill>
+                        <a:effectLst/>
+                        <a:latin typeface="Calibri" panose="020F0502020204030204" pitchFamily="34" charset="0"/>
+                      </a:endParaRPr>
+                    </a:p>
+                  </a:txBody>
+                  <a:tcPr marL="4216" marR="4216" marT="4216" marB="0"/>
+                </a:tc>
+                <a:tc>
+                  <a:txBody>
+                    <a:bodyPr/>
+                    <a:lstStyle/>
+                    <a:p>
+                      <a:pPr algn="ctr" fontAlgn="t"/>
+                      <a:r>
+                        <a:rPr lang="en-US" sz="600" u="none" strike="noStrike">
+                          <a:effectLst/>
+                        </a:rPr>
+                        <a:t>Yes</a:t>
+                      </a:r>
+                      <a:endParaRPr lang="en-US" sz="600" b="0" i="0" u="none" strike="noStrike">
+                        <a:solidFill>
+                          <a:srgbClr val="000000"/>
+                        </a:solidFill>
+                        <a:effectLst/>
+                        <a:latin typeface="Calibri" panose="020F0502020204030204" pitchFamily="34" charset="0"/>
+                      </a:endParaRPr>
+                    </a:p>
+                  </a:txBody>
+                  <a:tcPr marL="4216" marR="4216" marT="4216" marB="0"/>
+                </a:tc>
+                <a:tc>
+                  <a:txBody>
+                    <a:bodyPr/>
+                    <a:lstStyle/>
+                    <a:p>
+                      <a:pPr algn="ctr" fontAlgn="t"/>
+                      <a:r>
+                        <a:rPr lang="en-US" sz="600" u="none" strike="noStrike">
+                          <a:effectLst/>
+                        </a:rPr>
+                        <a:t>Yes</a:t>
+                      </a:r>
+                      <a:endParaRPr lang="en-US" sz="600" b="0" i="0" u="none" strike="noStrike">
+                        <a:solidFill>
+                          <a:srgbClr val="000000"/>
+                        </a:solidFill>
+                        <a:effectLst/>
+                        <a:latin typeface="Calibri" panose="020F0502020204030204" pitchFamily="34" charset="0"/>
+                      </a:endParaRPr>
+                    </a:p>
+                  </a:txBody>
+                  <a:tcPr marL="4216" marR="4216" marT="4216" marB="0"/>
+                </a:tc>
+                <a:tc>
+                  <a:txBody>
+                    <a:bodyPr/>
+                    <a:lstStyle/>
+                    <a:p>
+                      <a:pPr algn="ctr" fontAlgn="t"/>
+                      <a:r>
+                        <a:rPr lang="en-US" sz="600" u="none" strike="noStrike">
+                          <a:effectLst/>
+                        </a:rPr>
+                        <a:t>Yes</a:t>
+                      </a:r>
+                      <a:endParaRPr lang="en-US" sz="600" b="0" i="0" u="none" strike="noStrike">
+                        <a:solidFill>
+                          <a:srgbClr val="000000"/>
+                        </a:solidFill>
+                        <a:effectLst/>
+                        <a:latin typeface="Calibri" panose="020F0502020204030204" pitchFamily="34" charset="0"/>
+                      </a:endParaRPr>
+                    </a:p>
+                  </a:txBody>
+                  <a:tcPr marL="4216" marR="4216" marT="4216" marB="0"/>
+                </a:tc>
+                <a:extLst>
+                  <a:ext uri="{0D108BD9-81ED-4DB2-BD59-A6C34878D82A}">
+                    <a16:rowId xmlns:a16="http://schemas.microsoft.com/office/drawing/2014/main" val="1122240256"/>
+                  </a:ext>
+                </a:extLst>
+              </a:tr>
+              <a:tr h="101194">
+                <a:tc>
+                  <a:txBody>
+                    <a:bodyPr/>
+                    <a:lstStyle/>
+                    <a:p>
+                      <a:pPr algn="l" fontAlgn="ctr"/>
+                      <a:r>
+                        <a:rPr lang="en-US" sz="600" u="none" strike="noStrike">
+                          <a:effectLst/>
+                        </a:rPr>
+                        <a:t>Number of Databases</a:t>
+                      </a:r>
+                      <a:endParaRPr lang="en-US" sz="600" b="0" i="0" u="none" strike="noStrike">
+                        <a:solidFill>
+                          <a:srgbClr val="000000"/>
+                        </a:solidFill>
+                        <a:effectLst/>
+                        <a:latin typeface="Calibri" panose="020F0502020204030204" pitchFamily="34" charset="0"/>
+                      </a:endParaRPr>
+                    </a:p>
+                  </a:txBody>
+                  <a:tcPr marL="4216" marR="4216" marT="4216" marB="0" anchor="ctr"/>
+                </a:tc>
+                <a:tc>
+                  <a:txBody>
+                    <a:bodyPr/>
+                    <a:lstStyle/>
+                    <a:p>
+                      <a:pPr algn="ctr" fontAlgn="t"/>
+                      <a:endParaRPr lang="en-US" sz="600" b="0" i="0" u="none" strike="noStrike">
+                        <a:solidFill>
+                          <a:srgbClr val="000000"/>
+                        </a:solidFill>
+                        <a:effectLst/>
+                        <a:latin typeface="Calibri" panose="020F0502020204030204" pitchFamily="34" charset="0"/>
+                      </a:endParaRPr>
+                    </a:p>
+                  </a:txBody>
+                  <a:tcPr marL="4216" marR="4216" marT="4216" marB="0"/>
+                </a:tc>
+                <a:tc>
+                  <a:txBody>
+                    <a:bodyPr/>
+                    <a:lstStyle/>
+                    <a:p>
+                      <a:pPr algn="ctr" fontAlgn="t"/>
+                      <a:r>
+                        <a:rPr lang="en-US" sz="600" u="none" strike="noStrike">
+                          <a:effectLst/>
+                        </a:rPr>
+                        <a:t>infinite</a:t>
+                      </a:r>
+                      <a:endParaRPr lang="en-US" sz="600" b="0" i="0" u="none" strike="noStrike">
+                        <a:solidFill>
+                          <a:srgbClr val="000000"/>
+                        </a:solidFill>
+                        <a:effectLst/>
+                        <a:latin typeface="Calibri" panose="020F0502020204030204" pitchFamily="34" charset="0"/>
+                      </a:endParaRPr>
+                    </a:p>
+                  </a:txBody>
+                  <a:tcPr marL="4216" marR="4216" marT="4216" marB="0"/>
+                </a:tc>
+                <a:tc>
+                  <a:txBody>
+                    <a:bodyPr/>
+                    <a:lstStyle/>
+                    <a:p>
+                      <a:pPr algn="ctr" fontAlgn="t"/>
+                      <a:r>
+                        <a:rPr lang="en-US" sz="600" u="none" strike="noStrike">
+                          <a:effectLst/>
+                        </a:rPr>
+                        <a:t>infinite</a:t>
+                      </a:r>
+                      <a:endParaRPr lang="en-US" sz="600" b="0" i="0" u="none" strike="noStrike">
+                        <a:solidFill>
+                          <a:srgbClr val="000000"/>
+                        </a:solidFill>
+                        <a:effectLst/>
+                        <a:latin typeface="Calibri" panose="020F0502020204030204" pitchFamily="34" charset="0"/>
+                      </a:endParaRPr>
+                    </a:p>
+                  </a:txBody>
+                  <a:tcPr marL="4216" marR="4216" marT="4216" marB="0"/>
+                </a:tc>
+                <a:tc>
+                  <a:txBody>
+                    <a:bodyPr/>
+                    <a:lstStyle/>
+                    <a:p>
+                      <a:pPr algn="ctr" fontAlgn="t"/>
+                      <a:r>
+                        <a:rPr lang="en-US" sz="600" u="none" strike="noStrike">
+                          <a:effectLst/>
+                        </a:rPr>
+                        <a:t>infinite</a:t>
+                      </a:r>
+                      <a:endParaRPr lang="en-US" sz="600" b="0" i="0" u="none" strike="noStrike">
+                        <a:solidFill>
+                          <a:srgbClr val="000000"/>
+                        </a:solidFill>
+                        <a:effectLst/>
+                        <a:latin typeface="Calibri" panose="020F0502020204030204" pitchFamily="34" charset="0"/>
+                      </a:endParaRPr>
+                    </a:p>
+                  </a:txBody>
+                  <a:tcPr marL="4216" marR="4216" marT="4216" marB="0"/>
+                </a:tc>
+                <a:tc>
+                  <a:txBody>
+                    <a:bodyPr/>
+                    <a:lstStyle/>
+                    <a:p>
+                      <a:pPr algn="ctr" fontAlgn="t"/>
+                      <a:r>
+                        <a:rPr lang="en-US" sz="600" u="none" strike="noStrike">
+                          <a:effectLst/>
+                        </a:rPr>
+                        <a:t>infinite</a:t>
+                      </a:r>
+                      <a:endParaRPr lang="en-US" sz="600" b="0" i="0" u="none" strike="noStrike">
+                        <a:solidFill>
+                          <a:srgbClr val="000000"/>
+                        </a:solidFill>
+                        <a:effectLst/>
+                        <a:latin typeface="Calibri" panose="020F0502020204030204" pitchFamily="34" charset="0"/>
+                      </a:endParaRPr>
+                    </a:p>
+                  </a:txBody>
+                  <a:tcPr marL="4216" marR="4216" marT="4216" marB="0"/>
+                </a:tc>
+                <a:tc>
+                  <a:txBody>
+                    <a:bodyPr/>
+                    <a:lstStyle/>
+                    <a:p>
+                      <a:pPr algn="ctr" fontAlgn="t"/>
+                      <a:r>
+                        <a:rPr lang="en-US" sz="600" u="none" strike="noStrike">
+                          <a:effectLst/>
+                        </a:rPr>
+                        <a:t>infinite</a:t>
+                      </a:r>
+                      <a:endParaRPr lang="en-US" sz="600" b="0" i="0" u="none" strike="noStrike">
+                        <a:solidFill>
+                          <a:srgbClr val="000000"/>
+                        </a:solidFill>
+                        <a:effectLst/>
+                        <a:latin typeface="Calibri" panose="020F0502020204030204" pitchFamily="34" charset="0"/>
+                      </a:endParaRPr>
+                    </a:p>
+                  </a:txBody>
+                  <a:tcPr marL="4216" marR="4216" marT="4216" marB="0"/>
+                </a:tc>
+                <a:tc>
+                  <a:txBody>
+                    <a:bodyPr/>
+                    <a:lstStyle/>
+                    <a:p>
+                      <a:pPr algn="ctr" fontAlgn="t"/>
+                      <a:r>
+                        <a:rPr lang="en-US" sz="600" u="none" strike="noStrike">
+                          <a:effectLst/>
+                        </a:rPr>
+                        <a:t>infinite</a:t>
+                      </a:r>
+                      <a:endParaRPr lang="en-US" sz="600" b="0" i="0" u="none" strike="noStrike">
+                        <a:solidFill>
+                          <a:srgbClr val="000000"/>
+                        </a:solidFill>
+                        <a:effectLst/>
+                        <a:latin typeface="Calibri" panose="020F0502020204030204" pitchFamily="34" charset="0"/>
+                      </a:endParaRPr>
+                    </a:p>
+                  </a:txBody>
+                  <a:tcPr marL="4216" marR="4216" marT="4216" marB="0"/>
+                </a:tc>
+                <a:extLst>
+                  <a:ext uri="{0D108BD9-81ED-4DB2-BD59-A6C34878D82A}">
+                    <a16:rowId xmlns:a16="http://schemas.microsoft.com/office/drawing/2014/main" val="3219951594"/>
+                  </a:ext>
+                </a:extLst>
+              </a:tr>
+              <a:tr h="101194">
+                <a:tc>
+                  <a:txBody>
+                    <a:bodyPr/>
+                    <a:lstStyle/>
+                    <a:p>
+                      <a:pPr algn="l" fontAlgn="ctr"/>
+                      <a:r>
+                        <a:rPr lang="en-US" sz="600" u="none" strike="noStrike">
+                          <a:effectLst/>
+                        </a:rPr>
+                        <a:t>Single Database Size</a:t>
+                      </a:r>
+                      <a:endParaRPr lang="en-US" sz="600" b="0" i="0" u="none" strike="noStrike">
+                        <a:solidFill>
+                          <a:srgbClr val="000000"/>
+                        </a:solidFill>
+                        <a:effectLst/>
+                        <a:latin typeface="Calibri" panose="020F0502020204030204" pitchFamily="34" charset="0"/>
+                      </a:endParaRPr>
+                    </a:p>
+                  </a:txBody>
+                  <a:tcPr marL="4216" marR="4216" marT="4216" marB="0" anchor="ctr"/>
+                </a:tc>
+                <a:tc>
+                  <a:txBody>
+                    <a:bodyPr/>
+                    <a:lstStyle/>
+                    <a:p>
+                      <a:pPr algn="ctr" fontAlgn="t"/>
+                      <a:endParaRPr lang="en-US" sz="600" b="0" i="0" u="none" strike="noStrike">
+                        <a:solidFill>
+                          <a:srgbClr val="000000"/>
+                        </a:solidFill>
+                        <a:effectLst/>
+                        <a:latin typeface="Calibri" panose="020F0502020204030204" pitchFamily="34" charset="0"/>
+                      </a:endParaRPr>
+                    </a:p>
+                  </a:txBody>
+                  <a:tcPr marL="4216" marR="4216" marT="4216" marB="0"/>
+                </a:tc>
+                <a:tc>
+                  <a:txBody>
+                    <a:bodyPr/>
+                    <a:lstStyle/>
+                    <a:p>
+                      <a:pPr algn="ctr" fontAlgn="t"/>
+                      <a:r>
+                        <a:rPr lang="en-US" sz="600" u="none" strike="noStrike">
+                          <a:effectLst/>
+                        </a:rPr>
+                        <a:t>infinite</a:t>
+                      </a:r>
+                      <a:endParaRPr lang="en-US" sz="600" b="0" i="0" u="none" strike="noStrike">
+                        <a:solidFill>
+                          <a:srgbClr val="000000"/>
+                        </a:solidFill>
+                        <a:effectLst/>
+                        <a:latin typeface="Calibri" panose="020F0502020204030204" pitchFamily="34" charset="0"/>
+                      </a:endParaRPr>
+                    </a:p>
+                  </a:txBody>
+                  <a:tcPr marL="4216" marR="4216" marT="4216" marB="0"/>
+                </a:tc>
+                <a:tc>
+                  <a:txBody>
+                    <a:bodyPr/>
+                    <a:lstStyle/>
+                    <a:p>
+                      <a:pPr algn="ctr" fontAlgn="t"/>
+                      <a:r>
+                        <a:rPr lang="en-US" sz="600" u="none" strike="noStrike">
+                          <a:effectLst/>
+                        </a:rPr>
+                        <a:t>infinite</a:t>
+                      </a:r>
+                      <a:endParaRPr lang="en-US" sz="600" b="0" i="0" u="none" strike="noStrike">
+                        <a:solidFill>
+                          <a:srgbClr val="000000"/>
+                        </a:solidFill>
+                        <a:effectLst/>
+                        <a:latin typeface="Calibri" panose="020F0502020204030204" pitchFamily="34" charset="0"/>
+                      </a:endParaRPr>
+                    </a:p>
+                  </a:txBody>
+                  <a:tcPr marL="4216" marR="4216" marT="4216" marB="0"/>
+                </a:tc>
+                <a:tc>
+                  <a:txBody>
+                    <a:bodyPr/>
+                    <a:lstStyle/>
+                    <a:p>
+                      <a:pPr algn="ctr" fontAlgn="t"/>
+                      <a:r>
+                        <a:rPr lang="en-US" sz="600" u="none" strike="noStrike">
+                          <a:effectLst/>
+                        </a:rPr>
+                        <a:t>infinite</a:t>
+                      </a:r>
+                      <a:endParaRPr lang="en-US" sz="600" b="0" i="0" u="none" strike="noStrike">
+                        <a:solidFill>
+                          <a:srgbClr val="000000"/>
+                        </a:solidFill>
+                        <a:effectLst/>
+                        <a:latin typeface="Calibri" panose="020F0502020204030204" pitchFamily="34" charset="0"/>
+                      </a:endParaRPr>
+                    </a:p>
+                  </a:txBody>
+                  <a:tcPr marL="4216" marR="4216" marT="4216" marB="0"/>
+                </a:tc>
+                <a:tc>
+                  <a:txBody>
+                    <a:bodyPr/>
+                    <a:lstStyle/>
+                    <a:p>
+                      <a:pPr algn="ctr" fontAlgn="t"/>
+                      <a:r>
+                        <a:rPr lang="en-US" sz="600" u="none" strike="noStrike">
+                          <a:effectLst/>
+                        </a:rPr>
+                        <a:t>infinite</a:t>
+                      </a:r>
+                      <a:endParaRPr lang="en-US" sz="600" b="0" i="0" u="none" strike="noStrike">
+                        <a:solidFill>
+                          <a:srgbClr val="000000"/>
+                        </a:solidFill>
+                        <a:effectLst/>
+                        <a:latin typeface="Calibri" panose="020F0502020204030204" pitchFamily="34" charset="0"/>
+                      </a:endParaRPr>
+                    </a:p>
+                  </a:txBody>
+                  <a:tcPr marL="4216" marR="4216" marT="4216" marB="0"/>
+                </a:tc>
+                <a:tc>
+                  <a:txBody>
+                    <a:bodyPr/>
+                    <a:lstStyle/>
+                    <a:p>
+                      <a:pPr algn="ctr" fontAlgn="t"/>
+                      <a:r>
+                        <a:rPr lang="en-US" sz="600" u="none" strike="noStrike">
+                          <a:effectLst/>
+                        </a:rPr>
+                        <a:t>infinite</a:t>
+                      </a:r>
+                      <a:endParaRPr lang="en-US" sz="600" b="0" i="0" u="none" strike="noStrike">
+                        <a:solidFill>
+                          <a:srgbClr val="000000"/>
+                        </a:solidFill>
+                        <a:effectLst/>
+                        <a:latin typeface="Calibri" panose="020F0502020204030204" pitchFamily="34" charset="0"/>
+                      </a:endParaRPr>
+                    </a:p>
+                  </a:txBody>
+                  <a:tcPr marL="4216" marR="4216" marT="4216" marB="0"/>
+                </a:tc>
+                <a:tc>
+                  <a:txBody>
+                    <a:bodyPr/>
+                    <a:lstStyle/>
+                    <a:p>
+                      <a:pPr algn="ctr" fontAlgn="t"/>
+                      <a:r>
+                        <a:rPr lang="en-US" sz="600" u="none" strike="noStrike">
+                          <a:effectLst/>
+                        </a:rPr>
+                        <a:t>infinite</a:t>
+                      </a:r>
+                      <a:endParaRPr lang="en-US" sz="600" b="0" i="0" u="none" strike="noStrike">
+                        <a:solidFill>
+                          <a:srgbClr val="000000"/>
+                        </a:solidFill>
+                        <a:effectLst/>
+                        <a:latin typeface="Calibri" panose="020F0502020204030204" pitchFamily="34" charset="0"/>
+                      </a:endParaRPr>
+                    </a:p>
+                  </a:txBody>
+                  <a:tcPr marL="4216" marR="4216" marT="4216" marB="0"/>
+                </a:tc>
+                <a:extLst>
+                  <a:ext uri="{0D108BD9-81ED-4DB2-BD59-A6C34878D82A}">
+                    <a16:rowId xmlns:a16="http://schemas.microsoft.com/office/drawing/2014/main" val="2060816054"/>
+                  </a:ext>
+                </a:extLst>
+              </a:tr>
+              <a:tr h="101194">
+                <a:tc>
+                  <a:txBody>
+                    <a:bodyPr/>
+                    <a:lstStyle/>
+                    <a:p>
+                      <a:pPr algn="l" fontAlgn="ctr"/>
+                      <a:r>
+                        <a:rPr lang="en-US" sz="600" u="none" strike="noStrike">
+                          <a:effectLst/>
+                        </a:rPr>
+                        <a:t>Management Studio (GUI)</a:t>
+                      </a:r>
+                      <a:endParaRPr lang="en-US" sz="600" b="0" i="0" u="none" strike="noStrike">
+                        <a:solidFill>
+                          <a:srgbClr val="000000"/>
+                        </a:solidFill>
+                        <a:effectLst/>
+                        <a:latin typeface="Calibri" panose="020F0502020204030204" pitchFamily="34" charset="0"/>
+                      </a:endParaRPr>
+                    </a:p>
+                  </a:txBody>
+                  <a:tcPr marL="4216" marR="4216" marT="4216" marB="0" anchor="ctr"/>
+                </a:tc>
+                <a:tc>
+                  <a:txBody>
+                    <a:bodyPr/>
+                    <a:lstStyle/>
+                    <a:p>
+                      <a:pPr algn="ctr" fontAlgn="t"/>
+                      <a:endParaRPr lang="en-US" sz="600" b="0" i="0" u="none" strike="noStrike">
+                        <a:solidFill>
+                          <a:srgbClr val="000000"/>
+                        </a:solidFill>
+                        <a:effectLst/>
+                        <a:latin typeface="Calibri" panose="020F0502020204030204" pitchFamily="34" charset="0"/>
+                      </a:endParaRPr>
+                    </a:p>
+                  </a:txBody>
+                  <a:tcPr marL="4216" marR="4216" marT="4216" marB="0"/>
+                </a:tc>
+                <a:tc>
+                  <a:txBody>
+                    <a:bodyPr/>
+                    <a:lstStyle/>
+                    <a:p>
+                      <a:pPr algn="ctr" fontAlgn="t"/>
+                      <a:r>
+                        <a:rPr lang="en-US" sz="600" u="none" strike="noStrike">
+                          <a:effectLst/>
+                        </a:rPr>
+                        <a:t>Kibana</a:t>
+                      </a:r>
+                      <a:endParaRPr lang="en-US" sz="600" b="0" i="0" u="none" strike="noStrike">
+                        <a:solidFill>
+                          <a:srgbClr val="000000"/>
+                        </a:solidFill>
+                        <a:effectLst/>
+                        <a:latin typeface="Calibri" panose="020F0502020204030204" pitchFamily="34" charset="0"/>
+                      </a:endParaRPr>
+                    </a:p>
+                  </a:txBody>
+                  <a:tcPr marL="4216" marR="4216" marT="4216" marB="0"/>
+                </a:tc>
+                <a:tc>
+                  <a:txBody>
+                    <a:bodyPr/>
+                    <a:lstStyle/>
+                    <a:p>
+                      <a:pPr algn="ctr" fontAlgn="t"/>
+                      <a:endParaRPr lang="en-US" sz="600" b="0" i="0" u="none" strike="noStrike">
+                        <a:solidFill>
+                          <a:srgbClr val="000000"/>
+                        </a:solidFill>
+                        <a:effectLst/>
+                        <a:latin typeface="Calibri" panose="020F0502020204030204" pitchFamily="34" charset="0"/>
+                      </a:endParaRPr>
+                    </a:p>
+                  </a:txBody>
+                  <a:tcPr marL="4216" marR="4216" marT="4216" marB="0"/>
+                </a:tc>
+                <a:tc>
+                  <a:txBody>
+                    <a:bodyPr/>
+                    <a:lstStyle/>
+                    <a:p>
+                      <a:pPr algn="ctr" fontAlgn="t"/>
+                      <a:r>
+                        <a:rPr lang="en-US" sz="600" u="none" strike="noStrike">
+                          <a:effectLst/>
+                        </a:rPr>
+                        <a:t>Couchbase Web Console</a:t>
+                      </a:r>
+                      <a:endParaRPr lang="en-US" sz="600" b="0" i="0" u="none" strike="noStrike">
+                        <a:solidFill>
+                          <a:srgbClr val="000000"/>
+                        </a:solidFill>
+                        <a:effectLst/>
+                        <a:latin typeface="Calibri" panose="020F0502020204030204" pitchFamily="34" charset="0"/>
+                      </a:endParaRPr>
+                    </a:p>
+                  </a:txBody>
+                  <a:tcPr marL="4216" marR="4216" marT="4216" marB="0"/>
+                </a:tc>
+                <a:tc>
+                  <a:txBody>
+                    <a:bodyPr/>
+                    <a:lstStyle/>
+                    <a:p>
+                      <a:pPr algn="ctr" fontAlgn="t"/>
+                      <a:r>
+                        <a:rPr lang="en-US" sz="600" u="none" strike="noStrike">
+                          <a:effectLst/>
+                        </a:rPr>
+                        <a:t>OrientDB Studio</a:t>
+                      </a:r>
+                      <a:endParaRPr lang="en-US" sz="600" b="0" i="0" u="none" strike="noStrike">
+                        <a:solidFill>
+                          <a:srgbClr val="000000"/>
+                        </a:solidFill>
+                        <a:effectLst/>
+                        <a:latin typeface="Calibri" panose="020F0502020204030204" pitchFamily="34" charset="0"/>
+                      </a:endParaRPr>
+                    </a:p>
+                  </a:txBody>
+                  <a:tcPr marL="4216" marR="4216" marT="4216" marB="0"/>
+                </a:tc>
+                <a:tc>
+                  <a:txBody>
+                    <a:bodyPr/>
+                    <a:lstStyle/>
+                    <a:p>
+                      <a:pPr algn="ctr" fontAlgn="t"/>
+                      <a:r>
+                        <a:rPr lang="en-US" sz="600" u="none" strike="noStrike">
+                          <a:effectLst/>
+                        </a:rPr>
+                        <a:t>RDB NoSQL DB Management Studio</a:t>
+                      </a:r>
+                      <a:endParaRPr lang="en-US" sz="600" b="0" i="0" u="none" strike="noStrike">
+                        <a:solidFill>
+                          <a:srgbClr val="000000"/>
+                        </a:solidFill>
+                        <a:effectLst/>
+                        <a:latin typeface="Calibri" panose="020F0502020204030204" pitchFamily="34" charset="0"/>
+                      </a:endParaRPr>
+                    </a:p>
+                  </a:txBody>
+                  <a:tcPr marL="4216" marR="4216" marT="4216" marB="0"/>
+                </a:tc>
+                <a:tc>
+                  <a:txBody>
+                    <a:bodyPr/>
+                    <a:lstStyle/>
+                    <a:p>
+                      <a:pPr algn="ctr" fontAlgn="t"/>
+                      <a:r>
+                        <a:rPr lang="en-US" sz="600" u="none" strike="noStrike">
+                          <a:effectLst/>
+                        </a:rPr>
+                        <a:t>RDB NoSQL DB Management Studio</a:t>
+                      </a:r>
+                      <a:endParaRPr lang="en-US" sz="600" b="0" i="0" u="none" strike="noStrike">
+                        <a:solidFill>
+                          <a:srgbClr val="000000"/>
+                        </a:solidFill>
+                        <a:effectLst/>
+                        <a:latin typeface="Calibri" panose="020F0502020204030204" pitchFamily="34" charset="0"/>
+                      </a:endParaRPr>
+                    </a:p>
+                  </a:txBody>
+                  <a:tcPr marL="4216" marR="4216" marT="4216" marB="0"/>
+                </a:tc>
+                <a:extLst>
+                  <a:ext uri="{0D108BD9-81ED-4DB2-BD59-A6C34878D82A}">
+                    <a16:rowId xmlns:a16="http://schemas.microsoft.com/office/drawing/2014/main" val="3225380774"/>
+                  </a:ext>
+                </a:extLst>
+              </a:tr>
+              <a:tr h="101194">
+                <a:tc>
+                  <a:txBody>
+                    <a:bodyPr/>
+                    <a:lstStyle/>
+                    <a:p>
+                      <a:pPr algn="l" fontAlgn="ctr"/>
+                      <a:r>
+                        <a:rPr lang="en-US" sz="600" u="none" strike="noStrike">
+                          <a:effectLst/>
+                        </a:rPr>
+                        <a:t>Features</a:t>
+                      </a:r>
+                      <a:endParaRPr lang="en-US" sz="600" b="1" i="0" u="none" strike="noStrike">
+                        <a:solidFill>
+                          <a:srgbClr val="000000"/>
+                        </a:solidFill>
+                        <a:effectLst/>
+                        <a:latin typeface="Calibri" panose="020F0502020204030204" pitchFamily="34" charset="0"/>
+                      </a:endParaRPr>
+                    </a:p>
+                  </a:txBody>
+                  <a:tcPr marL="4216" marR="4216" marT="4216" marB="0" anchor="ctr"/>
+                </a:tc>
+                <a:tc>
+                  <a:txBody>
+                    <a:bodyPr/>
+                    <a:lstStyle/>
+                    <a:p>
+                      <a:pPr algn="ctr" fontAlgn="t"/>
+                      <a:r>
+                        <a:rPr lang="en-US" sz="600" u="none" strike="noStrike">
+                          <a:effectLst/>
+                        </a:rPr>
+                        <a:t>Description</a:t>
+                      </a:r>
+                      <a:endParaRPr lang="en-US" sz="600" b="1" i="0" u="none" strike="noStrike">
+                        <a:solidFill>
+                          <a:srgbClr val="000000"/>
+                        </a:solidFill>
+                        <a:effectLst/>
+                        <a:latin typeface="Calibri" panose="020F0502020204030204" pitchFamily="34" charset="0"/>
+                      </a:endParaRPr>
+                    </a:p>
+                  </a:txBody>
+                  <a:tcPr marL="4216" marR="4216" marT="4216" marB="0"/>
+                </a:tc>
+                <a:tc>
+                  <a:txBody>
+                    <a:bodyPr/>
+                    <a:lstStyle/>
+                    <a:p>
+                      <a:pPr algn="ctr" fontAlgn="t"/>
+                      <a:r>
+                        <a:rPr lang="en-US" sz="600" u="none" strike="noStrike">
+                          <a:effectLst/>
+                        </a:rPr>
+                        <a:t> </a:t>
+                      </a:r>
+                      <a:endParaRPr lang="en-US" sz="600" b="0" i="0" u="none" strike="noStrike">
+                        <a:solidFill>
+                          <a:srgbClr val="000000"/>
+                        </a:solidFill>
+                        <a:effectLst/>
+                        <a:latin typeface="Calibri" panose="020F0502020204030204" pitchFamily="34" charset="0"/>
+                      </a:endParaRPr>
+                    </a:p>
+                  </a:txBody>
+                  <a:tcPr marL="4216" marR="4216" marT="4216" marB="0"/>
+                </a:tc>
+                <a:tc>
+                  <a:txBody>
+                    <a:bodyPr/>
+                    <a:lstStyle/>
+                    <a:p>
+                      <a:pPr algn="ctr" fontAlgn="t"/>
+                      <a:r>
+                        <a:rPr lang="en-US" sz="600" u="none" strike="noStrike">
+                          <a:effectLst/>
+                        </a:rPr>
+                        <a:t> </a:t>
+                      </a:r>
+                      <a:endParaRPr lang="en-US" sz="600" b="0" i="0" u="none" strike="noStrike">
+                        <a:solidFill>
+                          <a:srgbClr val="000000"/>
+                        </a:solidFill>
+                        <a:effectLst/>
+                        <a:latin typeface="Calibri" panose="020F0502020204030204" pitchFamily="34" charset="0"/>
+                      </a:endParaRPr>
+                    </a:p>
+                  </a:txBody>
+                  <a:tcPr marL="4216" marR="4216" marT="4216" marB="0"/>
+                </a:tc>
+                <a:tc>
+                  <a:txBody>
+                    <a:bodyPr/>
+                    <a:lstStyle/>
+                    <a:p>
+                      <a:pPr algn="ctr" fontAlgn="t"/>
+                      <a:r>
+                        <a:rPr lang="en-US" sz="600" u="none" strike="noStrike">
+                          <a:effectLst/>
+                        </a:rPr>
+                        <a:t> </a:t>
+                      </a:r>
+                      <a:endParaRPr lang="en-US" sz="600" b="0" i="0" u="none" strike="noStrike">
+                        <a:solidFill>
+                          <a:srgbClr val="000000"/>
+                        </a:solidFill>
+                        <a:effectLst/>
+                        <a:latin typeface="Calibri" panose="020F0502020204030204" pitchFamily="34" charset="0"/>
+                      </a:endParaRPr>
+                    </a:p>
+                  </a:txBody>
+                  <a:tcPr marL="4216" marR="4216" marT="4216" marB="0"/>
+                </a:tc>
+                <a:tc>
+                  <a:txBody>
+                    <a:bodyPr/>
+                    <a:lstStyle/>
+                    <a:p>
+                      <a:pPr algn="ctr" fontAlgn="t"/>
+                      <a:r>
+                        <a:rPr lang="en-US" sz="600" u="none" strike="noStrike">
+                          <a:effectLst/>
+                        </a:rPr>
+                        <a:t> </a:t>
+                      </a:r>
+                      <a:endParaRPr lang="en-US" sz="600" b="0" i="0" u="none" strike="noStrike">
+                        <a:solidFill>
+                          <a:srgbClr val="000000"/>
+                        </a:solidFill>
+                        <a:effectLst/>
+                        <a:latin typeface="Calibri" panose="020F0502020204030204" pitchFamily="34" charset="0"/>
+                      </a:endParaRPr>
+                    </a:p>
+                  </a:txBody>
+                  <a:tcPr marL="4216" marR="4216" marT="4216" marB="0"/>
+                </a:tc>
+                <a:tc>
+                  <a:txBody>
+                    <a:bodyPr/>
+                    <a:lstStyle/>
+                    <a:p>
+                      <a:pPr algn="ctr" fontAlgn="t"/>
+                      <a:r>
+                        <a:rPr lang="en-US" sz="600" u="none" strike="noStrike">
+                          <a:effectLst/>
+                        </a:rPr>
+                        <a:t> </a:t>
+                      </a:r>
+                      <a:endParaRPr lang="en-US" sz="600" b="0" i="0" u="none" strike="noStrike">
+                        <a:solidFill>
+                          <a:srgbClr val="000000"/>
+                        </a:solidFill>
+                        <a:effectLst/>
+                        <a:latin typeface="Calibri" panose="020F0502020204030204" pitchFamily="34" charset="0"/>
+                      </a:endParaRPr>
+                    </a:p>
+                  </a:txBody>
+                  <a:tcPr marL="4216" marR="4216" marT="4216" marB="0"/>
+                </a:tc>
+                <a:tc>
+                  <a:txBody>
+                    <a:bodyPr/>
+                    <a:lstStyle/>
+                    <a:p>
+                      <a:pPr algn="ctr" fontAlgn="t"/>
+                      <a:r>
+                        <a:rPr lang="en-US" sz="600" u="none" strike="noStrike">
+                          <a:effectLst/>
+                        </a:rPr>
+                        <a:t> </a:t>
+                      </a:r>
+                      <a:endParaRPr lang="en-US" sz="600" b="0" i="0" u="none" strike="noStrike">
+                        <a:solidFill>
+                          <a:srgbClr val="000000"/>
+                        </a:solidFill>
+                        <a:effectLst/>
+                        <a:latin typeface="Calibri" panose="020F0502020204030204" pitchFamily="34" charset="0"/>
+                      </a:endParaRPr>
+                    </a:p>
+                  </a:txBody>
+                  <a:tcPr marL="4216" marR="4216" marT="4216" marB="0"/>
+                </a:tc>
+                <a:extLst>
+                  <a:ext uri="{0D108BD9-81ED-4DB2-BD59-A6C34878D82A}">
+                    <a16:rowId xmlns:a16="http://schemas.microsoft.com/office/drawing/2014/main" val="728047413"/>
+                  </a:ext>
+                </a:extLst>
+              </a:tr>
+              <a:tr h="202388">
+                <a:tc>
+                  <a:txBody>
+                    <a:bodyPr/>
+                    <a:lstStyle/>
+                    <a:p>
+                      <a:pPr algn="l" fontAlgn="ctr"/>
+                      <a:r>
+                        <a:rPr lang="en-US" sz="600" u="none" strike="noStrike">
+                          <a:effectLst/>
+                        </a:rPr>
+                        <a:t>Sharding</a:t>
+                      </a:r>
+                      <a:endParaRPr lang="en-US" sz="600" b="0" i="0" u="none" strike="noStrike">
+                        <a:solidFill>
+                          <a:srgbClr val="000000"/>
+                        </a:solidFill>
+                        <a:effectLst/>
+                        <a:latin typeface="Calibri" panose="020F0502020204030204" pitchFamily="34" charset="0"/>
+                      </a:endParaRPr>
+                    </a:p>
+                  </a:txBody>
+                  <a:tcPr marL="4216" marR="4216" marT="4216" marB="0" anchor="ctr"/>
+                </a:tc>
+                <a:tc>
+                  <a:txBody>
+                    <a:bodyPr/>
+                    <a:lstStyle/>
+                    <a:p>
+                      <a:pPr algn="ctr" fontAlgn="t"/>
+                      <a:r>
+                        <a:rPr lang="en-US" sz="600" u="none" strike="noStrike">
+                          <a:effectLst/>
+                        </a:rPr>
+                        <a:t>Ability to disperse data across various database servers</a:t>
+                      </a:r>
+                      <a:endParaRPr lang="en-US" sz="600" b="0" i="0" u="none" strike="noStrike">
+                        <a:solidFill>
+                          <a:srgbClr val="000000"/>
+                        </a:solidFill>
+                        <a:effectLst/>
+                        <a:latin typeface="Calibri" panose="020F0502020204030204" pitchFamily="34" charset="0"/>
+                      </a:endParaRPr>
+                    </a:p>
+                  </a:txBody>
+                  <a:tcPr marL="4216" marR="4216" marT="4216" marB="0"/>
+                </a:tc>
+                <a:tc>
+                  <a:txBody>
+                    <a:bodyPr/>
+                    <a:lstStyle/>
+                    <a:p>
+                      <a:pPr algn="ctr" fontAlgn="t"/>
+                      <a:r>
+                        <a:rPr lang="en-US" sz="600" u="none" strike="noStrike">
+                          <a:effectLst/>
+                        </a:rPr>
+                        <a:t>Yes</a:t>
+                      </a:r>
+                      <a:endParaRPr lang="en-US" sz="600" b="0" i="0" u="none" strike="noStrike">
+                        <a:solidFill>
+                          <a:srgbClr val="000000"/>
+                        </a:solidFill>
+                        <a:effectLst/>
+                        <a:latin typeface="Calibri" panose="020F0502020204030204" pitchFamily="34" charset="0"/>
+                      </a:endParaRPr>
+                    </a:p>
+                  </a:txBody>
+                  <a:tcPr marL="4216" marR="4216" marT="4216" marB="0"/>
+                </a:tc>
+                <a:tc>
+                  <a:txBody>
+                    <a:bodyPr/>
+                    <a:lstStyle/>
+                    <a:p>
+                      <a:pPr algn="ctr" fontAlgn="t"/>
+                      <a:r>
+                        <a:rPr lang="en-US" sz="600" u="none" strike="noStrike">
+                          <a:effectLst/>
+                        </a:rPr>
+                        <a:t>Yes</a:t>
+                      </a:r>
+                      <a:endParaRPr lang="en-US" sz="600" b="0" i="0" u="none" strike="noStrike">
+                        <a:solidFill>
+                          <a:srgbClr val="000000"/>
+                        </a:solidFill>
+                        <a:effectLst/>
+                        <a:latin typeface="Calibri" panose="020F0502020204030204" pitchFamily="34" charset="0"/>
+                      </a:endParaRPr>
+                    </a:p>
+                  </a:txBody>
+                  <a:tcPr marL="4216" marR="4216" marT="4216" marB="0"/>
+                </a:tc>
+                <a:tc>
+                  <a:txBody>
+                    <a:bodyPr/>
+                    <a:lstStyle/>
+                    <a:p>
+                      <a:pPr algn="ctr" fontAlgn="t"/>
+                      <a:r>
+                        <a:rPr lang="en-US" sz="600" u="none" strike="noStrike">
+                          <a:effectLst/>
+                        </a:rPr>
+                        <a:t>Auto-managed</a:t>
+                      </a:r>
+                      <a:endParaRPr lang="en-US" sz="600" b="0" i="0" u="none" strike="noStrike">
+                        <a:solidFill>
+                          <a:srgbClr val="000000"/>
+                        </a:solidFill>
+                        <a:effectLst/>
+                        <a:latin typeface="Calibri" panose="020F0502020204030204" pitchFamily="34" charset="0"/>
+                      </a:endParaRPr>
+                    </a:p>
+                  </a:txBody>
+                  <a:tcPr marL="4216" marR="4216" marT="4216" marB="0"/>
+                </a:tc>
+                <a:tc>
+                  <a:txBody>
+                    <a:bodyPr/>
+                    <a:lstStyle/>
+                    <a:p>
+                      <a:pPr algn="ctr" fontAlgn="t"/>
+                      <a:r>
+                        <a:rPr lang="en-US" sz="600" u="none" strike="noStrike">
+                          <a:effectLst/>
+                        </a:rPr>
+                        <a:t>Yes</a:t>
+                      </a:r>
+                      <a:endParaRPr lang="en-US" sz="600" b="0" i="0" u="none" strike="noStrike">
+                        <a:solidFill>
+                          <a:srgbClr val="000000"/>
+                        </a:solidFill>
+                        <a:effectLst/>
+                        <a:latin typeface="Calibri" panose="020F0502020204030204" pitchFamily="34" charset="0"/>
+                      </a:endParaRPr>
+                    </a:p>
+                  </a:txBody>
+                  <a:tcPr marL="4216" marR="4216" marT="4216" marB="0"/>
+                </a:tc>
+                <a:tc>
+                  <a:txBody>
+                    <a:bodyPr/>
+                    <a:lstStyle/>
+                    <a:p>
+                      <a:pPr algn="ctr" fontAlgn="t"/>
+                      <a:r>
+                        <a:rPr lang="en-US" sz="600" u="none" strike="noStrike">
+                          <a:effectLst/>
+                        </a:rPr>
+                        <a:t>Yes</a:t>
+                      </a:r>
+                      <a:endParaRPr lang="en-US" sz="600" b="0" i="0" u="none" strike="noStrike">
+                        <a:solidFill>
+                          <a:srgbClr val="000000"/>
+                        </a:solidFill>
+                        <a:effectLst/>
+                        <a:latin typeface="Calibri" panose="020F0502020204030204" pitchFamily="34" charset="0"/>
+                      </a:endParaRPr>
+                    </a:p>
+                  </a:txBody>
+                  <a:tcPr marL="4216" marR="4216" marT="4216" marB="0"/>
+                </a:tc>
+                <a:tc>
+                  <a:txBody>
+                    <a:bodyPr/>
+                    <a:lstStyle/>
+                    <a:p>
+                      <a:pPr algn="ctr" fontAlgn="t"/>
+                      <a:r>
+                        <a:rPr lang="en-US" sz="600" u="none" strike="noStrike">
+                          <a:effectLst/>
+                        </a:rPr>
+                        <a:t>Yes</a:t>
+                      </a:r>
+                      <a:endParaRPr lang="en-US" sz="600" b="0" i="0" u="none" strike="noStrike">
+                        <a:solidFill>
+                          <a:srgbClr val="000000"/>
+                        </a:solidFill>
+                        <a:effectLst/>
+                        <a:latin typeface="Calibri" panose="020F0502020204030204" pitchFamily="34" charset="0"/>
+                      </a:endParaRPr>
+                    </a:p>
+                  </a:txBody>
+                  <a:tcPr marL="4216" marR="4216" marT="4216" marB="0"/>
+                </a:tc>
+                <a:extLst>
+                  <a:ext uri="{0D108BD9-81ED-4DB2-BD59-A6C34878D82A}">
+                    <a16:rowId xmlns:a16="http://schemas.microsoft.com/office/drawing/2014/main" val="894641108"/>
+                  </a:ext>
+                </a:extLst>
+              </a:tr>
+              <a:tr h="303582">
+                <a:tc>
+                  <a:txBody>
+                    <a:bodyPr/>
+                    <a:lstStyle/>
+                    <a:p>
+                      <a:pPr algn="l" fontAlgn="ctr"/>
+                      <a:r>
+                        <a:rPr lang="en-US" sz="600" u="none" strike="noStrike">
+                          <a:effectLst/>
+                        </a:rPr>
+                        <a:t>Kafka Sink</a:t>
+                      </a:r>
+                      <a:endParaRPr lang="en-US" sz="600" b="0" i="0" u="none" strike="noStrike">
+                        <a:solidFill>
+                          <a:srgbClr val="000000"/>
+                        </a:solidFill>
+                        <a:effectLst/>
+                        <a:latin typeface="Calibri" panose="020F0502020204030204" pitchFamily="34" charset="0"/>
+                      </a:endParaRPr>
+                    </a:p>
+                  </a:txBody>
+                  <a:tcPr marL="4216" marR="4216" marT="4216" marB="0" anchor="ctr"/>
+                </a:tc>
+                <a:tc>
+                  <a:txBody>
+                    <a:bodyPr/>
+                    <a:lstStyle/>
+                    <a:p>
+                      <a:pPr algn="ctr" fontAlgn="t"/>
+                      <a:r>
+                        <a:rPr lang="en-US" sz="600" u="none" strike="noStrike">
+                          <a:effectLst/>
+                        </a:rPr>
+                        <a:t>Does this have a native funtionality to produce directly to Kafka with no other infrastructure?</a:t>
+                      </a:r>
+                      <a:endParaRPr lang="en-US" sz="600" b="0" i="0" u="none" strike="noStrike">
+                        <a:solidFill>
+                          <a:srgbClr val="000000"/>
+                        </a:solidFill>
+                        <a:effectLst/>
+                        <a:latin typeface="Calibri" panose="020F0502020204030204" pitchFamily="34" charset="0"/>
+                      </a:endParaRPr>
+                    </a:p>
+                  </a:txBody>
+                  <a:tcPr marL="4216" marR="4216" marT="4216" marB="0"/>
+                </a:tc>
+                <a:tc>
+                  <a:txBody>
+                    <a:bodyPr/>
+                    <a:lstStyle/>
+                    <a:p>
+                      <a:pPr algn="ctr" fontAlgn="t"/>
+                      <a:r>
+                        <a:rPr lang="en-US" sz="600" u="none" strike="noStrike">
+                          <a:effectLst/>
+                        </a:rPr>
+                        <a:t>No</a:t>
+                      </a:r>
+                      <a:endParaRPr lang="en-US" sz="600" b="0" i="0" u="none" strike="noStrike">
+                        <a:solidFill>
+                          <a:srgbClr val="000000"/>
+                        </a:solidFill>
+                        <a:effectLst/>
+                        <a:latin typeface="Calibri" panose="020F0502020204030204" pitchFamily="34" charset="0"/>
+                      </a:endParaRPr>
+                    </a:p>
+                  </a:txBody>
+                  <a:tcPr marL="4216" marR="4216" marT="4216" marB="0"/>
+                </a:tc>
+                <a:tc>
+                  <a:txBody>
+                    <a:bodyPr/>
+                    <a:lstStyle/>
+                    <a:p>
+                      <a:pPr algn="ctr" fontAlgn="t"/>
+                      <a:r>
+                        <a:rPr lang="en-US" sz="600" u="none" strike="noStrike">
+                          <a:effectLst/>
+                        </a:rPr>
+                        <a:t>No</a:t>
+                      </a:r>
+                      <a:endParaRPr lang="en-US" sz="600" b="0" i="0" u="none" strike="noStrike">
+                        <a:solidFill>
+                          <a:srgbClr val="000000"/>
+                        </a:solidFill>
+                        <a:effectLst/>
+                        <a:latin typeface="Calibri" panose="020F0502020204030204" pitchFamily="34" charset="0"/>
+                      </a:endParaRPr>
+                    </a:p>
+                  </a:txBody>
+                  <a:tcPr marL="4216" marR="4216" marT="4216" marB="0"/>
+                </a:tc>
+                <a:tc>
+                  <a:txBody>
+                    <a:bodyPr/>
+                    <a:lstStyle/>
+                    <a:p>
+                      <a:pPr algn="ctr" fontAlgn="t"/>
+                      <a:r>
+                        <a:rPr lang="en-US" sz="600" u="none" strike="noStrike">
+                          <a:effectLst/>
+                        </a:rPr>
+                        <a:t>Yes</a:t>
+                      </a:r>
+                      <a:endParaRPr lang="en-US" sz="600" b="0" i="0" u="none" strike="noStrike">
+                        <a:solidFill>
+                          <a:srgbClr val="000000"/>
+                        </a:solidFill>
+                        <a:effectLst/>
+                        <a:latin typeface="Calibri" panose="020F0502020204030204" pitchFamily="34" charset="0"/>
+                      </a:endParaRPr>
+                    </a:p>
+                  </a:txBody>
+                  <a:tcPr marL="4216" marR="4216" marT="4216" marB="0"/>
+                </a:tc>
+                <a:tc>
+                  <a:txBody>
+                    <a:bodyPr/>
+                    <a:lstStyle/>
+                    <a:p>
+                      <a:pPr algn="ctr" fontAlgn="t"/>
+                      <a:r>
+                        <a:rPr lang="en-US" sz="600" u="none" strike="noStrike">
+                          <a:effectLst/>
+                        </a:rPr>
+                        <a:t>No</a:t>
+                      </a:r>
+                      <a:endParaRPr lang="en-US" sz="600" b="0" i="0" u="none" strike="noStrike">
+                        <a:solidFill>
+                          <a:srgbClr val="000000"/>
+                        </a:solidFill>
+                        <a:effectLst/>
+                        <a:latin typeface="Calibri" panose="020F0502020204030204" pitchFamily="34" charset="0"/>
+                      </a:endParaRPr>
+                    </a:p>
+                  </a:txBody>
+                  <a:tcPr marL="4216" marR="4216" marT="4216" marB="0"/>
+                </a:tc>
+                <a:tc>
+                  <a:txBody>
+                    <a:bodyPr/>
+                    <a:lstStyle/>
+                    <a:p>
+                      <a:pPr algn="ctr" fontAlgn="t"/>
+                      <a:r>
+                        <a:rPr lang="en-US" sz="600" u="none" strike="noStrike">
+                          <a:effectLst/>
+                        </a:rPr>
+                        <a:t>Yes</a:t>
+                      </a:r>
+                      <a:endParaRPr lang="en-US" sz="600" b="0" i="0" u="none" strike="noStrike">
+                        <a:solidFill>
+                          <a:srgbClr val="000000"/>
+                        </a:solidFill>
+                        <a:effectLst/>
+                        <a:latin typeface="Calibri" panose="020F0502020204030204" pitchFamily="34" charset="0"/>
+                      </a:endParaRPr>
+                    </a:p>
+                  </a:txBody>
+                  <a:tcPr marL="4216" marR="4216" marT="4216" marB="0"/>
+                </a:tc>
+                <a:tc>
+                  <a:txBody>
+                    <a:bodyPr/>
+                    <a:lstStyle/>
+                    <a:p>
+                      <a:pPr algn="ctr" fontAlgn="t"/>
+                      <a:r>
+                        <a:rPr lang="en-US" sz="600" u="none" strike="noStrike">
+                          <a:effectLst/>
+                        </a:rPr>
+                        <a:t>Yes</a:t>
+                      </a:r>
+                      <a:endParaRPr lang="en-US" sz="600" b="0" i="0" u="none" strike="noStrike">
+                        <a:solidFill>
+                          <a:srgbClr val="000000"/>
+                        </a:solidFill>
+                        <a:effectLst/>
+                        <a:latin typeface="Calibri" panose="020F0502020204030204" pitchFamily="34" charset="0"/>
+                      </a:endParaRPr>
+                    </a:p>
+                  </a:txBody>
+                  <a:tcPr marL="4216" marR="4216" marT="4216" marB="0"/>
+                </a:tc>
+                <a:extLst>
+                  <a:ext uri="{0D108BD9-81ED-4DB2-BD59-A6C34878D82A}">
+                    <a16:rowId xmlns:a16="http://schemas.microsoft.com/office/drawing/2014/main" val="3946250865"/>
+                  </a:ext>
+                </a:extLst>
+              </a:tr>
+              <a:tr h="101194">
+                <a:tc>
+                  <a:txBody>
+                    <a:bodyPr/>
+                    <a:lstStyle/>
+                    <a:p>
+                      <a:pPr algn="l" fontAlgn="ctr"/>
+                      <a:r>
+                        <a:rPr lang="en-US" sz="600" u="none" strike="noStrike">
+                          <a:effectLst/>
+                        </a:rPr>
+                        <a:t>Alternate Kafka Sink</a:t>
+                      </a:r>
+                      <a:endParaRPr lang="en-US" sz="600" b="0" i="0" u="none" strike="noStrike">
+                        <a:solidFill>
+                          <a:srgbClr val="000000"/>
+                        </a:solidFill>
+                        <a:effectLst/>
+                        <a:latin typeface="Calibri" panose="020F0502020204030204" pitchFamily="34" charset="0"/>
+                      </a:endParaRPr>
+                    </a:p>
+                  </a:txBody>
+                  <a:tcPr marL="4216" marR="4216" marT="4216" marB="0" anchor="ctr"/>
+                </a:tc>
+                <a:tc>
+                  <a:txBody>
+                    <a:bodyPr/>
+                    <a:lstStyle/>
+                    <a:p>
+                      <a:pPr algn="ctr" fontAlgn="t"/>
+                      <a:r>
+                        <a:rPr lang="en-US" sz="600" u="none" strike="noStrike">
+                          <a:effectLst/>
+                        </a:rPr>
+                        <a:t>Is there a tool to sink data?</a:t>
+                      </a:r>
+                      <a:endParaRPr lang="en-US" sz="600" b="0" i="0" u="none" strike="noStrike">
+                        <a:solidFill>
+                          <a:srgbClr val="000000"/>
+                        </a:solidFill>
+                        <a:effectLst/>
+                        <a:latin typeface="Calibri" panose="020F0502020204030204" pitchFamily="34" charset="0"/>
+                      </a:endParaRPr>
+                    </a:p>
+                  </a:txBody>
+                  <a:tcPr marL="4216" marR="4216" marT="4216" marB="0"/>
+                </a:tc>
+                <a:tc>
+                  <a:txBody>
+                    <a:bodyPr/>
+                    <a:lstStyle/>
+                    <a:p>
+                      <a:pPr algn="ctr" fontAlgn="t"/>
+                      <a:r>
+                        <a:rPr lang="en-US" sz="600" u="none" strike="noStrike">
+                          <a:effectLst/>
+                        </a:rPr>
+                        <a:t>Kafka Connect</a:t>
+                      </a:r>
+                      <a:endParaRPr lang="en-US" sz="600" b="0" i="0" u="none" strike="noStrike">
+                        <a:solidFill>
+                          <a:srgbClr val="000000"/>
+                        </a:solidFill>
+                        <a:effectLst/>
+                        <a:latin typeface="Calibri" panose="020F0502020204030204" pitchFamily="34" charset="0"/>
+                      </a:endParaRPr>
+                    </a:p>
+                  </a:txBody>
+                  <a:tcPr marL="4216" marR="4216" marT="4216" marB="0"/>
+                </a:tc>
+                <a:tc>
+                  <a:txBody>
+                    <a:bodyPr/>
+                    <a:lstStyle/>
+                    <a:p>
+                      <a:pPr algn="ctr" fontAlgn="t"/>
+                      <a:r>
+                        <a:rPr lang="en-US" sz="600" u="none" strike="noStrike">
+                          <a:effectLst/>
+                        </a:rPr>
+                        <a:t>Kafka Connect</a:t>
+                      </a:r>
+                      <a:endParaRPr lang="en-US" sz="600" b="0" i="0" u="none" strike="noStrike">
+                        <a:solidFill>
+                          <a:srgbClr val="000000"/>
+                        </a:solidFill>
+                        <a:effectLst/>
+                        <a:latin typeface="Calibri" panose="020F0502020204030204" pitchFamily="34" charset="0"/>
+                      </a:endParaRPr>
+                    </a:p>
+                  </a:txBody>
+                  <a:tcPr marL="4216" marR="4216" marT="4216" marB="0"/>
+                </a:tc>
+                <a:tc>
+                  <a:txBody>
+                    <a:bodyPr/>
+                    <a:lstStyle/>
+                    <a:p>
+                      <a:pPr algn="ctr" fontAlgn="t"/>
+                      <a:endParaRPr lang="en-US" sz="600" b="0" i="0" u="none" strike="noStrike">
+                        <a:solidFill>
+                          <a:srgbClr val="000000"/>
+                        </a:solidFill>
+                        <a:effectLst/>
+                        <a:latin typeface="Calibri" panose="020F0502020204030204" pitchFamily="34" charset="0"/>
+                      </a:endParaRPr>
+                    </a:p>
+                  </a:txBody>
+                  <a:tcPr marL="4216" marR="4216" marT="4216" marB="0"/>
+                </a:tc>
+                <a:tc>
+                  <a:txBody>
+                    <a:bodyPr/>
+                    <a:lstStyle/>
+                    <a:p>
+                      <a:pPr algn="ctr" fontAlgn="t"/>
+                      <a:endParaRPr lang="en-US" sz="600" b="0" i="0" u="none" strike="noStrike">
+                        <a:solidFill>
+                          <a:srgbClr val="000000"/>
+                        </a:solidFill>
+                        <a:effectLst/>
+                        <a:latin typeface="Calibri" panose="020F0502020204030204" pitchFamily="34" charset="0"/>
+                      </a:endParaRPr>
+                    </a:p>
+                  </a:txBody>
+                  <a:tcPr marL="4216" marR="4216" marT="4216" marB="0"/>
+                </a:tc>
+                <a:tc>
+                  <a:txBody>
+                    <a:bodyPr/>
+                    <a:lstStyle/>
+                    <a:p>
+                      <a:pPr algn="ctr" fontAlgn="t"/>
+                      <a:endParaRPr lang="en-US" sz="600" b="0" i="0" u="none" strike="noStrike">
+                        <a:solidFill>
+                          <a:srgbClr val="000000"/>
+                        </a:solidFill>
+                        <a:effectLst/>
+                        <a:latin typeface="Calibri" panose="020F0502020204030204" pitchFamily="34" charset="0"/>
+                      </a:endParaRPr>
+                    </a:p>
+                  </a:txBody>
+                  <a:tcPr marL="4216" marR="4216" marT="4216" marB="0"/>
+                </a:tc>
+                <a:tc>
+                  <a:txBody>
+                    <a:bodyPr/>
+                    <a:lstStyle/>
+                    <a:p>
+                      <a:pPr algn="ctr" fontAlgn="t"/>
+                      <a:endParaRPr lang="en-US" sz="600" b="0" i="0" u="none" strike="noStrike">
+                        <a:solidFill>
+                          <a:srgbClr val="000000"/>
+                        </a:solidFill>
+                        <a:effectLst/>
+                        <a:latin typeface="Calibri" panose="020F0502020204030204" pitchFamily="34" charset="0"/>
+                      </a:endParaRPr>
+                    </a:p>
+                  </a:txBody>
+                  <a:tcPr marL="4216" marR="4216" marT="4216" marB="0"/>
+                </a:tc>
+                <a:extLst>
+                  <a:ext uri="{0D108BD9-81ED-4DB2-BD59-A6C34878D82A}">
+                    <a16:rowId xmlns:a16="http://schemas.microsoft.com/office/drawing/2014/main" val="431010185"/>
+                  </a:ext>
+                </a:extLst>
+              </a:tr>
+              <a:tr h="303582">
+                <a:tc>
+                  <a:txBody>
+                    <a:bodyPr/>
+                    <a:lstStyle/>
+                    <a:p>
+                      <a:pPr algn="l" fontAlgn="ctr"/>
+                      <a:r>
+                        <a:rPr lang="en-US" sz="600" u="none" strike="noStrike">
+                          <a:effectLst/>
+                        </a:rPr>
+                        <a:t>HiveMQ Sink</a:t>
+                      </a:r>
+                      <a:endParaRPr lang="en-US" sz="600" b="0" i="0" u="none" strike="noStrike">
+                        <a:solidFill>
+                          <a:srgbClr val="000000"/>
+                        </a:solidFill>
+                        <a:effectLst/>
+                        <a:latin typeface="Calibri" panose="020F0502020204030204" pitchFamily="34" charset="0"/>
+                      </a:endParaRPr>
+                    </a:p>
+                  </a:txBody>
+                  <a:tcPr marL="4216" marR="4216" marT="4216" marB="0" anchor="ctr"/>
+                </a:tc>
+                <a:tc>
+                  <a:txBody>
+                    <a:bodyPr/>
+                    <a:lstStyle/>
+                    <a:p>
+                      <a:pPr algn="ctr" fontAlgn="t"/>
+                      <a:r>
+                        <a:rPr lang="en-US" sz="600" u="none" strike="noStrike">
+                          <a:effectLst/>
+                        </a:rPr>
+                        <a:t>Does this have a native functionality to sink mqtt messages directly to the db with no other existing infrastructure?</a:t>
+                      </a:r>
+                      <a:endParaRPr lang="en-US" sz="600" b="0" i="0" u="none" strike="noStrike">
+                        <a:solidFill>
+                          <a:srgbClr val="000000"/>
+                        </a:solidFill>
+                        <a:effectLst/>
+                        <a:latin typeface="Calibri" panose="020F0502020204030204" pitchFamily="34" charset="0"/>
+                      </a:endParaRPr>
+                    </a:p>
+                  </a:txBody>
+                  <a:tcPr marL="4216" marR="4216" marT="4216" marB="0"/>
+                </a:tc>
+                <a:tc>
+                  <a:txBody>
+                    <a:bodyPr/>
+                    <a:lstStyle/>
+                    <a:p>
+                      <a:pPr algn="ctr" fontAlgn="t"/>
+                      <a:r>
+                        <a:rPr lang="en-US" sz="600" u="none" strike="noStrike">
+                          <a:effectLst/>
+                        </a:rPr>
+                        <a:t>No</a:t>
+                      </a:r>
+                      <a:endParaRPr lang="en-US" sz="600" b="0" i="0" u="none" strike="noStrike">
+                        <a:solidFill>
+                          <a:srgbClr val="000000"/>
+                        </a:solidFill>
+                        <a:effectLst/>
+                        <a:latin typeface="Calibri" panose="020F0502020204030204" pitchFamily="34" charset="0"/>
+                      </a:endParaRPr>
+                    </a:p>
+                  </a:txBody>
+                  <a:tcPr marL="4216" marR="4216" marT="4216" marB="0"/>
+                </a:tc>
+                <a:tc>
+                  <a:txBody>
+                    <a:bodyPr/>
+                    <a:lstStyle/>
+                    <a:p>
+                      <a:pPr algn="ctr" fontAlgn="t"/>
+                      <a:r>
+                        <a:rPr lang="en-US" sz="600" u="none" strike="noStrike">
+                          <a:effectLst/>
+                        </a:rPr>
+                        <a:t>HiveMQ Enterprise Extension for MongoDB</a:t>
+                      </a:r>
+                      <a:endParaRPr lang="en-US" sz="600" b="0" i="0" u="none" strike="noStrike">
+                        <a:solidFill>
+                          <a:srgbClr val="000000"/>
+                        </a:solidFill>
+                        <a:effectLst/>
+                        <a:latin typeface="Calibri" panose="020F0502020204030204" pitchFamily="34" charset="0"/>
+                      </a:endParaRPr>
+                    </a:p>
+                  </a:txBody>
+                  <a:tcPr marL="4216" marR="4216" marT="4216" marB="0"/>
+                </a:tc>
+                <a:tc>
+                  <a:txBody>
+                    <a:bodyPr/>
+                    <a:lstStyle/>
+                    <a:p>
+                      <a:pPr algn="ctr" fontAlgn="t"/>
+                      <a:r>
+                        <a:rPr lang="en-US" sz="600" u="none" strike="noStrike">
+                          <a:effectLst/>
+                        </a:rPr>
+                        <a:t>No</a:t>
+                      </a:r>
+                      <a:endParaRPr lang="en-US" sz="600" b="0" i="0" u="none" strike="noStrike">
+                        <a:solidFill>
+                          <a:srgbClr val="000000"/>
+                        </a:solidFill>
+                        <a:effectLst/>
+                        <a:latin typeface="Calibri" panose="020F0502020204030204" pitchFamily="34" charset="0"/>
+                      </a:endParaRPr>
+                    </a:p>
+                  </a:txBody>
+                  <a:tcPr marL="4216" marR="4216" marT="4216" marB="0"/>
+                </a:tc>
+                <a:tc>
+                  <a:txBody>
+                    <a:bodyPr/>
+                    <a:lstStyle/>
+                    <a:p>
+                      <a:pPr algn="ctr" fontAlgn="t"/>
+                      <a:r>
+                        <a:rPr lang="en-US" sz="600" u="none" strike="noStrike">
+                          <a:effectLst/>
+                        </a:rPr>
+                        <a:t>No</a:t>
+                      </a:r>
+                      <a:endParaRPr lang="en-US" sz="600" b="0" i="0" u="none" strike="noStrike">
+                        <a:solidFill>
+                          <a:srgbClr val="000000"/>
+                        </a:solidFill>
+                        <a:effectLst/>
+                        <a:latin typeface="Calibri" panose="020F0502020204030204" pitchFamily="34" charset="0"/>
+                      </a:endParaRPr>
+                    </a:p>
+                  </a:txBody>
+                  <a:tcPr marL="4216" marR="4216" marT="4216" marB="0"/>
+                </a:tc>
+                <a:tc>
+                  <a:txBody>
+                    <a:bodyPr/>
+                    <a:lstStyle/>
+                    <a:p>
+                      <a:pPr algn="ctr" fontAlgn="t"/>
+                      <a:r>
+                        <a:rPr lang="en-US" sz="600" u="none" strike="noStrike">
+                          <a:effectLst/>
+                        </a:rPr>
+                        <a:t>No</a:t>
+                      </a:r>
+                      <a:endParaRPr lang="en-US" sz="600" b="0" i="0" u="none" strike="noStrike">
+                        <a:solidFill>
+                          <a:srgbClr val="000000"/>
+                        </a:solidFill>
+                        <a:effectLst/>
+                        <a:latin typeface="Calibri" panose="020F0502020204030204" pitchFamily="34" charset="0"/>
+                      </a:endParaRPr>
+                    </a:p>
+                  </a:txBody>
+                  <a:tcPr marL="4216" marR="4216" marT="4216" marB="0"/>
+                </a:tc>
+                <a:tc>
+                  <a:txBody>
+                    <a:bodyPr/>
+                    <a:lstStyle/>
+                    <a:p>
+                      <a:pPr algn="ctr" fontAlgn="t"/>
+                      <a:r>
+                        <a:rPr lang="en-US" sz="600" u="none" strike="noStrike">
+                          <a:effectLst/>
+                        </a:rPr>
+                        <a:t>No</a:t>
+                      </a:r>
+                      <a:endParaRPr lang="en-US" sz="600" b="0" i="0" u="none" strike="noStrike">
+                        <a:solidFill>
+                          <a:srgbClr val="000000"/>
+                        </a:solidFill>
+                        <a:effectLst/>
+                        <a:latin typeface="Calibri" panose="020F0502020204030204" pitchFamily="34" charset="0"/>
+                      </a:endParaRPr>
+                    </a:p>
+                  </a:txBody>
+                  <a:tcPr marL="4216" marR="4216" marT="4216" marB="0"/>
+                </a:tc>
+                <a:extLst>
+                  <a:ext uri="{0D108BD9-81ED-4DB2-BD59-A6C34878D82A}">
+                    <a16:rowId xmlns:a16="http://schemas.microsoft.com/office/drawing/2014/main" val="408336265"/>
+                  </a:ext>
+                </a:extLst>
+              </a:tr>
+              <a:tr h="101194">
+                <a:tc>
+                  <a:txBody>
+                    <a:bodyPr/>
+                    <a:lstStyle/>
+                    <a:p>
+                      <a:pPr algn="l" fontAlgn="ctr"/>
+                      <a:r>
+                        <a:rPr lang="en-US" sz="600" u="none" strike="noStrike">
+                          <a:effectLst/>
+                        </a:rPr>
+                        <a:t>Alternate HiveMQ Sink</a:t>
+                      </a:r>
+                      <a:endParaRPr lang="en-US" sz="600" b="0" i="0" u="none" strike="noStrike">
+                        <a:solidFill>
+                          <a:srgbClr val="000000"/>
+                        </a:solidFill>
+                        <a:effectLst/>
+                        <a:latin typeface="Calibri" panose="020F0502020204030204" pitchFamily="34" charset="0"/>
+                      </a:endParaRPr>
+                    </a:p>
+                  </a:txBody>
+                  <a:tcPr marL="4216" marR="4216" marT="4216" marB="0" anchor="ctr"/>
+                </a:tc>
+                <a:tc>
+                  <a:txBody>
+                    <a:bodyPr/>
+                    <a:lstStyle/>
+                    <a:p>
+                      <a:pPr algn="ctr" fontAlgn="t"/>
+                      <a:r>
+                        <a:rPr lang="en-US" sz="600" u="none" strike="noStrike">
+                          <a:effectLst/>
+                        </a:rPr>
+                        <a:t>Is there a tool to sink data?</a:t>
+                      </a:r>
+                      <a:endParaRPr lang="en-US" sz="600" b="0" i="0" u="none" strike="noStrike">
+                        <a:solidFill>
+                          <a:srgbClr val="000000"/>
+                        </a:solidFill>
+                        <a:effectLst/>
+                        <a:latin typeface="Calibri" panose="020F0502020204030204" pitchFamily="34" charset="0"/>
+                      </a:endParaRPr>
+                    </a:p>
+                  </a:txBody>
+                  <a:tcPr marL="4216" marR="4216" marT="4216" marB="0"/>
+                </a:tc>
+                <a:tc>
+                  <a:txBody>
+                    <a:bodyPr/>
+                    <a:lstStyle/>
+                    <a:p>
+                      <a:pPr algn="ctr" fontAlgn="t"/>
+                      <a:r>
+                        <a:rPr lang="en-US" sz="600" u="none" strike="noStrike">
+                          <a:effectLst/>
+                        </a:rPr>
+                        <a:t>HiveMQ Enterprise Extension</a:t>
+                      </a:r>
+                      <a:endParaRPr lang="en-US" sz="600" b="0" i="0" u="none" strike="noStrike">
+                        <a:solidFill>
+                          <a:srgbClr val="000000"/>
+                        </a:solidFill>
+                        <a:effectLst/>
+                        <a:latin typeface="Calibri" panose="020F0502020204030204" pitchFamily="34" charset="0"/>
+                      </a:endParaRPr>
+                    </a:p>
+                  </a:txBody>
+                  <a:tcPr marL="4216" marR="4216" marT="4216" marB="0"/>
+                </a:tc>
+                <a:tc>
+                  <a:txBody>
+                    <a:bodyPr/>
+                    <a:lstStyle/>
+                    <a:p>
+                      <a:pPr algn="ctr" fontAlgn="t"/>
+                      <a:r>
+                        <a:rPr lang="en-US" sz="600" u="none" strike="noStrike">
+                          <a:effectLst/>
+                        </a:rPr>
+                        <a:t>HiveMQ Enterprise Extension</a:t>
+                      </a:r>
+                      <a:endParaRPr lang="en-US" sz="600" b="0" i="0" u="none" strike="noStrike">
+                        <a:solidFill>
+                          <a:srgbClr val="000000"/>
+                        </a:solidFill>
+                        <a:effectLst/>
+                        <a:latin typeface="Calibri" panose="020F0502020204030204" pitchFamily="34" charset="0"/>
+                      </a:endParaRPr>
+                    </a:p>
+                  </a:txBody>
+                  <a:tcPr marL="4216" marR="4216" marT="4216" marB="0"/>
+                </a:tc>
+                <a:tc>
+                  <a:txBody>
+                    <a:bodyPr/>
+                    <a:lstStyle/>
+                    <a:p>
+                      <a:pPr algn="ctr" fontAlgn="t"/>
+                      <a:r>
+                        <a:rPr lang="en-US" sz="600" u="none" strike="noStrike">
+                          <a:effectLst/>
+                        </a:rPr>
+                        <a:t>HiveMQ Enterprise Extension</a:t>
+                      </a:r>
+                      <a:endParaRPr lang="en-US" sz="600" b="0" i="0" u="none" strike="noStrike">
+                        <a:solidFill>
+                          <a:srgbClr val="000000"/>
+                        </a:solidFill>
+                        <a:effectLst/>
+                        <a:latin typeface="Calibri" panose="020F0502020204030204" pitchFamily="34" charset="0"/>
+                      </a:endParaRPr>
+                    </a:p>
+                  </a:txBody>
+                  <a:tcPr marL="4216" marR="4216" marT="4216" marB="0"/>
+                </a:tc>
+                <a:tc>
+                  <a:txBody>
+                    <a:bodyPr/>
+                    <a:lstStyle/>
+                    <a:p>
+                      <a:pPr algn="ctr" fontAlgn="t"/>
+                      <a:r>
+                        <a:rPr lang="en-US" sz="600" u="none" strike="noStrike">
+                          <a:effectLst/>
+                        </a:rPr>
+                        <a:t>HiveMQ Enterprise Extension</a:t>
+                      </a:r>
+                      <a:endParaRPr lang="en-US" sz="600" b="0" i="0" u="none" strike="noStrike">
+                        <a:solidFill>
+                          <a:srgbClr val="000000"/>
+                        </a:solidFill>
+                        <a:effectLst/>
+                        <a:latin typeface="Calibri" panose="020F0502020204030204" pitchFamily="34" charset="0"/>
+                      </a:endParaRPr>
+                    </a:p>
+                  </a:txBody>
+                  <a:tcPr marL="4216" marR="4216" marT="4216" marB="0"/>
+                </a:tc>
+                <a:tc>
+                  <a:txBody>
+                    <a:bodyPr/>
+                    <a:lstStyle/>
+                    <a:p>
+                      <a:pPr algn="ctr" fontAlgn="t"/>
+                      <a:r>
+                        <a:rPr lang="en-US" sz="600" u="none" strike="noStrike">
+                          <a:effectLst/>
+                        </a:rPr>
+                        <a:t>HiveMQ Enterprise Extension</a:t>
+                      </a:r>
+                      <a:endParaRPr lang="en-US" sz="600" b="0" i="0" u="none" strike="noStrike">
+                        <a:solidFill>
+                          <a:srgbClr val="000000"/>
+                        </a:solidFill>
+                        <a:effectLst/>
+                        <a:latin typeface="Calibri" panose="020F0502020204030204" pitchFamily="34" charset="0"/>
+                      </a:endParaRPr>
+                    </a:p>
+                  </a:txBody>
+                  <a:tcPr marL="4216" marR="4216" marT="4216" marB="0"/>
+                </a:tc>
+                <a:tc>
+                  <a:txBody>
+                    <a:bodyPr/>
+                    <a:lstStyle/>
+                    <a:p>
+                      <a:pPr algn="ctr" fontAlgn="t"/>
+                      <a:r>
+                        <a:rPr lang="en-US" sz="600" u="none" strike="noStrike">
+                          <a:effectLst/>
+                        </a:rPr>
+                        <a:t>HiveMQ Enterprise Extension</a:t>
+                      </a:r>
+                      <a:endParaRPr lang="en-US" sz="600" b="0" i="0" u="none" strike="noStrike">
+                        <a:solidFill>
+                          <a:srgbClr val="000000"/>
+                        </a:solidFill>
+                        <a:effectLst/>
+                        <a:latin typeface="Calibri" panose="020F0502020204030204" pitchFamily="34" charset="0"/>
+                      </a:endParaRPr>
+                    </a:p>
+                  </a:txBody>
+                  <a:tcPr marL="4216" marR="4216" marT="4216" marB="0"/>
+                </a:tc>
+                <a:extLst>
+                  <a:ext uri="{0D108BD9-81ED-4DB2-BD59-A6C34878D82A}">
+                    <a16:rowId xmlns:a16="http://schemas.microsoft.com/office/drawing/2014/main" val="3504531843"/>
+                  </a:ext>
+                </a:extLst>
+              </a:tr>
+              <a:tr h="202388">
+                <a:tc>
+                  <a:txBody>
+                    <a:bodyPr/>
+                    <a:lstStyle/>
+                    <a:p>
+                      <a:pPr algn="l" fontAlgn="ctr"/>
+                      <a:r>
+                        <a:rPr lang="en-US" sz="600" u="none" strike="noStrike">
+                          <a:effectLst/>
+                        </a:rPr>
+                        <a:t>Data Archival</a:t>
+                      </a:r>
+                      <a:endParaRPr lang="en-US" sz="600" b="0" i="0" u="none" strike="noStrike">
+                        <a:solidFill>
+                          <a:srgbClr val="000000"/>
+                        </a:solidFill>
+                        <a:effectLst/>
+                        <a:latin typeface="Calibri" panose="020F0502020204030204" pitchFamily="34" charset="0"/>
+                      </a:endParaRPr>
+                    </a:p>
+                  </a:txBody>
+                  <a:tcPr marL="4216" marR="4216" marT="4216" marB="0" anchor="ctr"/>
+                </a:tc>
+                <a:tc>
+                  <a:txBody>
+                    <a:bodyPr/>
+                    <a:lstStyle/>
+                    <a:p>
+                      <a:pPr algn="ctr" fontAlgn="t"/>
+                      <a:r>
+                        <a:rPr lang="en-US" sz="600" u="none" strike="noStrike">
+                          <a:effectLst/>
+                        </a:rPr>
+                        <a:t>Built-in archiving functionality for db backups?</a:t>
+                      </a:r>
+                      <a:endParaRPr lang="en-US" sz="600" b="0" i="0" u="none" strike="noStrike">
+                        <a:solidFill>
+                          <a:srgbClr val="000000"/>
+                        </a:solidFill>
+                        <a:effectLst/>
+                        <a:latin typeface="Calibri" panose="020F0502020204030204" pitchFamily="34" charset="0"/>
+                      </a:endParaRPr>
+                    </a:p>
+                  </a:txBody>
+                  <a:tcPr marL="4216" marR="4216" marT="4216" marB="0"/>
+                </a:tc>
+                <a:tc>
+                  <a:txBody>
+                    <a:bodyPr/>
+                    <a:lstStyle/>
+                    <a:p>
+                      <a:pPr algn="ctr" fontAlgn="t"/>
+                      <a:r>
+                        <a:rPr lang="en-US" sz="600" u="none" strike="noStrike">
+                          <a:effectLst/>
+                        </a:rPr>
+                        <a:t>Yes</a:t>
+                      </a:r>
+                      <a:endParaRPr lang="en-US" sz="600" b="0" i="0" u="none" strike="noStrike">
+                        <a:solidFill>
+                          <a:srgbClr val="000000"/>
+                        </a:solidFill>
+                        <a:effectLst/>
+                        <a:latin typeface="Calibri" panose="020F0502020204030204" pitchFamily="34" charset="0"/>
+                      </a:endParaRPr>
+                    </a:p>
+                  </a:txBody>
+                  <a:tcPr marL="4216" marR="4216" marT="4216" marB="0"/>
+                </a:tc>
+                <a:tc>
+                  <a:txBody>
+                    <a:bodyPr/>
+                    <a:lstStyle/>
+                    <a:p>
+                      <a:pPr algn="ctr" fontAlgn="t"/>
+                      <a:r>
+                        <a:rPr lang="en-US" sz="600" u="none" strike="noStrike">
+                          <a:effectLst/>
+                        </a:rPr>
+                        <a:t>No</a:t>
+                      </a:r>
+                      <a:endParaRPr lang="en-US" sz="600" b="0" i="0" u="none" strike="noStrike">
+                        <a:solidFill>
+                          <a:srgbClr val="000000"/>
+                        </a:solidFill>
+                        <a:effectLst/>
+                        <a:latin typeface="Calibri" panose="020F0502020204030204" pitchFamily="34" charset="0"/>
+                      </a:endParaRPr>
+                    </a:p>
+                  </a:txBody>
+                  <a:tcPr marL="4216" marR="4216" marT="4216" marB="0"/>
+                </a:tc>
+                <a:tc>
+                  <a:txBody>
+                    <a:bodyPr/>
+                    <a:lstStyle/>
+                    <a:p>
+                      <a:pPr algn="ctr" fontAlgn="t"/>
+                      <a:r>
+                        <a:rPr lang="en-US" sz="600" u="none" strike="noStrike">
+                          <a:effectLst/>
+                        </a:rPr>
+                        <a:t>No</a:t>
+                      </a:r>
+                      <a:endParaRPr lang="en-US" sz="600" b="0" i="0" u="none" strike="noStrike">
+                        <a:solidFill>
+                          <a:srgbClr val="000000"/>
+                        </a:solidFill>
+                        <a:effectLst/>
+                        <a:latin typeface="Calibri" panose="020F0502020204030204" pitchFamily="34" charset="0"/>
+                      </a:endParaRPr>
+                    </a:p>
+                  </a:txBody>
+                  <a:tcPr marL="4216" marR="4216" marT="4216" marB="0"/>
+                </a:tc>
+                <a:tc>
+                  <a:txBody>
+                    <a:bodyPr/>
+                    <a:lstStyle/>
+                    <a:p>
+                      <a:pPr algn="ctr" fontAlgn="t"/>
+                      <a:r>
+                        <a:rPr lang="en-US" sz="600" u="none" strike="noStrike">
+                          <a:effectLst/>
+                        </a:rPr>
+                        <a:t>No</a:t>
+                      </a:r>
+                      <a:endParaRPr lang="en-US" sz="600" b="0" i="0" u="none" strike="noStrike">
+                        <a:solidFill>
+                          <a:srgbClr val="000000"/>
+                        </a:solidFill>
+                        <a:effectLst/>
+                        <a:latin typeface="Calibri" panose="020F0502020204030204" pitchFamily="34" charset="0"/>
+                      </a:endParaRPr>
+                    </a:p>
+                  </a:txBody>
+                  <a:tcPr marL="4216" marR="4216" marT="4216" marB="0"/>
+                </a:tc>
+                <a:tc>
+                  <a:txBody>
+                    <a:bodyPr/>
+                    <a:lstStyle/>
+                    <a:p>
+                      <a:pPr algn="ctr" fontAlgn="t"/>
+                      <a:r>
+                        <a:rPr lang="en-US" sz="600" u="none" strike="noStrike">
+                          <a:effectLst/>
+                        </a:rPr>
+                        <a:t>Yes</a:t>
+                      </a:r>
+                      <a:endParaRPr lang="en-US" sz="600" b="0" i="0" u="none" strike="noStrike">
+                        <a:solidFill>
+                          <a:srgbClr val="000000"/>
+                        </a:solidFill>
+                        <a:effectLst/>
+                        <a:latin typeface="Calibri" panose="020F0502020204030204" pitchFamily="34" charset="0"/>
+                      </a:endParaRPr>
+                    </a:p>
+                  </a:txBody>
+                  <a:tcPr marL="4216" marR="4216" marT="4216" marB="0"/>
+                </a:tc>
+                <a:tc>
+                  <a:txBody>
+                    <a:bodyPr/>
+                    <a:lstStyle/>
+                    <a:p>
+                      <a:pPr algn="ctr" fontAlgn="t"/>
+                      <a:r>
+                        <a:rPr lang="en-US" sz="600" u="none" strike="noStrike">
+                          <a:effectLst/>
+                        </a:rPr>
+                        <a:t>Yes</a:t>
+                      </a:r>
+                      <a:endParaRPr lang="en-US" sz="600" b="0" i="0" u="none" strike="noStrike">
+                        <a:solidFill>
+                          <a:srgbClr val="000000"/>
+                        </a:solidFill>
+                        <a:effectLst/>
+                        <a:latin typeface="Calibri" panose="020F0502020204030204" pitchFamily="34" charset="0"/>
+                      </a:endParaRPr>
+                    </a:p>
+                  </a:txBody>
+                  <a:tcPr marL="4216" marR="4216" marT="4216" marB="0"/>
+                </a:tc>
+                <a:extLst>
+                  <a:ext uri="{0D108BD9-81ED-4DB2-BD59-A6C34878D82A}">
+                    <a16:rowId xmlns:a16="http://schemas.microsoft.com/office/drawing/2014/main" val="2513981271"/>
+                  </a:ext>
+                </a:extLst>
+              </a:tr>
+              <a:tr h="101194">
+                <a:tc>
+                  <a:txBody>
+                    <a:bodyPr/>
+                    <a:lstStyle/>
+                    <a:p>
+                      <a:pPr algn="l" fontAlgn="ctr"/>
+                      <a:r>
+                        <a:rPr lang="en-US" sz="600" u="none" strike="noStrike">
+                          <a:effectLst/>
+                        </a:rPr>
+                        <a:t>SQL ETL</a:t>
+                      </a:r>
+                      <a:endParaRPr lang="en-US" sz="600" b="0" i="0" u="none" strike="noStrike">
+                        <a:solidFill>
+                          <a:srgbClr val="000000"/>
+                        </a:solidFill>
+                        <a:effectLst/>
+                        <a:latin typeface="Calibri" panose="020F0502020204030204" pitchFamily="34" charset="0"/>
+                      </a:endParaRPr>
+                    </a:p>
+                  </a:txBody>
+                  <a:tcPr marL="4216" marR="4216" marT="4216" marB="0" anchor="ctr"/>
+                </a:tc>
+                <a:tc>
+                  <a:txBody>
+                    <a:bodyPr/>
+                    <a:lstStyle/>
+                    <a:p>
+                      <a:pPr algn="ctr" fontAlgn="t"/>
+                      <a:r>
+                        <a:rPr lang="en-US" sz="600" u="none" strike="noStrike">
+                          <a:effectLst/>
+                        </a:rPr>
+                        <a:t>Support for SQL-like queries?</a:t>
+                      </a:r>
+                      <a:endParaRPr lang="en-US" sz="600" b="0" i="0" u="none" strike="noStrike">
+                        <a:solidFill>
+                          <a:srgbClr val="000000"/>
+                        </a:solidFill>
+                        <a:effectLst/>
+                        <a:latin typeface="Calibri" panose="020F0502020204030204" pitchFamily="34" charset="0"/>
+                      </a:endParaRPr>
+                    </a:p>
+                  </a:txBody>
+                  <a:tcPr marL="4216" marR="4216" marT="4216" marB="0"/>
+                </a:tc>
+                <a:tc>
+                  <a:txBody>
+                    <a:bodyPr/>
+                    <a:lstStyle/>
+                    <a:p>
+                      <a:pPr algn="ctr" fontAlgn="t"/>
+                      <a:r>
+                        <a:rPr lang="en-US" sz="600" u="none" strike="noStrike">
+                          <a:effectLst/>
+                        </a:rPr>
+                        <a:t>Yes</a:t>
+                      </a:r>
+                      <a:endParaRPr lang="en-US" sz="600" b="0" i="0" u="none" strike="noStrike">
+                        <a:solidFill>
+                          <a:srgbClr val="000000"/>
+                        </a:solidFill>
+                        <a:effectLst/>
+                        <a:latin typeface="Calibri" panose="020F0502020204030204" pitchFamily="34" charset="0"/>
+                      </a:endParaRPr>
+                    </a:p>
+                  </a:txBody>
+                  <a:tcPr marL="4216" marR="4216" marT="4216" marB="0"/>
+                </a:tc>
+                <a:tc>
+                  <a:txBody>
+                    <a:bodyPr/>
+                    <a:lstStyle/>
+                    <a:p>
+                      <a:pPr algn="ctr" fontAlgn="t"/>
+                      <a:r>
+                        <a:rPr lang="en-US" sz="600" u="none" strike="noStrike">
+                          <a:effectLst/>
+                        </a:rPr>
+                        <a:t>No</a:t>
+                      </a:r>
+                      <a:endParaRPr lang="en-US" sz="600" b="0" i="0" u="none" strike="noStrike">
+                        <a:solidFill>
+                          <a:srgbClr val="000000"/>
+                        </a:solidFill>
+                        <a:effectLst/>
+                        <a:latin typeface="Calibri" panose="020F0502020204030204" pitchFamily="34" charset="0"/>
+                      </a:endParaRPr>
+                    </a:p>
+                  </a:txBody>
+                  <a:tcPr marL="4216" marR="4216" marT="4216" marB="0"/>
+                </a:tc>
+                <a:tc>
+                  <a:txBody>
+                    <a:bodyPr/>
+                    <a:lstStyle/>
+                    <a:p>
+                      <a:pPr algn="ctr" fontAlgn="t"/>
+                      <a:r>
+                        <a:rPr lang="en-US" sz="600" u="none" strike="noStrike">
+                          <a:effectLst/>
+                        </a:rPr>
+                        <a:t>No</a:t>
+                      </a:r>
+                      <a:endParaRPr lang="en-US" sz="600" b="0" i="0" u="none" strike="noStrike">
+                        <a:solidFill>
+                          <a:srgbClr val="000000"/>
+                        </a:solidFill>
+                        <a:effectLst/>
+                        <a:latin typeface="Calibri" panose="020F0502020204030204" pitchFamily="34" charset="0"/>
+                      </a:endParaRPr>
+                    </a:p>
+                  </a:txBody>
+                  <a:tcPr marL="4216" marR="4216" marT="4216" marB="0"/>
+                </a:tc>
+                <a:tc>
+                  <a:txBody>
+                    <a:bodyPr/>
+                    <a:lstStyle/>
+                    <a:p>
+                      <a:pPr algn="ctr" fontAlgn="t"/>
+                      <a:r>
+                        <a:rPr lang="en-US" sz="600" u="none" strike="noStrike">
+                          <a:effectLst/>
+                        </a:rPr>
+                        <a:t>Yes</a:t>
+                      </a:r>
+                      <a:endParaRPr lang="en-US" sz="600" b="0" i="0" u="none" strike="noStrike">
+                        <a:solidFill>
+                          <a:srgbClr val="000000"/>
+                        </a:solidFill>
+                        <a:effectLst/>
+                        <a:latin typeface="Calibri" panose="020F0502020204030204" pitchFamily="34" charset="0"/>
+                      </a:endParaRPr>
+                    </a:p>
+                  </a:txBody>
+                  <a:tcPr marL="4216" marR="4216" marT="4216" marB="0"/>
+                </a:tc>
+                <a:tc>
+                  <a:txBody>
+                    <a:bodyPr/>
+                    <a:lstStyle/>
+                    <a:p>
+                      <a:pPr algn="ctr" fontAlgn="t"/>
+                      <a:r>
+                        <a:rPr lang="en-US" sz="600" u="none" strike="noStrike">
+                          <a:effectLst/>
+                        </a:rPr>
+                        <a:t>Yes</a:t>
+                      </a:r>
+                      <a:endParaRPr lang="en-US" sz="600" b="0" i="0" u="none" strike="noStrike">
+                        <a:solidFill>
+                          <a:srgbClr val="000000"/>
+                        </a:solidFill>
+                        <a:effectLst/>
+                        <a:latin typeface="Calibri" panose="020F0502020204030204" pitchFamily="34" charset="0"/>
+                      </a:endParaRPr>
+                    </a:p>
+                  </a:txBody>
+                  <a:tcPr marL="4216" marR="4216" marT="4216" marB="0"/>
+                </a:tc>
+                <a:tc>
+                  <a:txBody>
+                    <a:bodyPr/>
+                    <a:lstStyle/>
+                    <a:p>
+                      <a:pPr algn="ctr" fontAlgn="t"/>
+                      <a:r>
+                        <a:rPr lang="en-US" sz="600" u="none" strike="noStrike">
+                          <a:effectLst/>
+                        </a:rPr>
+                        <a:t>Yes</a:t>
+                      </a:r>
+                      <a:endParaRPr lang="en-US" sz="600" b="0" i="0" u="none" strike="noStrike">
+                        <a:solidFill>
+                          <a:srgbClr val="000000"/>
+                        </a:solidFill>
+                        <a:effectLst/>
+                        <a:latin typeface="Calibri" panose="020F0502020204030204" pitchFamily="34" charset="0"/>
+                      </a:endParaRPr>
+                    </a:p>
+                  </a:txBody>
+                  <a:tcPr marL="4216" marR="4216" marT="4216" marB="0"/>
+                </a:tc>
+                <a:extLst>
+                  <a:ext uri="{0D108BD9-81ED-4DB2-BD59-A6C34878D82A}">
+                    <a16:rowId xmlns:a16="http://schemas.microsoft.com/office/drawing/2014/main" val="4282092545"/>
+                  </a:ext>
+                </a:extLst>
+              </a:tr>
+              <a:tr h="101194">
+                <a:tc>
+                  <a:txBody>
+                    <a:bodyPr/>
+                    <a:lstStyle/>
+                    <a:p>
+                      <a:pPr algn="l" fontAlgn="ctr"/>
+                      <a:r>
+                        <a:rPr lang="en-US" sz="600" u="none" strike="noStrike">
+                          <a:effectLst/>
+                        </a:rPr>
+                        <a:t>OLAP ETL</a:t>
+                      </a:r>
+                      <a:endParaRPr lang="en-US" sz="600" b="0" i="0" u="none" strike="noStrike">
+                        <a:solidFill>
+                          <a:srgbClr val="000000"/>
+                        </a:solidFill>
+                        <a:effectLst/>
+                        <a:latin typeface="Calibri" panose="020F0502020204030204" pitchFamily="34" charset="0"/>
+                      </a:endParaRPr>
+                    </a:p>
+                  </a:txBody>
+                  <a:tcPr marL="4216" marR="4216" marT="4216" marB="0" anchor="ctr"/>
+                </a:tc>
+                <a:tc>
+                  <a:txBody>
+                    <a:bodyPr/>
+                    <a:lstStyle/>
+                    <a:p>
+                      <a:pPr algn="ctr" fontAlgn="t"/>
+                      <a:r>
+                        <a:rPr lang="en-US" sz="600" u="none" strike="noStrike">
+                          <a:effectLst/>
+                        </a:rPr>
+                        <a:t>Support for OLAP?</a:t>
+                      </a:r>
+                      <a:endParaRPr lang="en-US" sz="600" b="0" i="0" u="none" strike="noStrike">
+                        <a:solidFill>
+                          <a:srgbClr val="000000"/>
+                        </a:solidFill>
+                        <a:effectLst/>
+                        <a:latin typeface="Calibri" panose="020F0502020204030204" pitchFamily="34" charset="0"/>
+                      </a:endParaRPr>
+                    </a:p>
+                  </a:txBody>
+                  <a:tcPr marL="4216" marR="4216" marT="4216" marB="0"/>
+                </a:tc>
+                <a:tc>
+                  <a:txBody>
+                    <a:bodyPr/>
+                    <a:lstStyle/>
+                    <a:p>
+                      <a:pPr algn="ctr" fontAlgn="t"/>
+                      <a:r>
+                        <a:rPr lang="en-US" sz="600" u="none" strike="noStrike">
+                          <a:effectLst/>
+                        </a:rPr>
+                        <a:t>Yes</a:t>
+                      </a:r>
+                      <a:endParaRPr lang="en-US" sz="600" b="0" i="0" u="none" strike="noStrike">
+                        <a:solidFill>
+                          <a:srgbClr val="000000"/>
+                        </a:solidFill>
+                        <a:effectLst/>
+                        <a:latin typeface="Calibri" panose="020F0502020204030204" pitchFamily="34" charset="0"/>
+                      </a:endParaRPr>
+                    </a:p>
+                  </a:txBody>
+                  <a:tcPr marL="4216" marR="4216" marT="4216" marB="0"/>
+                </a:tc>
+                <a:tc>
+                  <a:txBody>
+                    <a:bodyPr/>
+                    <a:lstStyle/>
+                    <a:p>
+                      <a:pPr algn="ctr" fontAlgn="t"/>
+                      <a:r>
+                        <a:rPr lang="en-US" sz="600" u="none" strike="noStrike">
+                          <a:effectLst/>
+                        </a:rPr>
+                        <a:t>No</a:t>
+                      </a:r>
+                      <a:endParaRPr lang="en-US" sz="600" b="0" i="0" u="none" strike="noStrike">
+                        <a:solidFill>
+                          <a:srgbClr val="000000"/>
+                        </a:solidFill>
+                        <a:effectLst/>
+                        <a:latin typeface="Calibri" panose="020F0502020204030204" pitchFamily="34" charset="0"/>
+                      </a:endParaRPr>
+                    </a:p>
+                  </a:txBody>
+                  <a:tcPr marL="4216" marR="4216" marT="4216" marB="0"/>
+                </a:tc>
+                <a:tc>
+                  <a:txBody>
+                    <a:bodyPr/>
+                    <a:lstStyle/>
+                    <a:p>
+                      <a:pPr algn="ctr" fontAlgn="t"/>
+                      <a:r>
+                        <a:rPr lang="en-US" sz="600" u="none" strike="noStrike">
+                          <a:effectLst/>
+                        </a:rPr>
+                        <a:t>No</a:t>
+                      </a:r>
+                      <a:endParaRPr lang="en-US" sz="600" b="0" i="0" u="none" strike="noStrike">
+                        <a:solidFill>
+                          <a:srgbClr val="000000"/>
+                        </a:solidFill>
+                        <a:effectLst/>
+                        <a:latin typeface="Calibri" panose="020F0502020204030204" pitchFamily="34" charset="0"/>
+                      </a:endParaRPr>
+                    </a:p>
+                  </a:txBody>
+                  <a:tcPr marL="4216" marR="4216" marT="4216" marB="0"/>
+                </a:tc>
+                <a:tc>
+                  <a:txBody>
+                    <a:bodyPr/>
+                    <a:lstStyle/>
+                    <a:p>
+                      <a:pPr algn="ctr" fontAlgn="t"/>
+                      <a:r>
+                        <a:rPr lang="en-US" sz="600" u="none" strike="noStrike">
+                          <a:effectLst/>
+                        </a:rPr>
+                        <a:t>No</a:t>
+                      </a:r>
+                      <a:endParaRPr lang="en-US" sz="600" b="0" i="0" u="none" strike="noStrike">
+                        <a:solidFill>
+                          <a:srgbClr val="000000"/>
+                        </a:solidFill>
+                        <a:effectLst/>
+                        <a:latin typeface="Calibri" panose="020F0502020204030204" pitchFamily="34" charset="0"/>
+                      </a:endParaRPr>
+                    </a:p>
+                  </a:txBody>
+                  <a:tcPr marL="4216" marR="4216" marT="4216" marB="0"/>
+                </a:tc>
+                <a:tc>
+                  <a:txBody>
+                    <a:bodyPr/>
+                    <a:lstStyle/>
+                    <a:p>
+                      <a:pPr algn="ctr" fontAlgn="t"/>
+                      <a:r>
+                        <a:rPr lang="en-US" sz="600" u="none" strike="noStrike">
+                          <a:effectLst/>
+                        </a:rPr>
+                        <a:t>Yes</a:t>
+                      </a:r>
+                      <a:endParaRPr lang="en-US" sz="600" b="0" i="0" u="none" strike="noStrike">
+                        <a:solidFill>
+                          <a:srgbClr val="000000"/>
+                        </a:solidFill>
+                        <a:effectLst/>
+                        <a:latin typeface="Calibri" panose="020F0502020204030204" pitchFamily="34" charset="0"/>
+                      </a:endParaRPr>
+                    </a:p>
+                  </a:txBody>
+                  <a:tcPr marL="4216" marR="4216" marT="4216" marB="0"/>
+                </a:tc>
+                <a:tc>
+                  <a:txBody>
+                    <a:bodyPr/>
+                    <a:lstStyle/>
+                    <a:p>
+                      <a:pPr algn="ctr" fontAlgn="t"/>
+                      <a:r>
+                        <a:rPr lang="en-US" sz="600" u="none" strike="noStrike">
+                          <a:effectLst/>
+                        </a:rPr>
+                        <a:t>Yes</a:t>
+                      </a:r>
+                      <a:endParaRPr lang="en-US" sz="600" b="0" i="0" u="none" strike="noStrike">
+                        <a:solidFill>
+                          <a:srgbClr val="000000"/>
+                        </a:solidFill>
+                        <a:effectLst/>
+                        <a:latin typeface="Calibri" panose="020F0502020204030204" pitchFamily="34" charset="0"/>
+                      </a:endParaRPr>
+                    </a:p>
+                  </a:txBody>
+                  <a:tcPr marL="4216" marR="4216" marT="4216" marB="0"/>
+                </a:tc>
+                <a:extLst>
+                  <a:ext uri="{0D108BD9-81ED-4DB2-BD59-A6C34878D82A}">
+                    <a16:rowId xmlns:a16="http://schemas.microsoft.com/office/drawing/2014/main" val="3857214313"/>
+                  </a:ext>
+                </a:extLst>
+              </a:tr>
+              <a:tr h="101194">
+                <a:tc>
+                  <a:txBody>
+                    <a:bodyPr/>
+                    <a:lstStyle/>
+                    <a:p>
+                      <a:pPr algn="l" fontAlgn="ctr"/>
+                      <a:r>
+                        <a:rPr lang="en-US" sz="600" u="none" strike="noStrike">
+                          <a:effectLst/>
+                        </a:rPr>
+                        <a:t>Power BI</a:t>
+                      </a:r>
+                      <a:endParaRPr lang="en-US" sz="600" b="0" i="0" u="none" strike="noStrike">
+                        <a:solidFill>
+                          <a:srgbClr val="000000"/>
+                        </a:solidFill>
+                        <a:effectLst/>
+                        <a:latin typeface="Calibri" panose="020F0502020204030204" pitchFamily="34" charset="0"/>
+                      </a:endParaRPr>
+                    </a:p>
+                  </a:txBody>
+                  <a:tcPr marL="4216" marR="4216" marT="4216" marB="0" anchor="ctr"/>
+                </a:tc>
+                <a:tc>
+                  <a:txBody>
+                    <a:bodyPr/>
+                    <a:lstStyle/>
+                    <a:p>
+                      <a:pPr algn="ctr" fontAlgn="t"/>
+                      <a:r>
+                        <a:rPr lang="en-US" sz="600" u="none" strike="noStrike">
+                          <a:effectLst/>
+                        </a:rPr>
+                        <a:t>Built-in Power BI integration?</a:t>
+                      </a:r>
+                      <a:endParaRPr lang="en-US" sz="600" b="0" i="0" u="none" strike="noStrike">
+                        <a:solidFill>
+                          <a:srgbClr val="000000"/>
+                        </a:solidFill>
+                        <a:effectLst/>
+                        <a:latin typeface="Calibri" panose="020F0502020204030204" pitchFamily="34" charset="0"/>
+                      </a:endParaRPr>
+                    </a:p>
+                  </a:txBody>
+                  <a:tcPr marL="4216" marR="4216" marT="4216" marB="0"/>
+                </a:tc>
+                <a:tc>
+                  <a:txBody>
+                    <a:bodyPr/>
+                    <a:lstStyle/>
+                    <a:p>
+                      <a:pPr algn="ctr" fontAlgn="t"/>
+                      <a:r>
+                        <a:rPr lang="en-US" sz="600" u="none" strike="noStrike">
+                          <a:effectLst/>
+                        </a:rPr>
+                        <a:t>ODBC/JDBC</a:t>
+                      </a:r>
+                      <a:endParaRPr lang="en-US" sz="600" b="0" i="0" u="none" strike="noStrike">
+                        <a:solidFill>
+                          <a:srgbClr val="000000"/>
+                        </a:solidFill>
+                        <a:effectLst/>
+                        <a:latin typeface="Calibri" panose="020F0502020204030204" pitchFamily="34" charset="0"/>
+                      </a:endParaRPr>
+                    </a:p>
+                  </a:txBody>
+                  <a:tcPr marL="4216" marR="4216" marT="4216" marB="0"/>
+                </a:tc>
+                <a:tc>
+                  <a:txBody>
+                    <a:bodyPr/>
+                    <a:lstStyle/>
+                    <a:p>
+                      <a:pPr algn="ctr" fontAlgn="t"/>
+                      <a:r>
+                        <a:rPr lang="en-US" sz="600" u="none" strike="noStrike">
+                          <a:effectLst/>
+                        </a:rPr>
+                        <a:t>ODBC/JDBC</a:t>
+                      </a:r>
+                      <a:endParaRPr lang="en-US" sz="600" b="0" i="0" u="none" strike="noStrike">
+                        <a:solidFill>
+                          <a:srgbClr val="000000"/>
+                        </a:solidFill>
+                        <a:effectLst/>
+                        <a:latin typeface="Calibri" panose="020F0502020204030204" pitchFamily="34" charset="0"/>
+                      </a:endParaRPr>
+                    </a:p>
+                  </a:txBody>
+                  <a:tcPr marL="4216" marR="4216" marT="4216" marB="0"/>
+                </a:tc>
+                <a:tc>
+                  <a:txBody>
+                    <a:bodyPr/>
+                    <a:lstStyle/>
+                    <a:p>
+                      <a:pPr algn="ctr" fontAlgn="t"/>
+                      <a:r>
+                        <a:rPr lang="en-US" sz="600" u="none" strike="noStrike">
+                          <a:effectLst/>
+                        </a:rPr>
+                        <a:t>ODBC/JDBC</a:t>
+                      </a:r>
+                      <a:endParaRPr lang="en-US" sz="600" b="0" i="0" u="none" strike="noStrike">
+                        <a:solidFill>
+                          <a:srgbClr val="000000"/>
+                        </a:solidFill>
+                        <a:effectLst/>
+                        <a:latin typeface="Calibri" panose="020F0502020204030204" pitchFamily="34" charset="0"/>
+                      </a:endParaRPr>
+                    </a:p>
+                  </a:txBody>
+                  <a:tcPr marL="4216" marR="4216" marT="4216" marB="0"/>
+                </a:tc>
+                <a:tc>
+                  <a:txBody>
+                    <a:bodyPr/>
+                    <a:lstStyle/>
+                    <a:p>
+                      <a:pPr algn="ctr" fontAlgn="t"/>
+                      <a:r>
+                        <a:rPr lang="en-US" sz="600" u="none" strike="noStrike">
+                          <a:effectLst/>
+                        </a:rPr>
+                        <a:t>No</a:t>
+                      </a:r>
+                      <a:endParaRPr lang="en-US" sz="600" b="0" i="0" u="none" strike="noStrike">
+                        <a:solidFill>
+                          <a:srgbClr val="000000"/>
+                        </a:solidFill>
+                        <a:effectLst/>
+                        <a:latin typeface="Calibri" panose="020F0502020204030204" pitchFamily="34" charset="0"/>
+                      </a:endParaRPr>
+                    </a:p>
+                  </a:txBody>
+                  <a:tcPr marL="4216" marR="4216" marT="4216" marB="0"/>
+                </a:tc>
+                <a:tc>
+                  <a:txBody>
+                    <a:bodyPr/>
+                    <a:lstStyle/>
+                    <a:p>
+                      <a:pPr algn="ctr" fontAlgn="t"/>
+                      <a:r>
+                        <a:rPr lang="en-US" sz="600" u="none" strike="noStrike">
+                          <a:effectLst/>
+                        </a:rPr>
+                        <a:t>Direct</a:t>
+                      </a:r>
+                      <a:endParaRPr lang="en-US" sz="600" b="0" i="0" u="none" strike="noStrike">
+                        <a:solidFill>
+                          <a:srgbClr val="000000"/>
+                        </a:solidFill>
+                        <a:effectLst/>
+                        <a:latin typeface="Calibri" panose="020F0502020204030204" pitchFamily="34" charset="0"/>
+                      </a:endParaRPr>
+                    </a:p>
+                  </a:txBody>
+                  <a:tcPr marL="4216" marR="4216" marT="4216" marB="0"/>
+                </a:tc>
+                <a:tc>
+                  <a:txBody>
+                    <a:bodyPr/>
+                    <a:lstStyle/>
+                    <a:p>
+                      <a:pPr algn="ctr" fontAlgn="t"/>
+                      <a:r>
+                        <a:rPr lang="en-US" sz="600" u="none" strike="noStrike">
+                          <a:effectLst/>
+                        </a:rPr>
+                        <a:t>Direct</a:t>
+                      </a:r>
+                      <a:endParaRPr lang="en-US" sz="600" b="0" i="0" u="none" strike="noStrike">
+                        <a:solidFill>
+                          <a:srgbClr val="000000"/>
+                        </a:solidFill>
+                        <a:effectLst/>
+                        <a:latin typeface="Calibri" panose="020F0502020204030204" pitchFamily="34" charset="0"/>
+                      </a:endParaRPr>
+                    </a:p>
+                  </a:txBody>
+                  <a:tcPr marL="4216" marR="4216" marT="4216" marB="0"/>
+                </a:tc>
+                <a:extLst>
+                  <a:ext uri="{0D108BD9-81ED-4DB2-BD59-A6C34878D82A}">
+                    <a16:rowId xmlns:a16="http://schemas.microsoft.com/office/drawing/2014/main" val="3361401582"/>
+                  </a:ext>
+                </a:extLst>
+              </a:tr>
+              <a:tr h="101194">
+                <a:tc>
+                  <a:txBody>
+                    <a:bodyPr/>
+                    <a:lstStyle/>
+                    <a:p>
+                      <a:pPr algn="l" fontAlgn="ctr"/>
+                      <a:r>
+                        <a:rPr lang="en-US" sz="600" u="none" strike="noStrike">
+                          <a:effectLst/>
+                        </a:rPr>
+                        <a:t>Grafana plugin for data</a:t>
+                      </a:r>
+                      <a:endParaRPr lang="en-US" sz="600" b="0" i="0" u="none" strike="noStrike">
+                        <a:solidFill>
+                          <a:srgbClr val="000000"/>
+                        </a:solidFill>
+                        <a:effectLst/>
+                        <a:latin typeface="Calibri" panose="020F0502020204030204" pitchFamily="34" charset="0"/>
+                      </a:endParaRPr>
+                    </a:p>
+                  </a:txBody>
+                  <a:tcPr marL="4216" marR="4216" marT="4216" marB="0" anchor="ctr"/>
+                </a:tc>
+                <a:tc>
+                  <a:txBody>
+                    <a:bodyPr/>
+                    <a:lstStyle/>
+                    <a:p>
+                      <a:pPr algn="ctr" fontAlgn="t"/>
+                      <a:endParaRPr lang="en-US" sz="600" b="0" i="0" u="none" strike="noStrike">
+                        <a:solidFill>
+                          <a:srgbClr val="000000"/>
+                        </a:solidFill>
+                        <a:effectLst/>
+                        <a:latin typeface="Calibri" panose="020F0502020204030204" pitchFamily="34" charset="0"/>
+                      </a:endParaRPr>
+                    </a:p>
+                  </a:txBody>
+                  <a:tcPr marL="4216" marR="4216" marT="4216" marB="0"/>
+                </a:tc>
+                <a:tc>
+                  <a:txBody>
+                    <a:bodyPr/>
+                    <a:lstStyle/>
+                    <a:p>
+                      <a:pPr algn="ctr" fontAlgn="t"/>
+                      <a:r>
+                        <a:rPr lang="en-US" sz="600" u="none" strike="noStrike">
+                          <a:effectLst/>
+                        </a:rPr>
+                        <a:t>Yes</a:t>
+                      </a:r>
+                      <a:endParaRPr lang="en-US" sz="600" b="0" i="0" u="none" strike="noStrike">
+                        <a:solidFill>
+                          <a:srgbClr val="000000"/>
+                        </a:solidFill>
+                        <a:effectLst/>
+                        <a:latin typeface="Calibri" panose="020F0502020204030204" pitchFamily="34" charset="0"/>
+                      </a:endParaRPr>
+                    </a:p>
+                  </a:txBody>
+                  <a:tcPr marL="4216" marR="4216" marT="4216" marB="0"/>
+                </a:tc>
+                <a:tc>
+                  <a:txBody>
+                    <a:bodyPr/>
+                    <a:lstStyle/>
+                    <a:p>
+                      <a:pPr algn="ctr" fontAlgn="t"/>
+                      <a:r>
+                        <a:rPr lang="en-US" sz="600" u="none" strike="noStrike">
+                          <a:effectLst/>
+                        </a:rPr>
+                        <a:t>No</a:t>
+                      </a:r>
+                      <a:endParaRPr lang="en-US" sz="600" b="0" i="0" u="none" strike="noStrike">
+                        <a:solidFill>
+                          <a:srgbClr val="000000"/>
+                        </a:solidFill>
+                        <a:effectLst/>
+                        <a:latin typeface="Calibri" panose="020F0502020204030204" pitchFamily="34" charset="0"/>
+                      </a:endParaRPr>
+                    </a:p>
+                  </a:txBody>
+                  <a:tcPr marL="4216" marR="4216" marT="4216" marB="0"/>
+                </a:tc>
+                <a:tc>
+                  <a:txBody>
+                    <a:bodyPr/>
+                    <a:lstStyle/>
+                    <a:p>
+                      <a:pPr algn="ctr" fontAlgn="t"/>
+                      <a:r>
+                        <a:rPr lang="en-US" sz="600" u="none" strike="noStrike">
+                          <a:effectLst/>
+                        </a:rPr>
+                        <a:t>Couchbase datasource plugin</a:t>
+                      </a:r>
+                      <a:endParaRPr lang="en-US" sz="600" b="0" i="0" u="none" strike="noStrike">
+                        <a:solidFill>
+                          <a:srgbClr val="000000"/>
+                        </a:solidFill>
+                        <a:effectLst/>
+                        <a:latin typeface="Calibri" panose="020F0502020204030204" pitchFamily="34" charset="0"/>
+                      </a:endParaRPr>
+                    </a:p>
+                  </a:txBody>
+                  <a:tcPr marL="4216" marR="4216" marT="4216" marB="0"/>
+                </a:tc>
+                <a:tc>
+                  <a:txBody>
+                    <a:bodyPr/>
+                    <a:lstStyle/>
+                    <a:p>
+                      <a:pPr algn="ctr" fontAlgn="t"/>
+                      <a:r>
+                        <a:rPr lang="en-US" sz="600" u="none" strike="noStrike">
+                          <a:effectLst/>
+                        </a:rPr>
+                        <a:t>No</a:t>
+                      </a:r>
+                      <a:endParaRPr lang="en-US" sz="600" b="0" i="0" u="none" strike="noStrike">
+                        <a:solidFill>
+                          <a:srgbClr val="000000"/>
+                        </a:solidFill>
+                        <a:effectLst/>
+                        <a:latin typeface="Calibri" panose="020F0502020204030204" pitchFamily="34" charset="0"/>
+                      </a:endParaRPr>
+                    </a:p>
+                  </a:txBody>
+                  <a:tcPr marL="4216" marR="4216" marT="4216" marB="0"/>
+                </a:tc>
+                <a:tc>
+                  <a:txBody>
+                    <a:bodyPr/>
+                    <a:lstStyle/>
+                    <a:p>
+                      <a:pPr algn="ctr" fontAlgn="t"/>
+                      <a:r>
+                        <a:rPr lang="en-US" sz="600" u="none" strike="noStrike">
+                          <a:effectLst/>
+                        </a:rPr>
+                        <a:t>Yes</a:t>
+                      </a:r>
+                      <a:endParaRPr lang="en-US" sz="600" b="0" i="0" u="none" strike="noStrike">
+                        <a:solidFill>
+                          <a:srgbClr val="000000"/>
+                        </a:solidFill>
+                        <a:effectLst/>
+                        <a:latin typeface="Calibri" panose="020F0502020204030204" pitchFamily="34" charset="0"/>
+                      </a:endParaRPr>
+                    </a:p>
+                  </a:txBody>
+                  <a:tcPr marL="4216" marR="4216" marT="4216" marB="0"/>
+                </a:tc>
+                <a:tc>
+                  <a:txBody>
+                    <a:bodyPr/>
+                    <a:lstStyle/>
+                    <a:p>
+                      <a:pPr algn="ctr" fontAlgn="t"/>
+                      <a:r>
+                        <a:rPr lang="en-US" sz="600" u="none" strike="noStrike">
+                          <a:effectLst/>
+                        </a:rPr>
+                        <a:t>Yes</a:t>
+                      </a:r>
+                      <a:endParaRPr lang="en-US" sz="600" b="0" i="0" u="none" strike="noStrike">
+                        <a:solidFill>
+                          <a:srgbClr val="000000"/>
+                        </a:solidFill>
+                        <a:effectLst/>
+                        <a:latin typeface="Calibri" panose="020F0502020204030204" pitchFamily="34" charset="0"/>
+                      </a:endParaRPr>
+                    </a:p>
+                  </a:txBody>
+                  <a:tcPr marL="4216" marR="4216" marT="4216" marB="0"/>
+                </a:tc>
+                <a:extLst>
+                  <a:ext uri="{0D108BD9-81ED-4DB2-BD59-A6C34878D82A}">
+                    <a16:rowId xmlns:a16="http://schemas.microsoft.com/office/drawing/2014/main" val="673691767"/>
+                  </a:ext>
+                </a:extLst>
+              </a:tr>
+              <a:tr h="101194">
+                <a:tc>
+                  <a:txBody>
+                    <a:bodyPr/>
+                    <a:lstStyle/>
+                    <a:p>
+                      <a:pPr algn="l" fontAlgn="ctr"/>
+                      <a:r>
+                        <a:rPr lang="en-US" sz="600" u="none" strike="noStrike">
+                          <a:effectLst/>
+                        </a:rPr>
+                        <a:t>Extension Languages</a:t>
+                      </a:r>
+                      <a:endParaRPr lang="en-US" sz="600" b="0" i="0" u="none" strike="noStrike">
+                        <a:solidFill>
+                          <a:srgbClr val="000000"/>
+                        </a:solidFill>
+                        <a:effectLst/>
+                        <a:latin typeface="Calibri" panose="020F0502020204030204" pitchFamily="34" charset="0"/>
+                      </a:endParaRPr>
+                    </a:p>
+                  </a:txBody>
+                  <a:tcPr marL="4216" marR="4216" marT="4216" marB="0" anchor="ctr"/>
+                </a:tc>
+                <a:tc>
+                  <a:txBody>
+                    <a:bodyPr/>
+                    <a:lstStyle/>
+                    <a:p>
+                      <a:pPr algn="ctr" fontAlgn="t"/>
+                      <a:endParaRPr lang="en-US" sz="600" b="0" i="0" u="none" strike="noStrike">
+                        <a:solidFill>
+                          <a:srgbClr val="000000"/>
+                        </a:solidFill>
+                        <a:effectLst/>
+                        <a:latin typeface="Calibri" panose="020F0502020204030204" pitchFamily="34" charset="0"/>
+                      </a:endParaRPr>
+                    </a:p>
+                  </a:txBody>
+                  <a:tcPr marL="4216" marR="4216" marT="4216" marB="0"/>
+                </a:tc>
+                <a:tc>
+                  <a:txBody>
+                    <a:bodyPr/>
+                    <a:lstStyle/>
+                    <a:p>
+                      <a:pPr algn="ctr" fontAlgn="t"/>
+                      <a:endParaRPr lang="en-US" sz="600" b="0" i="0" u="none" strike="noStrike">
+                        <a:solidFill>
+                          <a:srgbClr val="000000"/>
+                        </a:solidFill>
+                        <a:effectLst/>
+                        <a:latin typeface="Calibri" panose="020F0502020204030204" pitchFamily="34" charset="0"/>
+                      </a:endParaRPr>
+                    </a:p>
+                  </a:txBody>
+                  <a:tcPr marL="4216" marR="4216" marT="4216" marB="0"/>
+                </a:tc>
+                <a:tc>
+                  <a:txBody>
+                    <a:bodyPr/>
+                    <a:lstStyle/>
+                    <a:p>
+                      <a:pPr algn="ctr" fontAlgn="t"/>
+                      <a:r>
+                        <a:rPr lang="en-US" sz="600" u="none" strike="noStrike">
+                          <a:effectLst/>
+                        </a:rPr>
+                        <a:t>Java</a:t>
+                      </a:r>
+                      <a:endParaRPr lang="en-US" sz="600" b="0" i="0" u="none" strike="noStrike">
+                        <a:solidFill>
+                          <a:srgbClr val="000000"/>
+                        </a:solidFill>
+                        <a:effectLst/>
+                        <a:latin typeface="Calibri" panose="020F0502020204030204" pitchFamily="34" charset="0"/>
+                      </a:endParaRPr>
+                    </a:p>
+                  </a:txBody>
+                  <a:tcPr marL="4216" marR="4216" marT="4216" marB="0"/>
+                </a:tc>
+                <a:tc>
+                  <a:txBody>
+                    <a:bodyPr/>
+                    <a:lstStyle/>
+                    <a:p>
+                      <a:pPr algn="ctr" fontAlgn="t"/>
+                      <a:endParaRPr lang="en-US" sz="600" b="0" i="0" u="none" strike="noStrike">
+                        <a:solidFill>
+                          <a:srgbClr val="000000"/>
+                        </a:solidFill>
+                        <a:effectLst/>
+                        <a:latin typeface="Calibri" panose="020F0502020204030204" pitchFamily="34" charset="0"/>
+                      </a:endParaRPr>
+                    </a:p>
+                  </a:txBody>
+                  <a:tcPr marL="4216" marR="4216" marT="4216" marB="0"/>
+                </a:tc>
+                <a:tc>
+                  <a:txBody>
+                    <a:bodyPr/>
+                    <a:lstStyle/>
+                    <a:p>
+                      <a:pPr algn="ctr" fontAlgn="t"/>
+                      <a:endParaRPr lang="en-US" sz="600" b="0" i="0" u="none" strike="noStrike">
+                        <a:solidFill>
+                          <a:srgbClr val="000000"/>
+                        </a:solidFill>
+                        <a:effectLst/>
+                        <a:latin typeface="Calibri" panose="020F0502020204030204" pitchFamily="34" charset="0"/>
+                      </a:endParaRPr>
+                    </a:p>
+                  </a:txBody>
+                  <a:tcPr marL="4216" marR="4216" marT="4216" marB="0"/>
+                </a:tc>
+                <a:tc>
+                  <a:txBody>
+                    <a:bodyPr/>
+                    <a:lstStyle/>
+                    <a:p>
+                      <a:pPr algn="ctr" fontAlgn="t"/>
+                      <a:endParaRPr lang="en-US" sz="600" b="0" i="0" u="none" strike="noStrike">
+                        <a:solidFill>
+                          <a:srgbClr val="000000"/>
+                        </a:solidFill>
+                        <a:effectLst/>
+                        <a:latin typeface="Calibri" panose="020F0502020204030204" pitchFamily="34" charset="0"/>
+                      </a:endParaRPr>
+                    </a:p>
+                  </a:txBody>
+                  <a:tcPr marL="4216" marR="4216" marT="4216" marB="0"/>
+                </a:tc>
+                <a:tc>
+                  <a:txBody>
+                    <a:bodyPr/>
+                    <a:lstStyle/>
+                    <a:p>
+                      <a:pPr algn="ctr" fontAlgn="t"/>
+                      <a:r>
+                        <a:rPr lang="en-US" sz="600" u="none" strike="noStrike">
+                          <a:effectLst/>
+                        </a:rPr>
+                        <a:t>C#, Javascript</a:t>
+                      </a:r>
+                      <a:endParaRPr lang="en-US" sz="600" b="0" i="0" u="none" strike="noStrike">
+                        <a:solidFill>
+                          <a:srgbClr val="000000"/>
+                        </a:solidFill>
+                        <a:effectLst/>
+                        <a:latin typeface="Calibri" panose="020F0502020204030204" pitchFamily="34" charset="0"/>
+                      </a:endParaRPr>
+                    </a:p>
+                  </a:txBody>
+                  <a:tcPr marL="4216" marR="4216" marT="4216" marB="0"/>
+                </a:tc>
+                <a:extLst>
+                  <a:ext uri="{0D108BD9-81ED-4DB2-BD59-A6C34878D82A}">
+                    <a16:rowId xmlns:a16="http://schemas.microsoft.com/office/drawing/2014/main" val="3350772306"/>
+                  </a:ext>
+                </a:extLst>
+              </a:tr>
+              <a:tr h="101194">
+                <a:tc>
+                  <a:txBody>
+                    <a:bodyPr/>
+                    <a:lstStyle/>
+                    <a:p>
+                      <a:pPr algn="l" fontAlgn="ctr"/>
+                      <a:r>
+                        <a:rPr lang="en-US" sz="600" u="none" strike="noStrike">
+                          <a:effectLst/>
+                        </a:rPr>
+                        <a:t>Time Series</a:t>
+                      </a:r>
+                      <a:endParaRPr lang="en-US" sz="600" b="1" i="0" u="none" strike="noStrike">
+                        <a:solidFill>
+                          <a:srgbClr val="000000"/>
+                        </a:solidFill>
+                        <a:effectLst/>
+                        <a:latin typeface="Calibri" panose="020F0502020204030204" pitchFamily="34" charset="0"/>
+                      </a:endParaRPr>
+                    </a:p>
+                  </a:txBody>
+                  <a:tcPr marL="4216" marR="4216" marT="4216" marB="0" anchor="ctr"/>
+                </a:tc>
+                <a:tc>
+                  <a:txBody>
+                    <a:bodyPr/>
+                    <a:lstStyle/>
+                    <a:p>
+                      <a:pPr algn="ctr" fontAlgn="t"/>
+                      <a:r>
+                        <a:rPr lang="en-US" sz="600" u="none" strike="noStrike">
+                          <a:effectLst/>
+                        </a:rPr>
+                        <a:t>Description</a:t>
+                      </a:r>
+                      <a:endParaRPr lang="en-US" sz="600" b="1" i="0" u="none" strike="noStrike">
+                        <a:solidFill>
+                          <a:srgbClr val="000000"/>
+                        </a:solidFill>
+                        <a:effectLst/>
+                        <a:latin typeface="Calibri" panose="020F0502020204030204" pitchFamily="34" charset="0"/>
+                      </a:endParaRPr>
+                    </a:p>
+                  </a:txBody>
+                  <a:tcPr marL="4216" marR="4216" marT="4216" marB="0"/>
+                </a:tc>
+                <a:tc>
+                  <a:txBody>
+                    <a:bodyPr/>
+                    <a:lstStyle/>
+                    <a:p>
+                      <a:pPr algn="ctr" fontAlgn="t"/>
+                      <a:r>
+                        <a:rPr lang="en-US" sz="600" u="none" strike="noStrike">
+                          <a:effectLst/>
+                        </a:rPr>
+                        <a:t> </a:t>
+                      </a:r>
+                      <a:endParaRPr lang="en-US" sz="600" b="0" i="0" u="none" strike="noStrike">
+                        <a:solidFill>
+                          <a:srgbClr val="000000"/>
+                        </a:solidFill>
+                        <a:effectLst/>
+                        <a:latin typeface="Calibri" panose="020F0502020204030204" pitchFamily="34" charset="0"/>
+                      </a:endParaRPr>
+                    </a:p>
+                  </a:txBody>
+                  <a:tcPr marL="4216" marR="4216" marT="4216" marB="0"/>
+                </a:tc>
+                <a:tc>
+                  <a:txBody>
+                    <a:bodyPr/>
+                    <a:lstStyle/>
+                    <a:p>
+                      <a:pPr algn="ctr" fontAlgn="t"/>
+                      <a:r>
+                        <a:rPr lang="en-US" sz="600" u="none" strike="noStrike">
+                          <a:effectLst/>
+                        </a:rPr>
+                        <a:t> </a:t>
+                      </a:r>
+                      <a:endParaRPr lang="en-US" sz="600" b="0" i="0" u="none" strike="noStrike">
+                        <a:solidFill>
+                          <a:srgbClr val="000000"/>
+                        </a:solidFill>
+                        <a:effectLst/>
+                        <a:latin typeface="Calibri" panose="020F0502020204030204" pitchFamily="34" charset="0"/>
+                      </a:endParaRPr>
+                    </a:p>
+                  </a:txBody>
+                  <a:tcPr marL="4216" marR="4216" marT="4216" marB="0"/>
+                </a:tc>
+                <a:tc>
+                  <a:txBody>
+                    <a:bodyPr/>
+                    <a:lstStyle/>
+                    <a:p>
+                      <a:pPr algn="ctr" fontAlgn="t"/>
+                      <a:r>
+                        <a:rPr lang="en-US" sz="600" u="none" strike="noStrike">
+                          <a:effectLst/>
+                        </a:rPr>
+                        <a:t> </a:t>
+                      </a:r>
+                      <a:endParaRPr lang="en-US" sz="600" b="0" i="0" u="none" strike="noStrike">
+                        <a:solidFill>
+                          <a:srgbClr val="000000"/>
+                        </a:solidFill>
+                        <a:effectLst/>
+                        <a:latin typeface="Calibri" panose="020F0502020204030204" pitchFamily="34" charset="0"/>
+                      </a:endParaRPr>
+                    </a:p>
+                  </a:txBody>
+                  <a:tcPr marL="4216" marR="4216" marT="4216" marB="0"/>
+                </a:tc>
+                <a:tc>
+                  <a:txBody>
+                    <a:bodyPr/>
+                    <a:lstStyle/>
+                    <a:p>
+                      <a:pPr algn="ctr" fontAlgn="t"/>
+                      <a:r>
+                        <a:rPr lang="en-US" sz="600" u="none" strike="noStrike">
+                          <a:effectLst/>
+                        </a:rPr>
+                        <a:t> </a:t>
+                      </a:r>
+                      <a:endParaRPr lang="en-US" sz="600" b="0" i="0" u="none" strike="noStrike">
+                        <a:solidFill>
+                          <a:srgbClr val="000000"/>
+                        </a:solidFill>
+                        <a:effectLst/>
+                        <a:latin typeface="Calibri" panose="020F0502020204030204" pitchFamily="34" charset="0"/>
+                      </a:endParaRPr>
+                    </a:p>
+                  </a:txBody>
+                  <a:tcPr marL="4216" marR="4216" marT="4216" marB="0"/>
+                </a:tc>
+                <a:tc>
+                  <a:txBody>
+                    <a:bodyPr/>
+                    <a:lstStyle/>
+                    <a:p>
+                      <a:pPr algn="ctr" fontAlgn="t"/>
+                      <a:r>
+                        <a:rPr lang="en-US" sz="600" u="none" strike="noStrike">
+                          <a:effectLst/>
+                        </a:rPr>
+                        <a:t> </a:t>
+                      </a:r>
+                      <a:endParaRPr lang="en-US" sz="600" b="0" i="0" u="none" strike="noStrike">
+                        <a:solidFill>
+                          <a:srgbClr val="000000"/>
+                        </a:solidFill>
+                        <a:effectLst/>
+                        <a:latin typeface="Calibri" panose="020F0502020204030204" pitchFamily="34" charset="0"/>
+                      </a:endParaRPr>
+                    </a:p>
+                  </a:txBody>
+                  <a:tcPr marL="4216" marR="4216" marT="4216" marB="0"/>
+                </a:tc>
+                <a:tc>
+                  <a:txBody>
+                    <a:bodyPr/>
+                    <a:lstStyle/>
+                    <a:p>
+                      <a:pPr algn="ctr" fontAlgn="t"/>
+                      <a:r>
+                        <a:rPr lang="en-US" sz="600" u="none" strike="noStrike">
+                          <a:effectLst/>
+                        </a:rPr>
+                        <a:t> </a:t>
+                      </a:r>
+                      <a:endParaRPr lang="en-US" sz="600" b="0" i="0" u="none" strike="noStrike">
+                        <a:solidFill>
+                          <a:srgbClr val="000000"/>
+                        </a:solidFill>
+                        <a:effectLst/>
+                        <a:latin typeface="Calibri" panose="020F0502020204030204" pitchFamily="34" charset="0"/>
+                      </a:endParaRPr>
+                    </a:p>
+                  </a:txBody>
+                  <a:tcPr marL="4216" marR="4216" marT="4216" marB="0"/>
+                </a:tc>
+                <a:extLst>
+                  <a:ext uri="{0D108BD9-81ED-4DB2-BD59-A6C34878D82A}">
+                    <a16:rowId xmlns:a16="http://schemas.microsoft.com/office/drawing/2014/main" val="2127992744"/>
+                  </a:ext>
+                </a:extLst>
+              </a:tr>
+              <a:tr h="303582">
+                <a:tc>
+                  <a:txBody>
+                    <a:bodyPr/>
+                    <a:lstStyle/>
+                    <a:p>
+                      <a:pPr algn="l" fontAlgn="ctr"/>
+                      <a:r>
+                        <a:rPr lang="en-US" sz="600" u="none" strike="noStrike">
+                          <a:effectLst/>
+                        </a:rPr>
+                        <a:t>Time Series</a:t>
+                      </a:r>
+                      <a:endParaRPr lang="en-US" sz="600" b="0" i="0" u="none" strike="noStrike">
+                        <a:solidFill>
+                          <a:srgbClr val="000000"/>
+                        </a:solidFill>
+                        <a:effectLst/>
+                        <a:latin typeface="Calibri" panose="020F0502020204030204" pitchFamily="34" charset="0"/>
+                      </a:endParaRPr>
+                    </a:p>
+                  </a:txBody>
+                  <a:tcPr marL="4216" marR="4216" marT="4216" marB="0" anchor="ctr"/>
+                </a:tc>
+                <a:tc>
+                  <a:txBody>
+                    <a:bodyPr/>
+                    <a:lstStyle/>
+                    <a:p>
+                      <a:pPr algn="ctr" fontAlgn="t"/>
+                      <a:r>
+                        <a:rPr lang="en-US" sz="600" u="none" strike="noStrike">
+                          <a:effectLst/>
+                        </a:rPr>
+                        <a:t>Native implementation of collecting data points at regular time intervals and extracted with time-based queries</a:t>
+                      </a:r>
+                      <a:endParaRPr lang="en-US" sz="600" b="0" i="0" u="none" strike="noStrike">
+                        <a:solidFill>
+                          <a:srgbClr val="000000"/>
+                        </a:solidFill>
+                        <a:effectLst/>
+                        <a:latin typeface="Calibri" panose="020F0502020204030204" pitchFamily="34" charset="0"/>
+                      </a:endParaRPr>
+                    </a:p>
+                  </a:txBody>
+                  <a:tcPr marL="4216" marR="4216" marT="4216" marB="0"/>
+                </a:tc>
+                <a:tc>
+                  <a:txBody>
+                    <a:bodyPr/>
+                    <a:lstStyle/>
+                    <a:p>
+                      <a:pPr algn="ctr" fontAlgn="t"/>
+                      <a:r>
+                        <a:rPr lang="en-US" sz="600" u="none" strike="noStrike">
+                          <a:effectLst/>
+                        </a:rPr>
+                        <a:t>Yes</a:t>
+                      </a:r>
+                      <a:endParaRPr lang="en-US" sz="600" b="0" i="0" u="none" strike="noStrike">
+                        <a:solidFill>
+                          <a:srgbClr val="000000"/>
+                        </a:solidFill>
+                        <a:effectLst/>
+                        <a:latin typeface="Calibri" panose="020F0502020204030204" pitchFamily="34" charset="0"/>
+                      </a:endParaRPr>
+                    </a:p>
+                  </a:txBody>
+                  <a:tcPr marL="4216" marR="4216" marT="4216" marB="0"/>
+                </a:tc>
+                <a:tc>
+                  <a:txBody>
+                    <a:bodyPr/>
+                    <a:lstStyle/>
+                    <a:p>
+                      <a:pPr algn="ctr" fontAlgn="t"/>
+                      <a:r>
+                        <a:rPr lang="en-US" sz="600" u="none" strike="noStrike">
+                          <a:effectLst/>
+                        </a:rPr>
+                        <a:t>No</a:t>
+                      </a:r>
+                      <a:endParaRPr lang="en-US" sz="600" b="0" i="0" u="none" strike="noStrike">
+                        <a:solidFill>
+                          <a:srgbClr val="000000"/>
+                        </a:solidFill>
+                        <a:effectLst/>
+                        <a:latin typeface="Calibri" panose="020F0502020204030204" pitchFamily="34" charset="0"/>
+                      </a:endParaRPr>
+                    </a:p>
+                  </a:txBody>
+                  <a:tcPr marL="4216" marR="4216" marT="4216" marB="0"/>
+                </a:tc>
+                <a:tc>
+                  <a:txBody>
+                    <a:bodyPr/>
+                    <a:lstStyle/>
+                    <a:p>
+                      <a:pPr algn="ctr" fontAlgn="t"/>
+                      <a:r>
+                        <a:rPr lang="en-US" sz="600" u="none" strike="noStrike">
+                          <a:effectLst/>
+                        </a:rPr>
+                        <a:t>udfs</a:t>
+                      </a:r>
+                      <a:endParaRPr lang="en-US" sz="600" b="0" i="0" u="none" strike="noStrike">
+                        <a:solidFill>
+                          <a:srgbClr val="000000"/>
+                        </a:solidFill>
+                        <a:effectLst/>
+                        <a:latin typeface="Calibri" panose="020F0502020204030204" pitchFamily="34" charset="0"/>
+                      </a:endParaRPr>
+                    </a:p>
+                  </a:txBody>
+                  <a:tcPr marL="4216" marR="4216" marT="4216" marB="0"/>
+                </a:tc>
+                <a:tc>
+                  <a:txBody>
+                    <a:bodyPr/>
+                    <a:lstStyle/>
+                    <a:p>
+                      <a:pPr algn="ctr" fontAlgn="t"/>
+                      <a:r>
+                        <a:rPr lang="en-US" sz="600" u="none" strike="noStrike">
+                          <a:effectLst/>
+                        </a:rPr>
+                        <a:t>No</a:t>
+                      </a:r>
+                      <a:endParaRPr lang="en-US" sz="600" b="0" i="0" u="none" strike="noStrike">
+                        <a:solidFill>
+                          <a:srgbClr val="000000"/>
+                        </a:solidFill>
+                        <a:effectLst/>
+                        <a:latin typeface="Calibri" panose="020F0502020204030204" pitchFamily="34" charset="0"/>
+                      </a:endParaRPr>
+                    </a:p>
+                  </a:txBody>
+                  <a:tcPr marL="4216" marR="4216" marT="4216" marB="0"/>
+                </a:tc>
+                <a:tc>
+                  <a:txBody>
+                    <a:bodyPr/>
+                    <a:lstStyle/>
+                    <a:p>
+                      <a:pPr algn="ctr" fontAlgn="t"/>
+                      <a:r>
+                        <a:rPr lang="en-US" sz="600" u="none" strike="noStrike">
+                          <a:effectLst/>
+                        </a:rPr>
+                        <a:t>Yes</a:t>
+                      </a:r>
+                      <a:endParaRPr lang="en-US" sz="600" b="0" i="0" u="none" strike="noStrike">
+                        <a:solidFill>
+                          <a:srgbClr val="000000"/>
+                        </a:solidFill>
+                        <a:effectLst/>
+                        <a:latin typeface="Calibri" panose="020F0502020204030204" pitchFamily="34" charset="0"/>
+                      </a:endParaRPr>
+                    </a:p>
+                  </a:txBody>
+                  <a:tcPr marL="4216" marR="4216" marT="4216" marB="0"/>
+                </a:tc>
+                <a:tc>
+                  <a:txBody>
+                    <a:bodyPr/>
+                    <a:lstStyle/>
+                    <a:p>
+                      <a:pPr algn="ctr" fontAlgn="t"/>
+                      <a:r>
+                        <a:rPr lang="en-US" sz="600" u="none" strike="noStrike">
+                          <a:effectLst/>
+                        </a:rPr>
+                        <a:t>Yes</a:t>
+                      </a:r>
+                      <a:endParaRPr lang="en-US" sz="600" b="0" i="0" u="none" strike="noStrike">
+                        <a:solidFill>
+                          <a:srgbClr val="000000"/>
+                        </a:solidFill>
+                        <a:effectLst/>
+                        <a:latin typeface="Calibri" panose="020F0502020204030204" pitchFamily="34" charset="0"/>
+                      </a:endParaRPr>
+                    </a:p>
+                  </a:txBody>
+                  <a:tcPr marL="4216" marR="4216" marT="4216" marB="0"/>
+                </a:tc>
+                <a:extLst>
+                  <a:ext uri="{0D108BD9-81ED-4DB2-BD59-A6C34878D82A}">
+                    <a16:rowId xmlns:a16="http://schemas.microsoft.com/office/drawing/2014/main" val="2644716541"/>
+                  </a:ext>
+                </a:extLst>
+              </a:tr>
+              <a:tr h="303582">
+                <a:tc>
+                  <a:txBody>
+                    <a:bodyPr/>
+                    <a:lstStyle/>
+                    <a:p>
+                      <a:pPr algn="l" fontAlgn="ctr"/>
+                      <a:r>
+                        <a:rPr lang="en-US" sz="600" u="none" strike="noStrike">
+                          <a:effectLst/>
+                        </a:rPr>
+                        <a:t>Incremental Time Series</a:t>
+                      </a:r>
+                      <a:endParaRPr lang="en-US" sz="600" b="0" i="0" u="none" strike="noStrike">
+                        <a:solidFill>
+                          <a:srgbClr val="000000"/>
+                        </a:solidFill>
+                        <a:effectLst/>
+                        <a:latin typeface="Calibri" panose="020F0502020204030204" pitchFamily="34" charset="0"/>
+                      </a:endParaRPr>
+                    </a:p>
+                  </a:txBody>
+                  <a:tcPr marL="4216" marR="4216" marT="4216" marB="0" anchor="ctr"/>
+                </a:tc>
+                <a:tc>
+                  <a:txBody>
+                    <a:bodyPr/>
+                    <a:lstStyle/>
+                    <a:p>
+                      <a:pPr algn="ctr" fontAlgn="t"/>
+                      <a:r>
+                        <a:rPr lang="en-US" sz="600" u="none" strike="noStrike">
+                          <a:effectLst/>
+                        </a:rPr>
+                        <a:t>Native implementation of deltas rather than absolute values, each point represents a change in value</a:t>
+                      </a:r>
+                      <a:endParaRPr lang="en-US" sz="600" b="0" i="0" u="none" strike="noStrike">
+                        <a:solidFill>
+                          <a:srgbClr val="000000"/>
+                        </a:solidFill>
+                        <a:effectLst/>
+                        <a:latin typeface="Calibri" panose="020F0502020204030204" pitchFamily="34" charset="0"/>
+                      </a:endParaRPr>
+                    </a:p>
+                  </a:txBody>
+                  <a:tcPr marL="4216" marR="4216" marT="4216" marB="0"/>
+                </a:tc>
+                <a:tc>
+                  <a:txBody>
+                    <a:bodyPr/>
+                    <a:lstStyle/>
+                    <a:p>
+                      <a:pPr algn="ctr" fontAlgn="t"/>
+                      <a:r>
+                        <a:rPr lang="en-US" sz="600" u="none" strike="noStrike">
+                          <a:effectLst/>
+                        </a:rPr>
+                        <a:t>No</a:t>
+                      </a:r>
+                      <a:endParaRPr lang="en-US" sz="600" b="0" i="0" u="none" strike="noStrike">
+                        <a:solidFill>
+                          <a:srgbClr val="000000"/>
+                        </a:solidFill>
+                        <a:effectLst/>
+                        <a:latin typeface="Calibri" panose="020F0502020204030204" pitchFamily="34" charset="0"/>
+                      </a:endParaRPr>
+                    </a:p>
+                  </a:txBody>
+                  <a:tcPr marL="4216" marR="4216" marT="4216" marB="0"/>
+                </a:tc>
+                <a:tc>
+                  <a:txBody>
+                    <a:bodyPr/>
+                    <a:lstStyle/>
+                    <a:p>
+                      <a:pPr algn="ctr" fontAlgn="t"/>
+                      <a:r>
+                        <a:rPr lang="en-US" sz="600" u="none" strike="noStrike">
+                          <a:effectLst/>
+                        </a:rPr>
+                        <a:t>No</a:t>
+                      </a:r>
+                      <a:endParaRPr lang="en-US" sz="600" b="0" i="0" u="none" strike="noStrike">
+                        <a:solidFill>
+                          <a:srgbClr val="000000"/>
+                        </a:solidFill>
+                        <a:effectLst/>
+                        <a:latin typeface="Calibri" panose="020F0502020204030204" pitchFamily="34" charset="0"/>
+                      </a:endParaRPr>
+                    </a:p>
+                  </a:txBody>
+                  <a:tcPr marL="4216" marR="4216" marT="4216" marB="0"/>
+                </a:tc>
+                <a:tc>
+                  <a:txBody>
+                    <a:bodyPr/>
+                    <a:lstStyle/>
+                    <a:p>
+                      <a:pPr algn="ctr" fontAlgn="t"/>
+                      <a:r>
+                        <a:rPr lang="en-US" sz="600" u="none" strike="noStrike">
+                          <a:effectLst/>
+                        </a:rPr>
+                        <a:t>udfs</a:t>
+                      </a:r>
+                      <a:endParaRPr lang="en-US" sz="600" b="0" i="0" u="none" strike="noStrike">
+                        <a:solidFill>
+                          <a:srgbClr val="000000"/>
+                        </a:solidFill>
+                        <a:effectLst/>
+                        <a:latin typeface="Calibri" panose="020F0502020204030204" pitchFamily="34" charset="0"/>
+                      </a:endParaRPr>
+                    </a:p>
+                  </a:txBody>
+                  <a:tcPr marL="4216" marR="4216" marT="4216" marB="0"/>
+                </a:tc>
+                <a:tc>
+                  <a:txBody>
+                    <a:bodyPr/>
+                    <a:lstStyle/>
+                    <a:p>
+                      <a:pPr algn="ctr" fontAlgn="t"/>
+                      <a:r>
+                        <a:rPr lang="en-US" sz="600" u="none" strike="noStrike">
+                          <a:effectLst/>
+                        </a:rPr>
+                        <a:t>No</a:t>
+                      </a:r>
+                      <a:endParaRPr lang="en-US" sz="600" b="0" i="0" u="none" strike="noStrike">
+                        <a:solidFill>
+                          <a:srgbClr val="000000"/>
+                        </a:solidFill>
+                        <a:effectLst/>
+                        <a:latin typeface="Calibri" panose="020F0502020204030204" pitchFamily="34" charset="0"/>
+                      </a:endParaRPr>
+                    </a:p>
+                  </a:txBody>
+                  <a:tcPr marL="4216" marR="4216" marT="4216" marB="0"/>
+                </a:tc>
+                <a:tc>
+                  <a:txBody>
+                    <a:bodyPr/>
+                    <a:lstStyle/>
+                    <a:p>
+                      <a:pPr algn="ctr" fontAlgn="t"/>
+                      <a:r>
+                        <a:rPr lang="en-US" sz="600" u="none" strike="noStrike">
+                          <a:effectLst/>
+                        </a:rPr>
+                        <a:t>Yes</a:t>
+                      </a:r>
+                      <a:endParaRPr lang="en-US" sz="600" b="0" i="0" u="none" strike="noStrike">
+                        <a:solidFill>
+                          <a:srgbClr val="000000"/>
+                        </a:solidFill>
+                        <a:effectLst/>
+                        <a:latin typeface="Calibri" panose="020F0502020204030204" pitchFamily="34" charset="0"/>
+                      </a:endParaRPr>
+                    </a:p>
+                  </a:txBody>
+                  <a:tcPr marL="4216" marR="4216" marT="4216" marB="0"/>
+                </a:tc>
+                <a:tc>
+                  <a:txBody>
+                    <a:bodyPr/>
+                    <a:lstStyle/>
+                    <a:p>
+                      <a:pPr algn="ctr" fontAlgn="t"/>
+                      <a:r>
+                        <a:rPr lang="en-US" sz="600" u="none" strike="noStrike">
+                          <a:effectLst/>
+                        </a:rPr>
+                        <a:t>Yes</a:t>
+                      </a:r>
+                      <a:endParaRPr lang="en-US" sz="600" b="0" i="0" u="none" strike="noStrike">
+                        <a:solidFill>
+                          <a:srgbClr val="000000"/>
+                        </a:solidFill>
+                        <a:effectLst/>
+                        <a:latin typeface="Calibri" panose="020F0502020204030204" pitchFamily="34" charset="0"/>
+                      </a:endParaRPr>
+                    </a:p>
+                  </a:txBody>
+                  <a:tcPr marL="4216" marR="4216" marT="4216" marB="0"/>
+                </a:tc>
+                <a:extLst>
+                  <a:ext uri="{0D108BD9-81ED-4DB2-BD59-A6C34878D82A}">
+                    <a16:rowId xmlns:a16="http://schemas.microsoft.com/office/drawing/2014/main" val="4044799877"/>
+                  </a:ext>
+                </a:extLst>
+              </a:tr>
+              <a:tr h="101194">
+                <a:tc>
+                  <a:txBody>
+                    <a:bodyPr/>
+                    <a:lstStyle/>
+                    <a:p>
+                      <a:pPr algn="l" fontAlgn="ctr"/>
+                      <a:r>
+                        <a:rPr lang="en-US" sz="600" u="none" strike="noStrike">
+                          <a:effectLst/>
+                        </a:rPr>
+                        <a:t>Rollups &amp; Retention</a:t>
+                      </a:r>
+                      <a:endParaRPr lang="en-US" sz="600" b="0" i="0" u="none" strike="noStrike">
+                        <a:solidFill>
+                          <a:srgbClr val="000000"/>
+                        </a:solidFill>
+                        <a:effectLst/>
+                        <a:latin typeface="Calibri" panose="020F0502020204030204" pitchFamily="34" charset="0"/>
+                      </a:endParaRPr>
+                    </a:p>
+                  </a:txBody>
+                  <a:tcPr marL="4216" marR="4216" marT="4216" marB="0" anchor="ctr"/>
+                </a:tc>
+                <a:tc>
+                  <a:txBody>
+                    <a:bodyPr/>
+                    <a:lstStyle/>
+                    <a:p>
+                      <a:pPr algn="ctr" fontAlgn="t"/>
+                      <a:endParaRPr lang="en-US" sz="600" b="0" i="0" u="none" strike="noStrike">
+                        <a:solidFill>
+                          <a:srgbClr val="000000"/>
+                        </a:solidFill>
+                        <a:effectLst/>
+                        <a:latin typeface="Calibri" panose="020F0502020204030204" pitchFamily="34" charset="0"/>
+                      </a:endParaRPr>
+                    </a:p>
+                  </a:txBody>
+                  <a:tcPr marL="4216" marR="4216" marT="4216" marB="0"/>
+                </a:tc>
+                <a:tc>
+                  <a:txBody>
+                    <a:bodyPr/>
+                    <a:lstStyle/>
+                    <a:p>
+                      <a:pPr algn="ctr" fontAlgn="t"/>
+                      <a:r>
+                        <a:rPr lang="en-US" sz="600" u="none" strike="noStrike">
+                          <a:effectLst/>
+                        </a:rPr>
+                        <a:t>Yes</a:t>
+                      </a:r>
+                      <a:endParaRPr lang="en-US" sz="600" b="0" i="0" u="none" strike="noStrike">
+                        <a:solidFill>
+                          <a:srgbClr val="000000"/>
+                        </a:solidFill>
+                        <a:effectLst/>
+                        <a:latin typeface="Calibri" panose="020F0502020204030204" pitchFamily="34" charset="0"/>
+                      </a:endParaRPr>
+                    </a:p>
+                  </a:txBody>
+                  <a:tcPr marL="4216" marR="4216" marT="4216" marB="0"/>
+                </a:tc>
+                <a:tc>
+                  <a:txBody>
+                    <a:bodyPr/>
+                    <a:lstStyle/>
+                    <a:p>
+                      <a:pPr algn="ctr" fontAlgn="t"/>
+                      <a:r>
+                        <a:rPr lang="en-US" sz="600" u="none" strike="noStrike">
+                          <a:effectLst/>
+                        </a:rPr>
+                        <a:t>No</a:t>
+                      </a:r>
+                      <a:endParaRPr lang="en-US" sz="600" b="0" i="0" u="none" strike="noStrike">
+                        <a:solidFill>
+                          <a:srgbClr val="000000"/>
+                        </a:solidFill>
+                        <a:effectLst/>
+                        <a:latin typeface="Calibri" panose="020F0502020204030204" pitchFamily="34" charset="0"/>
+                      </a:endParaRPr>
+                    </a:p>
+                  </a:txBody>
+                  <a:tcPr marL="4216" marR="4216" marT="4216" marB="0"/>
+                </a:tc>
+                <a:tc>
+                  <a:txBody>
+                    <a:bodyPr/>
+                    <a:lstStyle/>
+                    <a:p>
+                      <a:pPr algn="ctr" fontAlgn="t"/>
+                      <a:r>
+                        <a:rPr lang="en-US" sz="600" u="none" strike="noStrike">
+                          <a:effectLst/>
+                        </a:rPr>
+                        <a:t>No</a:t>
+                      </a:r>
+                      <a:endParaRPr lang="en-US" sz="600" b="0" i="0" u="none" strike="noStrike">
+                        <a:solidFill>
+                          <a:srgbClr val="000000"/>
+                        </a:solidFill>
+                        <a:effectLst/>
+                        <a:latin typeface="Calibri" panose="020F0502020204030204" pitchFamily="34" charset="0"/>
+                      </a:endParaRPr>
+                    </a:p>
+                  </a:txBody>
+                  <a:tcPr marL="4216" marR="4216" marT="4216" marB="0"/>
+                </a:tc>
+                <a:tc>
+                  <a:txBody>
+                    <a:bodyPr/>
+                    <a:lstStyle/>
+                    <a:p>
+                      <a:pPr algn="ctr" fontAlgn="t"/>
+                      <a:r>
+                        <a:rPr lang="en-US" sz="600" u="none" strike="noStrike">
+                          <a:effectLst/>
+                        </a:rPr>
+                        <a:t>No</a:t>
+                      </a:r>
+                      <a:endParaRPr lang="en-US" sz="600" b="0" i="0" u="none" strike="noStrike">
+                        <a:solidFill>
+                          <a:srgbClr val="000000"/>
+                        </a:solidFill>
+                        <a:effectLst/>
+                        <a:latin typeface="Calibri" panose="020F0502020204030204" pitchFamily="34" charset="0"/>
+                      </a:endParaRPr>
+                    </a:p>
+                  </a:txBody>
+                  <a:tcPr marL="4216" marR="4216" marT="4216" marB="0"/>
+                </a:tc>
+                <a:tc>
+                  <a:txBody>
+                    <a:bodyPr/>
+                    <a:lstStyle/>
+                    <a:p>
+                      <a:pPr algn="ctr" fontAlgn="t"/>
+                      <a:r>
+                        <a:rPr lang="en-US" sz="600" u="none" strike="noStrike">
+                          <a:effectLst/>
+                        </a:rPr>
+                        <a:t>Yes</a:t>
+                      </a:r>
+                      <a:endParaRPr lang="en-US" sz="600" b="0" i="0" u="none" strike="noStrike">
+                        <a:solidFill>
+                          <a:srgbClr val="000000"/>
+                        </a:solidFill>
+                        <a:effectLst/>
+                        <a:latin typeface="Calibri" panose="020F0502020204030204" pitchFamily="34" charset="0"/>
+                      </a:endParaRPr>
+                    </a:p>
+                  </a:txBody>
+                  <a:tcPr marL="4216" marR="4216" marT="4216" marB="0"/>
+                </a:tc>
+                <a:tc>
+                  <a:txBody>
+                    <a:bodyPr/>
+                    <a:lstStyle/>
+                    <a:p>
+                      <a:pPr algn="ctr" fontAlgn="t"/>
+                      <a:r>
+                        <a:rPr lang="en-US" sz="600" u="none" strike="noStrike">
+                          <a:effectLst/>
+                        </a:rPr>
+                        <a:t>Yes</a:t>
+                      </a:r>
+                      <a:endParaRPr lang="en-US" sz="600" b="0" i="0" u="none" strike="noStrike">
+                        <a:solidFill>
+                          <a:srgbClr val="000000"/>
+                        </a:solidFill>
+                        <a:effectLst/>
+                        <a:latin typeface="Calibri" panose="020F0502020204030204" pitchFamily="34" charset="0"/>
+                      </a:endParaRPr>
+                    </a:p>
+                  </a:txBody>
+                  <a:tcPr marL="4216" marR="4216" marT="4216" marB="0"/>
+                </a:tc>
+                <a:extLst>
+                  <a:ext uri="{0D108BD9-81ED-4DB2-BD59-A6C34878D82A}">
+                    <a16:rowId xmlns:a16="http://schemas.microsoft.com/office/drawing/2014/main" val="4141821646"/>
+                  </a:ext>
+                </a:extLst>
+              </a:tr>
+              <a:tr h="101194">
+                <a:tc>
+                  <a:txBody>
+                    <a:bodyPr/>
+                    <a:lstStyle/>
+                    <a:p>
+                      <a:pPr algn="l" fontAlgn="ctr"/>
+                      <a:r>
+                        <a:rPr lang="en-US" sz="600" u="none" strike="noStrike">
+                          <a:effectLst/>
+                        </a:rPr>
+                        <a:t>Cost</a:t>
+                      </a:r>
+                      <a:endParaRPr lang="en-US" sz="600" b="1" i="0" u="none" strike="noStrike">
+                        <a:solidFill>
+                          <a:srgbClr val="000000"/>
+                        </a:solidFill>
+                        <a:effectLst/>
+                        <a:latin typeface="Calibri" panose="020F0502020204030204" pitchFamily="34" charset="0"/>
+                      </a:endParaRPr>
+                    </a:p>
+                  </a:txBody>
+                  <a:tcPr marL="4216" marR="4216" marT="4216" marB="0" anchor="ctr"/>
+                </a:tc>
+                <a:tc>
+                  <a:txBody>
+                    <a:bodyPr/>
+                    <a:lstStyle/>
+                    <a:p>
+                      <a:pPr algn="ctr" fontAlgn="t"/>
+                      <a:r>
+                        <a:rPr lang="en-US" sz="600" u="none" strike="noStrike">
+                          <a:effectLst/>
+                        </a:rPr>
+                        <a:t> </a:t>
+                      </a:r>
+                      <a:endParaRPr lang="en-US" sz="600" b="0" i="0" u="none" strike="noStrike">
+                        <a:solidFill>
+                          <a:srgbClr val="000000"/>
+                        </a:solidFill>
+                        <a:effectLst/>
+                        <a:latin typeface="Calibri" panose="020F0502020204030204" pitchFamily="34" charset="0"/>
+                      </a:endParaRPr>
+                    </a:p>
+                  </a:txBody>
+                  <a:tcPr marL="4216" marR="4216" marT="4216" marB="0"/>
+                </a:tc>
+                <a:tc>
+                  <a:txBody>
+                    <a:bodyPr/>
+                    <a:lstStyle/>
+                    <a:p>
+                      <a:pPr algn="ctr" fontAlgn="t"/>
+                      <a:r>
+                        <a:rPr lang="en-US" sz="600" u="none" strike="noStrike">
+                          <a:effectLst/>
+                        </a:rPr>
+                        <a:t> </a:t>
+                      </a:r>
+                      <a:endParaRPr lang="en-US" sz="600" b="0" i="0" u="none" strike="noStrike">
+                        <a:solidFill>
+                          <a:srgbClr val="000000"/>
+                        </a:solidFill>
+                        <a:effectLst/>
+                        <a:latin typeface="Calibri" panose="020F0502020204030204" pitchFamily="34" charset="0"/>
+                      </a:endParaRPr>
+                    </a:p>
+                  </a:txBody>
+                  <a:tcPr marL="4216" marR="4216" marT="4216" marB="0"/>
+                </a:tc>
+                <a:tc>
+                  <a:txBody>
+                    <a:bodyPr/>
+                    <a:lstStyle/>
+                    <a:p>
+                      <a:pPr algn="ctr" fontAlgn="t"/>
+                      <a:r>
+                        <a:rPr lang="en-US" sz="600" u="none" strike="noStrike">
+                          <a:effectLst/>
+                        </a:rPr>
+                        <a:t> </a:t>
+                      </a:r>
+                      <a:endParaRPr lang="en-US" sz="600" b="0" i="0" u="none" strike="noStrike">
+                        <a:solidFill>
+                          <a:srgbClr val="000000"/>
+                        </a:solidFill>
+                        <a:effectLst/>
+                        <a:latin typeface="Calibri" panose="020F0502020204030204" pitchFamily="34" charset="0"/>
+                      </a:endParaRPr>
+                    </a:p>
+                  </a:txBody>
+                  <a:tcPr marL="4216" marR="4216" marT="4216" marB="0"/>
+                </a:tc>
+                <a:tc>
+                  <a:txBody>
+                    <a:bodyPr/>
+                    <a:lstStyle/>
+                    <a:p>
+                      <a:pPr algn="ctr" fontAlgn="t"/>
+                      <a:r>
+                        <a:rPr lang="en-US" sz="600" u="none" strike="noStrike">
+                          <a:effectLst/>
+                        </a:rPr>
+                        <a:t> </a:t>
+                      </a:r>
+                      <a:endParaRPr lang="en-US" sz="600" b="0" i="0" u="none" strike="noStrike">
+                        <a:solidFill>
+                          <a:srgbClr val="000000"/>
+                        </a:solidFill>
+                        <a:effectLst/>
+                        <a:latin typeface="Calibri" panose="020F0502020204030204" pitchFamily="34" charset="0"/>
+                      </a:endParaRPr>
+                    </a:p>
+                  </a:txBody>
+                  <a:tcPr marL="4216" marR="4216" marT="4216" marB="0"/>
+                </a:tc>
+                <a:tc>
+                  <a:txBody>
+                    <a:bodyPr/>
+                    <a:lstStyle/>
+                    <a:p>
+                      <a:pPr algn="ctr" fontAlgn="t"/>
+                      <a:r>
+                        <a:rPr lang="en-US" sz="600" u="none" strike="noStrike">
+                          <a:effectLst/>
+                        </a:rPr>
+                        <a:t> </a:t>
+                      </a:r>
+                      <a:endParaRPr lang="en-US" sz="600" b="0" i="0" u="none" strike="noStrike">
+                        <a:solidFill>
+                          <a:srgbClr val="000000"/>
+                        </a:solidFill>
+                        <a:effectLst/>
+                        <a:latin typeface="Calibri" panose="020F0502020204030204" pitchFamily="34" charset="0"/>
+                      </a:endParaRPr>
+                    </a:p>
+                  </a:txBody>
+                  <a:tcPr marL="4216" marR="4216" marT="4216" marB="0"/>
+                </a:tc>
+                <a:tc>
+                  <a:txBody>
+                    <a:bodyPr/>
+                    <a:lstStyle/>
+                    <a:p>
+                      <a:pPr algn="ctr" fontAlgn="t"/>
+                      <a:r>
+                        <a:rPr lang="en-US" sz="600" u="none" strike="noStrike">
+                          <a:effectLst/>
+                        </a:rPr>
+                        <a:t> </a:t>
+                      </a:r>
+                      <a:endParaRPr lang="en-US" sz="600" b="0" i="0" u="none" strike="noStrike">
+                        <a:solidFill>
+                          <a:srgbClr val="000000"/>
+                        </a:solidFill>
+                        <a:effectLst/>
+                        <a:latin typeface="Calibri" panose="020F0502020204030204" pitchFamily="34" charset="0"/>
+                      </a:endParaRPr>
+                    </a:p>
+                  </a:txBody>
+                  <a:tcPr marL="4216" marR="4216" marT="4216" marB="0"/>
+                </a:tc>
+                <a:tc>
+                  <a:txBody>
+                    <a:bodyPr/>
+                    <a:lstStyle/>
+                    <a:p>
+                      <a:pPr algn="ctr" fontAlgn="t"/>
+                      <a:r>
+                        <a:rPr lang="en-US" sz="600" u="none" strike="noStrike">
+                          <a:effectLst/>
+                        </a:rPr>
+                        <a:t> </a:t>
+                      </a:r>
+                      <a:endParaRPr lang="en-US" sz="600" b="0" i="0" u="none" strike="noStrike">
+                        <a:solidFill>
+                          <a:srgbClr val="000000"/>
+                        </a:solidFill>
+                        <a:effectLst/>
+                        <a:latin typeface="Calibri" panose="020F0502020204030204" pitchFamily="34" charset="0"/>
+                      </a:endParaRPr>
+                    </a:p>
+                  </a:txBody>
+                  <a:tcPr marL="4216" marR="4216" marT="4216" marB="0"/>
+                </a:tc>
+                <a:extLst>
+                  <a:ext uri="{0D108BD9-81ED-4DB2-BD59-A6C34878D82A}">
+                    <a16:rowId xmlns:a16="http://schemas.microsoft.com/office/drawing/2014/main" val="390380641"/>
+                  </a:ext>
+                </a:extLst>
+              </a:tr>
+              <a:tr h="101194">
+                <a:tc>
+                  <a:txBody>
+                    <a:bodyPr/>
+                    <a:lstStyle/>
+                    <a:p>
+                      <a:pPr algn="l" fontAlgn="ctr"/>
+                      <a:r>
+                        <a:rPr lang="en-US" sz="600" u="none" strike="noStrike">
+                          <a:effectLst/>
+                        </a:rPr>
+                        <a:t>How they do cost</a:t>
+                      </a:r>
+                      <a:endParaRPr lang="en-US" sz="600" b="0" i="0" u="none" strike="noStrike">
+                        <a:solidFill>
+                          <a:srgbClr val="000000"/>
+                        </a:solidFill>
+                        <a:effectLst/>
+                        <a:latin typeface="Calibri" panose="020F0502020204030204" pitchFamily="34" charset="0"/>
+                      </a:endParaRPr>
+                    </a:p>
+                  </a:txBody>
+                  <a:tcPr marL="4216" marR="4216" marT="4216" marB="0" anchor="ctr"/>
+                </a:tc>
+                <a:tc>
+                  <a:txBody>
+                    <a:bodyPr/>
+                    <a:lstStyle/>
+                    <a:p>
+                      <a:pPr algn="ctr" fontAlgn="t"/>
+                      <a:endParaRPr lang="en-US" sz="600" b="0" i="0" u="none" strike="noStrike">
+                        <a:solidFill>
+                          <a:srgbClr val="000000"/>
+                        </a:solidFill>
+                        <a:effectLst/>
+                        <a:latin typeface="Calibri" panose="020F0502020204030204" pitchFamily="34" charset="0"/>
+                      </a:endParaRPr>
+                    </a:p>
+                  </a:txBody>
+                  <a:tcPr marL="4216" marR="4216" marT="4216" marB="0"/>
+                </a:tc>
+                <a:tc>
+                  <a:txBody>
+                    <a:bodyPr/>
+                    <a:lstStyle/>
+                    <a:p>
+                      <a:pPr algn="ctr" fontAlgn="t"/>
+                      <a:endParaRPr lang="en-US" sz="600" b="0" i="0" u="none" strike="noStrike">
+                        <a:solidFill>
+                          <a:srgbClr val="000000"/>
+                        </a:solidFill>
+                        <a:effectLst/>
+                        <a:latin typeface="Calibri" panose="020F0502020204030204" pitchFamily="34" charset="0"/>
+                      </a:endParaRPr>
+                    </a:p>
+                  </a:txBody>
+                  <a:tcPr marL="4216" marR="4216" marT="4216" marB="0"/>
+                </a:tc>
+                <a:tc>
+                  <a:txBody>
+                    <a:bodyPr/>
+                    <a:lstStyle/>
+                    <a:p>
+                      <a:pPr algn="ctr" fontAlgn="t"/>
+                      <a:r>
+                        <a:rPr lang="en-US" sz="600" u="none" strike="noStrike">
+                          <a:effectLst/>
+                        </a:rPr>
+                        <a:t>RAM Pool (64 GBs)</a:t>
+                      </a:r>
+                      <a:endParaRPr lang="en-US" sz="600" b="0" i="0" u="none" strike="noStrike">
+                        <a:solidFill>
+                          <a:srgbClr val="000000"/>
+                        </a:solidFill>
+                        <a:effectLst/>
+                        <a:latin typeface="Calibri" panose="020F0502020204030204" pitchFamily="34" charset="0"/>
+                      </a:endParaRPr>
+                    </a:p>
+                  </a:txBody>
+                  <a:tcPr marL="4216" marR="4216" marT="4216" marB="0"/>
+                </a:tc>
+                <a:tc>
+                  <a:txBody>
+                    <a:bodyPr/>
+                    <a:lstStyle/>
+                    <a:p>
+                      <a:pPr algn="ctr" fontAlgn="t"/>
+                      <a:r>
+                        <a:rPr lang="en-US" sz="600" u="none" strike="noStrike">
+                          <a:effectLst/>
+                        </a:rPr>
+                        <a:t>Per node</a:t>
+                      </a:r>
+                      <a:endParaRPr lang="en-US" sz="600" b="0" i="0" u="none" strike="noStrike">
+                        <a:solidFill>
+                          <a:srgbClr val="000000"/>
+                        </a:solidFill>
+                        <a:effectLst/>
+                        <a:latin typeface="Calibri" panose="020F0502020204030204" pitchFamily="34" charset="0"/>
+                      </a:endParaRPr>
+                    </a:p>
+                  </a:txBody>
+                  <a:tcPr marL="4216" marR="4216" marT="4216" marB="0"/>
+                </a:tc>
+                <a:tc>
+                  <a:txBody>
+                    <a:bodyPr/>
+                    <a:lstStyle/>
+                    <a:p>
+                      <a:pPr algn="ctr" fontAlgn="t"/>
+                      <a:endParaRPr lang="en-US" sz="600" b="0" i="0" u="none" strike="noStrike">
+                        <a:solidFill>
+                          <a:srgbClr val="000000"/>
+                        </a:solidFill>
+                        <a:effectLst/>
+                        <a:latin typeface="Calibri" panose="020F0502020204030204" pitchFamily="34" charset="0"/>
+                      </a:endParaRPr>
+                    </a:p>
+                  </a:txBody>
+                  <a:tcPr marL="4216" marR="4216" marT="4216" marB="0"/>
+                </a:tc>
+                <a:tc>
+                  <a:txBody>
+                    <a:bodyPr/>
+                    <a:lstStyle/>
+                    <a:p>
+                      <a:pPr algn="ctr" fontAlgn="t"/>
+                      <a:r>
+                        <a:rPr lang="en-US" sz="600" u="none" strike="noStrike">
+                          <a:effectLst/>
+                        </a:rPr>
+                        <a:t>Per core</a:t>
+                      </a:r>
+                      <a:endParaRPr lang="en-US" sz="600" b="0" i="0" u="none" strike="noStrike">
+                        <a:solidFill>
+                          <a:srgbClr val="000000"/>
+                        </a:solidFill>
+                        <a:effectLst/>
+                        <a:latin typeface="Calibri" panose="020F0502020204030204" pitchFamily="34" charset="0"/>
+                      </a:endParaRPr>
+                    </a:p>
+                  </a:txBody>
+                  <a:tcPr marL="4216" marR="4216" marT="4216" marB="0"/>
+                </a:tc>
+                <a:tc>
+                  <a:txBody>
+                    <a:bodyPr/>
+                    <a:lstStyle/>
+                    <a:p>
+                      <a:pPr algn="ctr" fontAlgn="t"/>
+                      <a:r>
+                        <a:rPr lang="en-US" sz="600" u="none" strike="noStrike">
+                          <a:effectLst/>
+                        </a:rPr>
+                        <a:t>Per core</a:t>
+                      </a:r>
+                      <a:endParaRPr lang="en-US" sz="600" b="0" i="0" u="none" strike="noStrike">
+                        <a:solidFill>
+                          <a:srgbClr val="000000"/>
+                        </a:solidFill>
+                        <a:effectLst/>
+                        <a:latin typeface="Calibri" panose="020F0502020204030204" pitchFamily="34" charset="0"/>
+                      </a:endParaRPr>
+                    </a:p>
+                  </a:txBody>
+                  <a:tcPr marL="4216" marR="4216" marT="4216" marB="0"/>
+                </a:tc>
+                <a:extLst>
+                  <a:ext uri="{0D108BD9-81ED-4DB2-BD59-A6C34878D82A}">
+                    <a16:rowId xmlns:a16="http://schemas.microsoft.com/office/drawing/2014/main" val="4036757463"/>
+                  </a:ext>
+                </a:extLst>
+              </a:tr>
+              <a:tr h="101194">
+                <a:tc>
+                  <a:txBody>
+                    <a:bodyPr/>
+                    <a:lstStyle/>
+                    <a:p>
+                      <a:pPr algn="l" fontAlgn="ctr"/>
+                      <a:r>
+                        <a:rPr lang="en-US" sz="600" u="none" strike="noStrike">
+                          <a:effectLst/>
+                        </a:rPr>
+                        <a:t>Total Price</a:t>
+                      </a:r>
+                      <a:endParaRPr lang="en-US" sz="600" b="0" i="0" u="none" strike="noStrike">
+                        <a:solidFill>
+                          <a:srgbClr val="000000"/>
+                        </a:solidFill>
+                        <a:effectLst/>
+                        <a:latin typeface="Calibri" panose="020F0502020204030204" pitchFamily="34" charset="0"/>
+                      </a:endParaRPr>
+                    </a:p>
+                  </a:txBody>
+                  <a:tcPr marL="4216" marR="4216" marT="4216" marB="0" anchor="ctr"/>
+                </a:tc>
+                <a:tc>
+                  <a:txBody>
+                    <a:bodyPr/>
+                    <a:lstStyle/>
+                    <a:p>
+                      <a:pPr algn="ctr" fontAlgn="t"/>
+                      <a:endParaRPr lang="en-US" sz="600" b="0" i="0" u="none" strike="noStrike">
+                        <a:solidFill>
+                          <a:srgbClr val="000000"/>
+                        </a:solidFill>
+                        <a:effectLst/>
+                        <a:latin typeface="Calibri" panose="020F0502020204030204" pitchFamily="34" charset="0"/>
+                      </a:endParaRPr>
+                    </a:p>
+                  </a:txBody>
+                  <a:tcPr marL="4216" marR="4216" marT="4216" marB="0"/>
+                </a:tc>
+                <a:tc>
+                  <a:txBody>
+                    <a:bodyPr/>
+                    <a:lstStyle/>
+                    <a:p>
+                      <a:pPr algn="ctr" fontAlgn="t"/>
+                      <a:endParaRPr lang="en-US" sz="600" b="0" i="0" u="none" strike="noStrike">
+                        <a:solidFill>
+                          <a:srgbClr val="000000"/>
+                        </a:solidFill>
+                        <a:effectLst/>
+                        <a:latin typeface="Calibri" panose="020F0502020204030204" pitchFamily="34" charset="0"/>
+                      </a:endParaRPr>
+                    </a:p>
+                  </a:txBody>
+                  <a:tcPr marL="4216" marR="4216" marT="4216" marB="0"/>
+                </a:tc>
+                <a:tc>
+                  <a:txBody>
+                    <a:bodyPr/>
+                    <a:lstStyle/>
+                    <a:p>
+                      <a:pPr algn="ctr" fontAlgn="t"/>
+                      <a:r>
+                        <a:rPr lang="en-US" sz="600" u="none" strike="noStrike">
+                          <a:effectLst/>
+                        </a:rPr>
+                        <a:t>36,000</a:t>
+                      </a:r>
+                      <a:endParaRPr lang="en-US" sz="600" b="0" i="0" u="none" strike="noStrike">
+                        <a:solidFill>
+                          <a:srgbClr val="000000"/>
+                        </a:solidFill>
+                        <a:effectLst/>
+                        <a:latin typeface="Calibri" panose="020F0502020204030204" pitchFamily="34" charset="0"/>
+                      </a:endParaRPr>
+                    </a:p>
+                  </a:txBody>
+                  <a:tcPr marL="4216" marR="4216" marT="4216" marB="0"/>
+                </a:tc>
+                <a:tc>
+                  <a:txBody>
+                    <a:bodyPr/>
+                    <a:lstStyle/>
+                    <a:p>
+                      <a:pPr algn="ctr" fontAlgn="t"/>
+                      <a:r>
+                        <a:rPr lang="en-US" sz="600" u="none" strike="noStrike">
+                          <a:effectLst/>
+                        </a:rPr>
+                        <a:t>36,000</a:t>
+                      </a:r>
+                      <a:endParaRPr lang="en-US" sz="600" b="0" i="0" u="none" strike="noStrike">
+                        <a:solidFill>
+                          <a:srgbClr val="000000"/>
+                        </a:solidFill>
+                        <a:effectLst/>
+                        <a:latin typeface="Calibri" panose="020F0502020204030204" pitchFamily="34" charset="0"/>
+                      </a:endParaRPr>
+                    </a:p>
+                  </a:txBody>
+                  <a:tcPr marL="4216" marR="4216" marT="4216" marB="0"/>
+                </a:tc>
+                <a:tc>
+                  <a:txBody>
+                    <a:bodyPr/>
+                    <a:lstStyle/>
+                    <a:p>
+                      <a:pPr algn="ctr" fontAlgn="t"/>
+                      <a:endParaRPr lang="en-US" sz="600" b="0" i="0" u="none" strike="noStrike">
+                        <a:solidFill>
+                          <a:srgbClr val="000000"/>
+                        </a:solidFill>
+                        <a:effectLst/>
+                        <a:latin typeface="Calibri" panose="020F0502020204030204" pitchFamily="34" charset="0"/>
+                      </a:endParaRPr>
+                    </a:p>
+                  </a:txBody>
+                  <a:tcPr marL="4216" marR="4216" marT="4216" marB="0"/>
+                </a:tc>
+                <a:tc>
+                  <a:txBody>
+                    <a:bodyPr/>
+                    <a:lstStyle/>
+                    <a:p>
+                      <a:pPr algn="ctr" fontAlgn="t"/>
+                      <a:endParaRPr lang="en-US" sz="600" b="0" i="0" u="none" strike="noStrike">
+                        <a:solidFill>
+                          <a:srgbClr val="000000"/>
+                        </a:solidFill>
+                        <a:effectLst/>
+                        <a:latin typeface="Calibri" panose="020F0502020204030204" pitchFamily="34" charset="0"/>
+                      </a:endParaRPr>
+                    </a:p>
+                  </a:txBody>
+                  <a:tcPr marL="4216" marR="4216" marT="4216" marB="0"/>
+                </a:tc>
+                <a:tc>
+                  <a:txBody>
+                    <a:bodyPr/>
+                    <a:lstStyle/>
+                    <a:p>
+                      <a:pPr algn="ctr" fontAlgn="t"/>
+                      <a:r>
+                        <a:rPr lang="en-US" sz="600" u="none" strike="noStrike" dirty="0">
+                          <a:effectLst/>
+                        </a:rPr>
+                        <a:t>25,000</a:t>
+                      </a:r>
+                      <a:endParaRPr lang="en-US" sz="600" b="0" i="0" u="none" strike="noStrike" dirty="0">
+                        <a:solidFill>
+                          <a:srgbClr val="000000"/>
+                        </a:solidFill>
+                        <a:effectLst/>
+                        <a:latin typeface="Calibri" panose="020F0502020204030204" pitchFamily="34" charset="0"/>
+                      </a:endParaRPr>
+                    </a:p>
+                  </a:txBody>
+                  <a:tcPr marL="4216" marR="4216" marT="4216" marB="0"/>
+                </a:tc>
+                <a:extLst>
+                  <a:ext uri="{0D108BD9-81ED-4DB2-BD59-A6C34878D82A}">
+                    <a16:rowId xmlns:a16="http://schemas.microsoft.com/office/drawing/2014/main" val="1715782344"/>
+                  </a:ext>
+                </a:extLst>
+              </a:tr>
+            </a:tbl>
+          </a:graphicData>
+        </a:graphic>
+      </p:graphicFrame>
     </p:spTree>
     <p:extLst>
       <p:ext uri="{BB962C8B-B14F-4D97-AF65-F5344CB8AC3E}">
-        <p14:creationId xmlns:p14="http://schemas.microsoft.com/office/powerpoint/2010/main" val="2657214736"/>
+        <p14:creationId xmlns:p14="http://schemas.microsoft.com/office/powerpoint/2010/main" val="2037433866"/>
       </p:ext>
     </p:extLst>
   </p:cSld>
@@ -10169,7 +15440,7 @@
           <p:cNvPr id="2" name="Title 1">
             <a:extLst>
               <a:ext uri="{FF2B5EF4-FFF2-40B4-BE49-F238E27FC236}">
-                <a16:creationId xmlns:a16="http://schemas.microsoft.com/office/drawing/2014/main" id="{DF81D4A1-A0DF-EA45-1FCD-01C540830EF0}"/>
+                <a16:creationId xmlns:a16="http://schemas.microsoft.com/office/drawing/2014/main" id="{2084D3EB-CD5A-3666-F172-12BDF4572EF1}"/>
               </a:ext>
             </a:extLst>
           </p:cNvPr>
@@ -10187,97 +15458,17 @@
           <a:p>
             <a:r>
               <a:rPr lang="en-US" dirty="0"/>
-              <a:t>What we’re dealing with</a:t>
+              <a:t>Data Movement: Part 1 of 2</a:t>
             </a:r>
           </a:p>
         </p:txBody>
       </p:sp>
       <p:sp>
         <p:nvSpPr>
-          <p:cNvPr id="3" name="Content Placeholder 2">
+          <p:cNvPr id="4" name="Slide Number Placeholder 3">
             <a:extLst>
               <a:ext uri="{FF2B5EF4-FFF2-40B4-BE49-F238E27FC236}">
-                <a16:creationId xmlns:a16="http://schemas.microsoft.com/office/drawing/2014/main" id="{7F4C1BA2-0B73-424E-11C3-4D74F1503449}"/>
-              </a:ext>
-            </a:extLst>
-          </p:cNvPr>
-          <p:cNvSpPr>
-            <a:spLocks noGrp="1"/>
-          </p:cNvSpPr>
-          <p:nvPr>
-            <p:ph sz="quarter" idx="35"/>
-          </p:nvPr>
-        </p:nvSpPr>
-        <p:spPr/>
-        <p:txBody>
-          <a:bodyPr/>
-          <a:lstStyle/>
-          <a:p>
-            <a:pPr marL="0" indent="0">
-              <a:buNone/>
-            </a:pPr>
-            <a:r>
-              <a:rPr lang="en-US" dirty="0"/>
-              <a:t>Competitors:</a:t>
-            </a:r>
-          </a:p>
-          <a:p>
-            <a:pPr marL="285750" indent="-285750">
-              <a:buFont typeface="Arial" panose="020B0604020202020204" pitchFamily="34" charset="0"/>
-              <a:buChar char="•"/>
-            </a:pPr>
-            <a:r>
-              <a:rPr lang="en-US" dirty="0"/>
-              <a:t>Raytheon</a:t>
-            </a:r>
-          </a:p>
-          <a:p>
-            <a:pPr marL="285750" indent="-285750">
-              <a:buFont typeface="Arial" panose="020B0604020202020204" pitchFamily="34" charset="0"/>
-              <a:buChar char="•"/>
-            </a:pPr>
-            <a:r>
-              <a:rPr lang="en-US" dirty="0"/>
-              <a:t>Pratt &amp; Whitney</a:t>
-            </a:r>
-          </a:p>
-        </p:txBody>
-      </p:sp>
-      <p:pic>
-        <p:nvPicPr>
-          <p:cNvPr id="7" name="Content Placeholder 6">
-            <a:extLst>
-              <a:ext uri="{FF2B5EF4-FFF2-40B4-BE49-F238E27FC236}">
-                <a16:creationId xmlns:a16="http://schemas.microsoft.com/office/drawing/2014/main" id="{FFC298FB-1621-6656-3055-83DA56DE7EAE}"/>
-              </a:ext>
-            </a:extLst>
-          </p:cNvPr>
-          <p:cNvPicPr>
-            <a:picLocks noGrp="1" noChangeAspect="1"/>
-          </p:cNvPicPr>
-          <p:nvPr>
-            <p:ph sz="quarter" idx="36"/>
-          </p:nvPr>
-        </p:nvPicPr>
-        <p:blipFill>
-          <a:blip r:embed="rId3"/>
-          <a:stretch>
-            <a:fillRect/>
-          </a:stretch>
-        </p:blipFill>
-        <p:spPr>
-          <a:xfrm>
-            <a:off x="4927594" y="2465539"/>
-            <a:ext cx="6315075" cy="1740375"/>
-          </a:xfrm>
-        </p:spPr>
-      </p:pic>
-      <p:sp>
-        <p:nvSpPr>
-          <p:cNvPr id="5" name="Slide Number Placeholder 4">
-            <a:extLst>
-              <a:ext uri="{FF2B5EF4-FFF2-40B4-BE49-F238E27FC236}">
-                <a16:creationId xmlns:a16="http://schemas.microsoft.com/office/drawing/2014/main" id="{E28B51AC-D17F-DC2A-5C37-34783186C263}"/>
+                <a16:creationId xmlns:a16="http://schemas.microsoft.com/office/drawing/2014/main" id="{66A737DF-1CBE-269F-E30E-438951F8B415}"/>
               </a:ext>
             </a:extLst>
           </p:cNvPr>
@@ -10302,40 +15493,707 @@
           </a:p>
         </p:txBody>
       </p:sp>
-      <p:pic>
-        <p:nvPicPr>
-          <p:cNvPr id="9" name="Picture 8">
+      <p:graphicFrame>
+        <p:nvGraphicFramePr>
+          <p:cNvPr id="5" name="Table 4">
             <a:extLst>
               <a:ext uri="{FF2B5EF4-FFF2-40B4-BE49-F238E27FC236}">
-                <a16:creationId xmlns:a16="http://schemas.microsoft.com/office/drawing/2014/main" id="{031AC22D-C393-D9E5-81C6-F480BE31677D}"/>
+                <a16:creationId xmlns:a16="http://schemas.microsoft.com/office/drawing/2014/main" id="{A9E3A906-780E-65FD-3DC0-FA5EA7762529}"/>
               </a:ext>
             </a:extLst>
           </p:cNvPr>
-          <p:cNvPicPr>
-            <a:picLocks noChangeAspect="1"/>
-          </p:cNvPicPr>
-          <p:nvPr/>
-        </p:nvPicPr>
-        <p:blipFill>
-          <a:blip r:embed="rId4"/>
-          <a:stretch>
-            <a:fillRect/>
-          </a:stretch>
-        </p:blipFill>
-        <p:spPr>
-          <a:xfrm>
-            <a:off x="5206028" y="4327415"/>
-            <a:ext cx="5758205" cy="1963400"/>
-          </a:xfrm>
-          <a:prstGeom prst="rect">
-            <a:avLst/>
-          </a:prstGeom>
-        </p:spPr>
-      </p:pic>
+          <p:cNvGraphicFramePr>
+            <a:graphicFrameLocks noGrp="1"/>
+          </p:cNvGraphicFramePr>
+          <p:nvPr>
+            <p:extLst>
+              <p:ext uri="{D42A27DB-BD31-4B8C-83A1-F6EECF244321}">
+                <p14:modId xmlns:p14="http://schemas.microsoft.com/office/powerpoint/2010/main" val="2576779047"/>
+              </p:ext>
+            </p:extLst>
+          </p:nvPr>
+        </p:nvGraphicFramePr>
+        <p:xfrm>
+          <a:off x="838200" y="2382838"/>
+          <a:ext cx="10515599" cy="3464600"/>
+        </p:xfrm>
+        <a:graphic>
+          <a:graphicData uri="http://schemas.openxmlformats.org/drawingml/2006/table">
+            <a:tbl>
+              <a:tblPr>
+                <a:tableStyleId>{10A1B5D5-9B99-4C35-A422-299274C87663}</a:tableStyleId>
+              </a:tblPr>
+              <a:tblGrid>
+                <a:gridCol w="994433">
+                  <a:extLst>
+                    <a:ext uri="{9D8B030D-6E8A-4147-A177-3AD203B41FA5}">
+                      <a16:colId xmlns:a16="http://schemas.microsoft.com/office/drawing/2014/main" val="2562699914"/>
+                    </a:ext>
+                  </a:extLst>
+                </a:gridCol>
+                <a:gridCol w="4760583">
+                  <a:extLst>
+                    <a:ext uri="{9D8B030D-6E8A-4147-A177-3AD203B41FA5}">
+                      <a16:colId xmlns:a16="http://schemas.microsoft.com/office/drawing/2014/main" val="2830940008"/>
+                    </a:ext>
+                  </a:extLst>
+                </a:gridCol>
+                <a:gridCol w="4760583">
+                  <a:extLst>
+                    <a:ext uri="{9D8B030D-6E8A-4147-A177-3AD203B41FA5}">
+                      <a16:colId xmlns:a16="http://schemas.microsoft.com/office/drawing/2014/main" val="1386273217"/>
+                    </a:ext>
+                  </a:extLst>
+                </a:gridCol>
+              </a:tblGrid>
+              <a:tr h="152339">
+                <a:tc>
+                  <a:txBody>
+                    <a:bodyPr/>
+                    <a:lstStyle/>
+                    <a:p>
+                      <a:pPr algn="ctr" fontAlgn="ctr"/>
+                      <a:r>
+                        <a:rPr lang="en-US" sz="900" u="none" strike="noStrike">
+                          <a:effectLst/>
+                        </a:rPr>
+                        <a:t>Term</a:t>
+                      </a:r>
+                      <a:endParaRPr lang="en-US" sz="900" b="0" i="0" u="none" strike="noStrike">
+                        <a:solidFill>
+                          <a:srgbClr val="000000"/>
+                        </a:solidFill>
+                        <a:effectLst/>
+                        <a:latin typeface="Calibri" panose="020F0502020204030204" pitchFamily="34" charset="0"/>
+                      </a:endParaRPr>
+                    </a:p>
+                  </a:txBody>
+                  <a:tcPr marL="6347" marR="6347" marT="6347" marB="0" anchor="ctr"/>
+                </a:tc>
+                <a:tc>
+                  <a:txBody>
+                    <a:bodyPr/>
+                    <a:lstStyle/>
+                    <a:p>
+                      <a:pPr algn="ctr" fontAlgn="ctr"/>
+                      <a:r>
+                        <a:rPr lang="en-US" sz="900" u="none" strike="noStrike">
+                          <a:effectLst/>
+                        </a:rPr>
+                        <a:t>Definition</a:t>
+                      </a:r>
+                      <a:endParaRPr lang="en-US" sz="900" b="0" i="0" u="none" strike="noStrike">
+                        <a:solidFill>
+                          <a:srgbClr val="000000"/>
+                        </a:solidFill>
+                        <a:effectLst/>
+                        <a:latin typeface="Calibri" panose="020F0502020204030204" pitchFamily="34" charset="0"/>
+                      </a:endParaRPr>
+                    </a:p>
+                  </a:txBody>
+                  <a:tcPr marL="6347" marR="6347" marT="6347" marB="0" anchor="ctr"/>
+                </a:tc>
+                <a:tc>
+                  <a:txBody>
+                    <a:bodyPr/>
+                    <a:lstStyle/>
+                    <a:p>
+                      <a:pPr algn="ctr" fontAlgn="ctr"/>
+                      <a:r>
+                        <a:rPr lang="en-US" sz="900" u="none" strike="noStrike">
+                          <a:effectLst/>
+                        </a:rPr>
+                        <a:t>Examples</a:t>
+                      </a:r>
+                      <a:endParaRPr lang="en-US" sz="900" b="0" i="0" u="none" strike="noStrike">
+                        <a:solidFill>
+                          <a:srgbClr val="000000"/>
+                        </a:solidFill>
+                        <a:effectLst/>
+                        <a:latin typeface="Calibri" panose="020F0502020204030204" pitchFamily="34" charset="0"/>
+                      </a:endParaRPr>
+                    </a:p>
+                  </a:txBody>
+                  <a:tcPr marL="6347" marR="6347" marT="6347" marB="0" anchor="ctr"/>
+                </a:tc>
+                <a:extLst>
+                  <a:ext uri="{0D108BD9-81ED-4DB2-BD59-A6C34878D82A}">
+                    <a16:rowId xmlns:a16="http://schemas.microsoft.com/office/drawing/2014/main" val="3999711960"/>
+                  </a:ext>
+                </a:extLst>
+              </a:tr>
+              <a:tr h="457016">
+                <a:tc>
+                  <a:txBody>
+                    <a:bodyPr/>
+                    <a:lstStyle/>
+                    <a:p>
+                      <a:pPr algn="l" fontAlgn="ctr"/>
+                      <a:r>
+                        <a:rPr lang="en-US" sz="900" u="none" strike="noStrike">
+                          <a:effectLst/>
+                        </a:rPr>
+                        <a:t>Data Ingestion</a:t>
+                      </a:r>
+                      <a:endParaRPr lang="en-US" sz="900" b="0" i="0" u="none" strike="noStrike">
+                        <a:solidFill>
+                          <a:srgbClr val="000000"/>
+                        </a:solidFill>
+                        <a:effectLst/>
+                        <a:latin typeface="Calibri" panose="020F0502020204030204" pitchFamily="34" charset="0"/>
+                      </a:endParaRPr>
+                    </a:p>
+                  </a:txBody>
+                  <a:tcPr marL="6347" marR="6347" marT="6347" marB="0" anchor="ctr"/>
+                </a:tc>
+                <a:tc>
+                  <a:txBody>
+                    <a:bodyPr/>
+                    <a:lstStyle/>
+                    <a:p>
+                      <a:pPr algn="l" fontAlgn="ctr"/>
+                      <a:r>
+                        <a:rPr lang="en-US" sz="900" u="none" strike="noStrike">
+                          <a:effectLst/>
+                        </a:rPr>
+                        <a:t>The process of collecting and importing data from various sources into a storage system or data processing environment. Data ingestion can handle structured, semi-structured, and unstructured data and may involve real-time or batch processing.</a:t>
+                      </a:r>
+                      <a:endParaRPr lang="en-US" sz="900" b="0" i="0" u="none" strike="noStrike">
+                        <a:solidFill>
+                          <a:srgbClr val="000000"/>
+                        </a:solidFill>
+                        <a:effectLst/>
+                        <a:latin typeface="Calibri" panose="020F0502020204030204" pitchFamily="34" charset="0"/>
+                      </a:endParaRPr>
+                    </a:p>
+                  </a:txBody>
+                  <a:tcPr marL="6347" marR="6347" marT="6347" marB="0" anchor="ctr"/>
+                </a:tc>
+                <a:tc>
+                  <a:txBody>
+                    <a:bodyPr/>
+                    <a:lstStyle/>
+                    <a:p>
+                      <a:pPr algn="l" fontAlgn="ctr"/>
+                      <a:r>
+                        <a:rPr lang="en-US" sz="900" u="none" strike="noStrike">
+                          <a:effectLst/>
+                        </a:rPr>
+                        <a:t>Reading data from APIs, databases, files, or streaming sources and loading it into data lakes, databases, or data warehouses.</a:t>
+                      </a:r>
+                      <a:endParaRPr lang="en-US" sz="900" b="0" i="0" u="none" strike="noStrike">
+                        <a:solidFill>
+                          <a:srgbClr val="000000"/>
+                        </a:solidFill>
+                        <a:effectLst/>
+                        <a:latin typeface="Calibri" panose="020F0502020204030204" pitchFamily="34" charset="0"/>
+                      </a:endParaRPr>
+                    </a:p>
+                  </a:txBody>
+                  <a:tcPr marL="6347" marR="6347" marT="6347" marB="0" anchor="ctr"/>
+                </a:tc>
+                <a:extLst>
+                  <a:ext uri="{0D108BD9-81ED-4DB2-BD59-A6C34878D82A}">
+                    <a16:rowId xmlns:a16="http://schemas.microsoft.com/office/drawing/2014/main" val="127352577"/>
+                  </a:ext>
+                </a:extLst>
+              </a:tr>
+              <a:tr h="457016">
+                <a:tc>
+                  <a:txBody>
+                    <a:bodyPr/>
+                    <a:lstStyle/>
+                    <a:p>
+                      <a:pPr algn="l" fontAlgn="ctr"/>
+                      <a:r>
+                        <a:rPr lang="en-US" sz="900" u="none" strike="noStrike">
+                          <a:effectLst/>
+                        </a:rPr>
+                        <a:t>Data Integration</a:t>
+                      </a:r>
+                      <a:endParaRPr lang="en-US" sz="900" b="0" i="0" u="none" strike="noStrike">
+                        <a:solidFill>
+                          <a:srgbClr val="000000"/>
+                        </a:solidFill>
+                        <a:effectLst/>
+                        <a:latin typeface="Calibri" panose="020F0502020204030204" pitchFamily="34" charset="0"/>
+                      </a:endParaRPr>
+                    </a:p>
+                  </a:txBody>
+                  <a:tcPr marL="6347" marR="6347" marT="6347" marB="0" anchor="ctr"/>
+                </a:tc>
+                <a:tc>
+                  <a:txBody>
+                    <a:bodyPr/>
+                    <a:lstStyle/>
+                    <a:p>
+                      <a:pPr algn="l" fontAlgn="ctr"/>
+                      <a:r>
+                        <a:rPr lang="en-US" sz="900" u="none" strike="noStrike">
+                          <a:effectLst/>
+                        </a:rPr>
+                        <a:t>The process of combining data from different sources to provide a unified view. Data integration involves extracting data from multiple sources, transforming it into a consistent format, and loading it into a target system.</a:t>
+                      </a:r>
+                      <a:endParaRPr lang="en-US" sz="900" b="0" i="0" u="none" strike="noStrike">
+                        <a:solidFill>
+                          <a:srgbClr val="000000"/>
+                        </a:solidFill>
+                        <a:effectLst/>
+                        <a:latin typeface="Calibri" panose="020F0502020204030204" pitchFamily="34" charset="0"/>
+                      </a:endParaRPr>
+                    </a:p>
+                  </a:txBody>
+                  <a:tcPr marL="6347" marR="6347" marT="6347" marB="0" anchor="ctr"/>
+                </a:tc>
+                <a:tc>
+                  <a:txBody>
+                    <a:bodyPr/>
+                    <a:lstStyle/>
+                    <a:p>
+                      <a:pPr algn="l" fontAlgn="ctr"/>
+                      <a:r>
+                        <a:rPr lang="en-US" sz="900" u="none" strike="noStrike">
+                          <a:effectLst/>
+                        </a:rPr>
+                        <a:t>Combining customer data from CRM systems, sales data from ERP systems, and transaction data from payment systems into a single reporting database.</a:t>
+                      </a:r>
+                      <a:endParaRPr lang="en-US" sz="900" b="0" i="0" u="none" strike="noStrike">
+                        <a:solidFill>
+                          <a:srgbClr val="000000"/>
+                        </a:solidFill>
+                        <a:effectLst/>
+                        <a:latin typeface="Calibri" panose="020F0502020204030204" pitchFamily="34" charset="0"/>
+                      </a:endParaRPr>
+                    </a:p>
+                  </a:txBody>
+                  <a:tcPr marL="6347" marR="6347" marT="6347" marB="0" anchor="ctr"/>
+                </a:tc>
+                <a:extLst>
+                  <a:ext uri="{0D108BD9-81ED-4DB2-BD59-A6C34878D82A}">
+                    <a16:rowId xmlns:a16="http://schemas.microsoft.com/office/drawing/2014/main" val="72330003"/>
+                  </a:ext>
+                </a:extLst>
+              </a:tr>
+              <a:tr h="914032">
+                <a:tc>
+                  <a:txBody>
+                    <a:bodyPr/>
+                    <a:lstStyle/>
+                    <a:p>
+                      <a:pPr algn="l" fontAlgn="ctr"/>
+                      <a:r>
+                        <a:rPr lang="en-US" sz="900" u="none" strike="noStrike">
+                          <a:effectLst/>
+                        </a:rPr>
+                        <a:t>ETL/ELT</a:t>
+                      </a:r>
+                      <a:endParaRPr lang="en-US" sz="900" b="0" i="0" u="none" strike="noStrike">
+                        <a:solidFill>
+                          <a:srgbClr val="000000"/>
+                        </a:solidFill>
+                        <a:effectLst/>
+                        <a:latin typeface="Calibri" panose="020F0502020204030204" pitchFamily="34" charset="0"/>
+                      </a:endParaRPr>
+                    </a:p>
+                  </a:txBody>
+                  <a:tcPr marL="6347" marR="6347" marT="6347" marB="0" anchor="ctr"/>
+                </a:tc>
+                <a:tc>
+                  <a:txBody>
+                    <a:bodyPr/>
+                    <a:lstStyle/>
+                    <a:p>
+                      <a:pPr algn="l" fontAlgn="ctr"/>
+                      <a:r>
+                        <a:rPr lang="en-US" sz="900" u="none" strike="noStrike">
+                          <a:effectLst/>
+                        </a:rPr>
+                        <a:t>ETL: A process where data is extracted from source systems, transformed into a suitable format or structure, and then loaded into a target system such as a data warehouse.</a:t>
+                      </a:r>
+                      <a:br>
+                        <a:rPr lang="en-US" sz="900" u="none" strike="noStrike">
+                          <a:effectLst/>
+                        </a:rPr>
+                      </a:br>
+                      <a:br>
+                        <a:rPr lang="en-US" sz="900" u="none" strike="noStrike">
+                          <a:effectLst/>
+                        </a:rPr>
+                      </a:br>
+                      <a:r>
+                        <a:rPr lang="en-US" sz="900" u="none" strike="noStrike">
+                          <a:effectLst/>
+                        </a:rPr>
+                        <a:t>ELT: Similar to ETL, but the transformation step happens after the data has been loaded into the target system. ELT is often used with modern cloud-based data warehouses where transformation can be performed efficiently.</a:t>
+                      </a:r>
+                      <a:endParaRPr lang="en-US" sz="900" b="0" i="0" u="none" strike="noStrike">
+                        <a:solidFill>
+                          <a:srgbClr val="000000"/>
+                        </a:solidFill>
+                        <a:effectLst/>
+                        <a:latin typeface="Calibri" panose="020F0502020204030204" pitchFamily="34" charset="0"/>
+                      </a:endParaRPr>
+                    </a:p>
+                  </a:txBody>
+                  <a:tcPr marL="6347" marR="6347" marT="6347" marB="0" anchor="ctr"/>
+                </a:tc>
+                <a:tc>
+                  <a:txBody>
+                    <a:bodyPr/>
+                    <a:lstStyle/>
+                    <a:p>
+                      <a:pPr algn="l" fontAlgn="ctr"/>
+                      <a:r>
+                        <a:rPr lang="en-US" sz="900" u="none" strike="noStrike">
+                          <a:effectLst/>
+                        </a:rPr>
+                        <a:t>ETL: Extracting data from a transactional database, transforming it into a format suitable for analytics, and loading it into a data warehouse.</a:t>
+                      </a:r>
+                      <a:br>
+                        <a:rPr lang="en-US" sz="900" u="none" strike="noStrike">
+                          <a:effectLst/>
+                        </a:rPr>
+                      </a:br>
+                      <a:br>
+                        <a:rPr lang="en-US" sz="900" u="none" strike="noStrike">
+                          <a:effectLst/>
+                        </a:rPr>
+                      </a:br>
+                      <a:r>
+                        <a:rPr lang="en-US" sz="900" u="none" strike="noStrike">
+                          <a:effectLst/>
+                        </a:rPr>
+                        <a:t>ELT: Loading raw data into a cloud data warehouse and then using the warehouse’s capabilities to perform transformations.</a:t>
+                      </a:r>
+                      <a:endParaRPr lang="en-US" sz="900" b="0" i="0" u="none" strike="noStrike">
+                        <a:solidFill>
+                          <a:srgbClr val="000000"/>
+                        </a:solidFill>
+                        <a:effectLst/>
+                        <a:latin typeface="Calibri" panose="020F0502020204030204" pitchFamily="34" charset="0"/>
+                      </a:endParaRPr>
+                    </a:p>
+                  </a:txBody>
+                  <a:tcPr marL="6347" marR="6347" marT="6347" marB="0" anchor="ctr"/>
+                </a:tc>
+                <a:extLst>
+                  <a:ext uri="{0D108BD9-81ED-4DB2-BD59-A6C34878D82A}">
+                    <a16:rowId xmlns:a16="http://schemas.microsoft.com/office/drawing/2014/main" val="216357160"/>
+                  </a:ext>
+                </a:extLst>
+              </a:tr>
+              <a:tr h="304677">
+                <a:tc>
+                  <a:txBody>
+                    <a:bodyPr/>
+                    <a:lstStyle/>
+                    <a:p>
+                      <a:pPr algn="l" fontAlgn="ctr"/>
+                      <a:r>
+                        <a:rPr lang="en-US" sz="900" u="none" strike="noStrike">
+                          <a:effectLst/>
+                        </a:rPr>
+                        <a:t>Data Mangement</a:t>
+                      </a:r>
+                      <a:endParaRPr lang="en-US" sz="900" b="0" i="0" u="none" strike="noStrike">
+                        <a:solidFill>
+                          <a:srgbClr val="000000"/>
+                        </a:solidFill>
+                        <a:effectLst/>
+                        <a:latin typeface="Calibri" panose="020F0502020204030204" pitchFamily="34" charset="0"/>
+                      </a:endParaRPr>
+                    </a:p>
+                  </a:txBody>
+                  <a:tcPr marL="6347" marR="6347" marT="6347" marB="0" anchor="ctr"/>
+                </a:tc>
+                <a:tc>
+                  <a:txBody>
+                    <a:bodyPr/>
+                    <a:lstStyle/>
+                    <a:p>
+                      <a:pPr algn="l" fontAlgn="ctr"/>
+                      <a:r>
+                        <a:rPr lang="en-US" sz="900" u="none" strike="noStrike">
+                          <a:effectLst/>
+                        </a:rPr>
+                        <a:t>The practice of managing and overseeing data assets to ensure their quality, security, and usability. It includes data governance, data quality, and data stewardship.</a:t>
+                      </a:r>
+                      <a:endParaRPr lang="en-US" sz="900" b="0" i="0" u="none" strike="noStrike">
+                        <a:solidFill>
+                          <a:srgbClr val="000000"/>
+                        </a:solidFill>
+                        <a:effectLst/>
+                        <a:latin typeface="Calibri" panose="020F0502020204030204" pitchFamily="34" charset="0"/>
+                      </a:endParaRPr>
+                    </a:p>
+                  </a:txBody>
+                  <a:tcPr marL="6347" marR="6347" marT="6347" marB="0" anchor="ctr"/>
+                </a:tc>
+                <a:tc>
+                  <a:txBody>
+                    <a:bodyPr/>
+                    <a:lstStyle/>
+                    <a:p>
+                      <a:pPr algn="l" fontAlgn="ctr"/>
+                      <a:r>
+                        <a:rPr lang="en-US" sz="900" u="none" strike="noStrike">
+                          <a:effectLst/>
+                        </a:rPr>
+                        <a:t>Ensuring data accuracy and consistency, implementing data privacy and security measures, and establishing policies for data usage.</a:t>
+                      </a:r>
+                      <a:endParaRPr lang="en-US" sz="900" b="0" i="0" u="none" strike="noStrike">
+                        <a:solidFill>
+                          <a:srgbClr val="000000"/>
+                        </a:solidFill>
+                        <a:effectLst/>
+                        <a:latin typeface="Calibri" panose="020F0502020204030204" pitchFamily="34" charset="0"/>
+                      </a:endParaRPr>
+                    </a:p>
+                  </a:txBody>
+                  <a:tcPr marL="6347" marR="6347" marT="6347" marB="0" anchor="ctr"/>
+                </a:tc>
+                <a:extLst>
+                  <a:ext uri="{0D108BD9-81ED-4DB2-BD59-A6C34878D82A}">
+                    <a16:rowId xmlns:a16="http://schemas.microsoft.com/office/drawing/2014/main" val="866240358"/>
+                  </a:ext>
+                </a:extLst>
+              </a:tr>
+              <a:tr h="304677">
+                <a:tc>
+                  <a:txBody>
+                    <a:bodyPr/>
+                    <a:lstStyle/>
+                    <a:p>
+                      <a:pPr algn="l" fontAlgn="ctr"/>
+                      <a:r>
+                        <a:rPr lang="en-US" sz="900" u="none" strike="noStrike">
+                          <a:effectLst/>
+                        </a:rPr>
+                        <a:t>Stream Processing</a:t>
+                      </a:r>
+                      <a:endParaRPr lang="en-US" sz="900" b="0" i="0" u="none" strike="noStrike">
+                        <a:solidFill>
+                          <a:srgbClr val="000000"/>
+                        </a:solidFill>
+                        <a:effectLst/>
+                        <a:latin typeface="Calibri" panose="020F0502020204030204" pitchFamily="34" charset="0"/>
+                      </a:endParaRPr>
+                    </a:p>
+                  </a:txBody>
+                  <a:tcPr marL="6347" marR="6347" marT="6347" marB="0" anchor="ctr"/>
+                </a:tc>
+                <a:tc>
+                  <a:txBody>
+                    <a:bodyPr/>
+                    <a:lstStyle/>
+                    <a:p>
+                      <a:pPr algn="l" fontAlgn="ctr"/>
+                      <a:r>
+                        <a:rPr lang="en-US" sz="900" u="none" strike="noStrike">
+                          <a:effectLst/>
+                        </a:rPr>
+                        <a:t>The real-time processing of continuous streams of data as they arrive. Stream processing systems handle data in motion, allowing for immediate analysis and action.</a:t>
+                      </a:r>
+                      <a:endParaRPr lang="en-US" sz="900" b="0" i="0" u="none" strike="noStrike">
+                        <a:solidFill>
+                          <a:srgbClr val="000000"/>
+                        </a:solidFill>
+                        <a:effectLst/>
+                        <a:latin typeface="Calibri" panose="020F0502020204030204" pitchFamily="34" charset="0"/>
+                      </a:endParaRPr>
+                    </a:p>
+                  </a:txBody>
+                  <a:tcPr marL="6347" marR="6347" marT="6347" marB="0" anchor="ctr"/>
+                </a:tc>
+                <a:tc>
+                  <a:txBody>
+                    <a:bodyPr/>
+                    <a:lstStyle/>
+                    <a:p>
+                      <a:pPr algn="l" fontAlgn="ctr"/>
+                      <a:r>
+                        <a:rPr lang="en-US" sz="900" u="none" strike="noStrike">
+                          <a:effectLst/>
+                        </a:rPr>
+                        <a:t>Real-time analytics on user activity logs, monitoring sensor data, or processing financial transactions as they occur.</a:t>
+                      </a:r>
+                      <a:endParaRPr lang="en-US" sz="900" b="0" i="0" u="none" strike="noStrike">
+                        <a:solidFill>
+                          <a:srgbClr val="000000"/>
+                        </a:solidFill>
+                        <a:effectLst/>
+                        <a:latin typeface="Calibri" panose="020F0502020204030204" pitchFamily="34" charset="0"/>
+                      </a:endParaRPr>
+                    </a:p>
+                  </a:txBody>
+                  <a:tcPr marL="6347" marR="6347" marT="6347" marB="0" anchor="ctr"/>
+                </a:tc>
+                <a:extLst>
+                  <a:ext uri="{0D108BD9-81ED-4DB2-BD59-A6C34878D82A}">
+                    <a16:rowId xmlns:a16="http://schemas.microsoft.com/office/drawing/2014/main" val="3729937568"/>
+                  </a:ext>
+                </a:extLst>
+              </a:tr>
+              <a:tr h="304677">
+                <a:tc>
+                  <a:txBody>
+                    <a:bodyPr/>
+                    <a:lstStyle/>
+                    <a:p>
+                      <a:pPr algn="l" fontAlgn="ctr"/>
+                      <a:r>
+                        <a:rPr lang="en-US" sz="900" u="none" strike="noStrike">
+                          <a:effectLst/>
+                        </a:rPr>
+                        <a:t>Batch Processing</a:t>
+                      </a:r>
+                      <a:endParaRPr lang="en-US" sz="900" b="0" i="0" u="none" strike="noStrike">
+                        <a:solidFill>
+                          <a:srgbClr val="000000"/>
+                        </a:solidFill>
+                        <a:effectLst/>
+                        <a:latin typeface="Calibri" panose="020F0502020204030204" pitchFamily="34" charset="0"/>
+                      </a:endParaRPr>
+                    </a:p>
+                  </a:txBody>
+                  <a:tcPr marL="6347" marR="6347" marT="6347" marB="0" anchor="ctr"/>
+                </a:tc>
+                <a:tc>
+                  <a:txBody>
+                    <a:bodyPr/>
+                    <a:lstStyle/>
+                    <a:p>
+                      <a:pPr algn="l" fontAlgn="ctr"/>
+                      <a:r>
+                        <a:rPr lang="en-US" sz="900" u="none" strike="noStrike">
+                          <a:effectLst/>
+                        </a:rPr>
+                        <a:t>The processing of large volumes of data in chunks or batches, usually on a scheduled basis. Batch processing handles data that is collected over a period and processed together at a later time.</a:t>
+                      </a:r>
+                      <a:endParaRPr lang="en-US" sz="900" b="0" i="0" u="none" strike="noStrike">
+                        <a:solidFill>
+                          <a:srgbClr val="000000"/>
+                        </a:solidFill>
+                        <a:effectLst/>
+                        <a:latin typeface="Calibri" panose="020F0502020204030204" pitchFamily="34" charset="0"/>
+                      </a:endParaRPr>
+                    </a:p>
+                  </a:txBody>
+                  <a:tcPr marL="6347" marR="6347" marT="6347" marB="0" anchor="ctr"/>
+                </a:tc>
+                <a:tc>
+                  <a:txBody>
+                    <a:bodyPr/>
+                    <a:lstStyle/>
+                    <a:p>
+                      <a:pPr algn="l" fontAlgn="ctr"/>
+                      <a:r>
+                        <a:rPr lang="en-US" sz="900" u="none" strike="noStrike">
+                          <a:effectLst/>
+                        </a:rPr>
+                        <a:t>Running daily or hourly reports, processing end-of-day transactions, or performing data migrations.</a:t>
+                      </a:r>
+                      <a:endParaRPr lang="en-US" sz="900" b="0" i="0" u="none" strike="noStrike">
+                        <a:solidFill>
+                          <a:srgbClr val="000000"/>
+                        </a:solidFill>
+                        <a:effectLst/>
+                        <a:latin typeface="Calibri" panose="020F0502020204030204" pitchFamily="34" charset="0"/>
+                      </a:endParaRPr>
+                    </a:p>
+                  </a:txBody>
+                  <a:tcPr marL="6347" marR="6347" marT="6347" marB="0" anchor="ctr"/>
+                </a:tc>
+                <a:extLst>
+                  <a:ext uri="{0D108BD9-81ED-4DB2-BD59-A6C34878D82A}">
+                    <a16:rowId xmlns:a16="http://schemas.microsoft.com/office/drawing/2014/main" val="4217013549"/>
+                  </a:ext>
+                </a:extLst>
+              </a:tr>
+              <a:tr h="457016">
+                <a:tc>
+                  <a:txBody>
+                    <a:bodyPr/>
+                    <a:lstStyle/>
+                    <a:p>
+                      <a:pPr algn="l" fontAlgn="ctr"/>
+                      <a:r>
+                        <a:rPr lang="en-US" sz="900" u="none" strike="noStrike">
+                          <a:effectLst/>
+                        </a:rPr>
+                        <a:t>Orchestration</a:t>
+                      </a:r>
+                      <a:endParaRPr lang="en-US" sz="900" b="0" i="0" u="none" strike="noStrike">
+                        <a:solidFill>
+                          <a:srgbClr val="000000"/>
+                        </a:solidFill>
+                        <a:effectLst/>
+                        <a:latin typeface="Calibri" panose="020F0502020204030204" pitchFamily="34" charset="0"/>
+                      </a:endParaRPr>
+                    </a:p>
+                  </a:txBody>
+                  <a:tcPr marL="6347" marR="6347" marT="6347" marB="0" anchor="ctr"/>
+                </a:tc>
+                <a:tc>
+                  <a:txBody>
+                    <a:bodyPr/>
+                    <a:lstStyle/>
+                    <a:p>
+                      <a:pPr algn="l" fontAlgn="ctr"/>
+                      <a:r>
+                        <a:rPr lang="en-US" sz="900" u="none" strike="noStrike">
+                          <a:effectLst/>
+                        </a:rPr>
+                        <a:t>The coordination and management of multiple tasks or processes to achieve a specific goal. In data workflows, orchestration involves scheduling, executing, and monitoring data processing tasks and pipelines.</a:t>
+                      </a:r>
+                      <a:endParaRPr lang="en-US" sz="900" b="0" i="0" u="none" strike="noStrike">
+                        <a:solidFill>
+                          <a:srgbClr val="000000"/>
+                        </a:solidFill>
+                        <a:effectLst/>
+                        <a:latin typeface="Calibri" panose="020F0502020204030204" pitchFamily="34" charset="0"/>
+                      </a:endParaRPr>
+                    </a:p>
+                  </a:txBody>
+                  <a:tcPr marL="6347" marR="6347" marT="6347" marB="0" anchor="ctr"/>
+                </a:tc>
+                <a:tc>
+                  <a:txBody>
+                    <a:bodyPr/>
+                    <a:lstStyle/>
+                    <a:p>
+                      <a:pPr algn="l" fontAlgn="ctr"/>
+                      <a:r>
+                        <a:rPr lang="en-US" sz="900" u="none" strike="noStrike" dirty="0">
+                          <a:effectLst/>
+                        </a:rPr>
+                        <a:t>Automating data pipelines, managing dependencies between tasks, and handling retries and failures in data processing workflows.</a:t>
+                      </a:r>
+                      <a:endParaRPr lang="en-US" sz="900" b="0" i="0" u="none" strike="noStrike" dirty="0">
+                        <a:solidFill>
+                          <a:srgbClr val="000000"/>
+                        </a:solidFill>
+                        <a:effectLst/>
+                        <a:latin typeface="Calibri" panose="020F0502020204030204" pitchFamily="34" charset="0"/>
+                      </a:endParaRPr>
+                    </a:p>
+                  </a:txBody>
+                  <a:tcPr marL="6347" marR="6347" marT="6347" marB="0" anchor="ctr"/>
+                </a:tc>
+                <a:extLst>
+                  <a:ext uri="{0D108BD9-81ED-4DB2-BD59-A6C34878D82A}">
+                    <a16:rowId xmlns:a16="http://schemas.microsoft.com/office/drawing/2014/main" val="2626834059"/>
+                  </a:ext>
+                </a:extLst>
+              </a:tr>
+            </a:tbl>
+          </a:graphicData>
+        </a:graphic>
+      </p:graphicFrame>
     </p:spTree>
     <p:extLst>
       <p:ext uri="{BB962C8B-B14F-4D97-AF65-F5344CB8AC3E}">
-        <p14:creationId xmlns:p14="http://schemas.microsoft.com/office/powerpoint/2010/main" val="2751682867"/>
+        <p14:creationId xmlns:p14="http://schemas.microsoft.com/office/powerpoint/2010/main" val="2107072683"/>
       </p:ext>
     </p:extLst>
   </p:cSld>
@@ -10367,7 +16225,7 @@
           <p:cNvPr id="2" name="Title 1">
             <a:extLst>
               <a:ext uri="{FF2B5EF4-FFF2-40B4-BE49-F238E27FC236}">
-                <a16:creationId xmlns:a16="http://schemas.microsoft.com/office/drawing/2014/main" id="{149D2E42-E66C-05C6-69A3-ACEFE4704C18}"/>
+                <a16:creationId xmlns:a16="http://schemas.microsoft.com/office/drawing/2014/main" id="{8BCF0353-FA23-B93B-F072-825EF003AED6}"/>
               </a:ext>
             </a:extLst>
           </p:cNvPr>
@@ -10385,277 +16243,17 @@
           <a:p>
             <a:r>
               <a:rPr lang="en-US" dirty="0"/>
-              <a:t>Problem description</a:t>
-            </a:r>
-          </a:p>
-        </p:txBody>
-      </p:sp>
-      <p:graphicFrame>
-        <p:nvGraphicFramePr>
-          <p:cNvPr id="7" name="Content Placeholder 6">
-            <a:extLst>
-              <a:ext uri="{FF2B5EF4-FFF2-40B4-BE49-F238E27FC236}">
-                <a16:creationId xmlns:a16="http://schemas.microsoft.com/office/drawing/2014/main" id="{8406738E-9A98-D9FE-3662-8540A1435D18}"/>
-              </a:ext>
-            </a:extLst>
-          </p:cNvPr>
-          <p:cNvGraphicFramePr>
-            <a:graphicFrameLocks noGrp="1"/>
-          </p:cNvGraphicFramePr>
-          <p:nvPr>
-            <p:ph sz="quarter" idx="35"/>
-            <p:extLst>
-              <p:ext uri="{D42A27DB-BD31-4B8C-83A1-F6EECF244321}">
-                <p14:modId xmlns:p14="http://schemas.microsoft.com/office/powerpoint/2010/main" val="453953598"/>
-              </p:ext>
-            </p:extLst>
-          </p:nvPr>
-        </p:nvGraphicFramePr>
-        <p:xfrm>
-          <a:off x="2411586" y="3407600"/>
-          <a:ext cx="8831082" cy="2818596"/>
-        </p:xfrm>
-        <a:graphic>
-          <a:graphicData uri="http://schemas.openxmlformats.org/drawingml/2006/table">
-            <a:tbl>
-              <a:tblPr firstRow="1" bandRow="1">
-                <a:tableStyleId>{10A1B5D5-9B99-4C35-A422-299274C87663}</a:tableStyleId>
-              </a:tblPr>
-              <a:tblGrid>
-                <a:gridCol w="2943694">
-                  <a:extLst>
-                    <a:ext uri="{9D8B030D-6E8A-4147-A177-3AD203B41FA5}">
-                      <a16:colId xmlns:a16="http://schemas.microsoft.com/office/drawing/2014/main" val="2143603526"/>
-                    </a:ext>
-                  </a:extLst>
-                </a:gridCol>
-                <a:gridCol w="2943694">
-                  <a:extLst>
-                    <a:ext uri="{9D8B030D-6E8A-4147-A177-3AD203B41FA5}">
-                      <a16:colId xmlns:a16="http://schemas.microsoft.com/office/drawing/2014/main" val="1242994603"/>
-                    </a:ext>
-                  </a:extLst>
-                </a:gridCol>
-                <a:gridCol w="2943694">
-                  <a:extLst>
-                    <a:ext uri="{9D8B030D-6E8A-4147-A177-3AD203B41FA5}">
-                      <a16:colId xmlns:a16="http://schemas.microsoft.com/office/drawing/2014/main" val="3468649617"/>
-                    </a:ext>
-                  </a:extLst>
-                </a:gridCol>
-              </a:tblGrid>
-              <a:tr h="704649">
-                <a:tc>
-                  <a:txBody>
-                    <a:bodyPr/>
-                    <a:lstStyle/>
-                    <a:p>
-                      <a:pPr algn="ctr"/>
-                      <a:r>
-                        <a:rPr lang="en-US" dirty="0"/>
-                        <a:t>Problem</a:t>
-                      </a:r>
-                    </a:p>
-                  </a:txBody>
-                  <a:tcPr anchor="ctr"/>
-                </a:tc>
-                <a:tc>
-                  <a:txBody>
-                    <a:bodyPr/>
-                    <a:lstStyle/>
-                    <a:p>
-                      <a:pPr algn="ctr"/>
-                      <a:r>
-                        <a:rPr lang="en-US" dirty="0"/>
-                        <a:t>What is it?</a:t>
-                      </a:r>
-                    </a:p>
-                  </a:txBody>
-                  <a:tcPr anchor="ctr"/>
-                </a:tc>
-                <a:tc>
-                  <a:txBody>
-                    <a:bodyPr/>
-                    <a:lstStyle/>
-                    <a:p>
-                      <a:pPr algn="ctr"/>
-                      <a:r>
-                        <a:rPr lang="en-US" dirty="0"/>
-                        <a:t>Why is it a problem?</a:t>
-                      </a:r>
-                    </a:p>
-                  </a:txBody>
-                  <a:tcPr anchor="ctr"/>
-                </a:tc>
-                <a:extLst>
-                  <a:ext uri="{0D108BD9-81ED-4DB2-BD59-A6C34878D82A}">
-                    <a16:rowId xmlns:a16="http://schemas.microsoft.com/office/drawing/2014/main" val="496404934"/>
-                  </a:ext>
-                </a:extLst>
-              </a:tr>
-              <a:tr h="704649">
-                <a:tc>
-                  <a:txBody>
-                    <a:bodyPr/>
-                    <a:lstStyle/>
-                    <a:p>
-                      <a:r>
-                        <a:rPr lang="en-US" dirty="0"/>
-                        <a:t>Siloed data across systems</a:t>
-                      </a:r>
-                    </a:p>
-                  </a:txBody>
-                  <a:tcPr/>
-                </a:tc>
-                <a:tc>
-                  <a:txBody>
-                    <a:bodyPr/>
-                    <a:lstStyle/>
-                    <a:p>
-                      <a:endParaRPr lang="en-US"/>
-                    </a:p>
-                  </a:txBody>
-                  <a:tcPr/>
-                </a:tc>
-                <a:tc>
-                  <a:txBody>
-                    <a:bodyPr/>
-                    <a:lstStyle/>
-                    <a:p>
-                      <a:endParaRPr lang="en-US"/>
-                    </a:p>
-                  </a:txBody>
-                  <a:tcPr/>
-                </a:tc>
-                <a:extLst>
-                  <a:ext uri="{0D108BD9-81ED-4DB2-BD59-A6C34878D82A}">
-                    <a16:rowId xmlns:a16="http://schemas.microsoft.com/office/drawing/2014/main" val="260511075"/>
-                  </a:ext>
-                </a:extLst>
-              </a:tr>
-              <a:tr h="704649">
-                <a:tc>
-                  <a:txBody>
-                    <a:bodyPr/>
-                    <a:lstStyle/>
-                    <a:p>
-                      <a:r>
-                        <a:rPr lang="en-US" dirty="0"/>
-                        <a:t>Complex data types for modern manufacturing</a:t>
-                      </a:r>
-                    </a:p>
-                  </a:txBody>
-                  <a:tcPr/>
-                </a:tc>
-                <a:tc>
-                  <a:txBody>
-                    <a:bodyPr/>
-                    <a:lstStyle/>
-                    <a:p>
-                      <a:endParaRPr lang="en-US"/>
-                    </a:p>
-                  </a:txBody>
-                  <a:tcPr/>
-                </a:tc>
-                <a:tc>
-                  <a:txBody>
-                    <a:bodyPr/>
-                    <a:lstStyle/>
-                    <a:p>
-                      <a:endParaRPr lang="en-US"/>
-                    </a:p>
-                  </a:txBody>
-                  <a:tcPr/>
-                </a:tc>
-                <a:extLst>
-                  <a:ext uri="{0D108BD9-81ED-4DB2-BD59-A6C34878D82A}">
-                    <a16:rowId xmlns:a16="http://schemas.microsoft.com/office/drawing/2014/main" val="2323235279"/>
-                  </a:ext>
-                </a:extLst>
-              </a:tr>
-              <a:tr h="704649">
-                <a:tc>
-                  <a:txBody>
-                    <a:bodyPr/>
-                    <a:lstStyle/>
-                    <a:p>
-                      <a:r>
-                        <a:rPr lang="en-US" dirty="0"/>
-                        <a:t>Legacy data trapped in unstructured formats</a:t>
-                      </a:r>
-                    </a:p>
-                  </a:txBody>
-                  <a:tcPr/>
-                </a:tc>
-                <a:tc>
-                  <a:txBody>
-                    <a:bodyPr/>
-                    <a:lstStyle/>
-                    <a:p>
-                      <a:endParaRPr lang="en-US"/>
-                    </a:p>
-                  </a:txBody>
-                  <a:tcPr/>
-                </a:tc>
-                <a:tc>
-                  <a:txBody>
-                    <a:bodyPr/>
-                    <a:lstStyle/>
-                    <a:p>
-                      <a:endParaRPr lang="en-US" dirty="0"/>
-                    </a:p>
-                  </a:txBody>
-                  <a:tcPr/>
-                </a:tc>
-                <a:extLst>
-                  <a:ext uri="{0D108BD9-81ED-4DB2-BD59-A6C34878D82A}">
-                    <a16:rowId xmlns:a16="http://schemas.microsoft.com/office/drawing/2014/main" val="3846850049"/>
-                  </a:ext>
-                </a:extLst>
-              </a:tr>
-            </a:tbl>
-          </a:graphicData>
-        </a:graphic>
-      </p:graphicFrame>
-      <p:sp>
-        <p:nvSpPr>
-          <p:cNvPr id="4" name="Content Placeholder 3">
-            <a:extLst>
-              <a:ext uri="{FF2B5EF4-FFF2-40B4-BE49-F238E27FC236}">
-                <a16:creationId xmlns:a16="http://schemas.microsoft.com/office/drawing/2014/main" id="{1779CF6F-D4C9-BC5A-C92F-F337A7D5FBF3}"/>
-              </a:ext>
-            </a:extLst>
-          </p:cNvPr>
-          <p:cNvSpPr>
-            <a:spLocks noGrp="1"/>
-          </p:cNvSpPr>
-          <p:nvPr>
-            <p:ph sz="quarter" idx="36"/>
-          </p:nvPr>
-        </p:nvSpPr>
-        <p:spPr>
-          <a:xfrm>
-            <a:off x="2411587" y="2282787"/>
-            <a:ext cx="8843050" cy="753021"/>
-          </a:xfrm>
-        </p:spPr>
-        <p:txBody>
-          <a:bodyPr/>
-          <a:lstStyle/>
-          <a:p>
-            <a:r>
-              <a:rPr lang="en-US" dirty="0"/>
-              <a:t>Williams International is pursuing a digital transformation of their business, yet several data-related challenges hinder their ability to leverage modern insights</a:t>
+              <a:t>Data Movement: Part 2 of 2</a:t>
             </a:r>
           </a:p>
         </p:txBody>
       </p:sp>
       <p:sp>
         <p:nvSpPr>
-          <p:cNvPr id="5" name="Slide Number Placeholder 4">
+          <p:cNvPr id="4" name="Slide Number Placeholder 3">
             <a:extLst>
               <a:ext uri="{FF2B5EF4-FFF2-40B4-BE49-F238E27FC236}">
-                <a16:creationId xmlns:a16="http://schemas.microsoft.com/office/drawing/2014/main" id="{24E2E7E4-3DE8-0206-C6BE-FED977B2E350}"/>
+                <a16:creationId xmlns:a16="http://schemas.microsoft.com/office/drawing/2014/main" id="{B116C659-278D-8276-570E-F7CCC53BB57D}"/>
               </a:ext>
             </a:extLst>
           </p:cNvPr>
@@ -10680,10 +16278,2128 @@
           </a:p>
         </p:txBody>
       </p:sp>
+      <p:graphicFrame>
+        <p:nvGraphicFramePr>
+          <p:cNvPr id="8" name="Table Placeholder 7">
+            <a:extLst>
+              <a:ext uri="{FF2B5EF4-FFF2-40B4-BE49-F238E27FC236}">
+                <a16:creationId xmlns:a16="http://schemas.microsoft.com/office/drawing/2014/main" id="{946A29A2-5231-8ABE-560E-462A5AE5170D}"/>
+              </a:ext>
+            </a:extLst>
+          </p:cNvPr>
+          <p:cNvGraphicFramePr>
+            <a:graphicFrameLocks noGrp="1"/>
+          </p:cNvGraphicFramePr>
+          <p:nvPr>
+            <p:ph type="tbl" sz="quarter" idx="13"/>
+            <p:extLst>
+              <p:ext uri="{D42A27DB-BD31-4B8C-83A1-F6EECF244321}">
+                <p14:modId xmlns:p14="http://schemas.microsoft.com/office/powerpoint/2010/main" val="3150094474"/>
+              </p:ext>
+            </p:extLst>
+          </p:nvPr>
+        </p:nvGraphicFramePr>
+        <p:xfrm>
+          <a:off x="548640" y="2075688"/>
+          <a:ext cx="11109959" cy="4434839"/>
+        </p:xfrm>
+        <a:graphic>
+          <a:graphicData uri="http://schemas.openxmlformats.org/drawingml/2006/table">
+            <a:tbl>
+              <a:tblPr>
+                <a:tableStyleId>{10A1B5D5-9B99-4C35-A422-299274C87663}</a:tableStyleId>
+              </a:tblPr>
+              <a:tblGrid>
+                <a:gridCol w="745065">
+                  <a:extLst>
+                    <a:ext uri="{9D8B030D-6E8A-4147-A177-3AD203B41FA5}">
+                      <a16:colId xmlns:a16="http://schemas.microsoft.com/office/drawing/2014/main" val="418852151"/>
+                    </a:ext>
+                  </a:extLst>
+                </a:gridCol>
+                <a:gridCol w="1763636">
+                  <a:extLst>
+                    <a:ext uri="{9D8B030D-6E8A-4147-A177-3AD203B41FA5}">
+                      <a16:colId xmlns:a16="http://schemas.microsoft.com/office/drawing/2014/main" val="1191038770"/>
+                    </a:ext>
+                  </a:extLst>
+                </a:gridCol>
+                <a:gridCol w="1188331">
+                  <a:extLst>
+                    <a:ext uri="{9D8B030D-6E8A-4147-A177-3AD203B41FA5}">
+                      <a16:colId xmlns:a16="http://schemas.microsoft.com/office/drawing/2014/main" val="2127603486"/>
+                    </a:ext>
+                  </a:extLst>
+                </a:gridCol>
+                <a:gridCol w="914827">
+                  <a:extLst>
+                    <a:ext uri="{9D8B030D-6E8A-4147-A177-3AD203B41FA5}">
+                      <a16:colId xmlns:a16="http://schemas.microsoft.com/office/drawing/2014/main" val="4259479573"/>
+                    </a:ext>
+                  </a:extLst>
+                </a:gridCol>
+                <a:gridCol w="2056003">
+                  <a:extLst>
+                    <a:ext uri="{9D8B030D-6E8A-4147-A177-3AD203B41FA5}">
+                      <a16:colId xmlns:a16="http://schemas.microsoft.com/office/drawing/2014/main" val="3703573828"/>
+                    </a:ext>
+                  </a:extLst>
+                </a:gridCol>
+                <a:gridCol w="745065">
+                  <a:extLst>
+                    <a:ext uri="{9D8B030D-6E8A-4147-A177-3AD203B41FA5}">
+                      <a16:colId xmlns:a16="http://schemas.microsoft.com/office/drawing/2014/main" val="3416704802"/>
+                    </a:ext>
+                  </a:extLst>
+                </a:gridCol>
+                <a:gridCol w="792221">
+                  <a:extLst>
+                    <a:ext uri="{9D8B030D-6E8A-4147-A177-3AD203B41FA5}">
+                      <a16:colId xmlns:a16="http://schemas.microsoft.com/office/drawing/2014/main" val="1897557490"/>
+                    </a:ext>
+                  </a:extLst>
+                </a:gridCol>
+                <a:gridCol w="716771">
+                  <a:extLst>
+                    <a:ext uri="{9D8B030D-6E8A-4147-A177-3AD203B41FA5}">
+                      <a16:colId xmlns:a16="http://schemas.microsoft.com/office/drawing/2014/main" val="993345994"/>
+                    </a:ext>
+                  </a:extLst>
+                </a:gridCol>
+                <a:gridCol w="2188040">
+                  <a:extLst>
+                    <a:ext uri="{9D8B030D-6E8A-4147-A177-3AD203B41FA5}">
+                      <a16:colId xmlns:a16="http://schemas.microsoft.com/office/drawing/2014/main" val="2630157458"/>
+                    </a:ext>
+                  </a:extLst>
+                </a:gridCol>
+              </a:tblGrid>
+              <a:tr h="404529">
+                <a:tc>
+                  <a:txBody>
+                    <a:bodyPr/>
+                    <a:lstStyle/>
+                    <a:p>
+                      <a:pPr algn="ctr" fontAlgn="ctr"/>
+                      <a:r>
+                        <a:rPr lang="en-US" sz="800" u="none" strike="noStrike" dirty="0">
+                          <a:effectLst/>
+                        </a:rPr>
+                        <a:t>Tool</a:t>
+                      </a:r>
+                      <a:endParaRPr lang="en-US" sz="800" b="0" i="0" u="none" strike="noStrike" dirty="0">
+                        <a:solidFill>
+                          <a:srgbClr val="000000"/>
+                        </a:solidFill>
+                        <a:effectLst/>
+                        <a:latin typeface="Calibri" panose="020F0502020204030204" pitchFamily="34" charset="0"/>
+                      </a:endParaRPr>
+                    </a:p>
+                  </a:txBody>
+                  <a:tcPr marL="4997" marR="4997" marT="4997" marB="0" anchor="ctr"/>
+                </a:tc>
+                <a:tc>
+                  <a:txBody>
+                    <a:bodyPr/>
+                    <a:lstStyle/>
+                    <a:p>
+                      <a:pPr algn="ctr" fontAlgn="ctr"/>
+                      <a:r>
+                        <a:rPr lang="en-US" sz="800" u="none" strike="noStrike">
+                          <a:effectLst/>
+                        </a:rPr>
+                        <a:t>Purpose</a:t>
+                      </a:r>
+                      <a:endParaRPr lang="en-US" sz="800" b="0" i="0" u="none" strike="noStrike">
+                        <a:solidFill>
+                          <a:srgbClr val="000000"/>
+                        </a:solidFill>
+                        <a:effectLst/>
+                        <a:latin typeface="Calibri" panose="020F0502020204030204" pitchFamily="34" charset="0"/>
+                      </a:endParaRPr>
+                    </a:p>
+                  </a:txBody>
+                  <a:tcPr marL="4997" marR="4997" marT="4997" marB="0" anchor="ctr"/>
+                </a:tc>
+                <a:tc>
+                  <a:txBody>
+                    <a:bodyPr/>
+                    <a:lstStyle/>
+                    <a:p>
+                      <a:pPr algn="ctr" fontAlgn="ctr"/>
+                      <a:r>
+                        <a:rPr lang="en-US" sz="800" u="none" strike="noStrike">
+                          <a:effectLst/>
+                        </a:rPr>
+                        <a:t>Free/Open-Source?</a:t>
+                      </a:r>
+                      <a:endParaRPr lang="en-US" sz="800" b="0" i="0" u="none" strike="noStrike">
+                        <a:solidFill>
+                          <a:srgbClr val="000000"/>
+                        </a:solidFill>
+                        <a:effectLst/>
+                        <a:latin typeface="Calibri" panose="020F0502020204030204" pitchFamily="34" charset="0"/>
+                      </a:endParaRPr>
+                    </a:p>
+                  </a:txBody>
+                  <a:tcPr marL="4997" marR="4997" marT="4997" marB="0" anchor="ctr"/>
+                </a:tc>
+                <a:tc>
+                  <a:txBody>
+                    <a:bodyPr/>
+                    <a:lstStyle/>
+                    <a:p>
+                      <a:pPr algn="ctr" fontAlgn="ctr"/>
+                      <a:r>
+                        <a:rPr lang="en-US" sz="800" u="none" strike="noStrike">
+                          <a:effectLst/>
+                        </a:rPr>
+                        <a:t>License Type</a:t>
+                      </a:r>
+                      <a:endParaRPr lang="en-US" sz="800" b="0" i="0" u="none" strike="noStrike">
+                        <a:solidFill>
+                          <a:srgbClr val="000000"/>
+                        </a:solidFill>
+                        <a:effectLst/>
+                        <a:latin typeface="Calibri" panose="020F0502020204030204" pitchFamily="34" charset="0"/>
+                      </a:endParaRPr>
+                    </a:p>
+                  </a:txBody>
+                  <a:tcPr marL="4997" marR="4997" marT="4997" marB="0" anchor="ctr"/>
+                </a:tc>
+                <a:tc>
+                  <a:txBody>
+                    <a:bodyPr/>
+                    <a:lstStyle/>
+                    <a:p>
+                      <a:pPr algn="ctr" fontAlgn="ctr"/>
+                      <a:r>
+                        <a:rPr lang="en-US" sz="800" u="none" strike="noStrike">
+                          <a:effectLst/>
+                        </a:rPr>
+                        <a:t>License Details</a:t>
+                      </a:r>
+                      <a:endParaRPr lang="en-US" sz="800" b="0" i="0" u="none" strike="noStrike">
+                        <a:solidFill>
+                          <a:srgbClr val="000000"/>
+                        </a:solidFill>
+                        <a:effectLst/>
+                        <a:latin typeface="Calibri" panose="020F0502020204030204" pitchFamily="34" charset="0"/>
+                      </a:endParaRPr>
+                    </a:p>
+                  </a:txBody>
+                  <a:tcPr marL="4997" marR="4997" marT="4997" marB="0" anchor="ctr"/>
+                </a:tc>
+                <a:tc>
+                  <a:txBody>
+                    <a:bodyPr/>
+                    <a:lstStyle/>
+                    <a:p>
+                      <a:pPr algn="ctr" fontAlgn="ctr"/>
+                      <a:r>
+                        <a:rPr lang="en-US" sz="800" u="none" strike="noStrike">
+                          <a:effectLst/>
+                        </a:rPr>
+                        <a:t>On-Prem?</a:t>
+                      </a:r>
+                      <a:endParaRPr lang="en-US" sz="800" b="0" i="0" u="none" strike="noStrike">
+                        <a:solidFill>
+                          <a:srgbClr val="000000"/>
+                        </a:solidFill>
+                        <a:effectLst/>
+                        <a:latin typeface="Calibri" panose="020F0502020204030204" pitchFamily="34" charset="0"/>
+                      </a:endParaRPr>
+                    </a:p>
+                  </a:txBody>
+                  <a:tcPr marL="4997" marR="4997" marT="4997" marB="0" anchor="ctr"/>
+                </a:tc>
+                <a:tc>
+                  <a:txBody>
+                    <a:bodyPr/>
+                    <a:lstStyle/>
+                    <a:p>
+                      <a:pPr algn="ctr" fontAlgn="ctr"/>
+                      <a:r>
+                        <a:rPr lang="en-US" sz="800" u="none" strike="noStrike">
+                          <a:effectLst/>
+                        </a:rPr>
+                        <a:t>Real-Time?</a:t>
+                      </a:r>
+                      <a:endParaRPr lang="en-US" sz="800" b="0" i="0" u="none" strike="noStrike">
+                        <a:solidFill>
+                          <a:srgbClr val="000000"/>
+                        </a:solidFill>
+                        <a:effectLst/>
+                        <a:latin typeface="Calibri" panose="020F0502020204030204" pitchFamily="34" charset="0"/>
+                      </a:endParaRPr>
+                    </a:p>
+                  </a:txBody>
+                  <a:tcPr marL="4997" marR="4997" marT="4997" marB="0" anchor="ctr"/>
+                </a:tc>
+                <a:tc>
+                  <a:txBody>
+                    <a:bodyPr/>
+                    <a:lstStyle/>
+                    <a:p>
+                      <a:pPr algn="ctr" fontAlgn="ctr"/>
+                      <a:r>
+                        <a:rPr lang="en-US" sz="800" u="none" strike="noStrike">
+                          <a:effectLst/>
+                        </a:rPr>
+                        <a:t>Subscribe to MQTT Natively?</a:t>
+                      </a:r>
+                      <a:endParaRPr lang="en-US" sz="800" b="0" i="0" u="none" strike="noStrike">
+                        <a:solidFill>
+                          <a:srgbClr val="000000"/>
+                        </a:solidFill>
+                        <a:effectLst/>
+                        <a:latin typeface="Calibri" panose="020F0502020204030204" pitchFamily="34" charset="0"/>
+                      </a:endParaRPr>
+                    </a:p>
+                  </a:txBody>
+                  <a:tcPr marL="4997" marR="4997" marT="4997" marB="0" anchor="ctr"/>
+                </a:tc>
+                <a:tc>
+                  <a:txBody>
+                    <a:bodyPr/>
+                    <a:lstStyle/>
+                    <a:p>
+                      <a:pPr algn="ctr" fontAlgn="ctr"/>
+                      <a:r>
+                        <a:rPr lang="en-US" sz="800" u="none" strike="noStrike">
+                          <a:effectLst/>
+                        </a:rPr>
+                        <a:t>Key Features</a:t>
+                      </a:r>
+                      <a:endParaRPr lang="en-US" sz="800" b="0" i="0" u="none" strike="noStrike">
+                        <a:solidFill>
+                          <a:srgbClr val="000000"/>
+                        </a:solidFill>
+                        <a:effectLst/>
+                        <a:latin typeface="Calibri" panose="020F0502020204030204" pitchFamily="34" charset="0"/>
+                      </a:endParaRPr>
+                    </a:p>
+                  </a:txBody>
+                  <a:tcPr marL="4997" marR="4997" marT="4997" marB="0" anchor="ctr"/>
+                </a:tc>
+                <a:extLst>
+                  <a:ext uri="{0D108BD9-81ED-4DB2-BD59-A6C34878D82A}">
+                    <a16:rowId xmlns:a16="http://schemas.microsoft.com/office/drawing/2014/main" val="1292785915"/>
+                  </a:ext>
+                </a:extLst>
+              </a:tr>
+              <a:tr h="597083">
+                <a:tc>
+                  <a:txBody>
+                    <a:bodyPr/>
+                    <a:lstStyle/>
+                    <a:p>
+                      <a:pPr algn="ctr" fontAlgn="ctr"/>
+                      <a:r>
+                        <a:rPr lang="en-US" sz="800" u="sng" strike="noStrike" dirty="0">
+                          <a:solidFill>
+                            <a:schemeClr val="tx1"/>
+                          </a:solidFill>
+                          <a:effectLst/>
+                          <a:hlinkClick r:id="rId2">
+                            <a:extLst>
+                              <a:ext uri="{A12FA001-AC4F-418D-AE19-62706E023703}">
+                                <ahyp:hlinkClr xmlns:ahyp="http://schemas.microsoft.com/office/drawing/2018/hyperlinkcolor" val="tx"/>
+                              </a:ext>
+                            </a:extLst>
+                          </a:hlinkClick>
+                        </a:rPr>
+                        <a:t>Benthos</a:t>
+                      </a:r>
+                      <a:endParaRPr lang="en-US" sz="800" b="0" i="0" u="sng" strike="noStrike" dirty="0">
+                        <a:solidFill>
+                          <a:schemeClr val="tx1"/>
+                        </a:solidFill>
+                        <a:effectLst/>
+                        <a:latin typeface="Calibri" panose="020F0502020204030204" pitchFamily="34" charset="0"/>
+                      </a:endParaRPr>
+                    </a:p>
+                  </a:txBody>
+                  <a:tcPr marL="4997" marR="4997" marT="4997" marB="0" anchor="ctr"/>
+                </a:tc>
+                <a:tc>
+                  <a:txBody>
+                    <a:bodyPr/>
+                    <a:lstStyle/>
+                    <a:p>
+                      <a:pPr algn="ctr" fontAlgn="ctr"/>
+                      <a:r>
+                        <a:rPr lang="en-US" sz="800" u="none" strike="noStrike" dirty="0">
+                          <a:effectLst/>
+                        </a:rPr>
+                        <a:t>Stream Processing</a:t>
+                      </a:r>
+                      <a:endParaRPr lang="en-US" sz="800" b="0" i="0" u="none" strike="noStrike" dirty="0">
+                        <a:solidFill>
+                          <a:srgbClr val="000000"/>
+                        </a:solidFill>
+                        <a:effectLst/>
+                        <a:latin typeface="Calibri" panose="020F0502020204030204" pitchFamily="34" charset="0"/>
+                      </a:endParaRPr>
+                    </a:p>
+                  </a:txBody>
+                  <a:tcPr marL="4997" marR="4997" marT="4997" marB="0" anchor="ctr"/>
+                </a:tc>
+                <a:tc>
+                  <a:txBody>
+                    <a:bodyPr/>
+                    <a:lstStyle/>
+                    <a:p>
+                      <a:pPr algn="ctr" fontAlgn="ctr"/>
+                      <a:r>
+                        <a:rPr lang="en-US" sz="800" u="none" strike="noStrike" dirty="0">
+                          <a:effectLst/>
+                        </a:rPr>
+                        <a:t>Yes</a:t>
+                      </a:r>
+                      <a:endParaRPr lang="en-US" sz="800" b="0" i="0" u="none" strike="noStrike" dirty="0">
+                        <a:solidFill>
+                          <a:srgbClr val="000000"/>
+                        </a:solidFill>
+                        <a:effectLst/>
+                        <a:latin typeface="Calibri" panose="020F0502020204030204" pitchFamily="34" charset="0"/>
+                      </a:endParaRPr>
+                    </a:p>
+                  </a:txBody>
+                  <a:tcPr marL="4997" marR="4997" marT="4997" marB="0" anchor="ctr"/>
+                </a:tc>
+                <a:tc>
+                  <a:txBody>
+                    <a:bodyPr/>
+                    <a:lstStyle/>
+                    <a:p>
+                      <a:pPr algn="ctr" fontAlgn="ctr"/>
+                      <a:r>
+                        <a:rPr lang="en-US" sz="800" u="none" strike="noStrike">
+                          <a:effectLst/>
+                        </a:rPr>
+                        <a:t>MIT License</a:t>
+                      </a:r>
+                      <a:endParaRPr lang="en-US" sz="800" b="0" i="0" u="none" strike="noStrike">
+                        <a:solidFill>
+                          <a:srgbClr val="000000"/>
+                        </a:solidFill>
+                        <a:effectLst/>
+                        <a:latin typeface="Calibri" panose="020F0502020204030204" pitchFamily="34" charset="0"/>
+                      </a:endParaRPr>
+                    </a:p>
+                  </a:txBody>
+                  <a:tcPr marL="4997" marR="4997" marT="4997" marB="0" anchor="ctr"/>
+                </a:tc>
+                <a:tc>
+                  <a:txBody>
+                    <a:bodyPr/>
+                    <a:lstStyle/>
+                    <a:p>
+                      <a:pPr algn="ctr" fontAlgn="ctr"/>
+                      <a:r>
+                        <a:rPr lang="en-US" sz="800" u="none" strike="noStrike">
+                          <a:effectLst/>
+                        </a:rPr>
+                        <a:t>Benthos is an open-source stream processing tool with no paid tiers. Its source code is available on GitHub.</a:t>
+                      </a:r>
+                      <a:endParaRPr lang="en-US" sz="800" b="0" i="0" u="none" strike="noStrike">
+                        <a:solidFill>
+                          <a:srgbClr val="000000"/>
+                        </a:solidFill>
+                        <a:effectLst/>
+                        <a:latin typeface="Calibri" panose="020F0502020204030204" pitchFamily="34" charset="0"/>
+                      </a:endParaRPr>
+                    </a:p>
+                  </a:txBody>
+                  <a:tcPr marL="4997" marR="4997" marT="4997" marB="0" anchor="ctr"/>
+                </a:tc>
+                <a:tc>
+                  <a:txBody>
+                    <a:bodyPr/>
+                    <a:lstStyle/>
+                    <a:p>
+                      <a:pPr algn="ctr" fontAlgn="ctr"/>
+                      <a:r>
+                        <a:rPr lang="en-US" sz="800" u="none" strike="noStrike">
+                          <a:effectLst/>
+                        </a:rPr>
+                        <a:t>Yes</a:t>
+                      </a:r>
+                      <a:endParaRPr lang="en-US" sz="800" b="0" i="0" u="none" strike="noStrike">
+                        <a:solidFill>
+                          <a:srgbClr val="000000"/>
+                        </a:solidFill>
+                        <a:effectLst/>
+                        <a:latin typeface="Calibri" panose="020F0502020204030204" pitchFamily="34" charset="0"/>
+                      </a:endParaRPr>
+                    </a:p>
+                  </a:txBody>
+                  <a:tcPr marL="4997" marR="4997" marT="4997" marB="0" anchor="ctr"/>
+                </a:tc>
+                <a:tc>
+                  <a:txBody>
+                    <a:bodyPr/>
+                    <a:lstStyle/>
+                    <a:p>
+                      <a:pPr algn="ctr" fontAlgn="ctr"/>
+                      <a:r>
+                        <a:rPr lang="en-US" sz="800" u="none" strike="noStrike">
+                          <a:effectLst/>
+                        </a:rPr>
+                        <a:t>Yes</a:t>
+                      </a:r>
+                      <a:endParaRPr lang="en-US" sz="800" b="0" i="0" u="none" strike="noStrike">
+                        <a:solidFill>
+                          <a:srgbClr val="000000"/>
+                        </a:solidFill>
+                        <a:effectLst/>
+                        <a:latin typeface="Calibri" panose="020F0502020204030204" pitchFamily="34" charset="0"/>
+                      </a:endParaRPr>
+                    </a:p>
+                  </a:txBody>
+                  <a:tcPr marL="4997" marR="4997" marT="4997" marB="0" anchor="ctr"/>
+                </a:tc>
+                <a:tc>
+                  <a:txBody>
+                    <a:bodyPr/>
+                    <a:lstStyle/>
+                    <a:p>
+                      <a:pPr algn="ctr" fontAlgn="ctr"/>
+                      <a:r>
+                        <a:rPr lang="en-US" sz="800" u="none" strike="noStrike">
+                          <a:effectLst/>
+                        </a:rPr>
+                        <a:t>Yes</a:t>
+                      </a:r>
+                      <a:endParaRPr lang="en-US" sz="800" b="0" i="0" u="none" strike="noStrike">
+                        <a:solidFill>
+                          <a:srgbClr val="000000"/>
+                        </a:solidFill>
+                        <a:effectLst/>
+                        <a:latin typeface="Calibri" panose="020F0502020204030204" pitchFamily="34" charset="0"/>
+                      </a:endParaRPr>
+                    </a:p>
+                  </a:txBody>
+                  <a:tcPr marL="4997" marR="4997" marT="4997" marB="0" anchor="ctr"/>
+                </a:tc>
+                <a:tc>
+                  <a:txBody>
+                    <a:bodyPr/>
+                    <a:lstStyle/>
+                    <a:p>
+                      <a:pPr algn="l" fontAlgn="ctr"/>
+                      <a:r>
+                        <a:rPr lang="en-US" sz="800" u="none" strike="noStrike">
+                          <a:effectLst/>
+                        </a:rPr>
+                        <a:t>* Single binary, easy to deploy</a:t>
+                      </a:r>
+                      <a:br>
+                        <a:rPr lang="en-US" sz="800" u="none" strike="noStrike">
+                          <a:effectLst/>
+                        </a:rPr>
+                      </a:br>
+                      <a:r>
+                        <a:rPr lang="en-US" sz="800" u="none" strike="noStrike">
+                          <a:effectLst/>
+                        </a:rPr>
+                        <a:t>* High performance</a:t>
+                      </a:r>
+                      <a:br>
+                        <a:rPr lang="en-US" sz="800" u="none" strike="noStrike">
+                          <a:effectLst/>
+                        </a:rPr>
+                      </a:br>
+                      <a:r>
+                        <a:rPr lang="en-US" sz="800" u="none" strike="noStrike">
+                          <a:effectLst/>
+                        </a:rPr>
+                        <a:t>* Integrates with various input/output sources</a:t>
+                      </a:r>
+                      <a:br>
+                        <a:rPr lang="en-US" sz="800" u="none" strike="noStrike">
+                          <a:effectLst/>
+                        </a:rPr>
+                      </a:br>
+                      <a:r>
+                        <a:rPr lang="en-US" sz="800" u="none" strike="noStrike">
+                          <a:effectLst/>
+                        </a:rPr>
+                        <a:t>* Config via YAML</a:t>
+                      </a:r>
+                      <a:endParaRPr lang="en-US" sz="800" b="0" i="0" u="none" strike="noStrike">
+                        <a:solidFill>
+                          <a:srgbClr val="000000"/>
+                        </a:solidFill>
+                        <a:effectLst/>
+                        <a:latin typeface="Calibri" panose="020F0502020204030204" pitchFamily="34" charset="0"/>
+                      </a:endParaRPr>
+                    </a:p>
+                  </a:txBody>
+                  <a:tcPr marL="4997" marR="4997" marT="4997" marB="0" anchor="ctr"/>
+                </a:tc>
+                <a:extLst>
+                  <a:ext uri="{0D108BD9-81ED-4DB2-BD59-A6C34878D82A}">
+                    <a16:rowId xmlns:a16="http://schemas.microsoft.com/office/drawing/2014/main" val="1886261697"/>
+                  </a:ext>
+                </a:extLst>
+              </a:tr>
+              <a:tr h="597083">
+                <a:tc>
+                  <a:txBody>
+                    <a:bodyPr/>
+                    <a:lstStyle/>
+                    <a:p>
+                      <a:pPr algn="ctr" fontAlgn="ctr"/>
+                      <a:r>
+                        <a:rPr lang="en-US" sz="800" u="sng" strike="noStrike" dirty="0">
+                          <a:solidFill>
+                            <a:schemeClr val="tx1"/>
+                          </a:solidFill>
+                          <a:effectLst/>
+                          <a:hlinkClick r:id="rId3">
+                            <a:extLst>
+                              <a:ext uri="{A12FA001-AC4F-418D-AE19-62706E023703}">
+                                <ahyp:hlinkClr xmlns:ahyp="http://schemas.microsoft.com/office/drawing/2018/hyperlinkcolor" val="tx"/>
+                              </a:ext>
+                            </a:extLst>
+                          </a:hlinkClick>
+                        </a:rPr>
+                        <a:t>Apache </a:t>
+                      </a:r>
+                      <a:r>
+                        <a:rPr lang="en-US" sz="800" u="sng" strike="noStrike" dirty="0" err="1">
+                          <a:solidFill>
+                            <a:schemeClr val="tx1"/>
+                          </a:solidFill>
+                          <a:effectLst/>
+                          <a:hlinkClick r:id="rId3">
+                            <a:extLst>
+                              <a:ext uri="{A12FA001-AC4F-418D-AE19-62706E023703}">
+                                <ahyp:hlinkClr xmlns:ahyp="http://schemas.microsoft.com/office/drawing/2018/hyperlinkcolor" val="tx"/>
+                              </a:ext>
+                            </a:extLst>
+                          </a:hlinkClick>
+                        </a:rPr>
+                        <a:t>Nifi</a:t>
+                      </a:r>
+                      <a:endParaRPr lang="en-US" sz="800" b="0" i="0" u="sng" strike="noStrike" dirty="0">
+                        <a:solidFill>
+                          <a:schemeClr val="tx1"/>
+                        </a:solidFill>
+                        <a:effectLst/>
+                        <a:latin typeface="Calibri" panose="020F0502020204030204" pitchFamily="34" charset="0"/>
+                      </a:endParaRPr>
+                    </a:p>
+                  </a:txBody>
+                  <a:tcPr marL="4997" marR="4997" marT="4997" marB="0" anchor="ctr"/>
+                </a:tc>
+                <a:tc>
+                  <a:txBody>
+                    <a:bodyPr/>
+                    <a:lstStyle/>
+                    <a:p>
+                      <a:pPr algn="ctr" fontAlgn="ctr"/>
+                      <a:r>
+                        <a:rPr lang="en-US" sz="800" u="none" strike="noStrike" dirty="0">
+                          <a:effectLst/>
+                        </a:rPr>
+                        <a:t>Dataflow Automation</a:t>
+                      </a:r>
+                      <a:endParaRPr lang="en-US" sz="800" b="0" i="0" u="none" strike="noStrike" dirty="0">
+                        <a:solidFill>
+                          <a:srgbClr val="000000"/>
+                        </a:solidFill>
+                        <a:effectLst/>
+                        <a:latin typeface="Calibri" panose="020F0502020204030204" pitchFamily="34" charset="0"/>
+                      </a:endParaRPr>
+                    </a:p>
+                  </a:txBody>
+                  <a:tcPr marL="4997" marR="4997" marT="4997" marB="0" anchor="ctr"/>
+                </a:tc>
+                <a:tc>
+                  <a:txBody>
+                    <a:bodyPr/>
+                    <a:lstStyle/>
+                    <a:p>
+                      <a:pPr algn="ctr" fontAlgn="ctr"/>
+                      <a:r>
+                        <a:rPr lang="en-US" sz="800" u="none" strike="noStrike" dirty="0">
+                          <a:effectLst/>
+                        </a:rPr>
+                        <a:t>Yes</a:t>
+                      </a:r>
+                      <a:endParaRPr lang="en-US" sz="800" b="0" i="0" u="none" strike="noStrike" dirty="0">
+                        <a:solidFill>
+                          <a:srgbClr val="000000"/>
+                        </a:solidFill>
+                        <a:effectLst/>
+                        <a:latin typeface="Calibri" panose="020F0502020204030204" pitchFamily="34" charset="0"/>
+                      </a:endParaRPr>
+                    </a:p>
+                  </a:txBody>
+                  <a:tcPr marL="4997" marR="4997" marT="4997" marB="0" anchor="ctr"/>
+                </a:tc>
+                <a:tc>
+                  <a:txBody>
+                    <a:bodyPr/>
+                    <a:lstStyle/>
+                    <a:p>
+                      <a:pPr algn="ctr" fontAlgn="ctr"/>
+                      <a:r>
+                        <a:rPr lang="en-US" sz="800" u="none" strike="noStrike" dirty="0">
+                          <a:effectLst/>
+                        </a:rPr>
+                        <a:t>Apache License 2.0</a:t>
+                      </a:r>
+                      <a:endParaRPr lang="en-US" sz="800" b="0" i="0" u="none" strike="noStrike" dirty="0">
+                        <a:solidFill>
+                          <a:srgbClr val="000000"/>
+                        </a:solidFill>
+                        <a:effectLst/>
+                        <a:latin typeface="Calibri" panose="020F0502020204030204" pitchFamily="34" charset="0"/>
+                      </a:endParaRPr>
+                    </a:p>
+                  </a:txBody>
+                  <a:tcPr marL="4997" marR="4997" marT="4997" marB="0" anchor="ctr"/>
+                </a:tc>
+                <a:tc>
+                  <a:txBody>
+                    <a:bodyPr/>
+                    <a:lstStyle/>
+                    <a:p>
+                      <a:pPr algn="ctr" fontAlgn="ctr"/>
+                      <a:r>
+                        <a:rPr lang="en-US" sz="800" u="none" strike="noStrike">
+                          <a:effectLst/>
+                        </a:rPr>
+                        <a:t>Apache Nifi is open-source and free to use. It is maintained by the Apache Software Foundation.</a:t>
+                      </a:r>
+                      <a:endParaRPr lang="en-US" sz="800" b="0" i="0" u="none" strike="noStrike">
+                        <a:solidFill>
+                          <a:srgbClr val="000000"/>
+                        </a:solidFill>
+                        <a:effectLst/>
+                        <a:latin typeface="Calibri" panose="020F0502020204030204" pitchFamily="34" charset="0"/>
+                      </a:endParaRPr>
+                    </a:p>
+                  </a:txBody>
+                  <a:tcPr marL="4997" marR="4997" marT="4997" marB="0" anchor="ctr"/>
+                </a:tc>
+                <a:tc>
+                  <a:txBody>
+                    <a:bodyPr/>
+                    <a:lstStyle/>
+                    <a:p>
+                      <a:pPr algn="ctr" fontAlgn="ctr"/>
+                      <a:r>
+                        <a:rPr lang="en-US" sz="800" u="none" strike="noStrike">
+                          <a:effectLst/>
+                        </a:rPr>
+                        <a:t>Yes</a:t>
+                      </a:r>
+                      <a:endParaRPr lang="en-US" sz="800" b="0" i="0" u="none" strike="noStrike">
+                        <a:solidFill>
+                          <a:srgbClr val="000000"/>
+                        </a:solidFill>
+                        <a:effectLst/>
+                        <a:latin typeface="Calibri" panose="020F0502020204030204" pitchFamily="34" charset="0"/>
+                      </a:endParaRPr>
+                    </a:p>
+                  </a:txBody>
+                  <a:tcPr marL="4997" marR="4997" marT="4997" marB="0" anchor="ctr"/>
+                </a:tc>
+                <a:tc>
+                  <a:txBody>
+                    <a:bodyPr/>
+                    <a:lstStyle/>
+                    <a:p>
+                      <a:pPr algn="ctr" fontAlgn="ctr"/>
+                      <a:r>
+                        <a:rPr lang="en-US" sz="800" u="none" strike="noStrike">
+                          <a:effectLst/>
+                        </a:rPr>
+                        <a:t>Yes</a:t>
+                      </a:r>
+                      <a:endParaRPr lang="en-US" sz="800" b="0" i="0" u="none" strike="noStrike">
+                        <a:solidFill>
+                          <a:srgbClr val="000000"/>
+                        </a:solidFill>
+                        <a:effectLst/>
+                        <a:latin typeface="Calibri" panose="020F0502020204030204" pitchFamily="34" charset="0"/>
+                      </a:endParaRPr>
+                    </a:p>
+                  </a:txBody>
+                  <a:tcPr marL="4997" marR="4997" marT="4997" marB="0" anchor="ctr"/>
+                </a:tc>
+                <a:tc>
+                  <a:txBody>
+                    <a:bodyPr/>
+                    <a:lstStyle/>
+                    <a:p>
+                      <a:pPr algn="ctr" fontAlgn="ctr"/>
+                      <a:r>
+                        <a:rPr lang="en-US" sz="800" u="none" strike="noStrike">
+                          <a:effectLst/>
+                        </a:rPr>
+                        <a:t>Yes</a:t>
+                      </a:r>
+                      <a:endParaRPr lang="en-US" sz="800" b="0" i="0" u="none" strike="noStrike">
+                        <a:solidFill>
+                          <a:srgbClr val="000000"/>
+                        </a:solidFill>
+                        <a:effectLst/>
+                        <a:latin typeface="Calibri" panose="020F0502020204030204" pitchFamily="34" charset="0"/>
+                      </a:endParaRPr>
+                    </a:p>
+                  </a:txBody>
+                  <a:tcPr marL="4997" marR="4997" marT="4997" marB="0" anchor="ctr"/>
+                </a:tc>
+                <a:tc>
+                  <a:txBody>
+                    <a:bodyPr/>
+                    <a:lstStyle/>
+                    <a:p>
+                      <a:pPr algn="l" fontAlgn="ctr"/>
+                      <a:r>
+                        <a:rPr lang="en-US" sz="800" u="none" strike="noStrike">
+                          <a:effectLst/>
+                        </a:rPr>
+                        <a:t>* Visual interface for designing data flows</a:t>
+                      </a:r>
+                      <a:br>
+                        <a:rPr lang="en-US" sz="800" u="none" strike="noStrike">
+                          <a:effectLst/>
+                        </a:rPr>
+                      </a:br>
+                      <a:r>
+                        <a:rPr lang="en-US" sz="800" u="none" strike="noStrike">
+                          <a:effectLst/>
+                        </a:rPr>
+                        <a:t>* Strong data provenance</a:t>
+                      </a:r>
+                      <a:br>
+                        <a:rPr lang="en-US" sz="800" u="none" strike="noStrike">
+                          <a:effectLst/>
+                        </a:rPr>
+                      </a:br>
+                      <a:r>
+                        <a:rPr lang="en-US" sz="800" u="none" strike="noStrike">
+                          <a:effectLst/>
+                        </a:rPr>
+                        <a:t>* High scalability</a:t>
+                      </a:r>
+                      <a:br>
+                        <a:rPr lang="en-US" sz="800" u="none" strike="noStrike">
+                          <a:effectLst/>
+                        </a:rPr>
+                      </a:br>
+                      <a:r>
+                        <a:rPr lang="en-US" sz="800" u="none" strike="noStrike">
+                          <a:effectLst/>
+                        </a:rPr>
+                        <a:t>* Extensible architecture</a:t>
+                      </a:r>
+                      <a:endParaRPr lang="en-US" sz="800" b="0" i="0" u="none" strike="noStrike">
+                        <a:solidFill>
+                          <a:srgbClr val="000000"/>
+                        </a:solidFill>
+                        <a:effectLst/>
+                        <a:latin typeface="Calibri" panose="020F0502020204030204" pitchFamily="34" charset="0"/>
+                      </a:endParaRPr>
+                    </a:p>
+                  </a:txBody>
+                  <a:tcPr marL="4997" marR="4997" marT="4997" marB="0" anchor="ctr"/>
+                </a:tc>
+                <a:extLst>
+                  <a:ext uri="{0D108BD9-81ED-4DB2-BD59-A6C34878D82A}">
+                    <a16:rowId xmlns:a16="http://schemas.microsoft.com/office/drawing/2014/main" val="4120425957"/>
+                  </a:ext>
+                </a:extLst>
+              </a:tr>
+              <a:tr h="447812">
+                <a:tc>
+                  <a:txBody>
+                    <a:bodyPr/>
+                    <a:lstStyle/>
+                    <a:p>
+                      <a:pPr algn="ctr" fontAlgn="ctr"/>
+                      <a:r>
+                        <a:rPr lang="en-US" sz="800" u="sng" strike="noStrike" dirty="0">
+                          <a:solidFill>
+                            <a:schemeClr val="tx1"/>
+                          </a:solidFill>
+                          <a:effectLst/>
+                          <a:hlinkClick r:id="rId4">
+                            <a:extLst>
+                              <a:ext uri="{A12FA001-AC4F-418D-AE19-62706E023703}">
+                                <ahyp:hlinkClr xmlns:ahyp="http://schemas.microsoft.com/office/drawing/2018/hyperlinkcolor" val="tx"/>
+                              </a:ext>
+                            </a:extLst>
+                          </a:hlinkClick>
+                        </a:rPr>
+                        <a:t>Prefect</a:t>
+                      </a:r>
+                      <a:endParaRPr lang="en-US" sz="800" b="0" i="0" u="sng" strike="noStrike" dirty="0">
+                        <a:solidFill>
+                          <a:schemeClr val="tx1"/>
+                        </a:solidFill>
+                        <a:effectLst/>
+                        <a:latin typeface="Calibri" panose="020F0502020204030204" pitchFamily="34" charset="0"/>
+                      </a:endParaRPr>
+                    </a:p>
+                  </a:txBody>
+                  <a:tcPr marL="4997" marR="4997" marT="4997" marB="0" anchor="ctr"/>
+                </a:tc>
+                <a:tc>
+                  <a:txBody>
+                    <a:bodyPr/>
+                    <a:lstStyle/>
+                    <a:p>
+                      <a:pPr algn="ctr" fontAlgn="ctr"/>
+                      <a:r>
+                        <a:rPr lang="en-US" sz="800" u="none" strike="noStrike">
+                          <a:effectLst/>
+                        </a:rPr>
+                        <a:t>Workflow Orchestration</a:t>
+                      </a:r>
+                      <a:endParaRPr lang="en-US" sz="800" b="0" i="0" u="none" strike="noStrike">
+                        <a:solidFill>
+                          <a:srgbClr val="000000"/>
+                        </a:solidFill>
+                        <a:effectLst/>
+                        <a:latin typeface="Calibri" panose="020F0502020204030204" pitchFamily="34" charset="0"/>
+                      </a:endParaRPr>
+                    </a:p>
+                  </a:txBody>
+                  <a:tcPr marL="4997" marR="4997" marT="4997" marB="0" anchor="ctr"/>
+                </a:tc>
+                <a:tc>
+                  <a:txBody>
+                    <a:bodyPr/>
+                    <a:lstStyle/>
+                    <a:p>
+                      <a:pPr algn="ctr" fontAlgn="ctr"/>
+                      <a:r>
+                        <a:rPr lang="en-US" sz="800" u="none" strike="noStrike">
+                          <a:effectLst/>
+                        </a:rPr>
+                        <a:t>Yes</a:t>
+                      </a:r>
+                      <a:endParaRPr lang="en-US" sz="800" b="0" i="0" u="none" strike="noStrike">
+                        <a:solidFill>
+                          <a:srgbClr val="000000"/>
+                        </a:solidFill>
+                        <a:effectLst/>
+                        <a:latin typeface="Calibri" panose="020F0502020204030204" pitchFamily="34" charset="0"/>
+                      </a:endParaRPr>
+                    </a:p>
+                  </a:txBody>
+                  <a:tcPr marL="4997" marR="4997" marT="4997" marB="0" anchor="ctr"/>
+                </a:tc>
+                <a:tc>
+                  <a:txBody>
+                    <a:bodyPr/>
+                    <a:lstStyle/>
+                    <a:p>
+                      <a:pPr algn="ctr" fontAlgn="ctr"/>
+                      <a:r>
+                        <a:rPr lang="en-US" sz="800" u="none" strike="noStrike">
+                          <a:effectLst/>
+                        </a:rPr>
+                        <a:t>Apache License 2.0 (Open-Source)</a:t>
+                      </a:r>
+                      <a:endParaRPr lang="en-US" sz="800" b="0" i="0" u="none" strike="noStrike">
+                        <a:solidFill>
+                          <a:srgbClr val="000000"/>
+                        </a:solidFill>
+                        <a:effectLst/>
+                        <a:latin typeface="Calibri" panose="020F0502020204030204" pitchFamily="34" charset="0"/>
+                      </a:endParaRPr>
+                    </a:p>
+                  </a:txBody>
+                  <a:tcPr marL="4997" marR="4997" marT="4997" marB="0" anchor="ctr"/>
+                </a:tc>
+                <a:tc>
+                  <a:txBody>
+                    <a:bodyPr/>
+                    <a:lstStyle/>
+                    <a:p>
+                      <a:pPr algn="ctr" fontAlgn="ctr"/>
+                      <a:r>
+                        <a:rPr lang="en-US" sz="800" u="none" strike="noStrike">
+                          <a:effectLst/>
+                        </a:rPr>
+                        <a:t>Prefect has an open-source version, but also offers a managed service (Prefect Cloud) with additional features and support.</a:t>
+                      </a:r>
+                      <a:endParaRPr lang="en-US" sz="800" b="0" i="0" u="none" strike="noStrike">
+                        <a:solidFill>
+                          <a:srgbClr val="000000"/>
+                        </a:solidFill>
+                        <a:effectLst/>
+                        <a:latin typeface="Calibri" panose="020F0502020204030204" pitchFamily="34" charset="0"/>
+                      </a:endParaRPr>
+                    </a:p>
+                  </a:txBody>
+                  <a:tcPr marL="4997" marR="4997" marT="4997" marB="0" anchor="ctr"/>
+                </a:tc>
+                <a:tc>
+                  <a:txBody>
+                    <a:bodyPr/>
+                    <a:lstStyle/>
+                    <a:p>
+                      <a:pPr algn="ctr" fontAlgn="ctr"/>
+                      <a:r>
+                        <a:rPr lang="en-US" sz="800" u="none" strike="noStrike">
+                          <a:effectLst/>
+                        </a:rPr>
+                        <a:t>Yes</a:t>
+                      </a:r>
+                      <a:endParaRPr lang="en-US" sz="800" b="0" i="0" u="none" strike="noStrike">
+                        <a:solidFill>
+                          <a:srgbClr val="000000"/>
+                        </a:solidFill>
+                        <a:effectLst/>
+                        <a:latin typeface="Calibri" panose="020F0502020204030204" pitchFamily="34" charset="0"/>
+                      </a:endParaRPr>
+                    </a:p>
+                  </a:txBody>
+                  <a:tcPr marL="4997" marR="4997" marT="4997" marB="0" anchor="ctr"/>
+                </a:tc>
+                <a:tc>
+                  <a:txBody>
+                    <a:bodyPr/>
+                    <a:lstStyle/>
+                    <a:p>
+                      <a:pPr algn="ctr" fontAlgn="ctr"/>
+                      <a:r>
+                        <a:rPr lang="en-US" sz="800" u="none" strike="noStrike">
+                          <a:effectLst/>
+                        </a:rPr>
+                        <a:t>No</a:t>
+                      </a:r>
+                      <a:endParaRPr lang="en-US" sz="800" b="0" i="0" u="none" strike="noStrike">
+                        <a:solidFill>
+                          <a:srgbClr val="000000"/>
+                        </a:solidFill>
+                        <a:effectLst/>
+                        <a:latin typeface="Calibri" panose="020F0502020204030204" pitchFamily="34" charset="0"/>
+                      </a:endParaRPr>
+                    </a:p>
+                  </a:txBody>
+                  <a:tcPr marL="4997" marR="4997" marT="4997" marB="0" anchor="ctr"/>
+                </a:tc>
+                <a:tc>
+                  <a:txBody>
+                    <a:bodyPr/>
+                    <a:lstStyle/>
+                    <a:p>
+                      <a:pPr algn="ctr" fontAlgn="ctr"/>
+                      <a:r>
+                        <a:rPr lang="en-US" sz="800" u="none" strike="noStrike">
+                          <a:effectLst/>
+                        </a:rPr>
+                        <a:t>No</a:t>
+                      </a:r>
+                      <a:endParaRPr lang="en-US" sz="800" b="0" i="0" u="none" strike="noStrike">
+                        <a:solidFill>
+                          <a:srgbClr val="000000"/>
+                        </a:solidFill>
+                        <a:effectLst/>
+                        <a:latin typeface="Calibri" panose="020F0502020204030204" pitchFamily="34" charset="0"/>
+                      </a:endParaRPr>
+                    </a:p>
+                  </a:txBody>
+                  <a:tcPr marL="4997" marR="4997" marT="4997" marB="0" anchor="ctr"/>
+                </a:tc>
+                <a:tc>
+                  <a:txBody>
+                    <a:bodyPr/>
+                    <a:lstStyle/>
+                    <a:p>
+                      <a:pPr algn="l" fontAlgn="ctr"/>
+                      <a:r>
+                        <a:rPr lang="en-US" sz="800" u="none" strike="noStrike">
+                          <a:effectLst/>
+                        </a:rPr>
+                        <a:t>* Python-based workflows</a:t>
+                      </a:r>
+                      <a:br>
+                        <a:rPr lang="en-US" sz="800" u="none" strike="noStrike">
+                          <a:effectLst/>
+                        </a:rPr>
+                      </a:br>
+                      <a:r>
+                        <a:rPr lang="en-US" sz="800" u="none" strike="noStrike">
+                          <a:effectLst/>
+                        </a:rPr>
+                        <a:t>* Flexible and dynamic workflows</a:t>
+                      </a:r>
+                      <a:br>
+                        <a:rPr lang="en-US" sz="800" u="none" strike="noStrike">
+                          <a:effectLst/>
+                        </a:rPr>
+                      </a:br>
+                      <a:r>
+                        <a:rPr lang="en-US" sz="800" u="none" strike="noStrike">
+                          <a:effectLst/>
+                        </a:rPr>
+                        <a:t>* Strong observability and logging</a:t>
+                      </a:r>
+                      <a:endParaRPr lang="en-US" sz="800" b="0" i="0" u="none" strike="noStrike">
+                        <a:solidFill>
+                          <a:srgbClr val="000000"/>
+                        </a:solidFill>
+                        <a:effectLst/>
+                        <a:latin typeface="Calibri" panose="020F0502020204030204" pitchFamily="34" charset="0"/>
+                      </a:endParaRPr>
+                    </a:p>
+                  </a:txBody>
+                  <a:tcPr marL="4997" marR="4997" marT="4997" marB="0" anchor="ctr"/>
+                </a:tc>
+                <a:extLst>
+                  <a:ext uri="{0D108BD9-81ED-4DB2-BD59-A6C34878D82A}">
+                    <a16:rowId xmlns:a16="http://schemas.microsoft.com/office/drawing/2014/main" val="4230945882"/>
+                  </a:ext>
+                </a:extLst>
+              </a:tr>
+              <a:tr h="597083">
+                <a:tc>
+                  <a:txBody>
+                    <a:bodyPr/>
+                    <a:lstStyle/>
+                    <a:p>
+                      <a:pPr algn="ctr" fontAlgn="ctr"/>
+                      <a:r>
+                        <a:rPr lang="en-US" sz="800" u="sng" strike="noStrike" dirty="0">
+                          <a:solidFill>
+                            <a:schemeClr val="tx1"/>
+                          </a:solidFill>
+                          <a:effectLst/>
+                          <a:hlinkClick r:id="rId5">
+                            <a:extLst>
+                              <a:ext uri="{A12FA001-AC4F-418D-AE19-62706E023703}">
+                                <ahyp:hlinkClr xmlns:ahyp="http://schemas.microsoft.com/office/drawing/2018/hyperlinkcolor" val="tx"/>
+                              </a:ext>
+                            </a:extLst>
+                          </a:hlinkClick>
+                        </a:rPr>
+                        <a:t>Apache Airflow</a:t>
+                      </a:r>
+                      <a:endParaRPr lang="en-US" sz="800" b="0" i="0" u="sng" strike="noStrike" dirty="0">
+                        <a:solidFill>
+                          <a:schemeClr val="tx1"/>
+                        </a:solidFill>
+                        <a:effectLst/>
+                        <a:latin typeface="Calibri" panose="020F0502020204030204" pitchFamily="34" charset="0"/>
+                      </a:endParaRPr>
+                    </a:p>
+                  </a:txBody>
+                  <a:tcPr marL="4997" marR="4997" marT="4997" marB="0" anchor="ctr"/>
+                </a:tc>
+                <a:tc>
+                  <a:txBody>
+                    <a:bodyPr/>
+                    <a:lstStyle/>
+                    <a:p>
+                      <a:pPr algn="ctr" fontAlgn="ctr"/>
+                      <a:r>
+                        <a:rPr lang="en-US" sz="800" u="none" strike="noStrike">
+                          <a:effectLst/>
+                        </a:rPr>
+                        <a:t>Workflow Orchestration</a:t>
+                      </a:r>
+                      <a:endParaRPr lang="en-US" sz="800" b="0" i="0" u="none" strike="noStrike">
+                        <a:solidFill>
+                          <a:srgbClr val="000000"/>
+                        </a:solidFill>
+                        <a:effectLst/>
+                        <a:latin typeface="Calibri" panose="020F0502020204030204" pitchFamily="34" charset="0"/>
+                      </a:endParaRPr>
+                    </a:p>
+                  </a:txBody>
+                  <a:tcPr marL="4997" marR="4997" marT="4997" marB="0" anchor="ctr"/>
+                </a:tc>
+                <a:tc>
+                  <a:txBody>
+                    <a:bodyPr/>
+                    <a:lstStyle/>
+                    <a:p>
+                      <a:pPr algn="ctr" fontAlgn="ctr"/>
+                      <a:r>
+                        <a:rPr lang="en-US" sz="800" u="none" strike="noStrike">
+                          <a:effectLst/>
+                        </a:rPr>
+                        <a:t>Yes</a:t>
+                      </a:r>
+                      <a:endParaRPr lang="en-US" sz="800" b="0" i="0" u="none" strike="noStrike">
+                        <a:solidFill>
+                          <a:srgbClr val="000000"/>
+                        </a:solidFill>
+                        <a:effectLst/>
+                        <a:latin typeface="Calibri" panose="020F0502020204030204" pitchFamily="34" charset="0"/>
+                      </a:endParaRPr>
+                    </a:p>
+                  </a:txBody>
+                  <a:tcPr marL="4997" marR="4997" marT="4997" marB="0" anchor="ctr"/>
+                </a:tc>
+                <a:tc>
+                  <a:txBody>
+                    <a:bodyPr/>
+                    <a:lstStyle/>
+                    <a:p>
+                      <a:pPr algn="ctr" fontAlgn="ctr"/>
+                      <a:r>
+                        <a:rPr lang="en-US" sz="800" u="none" strike="noStrike">
+                          <a:effectLst/>
+                        </a:rPr>
+                        <a:t>Apache License 2.0</a:t>
+                      </a:r>
+                      <a:endParaRPr lang="en-US" sz="800" b="0" i="0" u="none" strike="noStrike">
+                        <a:solidFill>
+                          <a:srgbClr val="000000"/>
+                        </a:solidFill>
+                        <a:effectLst/>
+                        <a:latin typeface="Calibri" panose="020F0502020204030204" pitchFamily="34" charset="0"/>
+                      </a:endParaRPr>
+                    </a:p>
+                  </a:txBody>
+                  <a:tcPr marL="4997" marR="4997" marT="4997" marB="0" anchor="ctr"/>
+                </a:tc>
+                <a:tc>
+                  <a:txBody>
+                    <a:bodyPr/>
+                    <a:lstStyle/>
+                    <a:p>
+                      <a:pPr algn="ctr" fontAlgn="ctr"/>
+                      <a:r>
+                        <a:rPr lang="en-US" sz="800" u="none" strike="noStrike" dirty="0">
+                          <a:effectLst/>
+                        </a:rPr>
+                        <a:t>Apache Airflow is open-source and free to use, maintained by the Apache Software Foundation. Managed versions (like Astronomer) are available as paid services.</a:t>
+                      </a:r>
+                      <a:endParaRPr lang="en-US" sz="800" b="0" i="0" u="none" strike="noStrike" dirty="0">
+                        <a:solidFill>
+                          <a:srgbClr val="000000"/>
+                        </a:solidFill>
+                        <a:effectLst/>
+                        <a:latin typeface="Calibri" panose="020F0502020204030204" pitchFamily="34" charset="0"/>
+                      </a:endParaRPr>
+                    </a:p>
+                  </a:txBody>
+                  <a:tcPr marL="4997" marR="4997" marT="4997" marB="0" anchor="ctr"/>
+                </a:tc>
+                <a:tc>
+                  <a:txBody>
+                    <a:bodyPr/>
+                    <a:lstStyle/>
+                    <a:p>
+                      <a:pPr algn="ctr" fontAlgn="ctr"/>
+                      <a:r>
+                        <a:rPr lang="en-US" sz="800" u="none" strike="noStrike">
+                          <a:effectLst/>
+                        </a:rPr>
+                        <a:t>Yes</a:t>
+                      </a:r>
+                      <a:endParaRPr lang="en-US" sz="800" b="0" i="0" u="none" strike="noStrike">
+                        <a:solidFill>
+                          <a:srgbClr val="000000"/>
+                        </a:solidFill>
+                        <a:effectLst/>
+                        <a:latin typeface="Calibri" panose="020F0502020204030204" pitchFamily="34" charset="0"/>
+                      </a:endParaRPr>
+                    </a:p>
+                  </a:txBody>
+                  <a:tcPr marL="4997" marR="4997" marT="4997" marB="0" anchor="ctr"/>
+                </a:tc>
+                <a:tc>
+                  <a:txBody>
+                    <a:bodyPr/>
+                    <a:lstStyle/>
+                    <a:p>
+                      <a:pPr algn="ctr" fontAlgn="ctr"/>
+                      <a:r>
+                        <a:rPr lang="en-US" sz="800" u="none" strike="noStrike">
+                          <a:effectLst/>
+                        </a:rPr>
+                        <a:t>No</a:t>
+                      </a:r>
+                      <a:endParaRPr lang="en-US" sz="800" b="0" i="0" u="none" strike="noStrike">
+                        <a:solidFill>
+                          <a:srgbClr val="000000"/>
+                        </a:solidFill>
+                        <a:effectLst/>
+                        <a:latin typeface="Calibri" panose="020F0502020204030204" pitchFamily="34" charset="0"/>
+                      </a:endParaRPr>
+                    </a:p>
+                  </a:txBody>
+                  <a:tcPr marL="4997" marR="4997" marT="4997" marB="0" anchor="ctr"/>
+                </a:tc>
+                <a:tc>
+                  <a:txBody>
+                    <a:bodyPr/>
+                    <a:lstStyle/>
+                    <a:p>
+                      <a:pPr algn="ctr" fontAlgn="ctr"/>
+                      <a:r>
+                        <a:rPr lang="en-US" sz="800" u="none" strike="noStrike">
+                          <a:effectLst/>
+                        </a:rPr>
+                        <a:t>No</a:t>
+                      </a:r>
+                      <a:endParaRPr lang="en-US" sz="800" b="0" i="0" u="none" strike="noStrike">
+                        <a:solidFill>
+                          <a:srgbClr val="000000"/>
+                        </a:solidFill>
+                        <a:effectLst/>
+                        <a:latin typeface="Calibri" panose="020F0502020204030204" pitchFamily="34" charset="0"/>
+                      </a:endParaRPr>
+                    </a:p>
+                  </a:txBody>
+                  <a:tcPr marL="4997" marR="4997" marT="4997" marB="0" anchor="ctr"/>
+                </a:tc>
+                <a:tc>
+                  <a:txBody>
+                    <a:bodyPr/>
+                    <a:lstStyle/>
+                    <a:p>
+                      <a:pPr algn="l" fontAlgn="ctr"/>
+                      <a:r>
+                        <a:rPr lang="en-US" sz="800" u="none" strike="noStrike">
+                          <a:effectLst/>
+                        </a:rPr>
+                        <a:t>* DAGs for workflow management</a:t>
+                      </a:r>
+                      <a:br>
+                        <a:rPr lang="en-US" sz="800" u="none" strike="noStrike">
+                          <a:effectLst/>
+                        </a:rPr>
+                      </a:br>
+                      <a:r>
+                        <a:rPr lang="en-US" sz="800" u="none" strike="noStrike">
+                          <a:effectLst/>
+                        </a:rPr>
+                        <a:t>* Python-based tasks</a:t>
+                      </a:r>
+                      <a:br>
+                        <a:rPr lang="en-US" sz="800" u="none" strike="noStrike">
+                          <a:effectLst/>
+                        </a:rPr>
+                      </a:br>
+                      <a:r>
+                        <a:rPr lang="en-US" sz="800" u="none" strike="noStrike">
+                          <a:effectLst/>
+                        </a:rPr>
+                        <a:t>* Scheduler and web-based UI</a:t>
+                      </a:r>
+                      <a:br>
+                        <a:rPr lang="en-US" sz="800" u="none" strike="noStrike">
+                          <a:effectLst/>
+                        </a:rPr>
+                      </a:br>
+                      <a:r>
+                        <a:rPr lang="en-US" sz="800" u="none" strike="noStrike">
+                          <a:effectLst/>
+                        </a:rPr>
+                        <a:t>* Extensible with custom operators</a:t>
+                      </a:r>
+                      <a:endParaRPr lang="en-US" sz="800" b="0" i="0" u="none" strike="noStrike">
+                        <a:solidFill>
+                          <a:srgbClr val="000000"/>
+                        </a:solidFill>
+                        <a:effectLst/>
+                        <a:latin typeface="Calibri" panose="020F0502020204030204" pitchFamily="34" charset="0"/>
+                      </a:endParaRPr>
+                    </a:p>
+                  </a:txBody>
+                  <a:tcPr marL="4997" marR="4997" marT="4997" marB="0" anchor="ctr"/>
+                </a:tc>
+                <a:extLst>
+                  <a:ext uri="{0D108BD9-81ED-4DB2-BD59-A6C34878D82A}">
+                    <a16:rowId xmlns:a16="http://schemas.microsoft.com/office/drawing/2014/main" val="1453460962"/>
+                  </a:ext>
+                </a:extLst>
+              </a:tr>
+              <a:tr h="597083">
+                <a:tc>
+                  <a:txBody>
+                    <a:bodyPr/>
+                    <a:lstStyle/>
+                    <a:p>
+                      <a:pPr algn="ctr" fontAlgn="ctr"/>
+                      <a:r>
+                        <a:rPr lang="en-US" sz="800" u="sng" strike="noStrike" dirty="0">
+                          <a:solidFill>
+                            <a:schemeClr val="tx1"/>
+                          </a:solidFill>
+                          <a:effectLst/>
+                          <a:hlinkClick r:id="rId6">
+                            <a:extLst>
+                              <a:ext uri="{A12FA001-AC4F-418D-AE19-62706E023703}">
+                                <ahyp:hlinkClr xmlns:ahyp="http://schemas.microsoft.com/office/drawing/2018/hyperlinkcolor" val="tx"/>
+                              </a:ext>
+                            </a:extLst>
+                          </a:hlinkClick>
+                        </a:rPr>
+                        <a:t>Mage</a:t>
+                      </a:r>
+                      <a:endParaRPr lang="en-US" sz="800" b="0" i="0" u="sng" strike="noStrike" dirty="0">
+                        <a:solidFill>
+                          <a:schemeClr val="tx1"/>
+                        </a:solidFill>
+                        <a:effectLst/>
+                        <a:latin typeface="Calibri" panose="020F0502020204030204" pitchFamily="34" charset="0"/>
+                      </a:endParaRPr>
+                    </a:p>
+                  </a:txBody>
+                  <a:tcPr marL="4997" marR="4997" marT="4997" marB="0" anchor="ctr"/>
+                </a:tc>
+                <a:tc>
+                  <a:txBody>
+                    <a:bodyPr/>
+                    <a:lstStyle/>
+                    <a:p>
+                      <a:pPr algn="ctr" fontAlgn="ctr"/>
+                      <a:r>
+                        <a:rPr lang="en-US" sz="800" u="none" strike="noStrike">
+                          <a:effectLst/>
+                        </a:rPr>
+                        <a:t>Data Pipeline Tool</a:t>
+                      </a:r>
+                      <a:endParaRPr lang="en-US" sz="800" b="0" i="0" u="none" strike="noStrike">
+                        <a:solidFill>
+                          <a:srgbClr val="000000"/>
+                        </a:solidFill>
+                        <a:effectLst/>
+                        <a:latin typeface="Calibri" panose="020F0502020204030204" pitchFamily="34" charset="0"/>
+                      </a:endParaRPr>
+                    </a:p>
+                  </a:txBody>
+                  <a:tcPr marL="4997" marR="4997" marT="4997" marB="0" anchor="ctr"/>
+                </a:tc>
+                <a:tc>
+                  <a:txBody>
+                    <a:bodyPr/>
+                    <a:lstStyle/>
+                    <a:p>
+                      <a:pPr algn="ctr" fontAlgn="ctr"/>
+                      <a:r>
+                        <a:rPr lang="en-US" sz="800" u="none" strike="noStrike">
+                          <a:effectLst/>
+                        </a:rPr>
+                        <a:t>Yes</a:t>
+                      </a:r>
+                      <a:endParaRPr lang="en-US" sz="800" b="0" i="0" u="none" strike="noStrike">
+                        <a:solidFill>
+                          <a:srgbClr val="000000"/>
+                        </a:solidFill>
+                        <a:effectLst/>
+                        <a:latin typeface="Calibri" panose="020F0502020204030204" pitchFamily="34" charset="0"/>
+                      </a:endParaRPr>
+                    </a:p>
+                  </a:txBody>
+                  <a:tcPr marL="4997" marR="4997" marT="4997" marB="0" anchor="ctr"/>
+                </a:tc>
+                <a:tc>
+                  <a:txBody>
+                    <a:bodyPr/>
+                    <a:lstStyle/>
+                    <a:p>
+                      <a:pPr algn="ctr" fontAlgn="ctr"/>
+                      <a:r>
+                        <a:rPr lang="en-US" sz="800" u="none" strike="noStrike">
+                          <a:effectLst/>
+                        </a:rPr>
+                        <a:t>Apache License 2.0</a:t>
+                      </a:r>
+                      <a:endParaRPr lang="en-US" sz="800" b="0" i="0" u="none" strike="noStrike">
+                        <a:solidFill>
+                          <a:srgbClr val="000000"/>
+                        </a:solidFill>
+                        <a:effectLst/>
+                        <a:latin typeface="Calibri" panose="020F0502020204030204" pitchFamily="34" charset="0"/>
+                      </a:endParaRPr>
+                    </a:p>
+                  </a:txBody>
+                  <a:tcPr marL="4997" marR="4997" marT="4997" marB="0" anchor="ctr"/>
+                </a:tc>
+                <a:tc>
+                  <a:txBody>
+                    <a:bodyPr/>
+                    <a:lstStyle/>
+                    <a:p>
+                      <a:pPr algn="ctr" fontAlgn="ctr"/>
+                      <a:r>
+                        <a:rPr lang="en-US" sz="800" u="none" strike="noStrike" dirty="0">
+                          <a:effectLst/>
+                        </a:rPr>
+                        <a:t>Mage has an open-source version, but also offers enterprise solutions with additional features and support.</a:t>
+                      </a:r>
+                      <a:endParaRPr lang="en-US" sz="800" b="0" i="0" u="none" strike="noStrike" dirty="0">
+                        <a:solidFill>
+                          <a:srgbClr val="000000"/>
+                        </a:solidFill>
+                        <a:effectLst/>
+                        <a:latin typeface="Calibri" panose="020F0502020204030204" pitchFamily="34" charset="0"/>
+                      </a:endParaRPr>
+                    </a:p>
+                  </a:txBody>
+                  <a:tcPr marL="4997" marR="4997" marT="4997" marB="0" anchor="ctr"/>
+                </a:tc>
+                <a:tc>
+                  <a:txBody>
+                    <a:bodyPr/>
+                    <a:lstStyle/>
+                    <a:p>
+                      <a:pPr algn="ctr" fontAlgn="ctr"/>
+                      <a:r>
+                        <a:rPr lang="en-US" sz="800" u="none" strike="noStrike" dirty="0">
+                          <a:effectLst/>
+                        </a:rPr>
+                        <a:t>Yes</a:t>
+                      </a:r>
+                      <a:endParaRPr lang="en-US" sz="800" b="0" i="0" u="none" strike="noStrike" dirty="0">
+                        <a:solidFill>
+                          <a:srgbClr val="000000"/>
+                        </a:solidFill>
+                        <a:effectLst/>
+                        <a:latin typeface="Calibri" panose="020F0502020204030204" pitchFamily="34" charset="0"/>
+                      </a:endParaRPr>
+                    </a:p>
+                  </a:txBody>
+                  <a:tcPr marL="4997" marR="4997" marT="4997" marB="0" anchor="ctr"/>
+                </a:tc>
+                <a:tc>
+                  <a:txBody>
+                    <a:bodyPr/>
+                    <a:lstStyle/>
+                    <a:p>
+                      <a:pPr algn="ctr" fontAlgn="ctr"/>
+                      <a:r>
+                        <a:rPr lang="en-US" sz="800" u="none" strike="noStrike" dirty="0">
+                          <a:effectLst/>
+                        </a:rPr>
+                        <a:t>No</a:t>
+                      </a:r>
+                      <a:endParaRPr lang="en-US" sz="800" b="0" i="0" u="none" strike="noStrike" dirty="0">
+                        <a:solidFill>
+                          <a:srgbClr val="000000"/>
+                        </a:solidFill>
+                        <a:effectLst/>
+                        <a:latin typeface="Calibri" panose="020F0502020204030204" pitchFamily="34" charset="0"/>
+                      </a:endParaRPr>
+                    </a:p>
+                  </a:txBody>
+                  <a:tcPr marL="4997" marR="4997" marT="4997" marB="0" anchor="ctr"/>
+                </a:tc>
+                <a:tc>
+                  <a:txBody>
+                    <a:bodyPr/>
+                    <a:lstStyle/>
+                    <a:p>
+                      <a:pPr algn="ctr" fontAlgn="ctr"/>
+                      <a:r>
+                        <a:rPr lang="en-US" sz="800" u="none" strike="noStrike">
+                          <a:effectLst/>
+                        </a:rPr>
+                        <a:t>Yes</a:t>
+                      </a:r>
+                      <a:endParaRPr lang="en-US" sz="800" b="0" i="0" u="none" strike="noStrike">
+                        <a:solidFill>
+                          <a:srgbClr val="000000"/>
+                        </a:solidFill>
+                        <a:effectLst/>
+                        <a:latin typeface="Calibri" panose="020F0502020204030204" pitchFamily="34" charset="0"/>
+                      </a:endParaRPr>
+                    </a:p>
+                  </a:txBody>
+                  <a:tcPr marL="4997" marR="4997" marT="4997" marB="0" anchor="ctr"/>
+                </a:tc>
+                <a:tc>
+                  <a:txBody>
+                    <a:bodyPr/>
+                    <a:lstStyle/>
+                    <a:p>
+                      <a:pPr algn="l" fontAlgn="ctr"/>
+                      <a:r>
+                        <a:rPr lang="en-US" sz="800" u="none" strike="noStrike">
+                          <a:effectLst/>
+                        </a:rPr>
+                        <a:t>* Visual and code based interface</a:t>
+                      </a:r>
+                      <a:br>
+                        <a:rPr lang="en-US" sz="800" u="none" strike="noStrike">
+                          <a:effectLst/>
+                        </a:rPr>
+                      </a:br>
+                      <a:r>
+                        <a:rPr lang="en-US" sz="800" u="none" strike="noStrike">
+                          <a:effectLst/>
+                        </a:rPr>
+                        <a:t>* Real-time and batch processing</a:t>
+                      </a:r>
+                      <a:br>
+                        <a:rPr lang="en-US" sz="800" u="none" strike="noStrike">
+                          <a:effectLst/>
+                        </a:rPr>
+                      </a:br>
+                      <a:r>
+                        <a:rPr lang="en-US" sz="800" u="none" strike="noStrike">
+                          <a:effectLst/>
+                        </a:rPr>
+                        <a:t>* Modular architecture</a:t>
+                      </a:r>
+                      <a:br>
+                        <a:rPr lang="en-US" sz="800" u="none" strike="noStrike">
+                          <a:effectLst/>
+                        </a:rPr>
+                      </a:br>
+                      <a:r>
+                        <a:rPr lang="en-US" sz="800" u="none" strike="noStrike">
+                          <a:effectLst/>
+                        </a:rPr>
+                        <a:t>* Collaboration features</a:t>
+                      </a:r>
+                      <a:endParaRPr lang="en-US" sz="800" b="0" i="0" u="none" strike="noStrike">
+                        <a:solidFill>
+                          <a:srgbClr val="000000"/>
+                        </a:solidFill>
+                        <a:effectLst/>
+                        <a:latin typeface="Calibri" panose="020F0502020204030204" pitchFamily="34" charset="0"/>
+                      </a:endParaRPr>
+                    </a:p>
+                  </a:txBody>
+                  <a:tcPr marL="4997" marR="4997" marT="4997" marB="0" anchor="ctr"/>
+                </a:tc>
+                <a:extLst>
+                  <a:ext uri="{0D108BD9-81ED-4DB2-BD59-A6C34878D82A}">
+                    <a16:rowId xmlns:a16="http://schemas.microsoft.com/office/drawing/2014/main" val="4049562293"/>
+                  </a:ext>
+                </a:extLst>
+              </a:tr>
+              <a:tr h="597083">
+                <a:tc>
+                  <a:txBody>
+                    <a:bodyPr/>
+                    <a:lstStyle/>
+                    <a:p>
+                      <a:pPr algn="ctr" fontAlgn="ctr"/>
+                      <a:r>
+                        <a:rPr lang="en-US" sz="800" u="sng" strike="noStrike" dirty="0" err="1">
+                          <a:solidFill>
+                            <a:schemeClr val="tx1"/>
+                          </a:solidFill>
+                          <a:effectLst/>
+                          <a:hlinkClick r:id="rId7">
+                            <a:extLst>
+                              <a:ext uri="{A12FA001-AC4F-418D-AE19-62706E023703}">
+                                <ahyp:hlinkClr xmlns:ahyp="http://schemas.microsoft.com/office/drawing/2018/hyperlinkcolor" val="tx"/>
+                              </a:ext>
+                            </a:extLst>
+                          </a:hlinkClick>
+                        </a:rPr>
+                        <a:t>Dagster</a:t>
+                      </a:r>
+                      <a:endParaRPr lang="en-US" sz="800" b="0" i="0" u="sng" strike="noStrike" dirty="0">
+                        <a:solidFill>
+                          <a:schemeClr val="tx1"/>
+                        </a:solidFill>
+                        <a:effectLst/>
+                        <a:latin typeface="Calibri" panose="020F0502020204030204" pitchFamily="34" charset="0"/>
+                      </a:endParaRPr>
+                    </a:p>
+                  </a:txBody>
+                  <a:tcPr marL="4997" marR="4997" marT="4997" marB="0" anchor="ctr"/>
+                </a:tc>
+                <a:tc>
+                  <a:txBody>
+                    <a:bodyPr/>
+                    <a:lstStyle/>
+                    <a:p>
+                      <a:pPr algn="ctr" fontAlgn="ctr"/>
+                      <a:r>
+                        <a:rPr lang="en-US" sz="800" u="none" strike="noStrike">
+                          <a:effectLst/>
+                        </a:rPr>
+                        <a:t>Data Orchestration</a:t>
+                      </a:r>
+                      <a:endParaRPr lang="en-US" sz="800" b="0" i="0" u="none" strike="noStrike">
+                        <a:solidFill>
+                          <a:srgbClr val="000000"/>
+                        </a:solidFill>
+                        <a:effectLst/>
+                        <a:latin typeface="Calibri" panose="020F0502020204030204" pitchFamily="34" charset="0"/>
+                      </a:endParaRPr>
+                    </a:p>
+                  </a:txBody>
+                  <a:tcPr marL="4997" marR="4997" marT="4997" marB="0" anchor="ctr"/>
+                </a:tc>
+                <a:tc>
+                  <a:txBody>
+                    <a:bodyPr/>
+                    <a:lstStyle/>
+                    <a:p>
+                      <a:pPr algn="ctr" fontAlgn="ctr"/>
+                      <a:r>
+                        <a:rPr lang="en-US" sz="800" u="none" strike="noStrike">
+                          <a:effectLst/>
+                        </a:rPr>
+                        <a:t>Yes</a:t>
+                      </a:r>
+                      <a:endParaRPr lang="en-US" sz="800" b="0" i="0" u="none" strike="noStrike">
+                        <a:solidFill>
+                          <a:srgbClr val="000000"/>
+                        </a:solidFill>
+                        <a:effectLst/>
+                        <a:latin typeface="Calibri" panose="020F0502020204030204" pitchFamily="34" charset="0"/>
+                      </a:endParaRPr>
+                    </a:p>
+                  </a:txBody>
+                  <a:tcPr marL="4997" marR="4997" marT="4997" marB="0" anchor="ctr"/>
+                </a:tc>
+                <a:tc>
+                  <a:txBody>
+                    <a:bodyPr/>
+                    <a:lstStyle/>
+                    <a:p>
+                      <a:pPr algn="ctr" fontAlgn="ctr"/>
+                      <a:r>
+                        <a:rPr lang="en-US" sz="800" u="none" strike="noStrike">
+                          <a:effectLst/>
+                        </a:rPr>
+                        <a:t>Apache License 2.0 (Open-Source)</a:t>
+                      </a:r>
+                      <a:endParaRPr lang="en-US" sz="800" b="0" i="0" u="none" strike="noStrike">
+                        <a:solidFill>
+                          <a:srgbClr val="000000"/>
+                        </a:solidFill>
+                        <a:effectLst/>
+                        <a:latin typeface="Calibri" panose="020F0502020204030204" pitchFamily="34" charset="0"/>
+                      </a:endParaRPr>
+                    </a:p>
+                  </a:txBody>
+                  <a:tcPr marL="4997" marR="4997" marT="4997" marB="0" anchor="ctr"/>
+                </a:tc>
+                <a:tc>
+                  <a:txBody>
+                    <a:bodyPr/>
+                    <a:lstStyle/>
+                    <a:p>
+                      <a:pPr algn="ctr" fontAlgn="ctr"/>
+                      <a:r>
+                        <a:rPr lang="en-US" sz="800" u="none" strike="noStrike">
+                          <a:effectLst/>
+                        </a:rPr>
+                        <a:t>Dagster is open-source, but there are commercial offerings for enterprise features and support.</a:t>
+                      </a:r>
+                      <a:endParaRPr lang="en-US" sz="800" b="0" i="0" u="none" strike="noStrike">
+                        <a:solidFill>
+                          <a:srgbClr val="000000"/>
+                        </a:solidFill>
+                        <a:effectLst/>
+                        <a:latin typeface="Calibri" panose="020F0502020204030204" pitchFamily="34" charset="0"/>
+                      </a:endParaRPr>
+                    </a:p>
+                  </a:txBody>
+                  <a:tcPr marL="4997" marR="4997" marT="4997" marB="0" anchor="ctr"/>
+                </a:tc>
+                <a:tc>
+                  <a:txBody>
+                    <a:bodyPr/>
+                    <a:lstStyle/>
+                    <a:p>
+                      <a:pPr algn="ctr" fontAlgn="ctr"/>
+                      <a:r>
+                        <a:rPr lang="en-US" sz="800" u="none" strike="noStrike">
+                          <a:effectLst/>
+                        </a:rPr>
+                        <a:t>Yes</a:t>
+                      </a:r>
+                      <a:endParaRPr lang="en-US" sz="800" b="0" i="0" u="none" strike="noStrike">
+                        <a:solidFill>
+                          <a:srgbClr val="000000"/>
+                        </a:solidFill>
+                        <a:effectLst/>
+                        <a:latin typeface="Calibri" panose="020F0502020204030204" pitchFamily="34" charset="0"/>
+                      </a:endParaRPr>
+                    </a:p>
+                  </a:txBody>
+                  <a:tcPr marL="4997" marR="4997" marT="4997" marB="0" anchor="ctr"/>
+                </a:tc>
+                <a:tc>
+                  <a:txBody>
+                    <a:bodyPr/>
+                    <a:lstStyle/>
+                    <a:p>
+                      <a:pPr algn="ctr" fontAlgn="ctr"/>
+                      <a:r>
+                        <a:rPr lang="en-US" sz="800" u="none" strike="noStrike">
+                          <a:effectLst/>
+                        </a:rPr>
+                        <a:t>No</a:t>
+                      </a:r>
+                      <a:endParaRPr lang="en-US" sz="800" b="0" i="0" u="none" strike="noStrike">
+                        <a:solidFill>
+                          <a:srgbClr val="000000"/>
+                        </a:solidFill>
+                        <a:effectLst/>
+                        <a:latin typeface="Calibri" panose="020F0502020204030204" pitchFamily="34" charset="0"/>
+                      </a:endParaRPr>
+                    </a:p>
+                  </a:txBody>
+                  <a:tcPr marL="4997" marR="4997" marT="4997" marB="0" anchor="ctr"/>
+                </a:tc>
+                <a:tc>
+                  <a:txBody>
+                    <a:bodyPr/>
+                    <a:lstStyle/>
+                    <a:p>
+                      <a:pPr algn="ctr" fontAlgn="ctr"/>
+                      <a:r>
+                        <a:rPr lang="en-US" sz="800" u="none" strike="noStrike" dirty="0">
+                          <a:effectLst/>
+                        </a:rPr>
+                        <a:t>No</a:t>
+                      </a:r>
+                      <a:endParaRPr lang="en-US" sz="800" b="0" i="0" u="none" strike="noStrike" dirty="0">
+                        <a:solidFill>
+                          <a:srgbClr val="000000"/>
+                        </a:solidFill>
+                        <a:effectLst/>
+                        <a:latin typeface="Calibri" panose="020F0502020204030204" pitchFamily="34" charset="0"/>
+                      </a:endParaRPr>
+                    </a:p>
+                  </a:txBody>
+                  <a:tcPr marL="4997" marR="4997" marT="4997" marB="0" anchor="ctr"/>
+                </a:tc>
+                <a:tc>
+                  <a:txBody>
+                    <a:bodyPr/>
+                    <a:lstStyle/>
+                    <a:p>
+                      <a:pPr algn="l" fontAlgn="ctr"/>
+                      <a:r>
+                        <a:rPr lang="en-US" sz="800" u="none" strike="noStrike">
+                          <a:effectLst/>
+                        </a:rPr>
+                        <a:t>* Python-based pipelines</a:t>
+                      </a:r>
+                      <a:br>
+                        <a:rPr lang="en-US" sz="800" u="none" strike="noStrike">
+                          <a:effectLst/>
+                        </a:rPr>
+                      </a:br>
+                      <a:r>
+                        <a:rPr lang="en-US" sz="800" u="none" strike="noStrike">
+                          <a:effectLst/>
+                        </a:rPr>
+                        <a:t>* Type-checked data flow</a:t>
+                      </a:r>
+                      <a:br>
+                        <a:rPr lang="en-US" sz="800" u="none" strike="noStrike">
+                          <a:effectLst/>
+                        </a:rPr>
+                      </a:br>
+                      <a:r>
+                        <a:rPr lang="en-US" sz="800" u="none" strike="noStrike">
+                          <a:effectLst/>
+                        </a:rPr>
+                        <a:t>* Strong observability</a:t>
+                      </a:r>
+                      <a:br>
+                        <a:rPr lang="en-US" sz="800" u="none" strike="noStrike">
+                          <a:effectLst/>
+                        </a:rPr>
+                      </a:br>
+                      <a:r>
+                        <a:rPr lang="en-US" sz="800" u="none" strike="noStrike">
+                          <a:effectLst/>
+                        </a:rPr>
+                        <a:t>* Module and reusable components</a:t>
+                      </a:r>
+                      <a:endParaRPr lang="en-US" sz="800" b="0" i="0" u="none" strike="noStrike">
+                        <a:solidFill>
+                          <a:srgbClr val="000000"/>
+                        </a:solidFill>
+                        <a:effectLst/>
+                        <a:latin typeface="Calibri" panose="020F0502020204030204" pitchFamily="34" charset="0"/>
+                      </a:endParaRPr>
+                    </a:p>
+                  </a:txBody>
+                  <a:tcPr marL="4997" marR="4997" marT="4997" marB="0" anchor="ctr"/>
+                </a:tc>
+                <a:extLst>
+                  <a:ext uri="{0D108BD9-81ED-4DB2-BD59-A6C34878D82A}">
+                    <a16:rowId xmlns:a16="http://schemas.microsoft.com/office/drawing/2014/main" val="3265374163"/>
+                  </a:ext>
+                </a:extLst>
+              </a:tr>
+              <a:tr h="597083">
+                <a:tc>
+                  <a:txBody>
+                    <a:bodyPr/>
+                    <a:lstStyle/>
+                    <a:p>
+                      <a:pPr algn="ctr" fontAlgn="ctr"/>
+                      <a:r>
+                        <a:rPr lang="en-US" sz="800" u="sng" strike="noStrike" dirty="0">
+                          <a:solidFill>
+                            <a:schemeClr val="tx1"/>
+                          </a:solidFill>
+                          <a:effectLst/>
+                          <a:hlinkClick r:id="rId8">
+                            <a:extLst>
+                              <a:ext uri="{A12FA001-AC4F-418D-AE19-62706E023703}">
+                                <ahyp:hlinkClr xmlns:ahyp="http://schemas.microsoft.com/office/drawing/2018/hyperlinkcolor" val="tx"/>
+                              </a:ext>
+                            </a:extLst>
+                          </a:hlinkClick>
+                        </a:rPr>
+                        <a:t>Node Red</a:t>
+                      </a:r>
+                      <a:endParaRPr lang="en-US" sz="800" b="0" i="0" u="sng" strike="noStrike" dirty="0">
+                        <a:solidFill>
+                          <a:schemeClr val="tx1"/>
+                        </a:solidFill>
+                        <a:effectLst/>
+                        <a:latin typeface="Calibri" panose="020F0502020204030204" pitchFamily="34" charset="0"/>
+                      </a:endParaRPr>
+                    </a:p>
+                  </a:txBody>
+                  <a:tcPr marL="4997" marR="4997" marT="4997" marB="0" anchor="ctr"/>
+                </a:tc>
+                <a:tc>
+                  <a:txBody>
+                    <a:bodyPr/>
+                    <a:lstStyle/>
+                    <a:p>
+                      <a:pPr algn="ctr" fontAlgn="ctr"/>
+                      <a:r>
+                        <a:rPr lang="en-US" sz="800" u="none" strike="noStrike">
+                          <a:effectLst/>
+                        </a:rPr>
+                        <a:t>Flow-based programming tool for IoT</a:t>
+                      </a:r>
+                      <a:endParaRPr lang="en-US" sz="800" b="0" i="0" u="none" strike="noStrike">
+                        <a:solidFill>
+                          <a:srgbClr val="000000"/>
+                        </a:solidFill>
+                        <a:effectLst/>
+                        <a:latin typeface="Calibri" panose="020F0502020204030204" pitchFamily="34" charset="0"/>
+                      </a:endParaRPr>
+                    </a:p>
+                  </a:txBody>
+                  <a:tcPr marL="4997" marR="4997" marT="4997" marB="0" anchor="ctr"/>
+                </a:tc>
+                <a:tc>
+                  <a:txBody>
+                    <a:bodyPr/>
+                    <a:lstStyle/>
+                    <a:p>
+                      <a:pPr algn="ctr" fontAlgn="ctr"/>
+                      <a:r>
+                        <a:rPr lang="en-US" sz="800" u="none" strike="noStrike">
+                          <a:effectLst/>
+                        </a:rPr>
+                        <a:t>Yes</a:t>
+                      </a:r>
+                      <a:endParaRPr lang="en-US" sz="800" b="0" i="0" u="none" strike="noStrike">
+                        <a:solidFill>
+                          <a:srgbClr val="000000"/>
+                        </a:solidFill>
+                        <a:effectLst/>
+                        <a:latin typeface="Calibri" panose="020F0502020204030204" pitchFamily="34" charset="0"/>
+                      </a:endParaRPr>
+                    </a:p>
+                  </a:txBody>
+                  <a:tcPr marL="4997" marR="4997" marT="4997" marB="0" anchor="ctr"/>
+                </a:tc>
+                <a:tc>
+                  <a:txBody>
+                    <a:bodyPr/>
+                    <a:lstStyle/>
+                    <a:p>
+                      <a:pPr algn="ctr" fontAlgn="ctr"/>
+                      <a:r>
+                        <a:rPr lang="en-US" sz="800" u="none" strike="noStrike">
+                          <a:effectLst/>
+                        </a:rPr>
+                        <a:t>Apache License 2.0</a:t>
+                      </a:r>
+                      <a:endParaRPr lang="en-US" sz="800" b="0" i="0" u="none" strike="noStrike">
+                        <a:solidFill>
+                          <a:srgbClr val="000000"/>
+                        </a:solidFill>
+                        <a:effectLst/>
+                        <a:latin typeface="Calibri" panose="020F0502020204030204" pitchFamily="34" charset="0"/>
+                      </a:endParaRPr>
+                    </a:p>
+                  </a:txBody>
+                  <a:tcPr marL="4997" marR="4997" marT="4997" marB="0" anchor="ctr"/>
+                </a:tc>
+                <a:tc>
+                  <a:txBody>
+                    <a:bodyPr/>
+                    <a:lstStyle/>
+                    <a:p>
+                      <a:pPr algn="ctr" fontAlgn="ctr"/>
+                      <a:r>
+                        <a:rPr lang="en-US" sz="800" u="none" strike="noStrike">
+                          <a:effectLst/>
+                        </a:rPr>
+                        <a:t>Node-RED is open-source and free to use, developed by IBM and the open-source community.</a:t>
+                      </a:r>
+                      <a:endParaRPr lang="en-US" sz="800" b="0" i="0" u="none" strike="noStrike">
+                        <a:solidFill>
+                          <a:srgbClr val="000000"/>
+                        </a:solidFill>
+                        <a:effectLst/>
+                        <a:latin typeface="Calibri" panose="020F0502020204030204" pitchFamily="34" charset="0"/>
+                      </a:endParaRPr>
+                    </a:p>
+                  </a:txBody>
+                  <a:tcPr marL="4997" marR="4997" marT="4997" marB="0" anchor="ctr"/>
+                </a:tc>
+                <a:tc>
+                  <a:txBody>
+                    <a:bodyPr/>
+                    <a:lstStyle/>
+                    <a:p>
+                      <a:pPr algn="ctr" fontAlgn="ctr"/>
+                      <a:r>
+                        <a:rPr lang="en-US" sz="800" u="none" strike="noStrike">
+                          <a:effectLst/>
+                        </a:rPr>
+                        <a:t>Yes</a:t>
+                      </a:r>
+                      <a:endParaRPr lang="en-US" sz="800" b="0" i="0" u="none" strike="noStrike">
+                        <a:solidFill>
+                          <a:srgbClr val="000000"/>
+                        </a:solidFill>
+                        <a:effectLst/>
+                        <a:latin typeface="Calibri" panose="020F0502020204030204" pitchFamily="34" charset="0"/>
+                      </a:endParaRPr>
+                    </a:p>
+                  </a:txBody>
+                  <a:tcPr marL="4997" marR="4997" marT="4997" marB="0" anchor="ctr"/>
+                </a:tc>
+                <a:tc>
+                  <a:txBody>
+                    <a:bodyPr/>
+                    <a:lstStyle/>
+                    <a:p>
+                      <a:pPr algn="ctr" fontAlgn="ctr"/>
+                      <a:r>
+                        <a:rPr lang="en-US" sz="800" u="none" strike="noStrike">
+                          <a:effectLst/>
+                        </a:rPr>
+                        <a:t>Yes</a:t>
+                      </a:r>
+                      <a:endParaRPr lang="en-US" sz="800" b="0" i="0" u="none" strike="noStrike">
+                        <a:solidFill>
+                          <a:srgbClr val="000000"/>
+                        </a:solidFill>
+                        <a:effectLst/>
+                        <a:latin typeface="Calibri" panose="020F0502020204030204" pitchFamily="34" charset="0"/>
+                      </a:endParaRPr>
+                    </a:p>
+                  </a:txBody>
+                  <a:tcPr marL="4997" marR="4997" marT="4997" marB="0" anchor="ctr"/>
+                </a:tc>
+                <a:tc>
+                  <a:txBody>
+                    <a:bodyPr/>
+                    <a:lstStyle/>
+                    <a:p>
+                      <a:pPr algn="ctr" fontAlgn="ctr"/>
+                      <a:r>
+                        <a:rPr lang="en-US" sz="800" u="none" strike="noStrike">
+                          <a:effectLst/>
+                        </a:rPr>
+                        <a:t>Yes</a:t>
+                      </a:r>
+                      <a:endParaRPr lang="en-US" sz="800" b="0" i="0" u="none" strike="noStrike">
+                        <a:solidFill>
+                          <a:srgbClr val="000000"/>
+                        </a:solidFill>
+                        <a:effectLst/>
+                        <a:latin typeface="Calibri" panose="020F0502020204030204" pitchFamily="34" charset="0"/>
+                      </a:endParaRPr>
+                    </a:p>
+                  </a:txBody>
+                  <a:tcPr marL="4997" marR="4997" marT="4997" marB="0" anchor="ctr"/>
+                </a:tc>
+                <a:tc>
+                  <a:txBody>
+                    <a:bodyPr/>
+                    <a:lstStyle/>
+                    <a:p>
+                      <a:pPr algn="l" fontAlgn="ctr"/>
+                      <a:r>
+                        <a:rPr lang="en-US" sz="800" u="none" strike="noStrike" dirty="0">
+                          <a:effectLst/>
+                        </a:rPr>
+                        <a:t>* Visual programming interface</a:t>
+                      </a:r>
+                      <a:br>
+                        <a:rPr lang="en-US" sz="800" u="none" strike="noStrike" dirty="0">
+                          <a:effectLst/>
+                        </a:rPr>
+                      </a:br>
+                      <a:r>
+                        <a:rPr lang="en-US" sz="800" u="none" strike="noStrike" dirty="0">
+                          <a:effectLst/>
+                        </a:rPr>
+                        <a:t>* Lightweight and flexible</a:t>
+                      </a:r>
+                      <a:br>
+                        <a:rPr lang="en-US" sz="800" u="none" strike="noStrike" dirty="0">
+                          <a:effectLst/>
+                        </a:rPr>
+                      </a:br>
+                      <a:r>
+                        <a:rPr lang="en-US" sz="800" u="none" strike="noStrike" dirty="0">
+                          <a:effectLst/>
+                        </a:rPr>
+                        <a:t>* Extensible with custom nodes</a:t>
+                      </a:r>
+                      <a:br>
+                        <a:rPr lang="en-US" sz="800" u="none" strike="noStrike" dirty="0">
+                          <a:effectLst/>
+                        </a:rPr>
+                      </a:br>
+                      <a:r>
+                        <a:rPr lang="en-US" sz="800" u="none" strike="noStrike" dirty="0">
+                          <a:effectLst/>
+                        </a:rPr>
+                        <a:t>* Real-time processing</a:t>
+                      </a:r>
+                      <a:endParaRPr lang="en-US" sz="800" b="0" i="0" u="none" strike="noStrike" dirty="0">
+                        <a:solidFill>
+                          <a:srgbClr val="000000"/>
+                        </a:solidFill>
+                        <a:effectLst/>
+                        <a:latin typeface="Calibri" panose="020F0502020204030204" pitchFamily="34" charset="0"/>
+                      </a:endParaRPr>
+                    </a:p>
+                  </a:txBody>
+                  <a:tcPr marL="4997" marR="4997" marT="4997" marB="0" anchor="ctr"/>
+                </a:tc>
+                <a:extLst>
+                  <a:ext uri="{0D108BD9-81ED-4DB2-BD59-A6C34878D82A}">
+                    <a16:rowId xmlns:a16="http://schemas.microsoft.com/office/drawing/2014/main" val="1896392357"/>
+                  </a:ext>
+                </a:extLst>
+              </a:tr>
+            </a:tbl>
+          </a:graphicData>
+        </a:graphic>
+      </p:graphicFrame>
     </p:spTree>
     <p:extLst>
       <p:ext uri="{BB962C8B-B14F-4D97-AF65-F5344CB8AC3E}">
-        <p14:creationId xmlns:p14="http://schemas.microsoft.com/office/powerpoint/2010/main" val="4152459290"/>
+        <p14:creationId xmlns:p14="http://schemas.microsoft.com/office/powerpoint/2010/main" val="3979396965"/>
       </p:ext>
     </p:extLst>
   </p:cSld>
@@ -10712,10 +18428,10 @@
       </p:grpSpPr>
       <p:sp>
         <p:nvSpPr>
-          <p:cNvPr id="24" name="Title 1">
+          <p:cNvPr id="2" name="Title 1">
             <a:extLst>
               <a:ext uri="{FF2B5EF4-FFF2-40B4-BE49-F238E27FC236}">
-                <a16:creationId xmlns:a16="http://schemas.microsoft.com/office/drawing/2014/main" id="{CE1ABEC8-43FD-4F21-A7D2-70200D86263C}"/>
+                <a16:creationId xmlns:a16="http://schemas.microsoft.com/office/drawing/2014/main" id="{3F64FAE9-C3DD-AE95-7A44-92D255F9AC0C}"/>
               </a:ext>
             </a:extLst>
           </p:cNvPr>
@@ -10726,29 +18442,24 @@
             <p:ph type="title"/>
           </p:nvPr>
         </p:nvSpPr>
-        <p:spPr>
-          <a:xfrm>
-            <a:off x="835831" y="173735"/>
-            <a:ext cx="4409514" cy="2203704"/>
-          </a:xfrm>
-        </p:spPr>
+        <p:spPr/>
         <p:txBody>
           <a:bodyPr/>
           <a:lstStyle/>
           <a:p>
             <a:r>
               <a:rPr lang="en-US" dirty="0"/>
-              <a:t>THANK YOU</a:t>
+              <a:t>API</a:t>
             </a:r>
           </a:p>
         </p:txBody>
       </p:sp>
       <p:sp>
         <p:nvSpPr>
-          <p:cNvPr id="14" name="Text Placeholder 2">
+          <p:cNvPr id="4" name="Slide Number Placeholder 3">
             <a:extLst>
               <a:ext uri="{FF2B5EF4-FFF2-40B4-BE49-F238E27FC236}">
-                <a16:creationId xmlns:a16="http://schemas.microsoft.com/office/drawing/2014/main" id="{AE5F2E56-9F77-E1C2-EC04-EA959822CA61}"/>
+                <a16:creationId xmlns:a16="http://schemas.microsoft.com/office/drawing/2014/main" id="{BEEBAC09-407F-456E-78A3-43EF8A915BE0}"/>
               </a:ext>
             </a:extLst>
           </p:cNvPr>
@@ -10756,36 +18467,561 @@
             <a:spLocks noGrp="1"/>
           </p:cNvSpPr>
           <p:nvPr>
-            <p:ph sz="quarter" idx="14"/>
+            <p:ph type="sldNum" sz="quarter" idx="12"/>
           </p:nvPr>
         </p:nvSpPr>
+        <p:spPr/>
+        <p:txBody>
+          <a:bodyPr/>
+          <a:lstStyle/>
+          <a:p>
+            <a:fld id="{FE024F78-56A6-7740-B68D-8D4D026EDF3F}" type="slidenum">
+              <a:rPr lang="en-US" smtClean="0"/>
+              <a:pPr/>
+              <a:t>6</a:t>
+            </a:fld>
+            <a:endParaRPr lang="en-US" dirty="0"/>
+          </a:p>
+        </p:txBody>
+      </p:sp>
+      <p:pic>
+        <p:nvPicPr>
+          <p:cNvPr id="8" name="Picture 7">
+            <a:extLst>
+              <a:ext uri="{FF2B5EF4-FFF2-40B4-BE49-F238E27FC236}">
+                <a16:creationId xmlns:a16="http://schemas.microsoft.com/office/drawing/2014/main" id="{DE3C32C2-07A6-67ED-6F10-EDBF75475703}"/>
+              </a:ext>
+            </a:extLst>
+          </p:cNvPr>
+          <p:cNvPicPr>
+            <a:picLocks noChangeAspect="1"/>
+          </p:cNvPicPr>
+          <p:nvPr/>
+        </p:nvPicPr>
+        <p:blipFill>
+          <a:blip r:embed="rId2"/>
+          <a:stretch>
+            <a:fillRect/>
+          </a:stretch>
+        </p:blipFill>
         <p:spPr>
           <a:xfrm>
-            <a:off x="831850" y="3079119"/>
-            <a:ext cx="4413250" cy="2752725"/>
+            <a:off x="6225599" y="463985"/>
+            <a:ext cx="5125372" cy="6007608"/>
           </a:xfrm>
+          <a:prstGeom prst="rect">
+            <a:avLst/>
+          </a:prstGeom>
         </p:spPr>
+      </p:pic>
+      <p:pic>
+        <p:nvPicPr>
+          <p:cNvPr id="10" name="Picture 9">
+            <a:extLst>
+              <a:ext uri="{FF2B5EF4-FFF2-40B4-BE49-F238E27FC236}">
+                <a16:creationId xmlns:a16="http://schemas.microsoft.com/office/drawing/2014/main" id="{1DBBE9F4-9CD8-E503-A2ED-BEFEE1724E63}"/>
+              </a:ext>
+            </a:extLst>
+          </p:cNvPr>
+          <p:cNvPicPr>
+            <a:picLocks noChangeAspect="1"/>
+          </p:cNvPicPr>
+          <p:nvPr/>
+        </p:nvPicPr>
+        <p:blipFill>
+          <a:blip r:embed="rId3"/>
+          <a:stretch>
+            <a:fillRect/>
+          </a:stretch>
+        </p:blipFill>
+        <p:spPr>
+          <a:xfrm>
+            <a:off x="313925" y="2031335"/>
+            <a:ext cx="5943561" cy="4440258"/>
+          </a:xfrm>
+          <a:prstGeom prst="rect">
+            <a:avLst/>
+          </a:prstGeom>
+        </p:spPr>
+      </p:pic>
+    </p:spTree>
+    <p:extLst>
+      <p:ext uri="{BB962C8B-B14F-4D97-AF65-F5344CB8AC3E}">
+        <p14:creationId xmlns:p14="http://schemas.microsoft.com/office/powerpoint/2010/main" val="3006886293"/>
+      </p:ext>
+    </p:extLst>
+  </p:cSld>
+  <p:clrMapOvr>
+    <a:masterClrMapping/>
+  </p:clrMapOvr>
+</p:sld>
+</file>
+
+<file path=ppt/slides/slide7.xml><?xml version="1.0" encoding="utf-8"?>
+<p:sld xmlns:a="http://schemas.openxmlformats.org/drawingml/2006/main" xmlns:r="http://schemas.openxmlformats.org/officeDocument/2006/relationships" xmlns:p="http://schemas.openxmlformats.org/presentationml/2006/main">
+  <p:cSld>
+    <p:spTree>
+      <p:nvGrpSpPr>
+        <p:cNvPr id="1" name=""/>
+        <p:cNvGrpSpPr/>
+        <p:nvPr/>
+      </p:nvGrpSpPr>
+      <p:grpSpPr>
+        <a:xfrm>
+          <a:off x="0" y="0"/>
+          <a:ext cx="0" cy="0"/>
+          <a:chOff x="0" y="0"/>
+          <a:chExt cx="0" cy="0"/>
+        </a:xfrm>
+      </p:grpSpPr>
+      <p:sp>
+        <p:nvSpPr>
+          <p:cNvPr id="2" name="Title 1">
+            <a:extLst>
+              <a:ext uri="{FF2B5EF4-FFF2-40B4-BE49-F238E27FC236}">
+                <a16:creationId xmlns:a16="http://schemas.microsoft.com/office/drawing/2014/main" id="{3C04485E-D150-0B06-0226-A494CEE318B3}"/>
+              </a:ext>
+            </a:extLst>
+          </p:cNvPr>
+          <p:cNvSpPr>
+            <a:spLocks noGrp="1"/>
+          </p:cNvSpPr>
+          <p:nvPr>
+            <p:ph type="title"/>
+          </p:nvPr>
+        </p:nvSpPr>
+        <p:spPr/>
         <p:txBody>
           <a:bodyPr/>
           <a:lstStyle/>
           <a:p>
             <a:r>
               <a:rPr lang="en-US" dirty="0"/>
-              <a:t>Simon Lidwell​</a:t>
-            </a:r>
-          </a:p>
-          <a:p>
-            <a:r>
-              <a:rPr lang="en-US" dirty="0"/>
-              <a:t>slidwell@oakland.edu</a:t>
+              <a:t>SQL Server</a:t>
             </a:r>
           </a:p>
         </p:txBody>
       </p:sp>
+      <p:sp>
+        <p:nvSpPr>
+          <p:cNvPr id="4" name="Slide Number Placeholder 3">
+            <a:extLst>
+              <a:ext uri="{FF2B5EF4-FFF2-40B4-BE49-F238E27FC236}">
+                <a16:creationId xmlns:a16="http://schemas.microsoft.com/office/drawing/2014/main" id="{AE33F234-4053-2386-99EE-0860580F9A82}"/>
+              </a:ext>
+            </a:extLst>
+          </p:cNvPr>
+          <p:cNvSpPr>
+            <a:spLocks noGrp="1"/>
+          </p:cNvSpPr>
+          <p:nvPr>
+            <p:ph type="sldNum" sz="quarter" idx="12"/>
+          </p:nvPr>
+        </p:nvSpPr>
+        <p:spPr/>
+        <p:txBody>
+          <a:bodyPr/>
+          <a:lstStyle/>
+          <a:p>
+            <a:fld id="{FE024F78-56A6-7740-B68D-8D4D026EDF3F}" type="slidenum">
+              <a:rPr lang="en-US" smtClean="0"/>
+              <a:pPr/>
+              <a:t>7</a:t>
+            </a:fld>
+            <a:endParaRPr lang="en-US" dirty="0"/>
+          </a:p>
+        </p:txBody>
+      </p:sp>
+      <p:pic>
+        <p:nvPicPr>
+          <p:cNvPr id="6" name="Picture 5">
+            <a:extLst>
+              <a:ext uri="{FF2B5EF4-FFF2-40B4-BE49-F238E27FC236}">
+                <a16:creationId xmlns:a16="http://schemas.microsoft.com/office/drawing/2014/main" id="{43F412CE-097B-B436-9DF9-DFDCA9882AA4}"/>
+              </a:ext>
+            </a:extLst>
+          </p:cNvPr>
+          <p:cNvPicPr>
+            <a:picLocks noChangeAspect="1"/>
+          </p:cNvPicPr>
+          <p:nvPr/>
+        </p:nvPicPr>
+        <p:blipFill>
+          <a:blip r:embed="rId2"/>
+          <a:stretch>
+            <a:fillRect/>
+          </a:stretch>
+        </p:blipFill>
+        <p:spPr>
+          <a:xfrm>
+            <a:off x="413067" y="2624328"/>
+            <a:ext cx="4745255" cy="2953512"/>
+          </a:xfrm>
+          <a:prstGeom prst="rect">
+            <a:avLst/>
+          </a:prstGeom>
+        </p:spPr>
+      </p:pic>
+      <p:pic>
+        <p:nvPicPr>
+          <p:cNvPr id="8" name="Picture 7">
+            <a:extLst>
+              <a:ext uri="{FF2B5EF4-FFF2-40B4-BE49-F238E27FC236}">
+                <a16:creationId xmlns:a16="http://schemas.microsoft.com/office/drawing/2014/main" id="{714BE7BB-0B2C-763D-1921-C31DCBDF289D}"/>
+              </a:ext>
+            </a:extLst>
+          </p:cNvPr>
+          <p:cNvPicPr>
+            <a:picLocks noChangeAspect="1"/>
+          </p:cNvPicPr>
+          <p:nvPr/>
+        </p:nvPicPr>
+        <p:blipFill>
+          <a:blip r:embed="rId3"/>
+          <a:stretch>
+            <a:fillRect/>
+          </a:stretch>
+        </p:blipFill>
+        <p:spPr>
+          <a:xfrm>
+            <a:off x="4793116" y="384048"/>
+            <a:ext cx="3816126" cy="6318504"/>
+          </a:xfrm>
+          <a:prstGeom prst="rect">
+            <a:avLst/>
+          </a:prstGeom>
+        </p:spPr>
+      </p:pic>
+      <p:pic>
+        <p:nvPicPr>
+          <p:cNvPr id="10" name="Picture 9">
+            <a:extLst>
+              <a:ext uri="{FF2B5EF4-FFF2-40B4-BE49-F238E27FC236}">
+                <a16:creationId xmlns:a16="http://schemas.microsoft.com/office/drawing/2014/main" id="{A138341D-7249-3ECF-47E9-57E922DEF472}"/>
+              </a:ext>
+            </a:extLst>
+          </p:cNvPr>
+          <p:cNvPicPr>
+            <a:picLocks noChangeAspect="1"/>
+          </p:cNvPicPr>
+          <p:nvPr/>
+        </p:nvPicPr>
+        <p:blipFill>
+          <a:blip r:embed="rId4"/>
+          <a:stretch>
+            <a:fillRect/>
+          </a:stretch>
+        </p:blipFill>
+        <p:spPr>
+          <a:xfrm>
+            <a:off x="8331117" y="2479202"/>
+            <a:ext cx="3630297" cy="3052485"/>
+          </a:xfrm>
+          <a:prstGeom prst="rect">
+            <a:avLst/>
+          </a:prstGeom>
+        </p:spPr>
+      </p:pic>
     </p:spTree>
     <p:extLst>
       <p:ext uri="{BB962C8B-B14F-4D97-AF65-F5344CB8AC3E}">
-        <p14:creationId xmlns:p14="http://schemas.microsoft.com/office/powerpoint/2010/main" val="3408736111"/>
+        <p14:creationId xmlns:p14="http://schemas.microsoft.com/office/powerpoint/2010/main" val="1230156001"/>
+      </p:ext>
+    </p:extLst>
+  </p:cSld>
+  <p:clrMapOvr>
+    <a:masterClrMapping/>
+  </p:clrMapOvr>
+</p:sld>
+</file>
+
+<file path=ppt/slides/slide8.xml><?xml version="1.0" encoding="utf-8"?>
+<p:sld xmlns:a="http://schemas.openxmlformats.org/drawingml/2006/main" xmlns:r="http://schemas.openxmlformats.org/officeDocument/2006/relationships" xmlns:p="http://schemas.openxmlformats.org/presentationml/2006/main">
+  <p:cSld>
+    <p:spTree>
+      <p:nvGrpSpPr>
+        <p:cNvPr id="1" name=""/>
+        <p:cNvGrpSpPr/>
+        <p:nvPr/>
+      </p:nvGrpSpPr>
+      <p:grpSpPr>
+        <a:xfrm>
+          <a:off x="0" y="0"/>
+          <a:ext cx="0" cy="0"/>
+          <a:chOff x="0" y="0"/>
+          <a:chExt cx="0" cy="0"/>
+        </a:xfrm>
+      </p:grpSpPr>
+      <p:sp>
+        <p:nvSpPr>
+          <p:cNvPr id="2" name="Title 1">
+            <a:extLst>
+              <a:ext uri="{FF2B5EF4-FFF2-40B4-BE49-F238E27FC236}">
+                <a16:creationId xmlns:a16="http://schemas.microsoft.com/office/drawing/2014/main" id="{260B6C9B-5C98-4826-92B6-62C715316230}"/>
+              </a:ext>
+            </a:extLst>
+          </p:cNvPr>
+          <p:cNvSpPr>
+            <a:spLocks noGrp="1"/>
+          </p:cNvSpPr>
+          <p:nvPr>
+            <p:ph type="title"/>
+          </p:nvPr>
+        </p:nvSpPr>
+        <p:spPr/>
+        <p:txBody>
+          <a:bodyPr/>
+          <a:lstStyle/>
+          <a:p>
+            <a:r>
+              <a:rPr lang="en-US" dirty="0"/>
+              <a:t>Kafka</a:t>
+            </a:r>
+          </a:p>
+        </p:txBody>
+      </p:sp>
+      <p:sp>
+        <p:nvSpPr>
+          <p:cNvPr id="4" name="Slide Number Placeholder 3">
+            <a:extLst>
+              <a:ext uri="{FF2B5EF4-FFF2-40B4-BE49-F238E27FC236}">
+                <a16:creationId xmlns:a16="http://schemas.microsoft.com/office/drawing/2014/main" id="{2D073D36-3A8E-AC14-532E-42662E7829A8}"/>
+              </a:ext>
+            </a:extLst>
+          </p:cNvPr>
+          <p:cNvSpPr>
+            <a:spLocks noGrp="1"/>
+          </p:cNvSpPr>
+          <p:nvPr>
+            <p:ph type="sldNum" sz="quarter" idx="12"/>
+          </p:nvPr>
+        </p:nvSpPr>
+        <p:spPr/>
+        <p:txBody>
+          <a:bodyPr/>
+          <a:lstStyle/>
+          <a:p>
+            <a:fld id="{FE024F78-56A6-7740-B68D-8D4D026EDF3F}" type="slidenum">
+              <a:rPr lang="en-US" smtClean="0"/>
+              <a:pPr/>
+              <a:t>8</a:t>
+            </a:fld>
+            <a:endParaRPr lang="en-US" dirty="0"/>
+          </a:p>
+        </p:txBody>
+      </p:sp>
+      <p:pic>
+        <p:nvPicPr>
+          <p:cNvPr id="6" name="Picture 5">
+            <a:extLst>
+              <a:ext uri="{FF2B5EF4-FFF2-40B4-BE49-F238E27FC236}">
+                <a16:creationId xmlns:a16="http://schemas.microsoft.com/office/drawing/2014/main" id="{198F07FB-95A2-4264-CF82-FC9E56A65B69}"/>
+              </a:ext>
+            </a:extLst>
+          </p:cNvPr>
+          <p:cNvPicPr>
+            <a:picLocks noChangeAspect="1"/>
+          </p:cNvPicPr>
+          <p:nvPr/>
+        </p:nvPicPr>
+        <p:blipFill>
+          <a:blip r:embed="rId2"/>
+          <a:stretch>
+            <a:fillRect/>
+          </a:stretch>
+        </p:blipFill>
+        <p:spPr>
+          <a:xfrm>
+            <a:off x="493776" y="2222751"/>
+            <a:ext cx="6061252" cy="2850559"/>
+          </a:xfrm>
+          <a:prstGeom prst="rect">
+            <a:avLst/>
+          </a:prstGeom>
+        </p:spPr>
+      </p:pic>
+      <p:pic>
+        <p:nvPicPr>
+          <p:cNvPr id="8" name="Picture 7">
+            <a:extLst>
+              <a:ext uri="{FF2B5EF4-FFF2-40B4-BE49-F238E27FC236}">
+                <a16:creationId xmlns:a16="http://schemas.microsoft.com/office/drawing/2014/main" id="{E37B69B3-4D81-C38C-E8FA-F63DEBA60806}"/>
+              </a:ext>
+            </a:extLst>
+          </p:cNvPr>
+          <p:cNvPicPr>
+            <a:picLocks noChangeAspect="1"/>
+          </p:cNvPicPr>
+          <p:nvPr/>
+        </p:nvPicPr>
+        <p:blipFill>
+          <a:blip r:embed="rId3"/>
+          <a:stretch>
+            <a:fillRect/>
+          </a:stretch>
+        </p:blipFill>
+        <p:spPr>
+          <a:xfrm>
+            <a:off x="6326660" y="0"/>
+            <a:ext cx="5628622" cy="6858000"/>
+          </a:xfrm>
+          <a:prstGeom prst="rect">
+            <a:avLst/>
+          </a:prstGeom>
+        </p:spPr>
+      </p:pic>
+    </p:spTree>
+    <p:extLst>
+      <p:ext uri="{BB962C8B-B14F-4D97-AF65-F5344CB8AC3E}">
+        <p14:creationId xmlns:p14="http://schemas.microsoft.com/office/powerpoint/2010/main" val="1873379164"/>
+      </p:ext>
+    </p:extLst>
+  </p:cSld>
+  <p:clrMapOvr>
+    <a:masterClrMapping/>
+  </p:clrMapOvr>
+</p:sld>
+</file>
+
+<file path=ppt/slides/slide9.xml><?xml version="1.0" encoding="utf-8"?>
+<p:sld xmlns:a="http://schemas.openxmlformats.org/drawingml/2006/main" xmlns:r="http://schemas.openxmlformats.org/officeDocument/2006/relationships" xmlns:p="http://schemas.openxmlformats.org/presentationml/2006/main">
+  <p:cSld>
+    <p:spTree>
+      <p:nvGrpSpPr>
+        <p:cNvPr id="1" name=""/>
+        <p:cNvGrpSpPr/>
+        <p:nvPr/>
+      </p:nvGrpSpPr>
+      <p:grpSpPr>
+        <a:xfrm>
+          <a:off x="0" y="0"/>
+          <a:ext cx="0" cy="0"/>
+          <a:chOff x="0" y="0"/>
+          <a:chExt cx="0" cy="0"/>
+        </a:xfrm>
+      </p:grpSpPr>
+      <p:pic>
+        <p:nvPicPr>
+          <p:cNvPr id="8" name="Picture 7">
+            <a:extLst>
+              <a:ext uri="{FF2B5EF4-FFF2-40B4-BE49-F238E27FC236}">
+                <a16:creationId xmlns:a16="http://schemas.microsoft.com/office/drawing/2014/main" id="{3375D218-3BD7-E403-0D8A-B265059EF440}"/>
+              </a:ext>
+            </a:extLst>
+          </p:cNvPr>
+          <p:cNvPicPr>
+            <a:picLocks noChangeAspect="1"/>
+          </p:cNvPicPr>
+          <p:nvPr/>
+        </p:nvPicPr>
+        <p:blipFill>
+          <a:blip r:embed="rId2"/>
+          <a:stretch>
+            <a:fillRect/>
+          </a:stretch>
+        </p:blipFill>
+        <p:spPr>
+          <a:xfrm>
+            <a:off x="7137870" y="3090672"/>
+            <a:ext cx="4680825" cy="3426025"/>
+          </a:xfrm>
+          <a:prstGeom prst="rect">
+            <a:avLst/>
+          </a:prstGeom>
+        </p:spPr>
+      </p:pic>
+      <p:sp>
+        <p:nvSpPr>
+          <p:cNvPr id="2" name="Title 1">
+            <a:extLst>
+              <a:ext uri="{FF2B5EF4-FFF2-40B4-BE49-F238E27FC236}">
+                <a16:creationId xmlns:a16="http://schemas.microsoft.com/office/drawing/2014/main" id="{B515C520-3D9B-F02F-9F55-6059E86BD89C}"/>
+              </a:ext>
+            </a:extLst>
+          </p:cNvPr>
+          <p:cNvSpPr>
+            <a:spLocks noGrp="1"/>
+          </p:cNvSpPr>
+          <p:nvPr>
+            <p:ph type="title"/>
+          </p:nvPr>
+        </p:nvSpPr>
+        <p:spPr/>
+        <p:txBody>
+          <a:bodyPr/>
+          <a:lstStyle/>
+          <a:p>
+            <a:r>
+              <a:rPr lang="en-US" dirty="0"/>
+              <a:t>RavenDB</a:t>
+            </a:r>
+          </a:p>
+        </p:txBody>
+      </p:sp>
+      <p:sp>
+        <p:nvSpPr>
+          <p:cNvPr id="4" name="Slide Number Placeholder 3">
+            <a:extLst>
+              <a:ext uri="{FF2B5EF4-FFF2-40B4-BE49-F238E27FC236}">
+                <a16:creationId xmlns:a16="http://schemas.microsoft.com/office/drawing/2014/main" id="{3A973920-A713-B4AF-856B-597B0ADC78B9}"/>
+              </a:ext>
+            </a:extLst>
+          </p:cNvPr>
+          <p:cNvSpPr>
+            <a:spLocks noGrp="1"/>
+          </p:cNvSpPr>
+          <p:nvPr>
+            <p:ph type="sldNum" sz="quarter" idx="12"/>
+          </p:nvPr>
+        </p:nvSpPr>
+        <p:spPr/>
+        <p:txBody>
+          <a:bodyPr/>
+          <a:lstStyle/>
+          <a:p>
+            <a:fld id="{FE024F78-56A6-7740-B68D-8D4D026EDF3F}" type="slidenum">
+              <a:rPr lang="en-US" smtClean="0"/>
+              <a:pPr/>
+              <a:t>9</a:t>
+            </a:fld>
+            <a:endParaRPr lang="en-US" dirty="0"/>
+          </a:p>
+        </p:txBody>
+      </p:sp>
+      <p:pic>
+        <p:nvPicPr>
+          <p:cNvPr id="6" name="Picture 5">
+            <a:extLst>
+              <a:ext uri="{FF2B5EF4-FFF2-40B4-BE49-F238E27FC236}">
+                <a16:creationId xmlns:a16="http://schemas.microsoft.com/office/drawing/2014/main" id="{7216377B-DA9E-630A-051F-D7CC8FBC4018}"/>
+              </a:ext>
+            </a:extLst>
+          </p:cNvPr>
+          <p:cNvPicPr>
+            <a:picLocks noChangeAspect="1"/>
+          </p:cNvPicPr>
+          <p:nvPr/>
+        </p:nvPicPr>
+        <p:blipFill>
+          <a:blip r:embed="rId3"/>
+          <a:stretch>
+            <a:fillRect/>
+          </a:stretch>
+        </p:blipFill>
+        <p:spPr>
+          <a:xfrm>
+            <a:off x="429768" y="1784691"/>
+            <a:ext cx="7077456" cy="2398308"/>
+          </a:xfrm>
+          <a:prstGeom prst="rect">
+            <a:avLst/>
+          </a:prstGeom>
+        </p:spPr>
+      </p:pic>
+    </p:spTree>
+    <p:extLst>
+      <p:ext uri="{BB962C8B-B14F-4D97-AF65-F5344CB8AC3E}">
+        <p14:creationId xmlns:p14="http://schemas.microsoft.com/office/powerpoint/2010/main" val="1221716216"/>
       </p:ext>
     </p:extLst>
   </p:cSld>
@@ -11587,6 +19823,35 @@
 </file>
 
 <file path=customXml/item1.xml><?xml version="1.0" encoding="utf-8"?>
+<p:properties xmlns:p="http://schemas.microsoft.com/office/2006/metadata/properties" xmlns:xsi="http://www.w3.org/2001/XMLSchema-instance" xmlns:pc="http://schemas.microsoft.com/office/infopath/2007/PartnerControls">
+  <documentManagement>
+    <_ip_UnifiedCompliancePolicyUIAction xmlns="http://schemas.microsoft.com/sharepoint/v3" xsi:nil="true"/>
+    <Image xmlns="71af3243-3dd4-4a8d-8c0d-dd76da1f02a5">
+      <Url xsi:nil="true"/>
+      <Description xsi:nil="true"/>
+    </Image>
+    <Status xmlns="71af3243-3dd4-4a8d-8c0d-dd76da1f02a5">Not started</Status>
+    <Background xmlns="71af3243-3dd4-4a8d-8c0d-dd76da1f02a5">false</Background>
+    <_ip_UnifiedCompliancePolicyProperties xmlns="http://schemas.microsoft.com/sharepoint/v3" xsi:nil="true"/>
+    <ImageTagsTaxHTField xmlns="71af3243-3dd4-4a8d-8c0d-dd76da1f02a5">
+      <Terms xmlns="http://schemas.microsoft.com/office/infopath/2007/PartnerControls"/>
+    </ImageTagsTaxHTField>
+    <TaxCatchAll xmlns="230e9df3-be65-4c73-a93b-d1236ebd677e" xsi:nil="true"/>
+    <MediaServiceKeyPoints xmlns="71af3243-3dd4-4a8d-8c0d-dd76da1f02a5" xsi:nil="true"/>
+  </documentManagement>
+</p:properties>
+</file>
+
+<file path=customXml/item2.xml><?xml version="1.0" encoding="utf-8"?>
+<?mso-contentType ?>
+<FormTemplates xmlns="http://schemas.microsoft.com/sharepoint/v3/contenttype/forms">
+  <Display>DocumentLibraryForm</Display>
+  <Edit>DocumentLibraryForm</Edit>
+  <New>DocumentLibraryForm</New>
+</FormTemplates>
+</file>
+
+<file path=customXml/item3.xml><?xml version="1.0" encoding="utf-8"?>
 <ct:contentTypeSchema xmlns:ct="http://schemas.microsoft.com/office/2006/metadata/contentType" xmlns:ma="http://schemas.microsoft.com/office/2006/metadata/properties/metaAttributes" ct:_="" ma:_="" ma:contentTypeName="Document" ma:contentTypeID="0x01010079F111ED35F8CC479449609E8A0923A6" ma:contentTypeVersion="28" ma:contentTypeDescription="Create a new document." ma:contentTypeScope="" ma:versionID="60f5a4f2d2b0abadcf532d48ebf9cb71">
   <xsd:schema xmlns:xsd="http://www.w3.org/2001/XMLSchema" xmlns:xs="http://www.w3.org/2001/XMLSchema" xmlns:p="http://schemas.microsoft.com/office/2006/metadata/properties" xmlns:ns1="http://schemas.microsoft.com/sharepoint/v3" xmlns:ns2="71af3243-3dd4-4a8d-8c0d-dd76da1f02a5" xmlns:ns3="16c05727-aa75-4e4a-9b5f-8a80a1165891" xmlns:ns4="230e9df3-be65-4c73-a93b-d1236ebd677e" targetNamespace="http://schemas.microsoft.com/office/2006/metadata/properties" ma:root="true" ma:fieldsID="7dd78129e6a1811f84807ad11c651531" ns1:_="" ns2:_="" ns3:_="" ns4:_="">
     <xsd:import namespace="http://schemas.microsoft.com/sharepoint/v3"/>
@@ -11898,36 +20163,27 @@
 </ct:contentTypeSchema>
 </file>
 
-<file path=customXml/item2.xml><?xml version="1.0" encoding="utf-8"?>
-<?mso-contentType ?>
-<FormTemplates xmlns="http://schemas.microsoft.com/sharepoint/v3/contenttype/forms">
-  <Display>DocumentLibraryForm</Display>
-  <Edit>DocumentLibraryForm</Edit>
-  <New>DocumentLibraryForm</New>
-</FormTemplates>
+<file path=customXml/itemProps1.xml><?xml version="1.0" encoding="utf-8"?>
+<ds:datastoreItem xmlns:ds="http://schemas.openxmlformats.org/officeDocument/2006/customXml" ds:itemID="{E305301E-11B3-4B9D-A588-21F3C9809371}">
+  <ds:schemaRefs>
+    <ds:schemaRef ds:uri="http://schemas.microsoft.com/office/2006/metadata/properties"/>
+    <ds:schemaRef ds:uri="http://schemas.microsoft.com/office/infopath/2007/PartnerControls"/>
+    <ds:schemaRef ds:uri="http://schemas.microsoft.com/sharepoint/v3"/>
+    <ds:schemaRef ds:uri="71af3243-3dd4-4a8d-8c0d-dd76da1f02a5"/>
+    <ds:schemaRef ds:uri="230e9df3-be65-4c73-a93b-d1236ebd677e"/>
+  </ds:schemaRefs>
+</ds:datastoreItem>
 </file>
 
-<file path=customXml/item3.xml><?xml version="1.0" encoding="utf-8"?>
-<p:properties xmlns:p="http://schemas.microsoft.com/office/2006/metadata/properties" xmlns:xsi="http://www.w3.org/2001/XMLSchema-instance" xmlns:pc="http://schemas.microsoft.com/office/infopath/2007/PartnerControls">
-  <documentManagement>
-    <_ip_UnifiedCompliancePolicyUIAction xmlns="http://schemas.microsoft.com/sharepoint/v3" xsi:nil="true"/>
-    <Image xmlns="71af3243-3dd4-4a8d-8c0d-dd76da1f02a5">
-      <Url xsi:nil="true"/>
-      <Description xsi:nil="true"/>
-    </Image>
-    <Status xmlns="71af3243-3dd4-4a8d-8c0d-dd76da1f02a5">Not started</Status>
-    <Background xmlns="71af3243-3dd4-4a8d-8c0d-dd76da1f02a5">false</Background>
-    <_ip_UnifiedCompliancePolicyProperties xmlns="http://schemas.microsoft.com/sharepoint/v3" xsi:nil="true"/>
-    <ImageTagsTaxHTField xmlns="71af3243-3dd4-4a8d-8c0d-dd76da1f02a5">
-      <Terms xmlns="http://schemas.microsoft.com/office/infopath/2007/PartnerControls"/>
-    </ImageTagsTaxHTField>
-    <TaxCatchAll xmlns="230e9df3-be65-4c73-a93b-d1236ebd677e" xsi:nil="true"/>
-    <MediaServiceKeyPoints xmlns="71af3243-3dd4-4a8d-8c0d-dd76da1f02a5" xsi:nil="true"/>
-  </documentManagement>
-</p:properties>
+<file path=customXml/itemProps2.xml><?xml version="1.0" encoding="utf-8"?>
+<ds:datastoreItem xmlns:ds="http://schemas.openxmlformats.org/officeDocument/2006/customXml" ds:itemID="{44137456-21FC-4AE2-8A94-BF06CAF2EB9B}">
+  <ds:schemaRefs>
+    <ds:schemaRef ds:uri="http://schemas.microsoft.com/sharepoint/v3/contenttype/forms"/>
+  </ds:schemaRefs>
+</ds:datastoreItem>
 </file>
 
-<file path=customXml/itemProps1.xml><?xml version="1.0" encoding="utf-8"?>
+<file path=customXml/itemProps3.xml><?xml version="1.0" encoding="utf-8"?>
 <ds:datastoreItem xmlns:ds="http://schemas.openxmlformats.org/officeDocument/2006/customXml" ds:itemID="{C77B561B-3A65-4A22-9691-EB838E7F9B87}">
   <ds:schemaRefs>
     <ds:schemaRef ds:uri="http://schemas.microsoft.com/office/2006/metadata/contentType"/>
@@ -11948,26 +20204,6 @@
 </ds:datastoreItem>
 </file>
 
-<file path=customXml/itemProps2.xml><?xml version="1.0" encoding="utf-8"?>
-<ds:datastoreItem xmlns:ds="http://schemas.openxmlformats.org/officeDocument/2006/customXml" ds:itemID="{44137456-21FC-4AE2-8A94-BF06CAF2EB9B}">
-  <ds:schemaRefs>
-    <ds:schemaRef ds:uri="http://schemas.microsoft.com/sharepoint/v3/contenttype/forms"/>
-  </ds:schemaRefs>
-</ds:datastoreItem>
-</file>
-
-<file path=customXml/itemProps3.xml><?xml version="1.0" encoding="utf-8"?>
-<ds:datastoreItem xmlns:ds="http://schemas.openxmlformats.org/officeDocument/2006/customXml" ds:itemID="{E305301E-11B3-4B9D-A588-21F3C9809371}">
-  <ds:schemaRefs>
-    <ds:schemaRef ds:uri="http://schemas.microsoft.com/office/2006/metadata/properties"/>
-    <ds:schemaRef ds:uri="http://schemas.microsoft.com/office/infopath/2007/PartnerControls"/>
-    <ds:schemaRef ds:uri="http://schemas.microsoft.com/sharepoint/v3"/>
-    <ds:schemaRef ds:uri="71af3243-3dd4-4a8d-8c0d-dd76da1f02a5"/>
-    <ds:schemaRef ds:uri="230e9df3-be65-4c73-a93b-d1236ebd677e"/>
-  </ds:schemaRefs>
-</ds:datastoreItem>
-</file>
-
 <file path=docMetadata/LabelInfo.xml><?xml version="1.0" encoding="utf-8"?>
 <clbl:labelList xmlns:clbl="http://schemas.microsoft.com/office/2020/mipLabelMetadata"/>
 </file>